--- a/PomoTufty - design.pptx
+++ b/PomoTufty - design.pptx
@@ -5,9 +5,7 @@
     <p:sldMasterId id="2147483648" r:id="rId5"/>
   </p:sldMasterIdLst>
   <p:sldIdLst>
-    <p:sldId id="256" r:id="rId6"/>
-    <p:sldId id="257" r:id="rId7"/>
-    <p:sldId id="258" r:id="rId8"/>
+    <p:sldId id="257" r:id="rId6"/>
   </p:sldIdLst>
   <p:sldSz cx="12192000" cy="6858000"/>
   <p:notesSz cx="6858000" cy="12192000"/>
@@ -238,7 +236,7 @@
             <a:spLocks noGrp="1" noChangeArrowheads="1"/>
             <a:extLst>
               <a:ext uri="smNativeData">
-                <pr:smNativeData xmlns:pr="smNativeData" xmlns="smNativeData" val="SMDATA_16_FrZCYxMAAAAlAAAAZAAAAA8BAAAAkAAAAEgAAACQAAAASAAAAAAAAAABAAAAAAAAAAEAAABQAAAAAAAAAAAA4D8AAAAAAADgPwAAAAAAAOA/AAAAAAAA4D8AAAAAAADgPwAAAAAAAOA/AAAAAAAA4D8AAAAAAADgPwAAAAAAAOA/AAAAAAAA4D8CAAAAjAAAAAAAAAAAAAAAu+DjDP///wgAAAAAAAAAAAAAAAAAAAAAAAAAAAAAAAAAAAAAZAAAAAEAAABAAAAAAAAAAAAAAAAAAAAAAAAAAAAAAAAAAAAAAAAAAAAAAAAAAAAAAAAAAAAAAAAAAAAAAAAAAAAAAAAAAAAAAAAAAAAAAAAAAAAAAAAAAAAAAAAAAAAAFAAAADwAAAAAAAAAAAAAAAAAAAkUAAAAAQAAABQAAAAUAAAAFAAAAAEAAAAAAAAAZAAAAGQAAAAAAAAAZAAAAGQAAAAVAAAAYAAAAAAAAAAAAAAADwAAACADAAAAAAAAAAAAAAEAAACgMgAAVgcAAKr4//8BAAAAf39/AAEAAABkAAAAAAAAABQAAABAHwAAAAAAACYAAAAAAAAAwOD//wAAAAAmAAAAZAAAABYAAABMAAAAAAAAAAAAAAAEAAAAAAAAAAEAAACAgIAKAAAAACgAAAAoAAAAZAAAAGQAAAAAAAAAzMzMAAAAAABQAAAAUAAAAGQAAABkAAAAAAAAABcAAAAUAAAAAAAAAAAAAAD/fwAA/38AAAAAAAAJAAAABAAAAAAAAAAeAAAAaAAAAAAAAAAAAAAAAAAAAAAAAAAAAAAAECcAABAnAAAAAAAAAAAAAAAAAAAAAAAAAAAAAAAAAAAAAAAAAAAAABQAAAAAAAAAwMD/AAAAAABkAAAAMgAAAAAAAABkAAAAAAAAAH9/fwAKAAAAIgAAABgAAAAAAAAAAAAAAAAAAAAAAAAAAAAAAAAAAAAkAAAAJAAAAAAAAAAHAAAAAAAAAAAAAAAAAAAAAAAAAAAAAAAAAAAAf39/ACUAAABYAAAAAAAAAAAAAAAAAAAAAAAAAAAAAAAAAAAAAAAAAAAAAAAAAAAAAAAAAAAAAAA/AAAAAAAAAKCGAQAAAAAAAAAAAAAAAAAMAAAAAQAAAAAAAAAAAAAAAAAAAB8AAABUAAAAAAAABQAAAAEAAAAAAAAAAAAAAAAAAAAAAAAAAAAAAAAAAAAAAAAAAAAAAAJ/f38AAAAAA8zMzADAwP8Af39/AAAAAAAAAAAAAAAAAAAAAAAAAAAAIQAAABgAAAAUAAAAoAUAABoNAABgRQAAJhYAABAAAAAmAAAACAAAAAEAAAAAAAAAMAAAABQAAAAAAAAAAAD//wAAAQAAAP//AAABAA=="/>
+                <pr:smNativeData xmlns:pr="smNativeData" xmlns="smNativeData" val="SMDATA_16_zfxKYxMAAAAlAAAAZAAAAA8BAAAAkAAAAEgAAACQAAAASAAAAAAAAAABAAAAAAAAAAEAAABQAAAAAAAAAAAA4D8AAAAAAADgPwAAAAAAAOA/AAAAAAAA4D8AAAAAAADgPwAAAAAAAOA/AAAAAAAA4D8AAAAAAADgPwAAAAAAAOA/AAAAAAAA4D8CAAAAjAAAAAAAAAAAAAAAu+DjDP///wgAAAAAAAAAAAAAAAAAAAAAAAAAAAAAAAAAAAAAZAAAAAEAAABAAAAAAAAAAAAAAAAAAAAAAAAAAAAAAAAAAAAAAAAAAAAAAAAAAAAAAAAAAAAAAAAAAAAAAAAAAAAAAAAAAAAAAAAAAAAAAAAAAAAAAAAAAAAAAAAAAAAAFAAAADwAAAAAAAAAAAAAAAAAAAkUAAAAAQAAABQAAAAUAAAAFAAAAAEAAAAAAAAAZAAAAGQAAAAAAAAAZAAAAGQAAAAVAAAAYAAAAAAAAAAAAAAADwAAACADAAAAAAAAAAAAAAEAAACgMgAAVgcAAKr4//8BAAAAf39/AAEAAABkAAAAAAAAABQAAABAHwAAAAAAACYAAAAAAAAAwOD//wAAAAAmAAAAZAAAABYAAABMAAAAAAAAAAAAAAAEAAAAAAAAAAEAAACAgIAKAAAAACgAAAAoAAAAZAAAAGQAAAAAAAAAzMzMAAAAAABQAAAAUAAAAGQAAABkAAAAAAAAABcAAAAUAAAAAAAAAAAAAAD/fwAA/38AAAAAAAAJAAAABAAAAAAAAAAeAAAAaAAAAAAAAAAAAAAAAAAAAAAAAAAAAAAAECcAABAnAAAAAAAAAAAAAAAAAAAAAAAAAAAAAAAAAAAAAAAAAAAAABQAAAAAAAAAwMD/AAAAAABkAAAAMgAAAAAAAABkAAAAAAAAAH9/fwAKAAAAIgAAABgAAAAAAAAAAAAAAAAAAAAAAAAAAAAAAAAAAAAkAAAAJAAAAAAAAAAHAAAAAAAAAAAAAAAAAAAAAAAAAAAAAAAAAAAAf39/ACUAAABYAAAAAAAAAAAAAAAAAAAAAAAAAAAAAAAAAAAAAAAAAAAAAAAAAAAAAAAAAAAAAAA/AAAAAAAAAKCGAQAAAAAAAAAAAAAAAAAMAAAAAQAAAAAAAAAAAAAAAAAAAB8AAABUAAAAAAAABQAAAAEAAAAAAAAAAAAAAAAAAAAAAAAAAAAAAAAAAAAAAAAAAAAAAAJ/f38AAAAAA8zMzADAwP8Af39/AAAAAAAAAAAAAAAAAAAAAAAAAAAAIQAAABgAAAAUAAAAoAUAABoNAABgRQAAJhYAABAAAAAmAAAACAAAAAEAAAAAAAAAMAAAABQAAAAAAAAAAAD//wAAAQAAAP//AAABAA=="/>
               </a:ext>
             </a:extLst>
           </p:cNvSpPr>
@@ -270,7 +268,7 @@
             <a:spLocks noGrp="1" noChangeArrowheads="1"/>
             <a:extLst>
               <a:ext uri="smNativeData">
-                <pr:smNativeData xmlns:pr="smNativeData" xmlns="smNativeData" val="SMDATA_16_FrZCYxMAAAAlAAAAZAAAAA8BAAAAkAAAAEgAAACQAAAASAAAAAAAAAAAAAAAAAAAAAEAAABQAAAAAAAAAAAA4D8AAAAAAADgPwAAAAAAAOA/AAAAAAAA4D8AAAAAAADgPwAAAAAAAOA/AAAAAAAA4D8AAAAAAADgPwAAAAAAAOA/AAAAAAAA4D8CAAAAjAAAAAAAAAAAAAAAu+DjDP///wgAAAAAAAAAAAAAAAAAAAAAAAAAAAAAAAAAAAAAZAAAAAEAAABAAAAAAAAAAAAAAAAAAAAAAAAAAAAAAAAAAAAAAAAAAAAAAAAAAAAAAAAAAAAAAAAAAAAAAAAAAAAAAAAAAAAAAAAAAAAAAAAAAAAAAAAAAAAAAAAAAAAAFAAAADwAAAAAAAAAAAAAAAAAAAkUAAAAAQAAABQAAAAUAAAAFAAAAAEAAAAAAAAAZAAAAGQAAAAAAAAAZAAAAGQAAAAVAAAAYAAAAAAAAAAAAAAADwAAACADAAAAAAAAAAAAAAEAAACgMgAAVgcAAKr4//8BAAAAf39/AAEAAABkAAAAAAAAABQAAABAHwAAAAAAACYAAAAAAAAAwOD//wAAAAAmAAAAZAAAABYAAABMAAAAAAAAAAAAAAAEAAAAAAAAAAEAAACAgIAKAAAAACgAAAAoAAAAZAAAAGQAAAAAAAAAzMzMAAAAAABQAAAAUAAAAGQAAABkAAAAAAAAABcAAAAUAAAAAAAAAAAAAAD/fwAA/38AAAAAAAAJAAAABAAAAAAAAAAeAAAAaAAAAAAAAAAAAAAAAAAAAAAAAAAAAAAAECcAABAnAAAAAAAAAAAAAAAAAAAAAAAAAAAAAAAAAAAAAAAAAAAAABQAAAAAAAAAwMD/AAAAAABkAAAAMgAAAAAAAABkAAAAAAAAAH9/fwAKAAAAIgAAABgAAAAAAAAAAAAAAAAAAAAAAAAAAAAAAAAAAAAkAAAAJAAAAAAAAAAHAAAAAAAAAAAAAAAAAAAAAAAAAAAAAAAAAAAAf39/ACUAAABYAAAAAAAAAAAAAAAAAAAAAAAAAAAAAAAAAAAAAAAAAAAAAAAAAAAAAAAAAAAAAAA/AAAAAAAAAKCGAQAAAAAAAAAAAAAAAAAMAAAAAQAAAAAAAAAAAAAAAAAAAB8AAABUAAAAAAAABQAAAAEAAAAAAAAAAAAAAAAAAAAAAAAAAAAAAAAAAAAAAAAAAAAAAAJ/f38AAAAAA8zMzADAwP8Af39/AAAAAAAAAAAAAAAAAAAAAAAAAAAAIQAAABgAAAAUAAAAQAsAAOgXAADAPwAAsCIAABAAAAAmAAAACAAAAAGAAAAAAAAAMAAAABQAAAAAAAAAAAD//wAAAQAAAP//AAABAA=="/>
+                <pr:smNativeData xmlns:pr="smNativeData" xmlns="smNativeData" val="SMDATA_16_zfxKYxMAAAAlAAAAZAAAAA8BAAAAkAAAAEgAAACQAAAASAAAAAAAAAAAAAAAAAAAAAEAAABQAAAAAAAAAAAA4D8AAAAAAADgPwAAAAAAAOA/AAAAAAAA4D8AAAAAAADgPwAAAAAAAOA/AAAAAAAA4D8AAAAAAADgPwAAAAAAAOA/AAAAAAAA4D8CAAAAjAAAAAAAAAAAAAAAu+DjDP///wgAAAAAAAAAAAAAAAAAAAAAAAAAAAAAAAAAAAAAZAAAAAEAAABAAAAAAAAAAAAAAAAAAAAAAAAAAAAAAAAAAAAAAAAAAAAAAAAAAAAAAAAAAAAAAAAAAAAAAAAAAAAAAAAAAAAAAAAAAAAAAAAAAAAAAAAAAAAAAAAAAAAAFAAAADwAAAAAAAAAAAAAAAAAAAkUAAAAAQAAABQAAAAUAAAAFAAAAAEAAAAAAAAAZAAAAGQAAAAAAAAAZAAAAGQAAAAVAAAAYAAAAAAAAAAAAAAADwAAACADAAAAAAAAAAAAAAEAAACgMgAAVgcAAKr4//8BAAAAf39/AAEAAABkAAAAAAAAABQAAABAHwAAAAAAACYAAAAAAAAAwOD//wAAAAAmAAAAZAAAABYAAABMAAAAAAAAAAAAAAAEAAAAAAAAAAEAAACAgIAKAAAAACgAAAAoAAAAZAAAAGQAAAAAAAAAzMzMAAAAAABQAAAAUAAAAGQAAABkAAAAAAAAABcAAAAUAAAAAAAAAAAAAAD/fwAA/38AAAAAAAAJAAAABAAAAAAAAAAeAAAAaAAAAAAAAAAAAAAAAAAAAAAAAAAAAAAAECcAABAnAAAAAAAAAAAAAAAAAAAAAAAAAAAAAAAAAAAAAAAAAAAAABQAAAAAAAAAwMD/AAAAAABkAAAAMgAAAAAAAABkAAAAAAAAAH9/fwAKAAAAIgAAABgAAAAAAAAAAAAAAAAAAAAAAAAAAAAAAAAAAAAkAAAAJAAAAAAAAAAHAAAAAAAAAAAAAAAAAAAAAAAAAAAAAAAAAAAAf39/ACUAAABYAAAAAAAAAAAAAAAAAAAAAAAAAAAAAAAAAAAAAAAAAAAAAAAAAAAAAAAAAAAAAAA/AAAAAAAAAKCGAQAAAAAAAAAAAAAAAAAMAAAAAQAAAAAAAAAAAAAAAAAAAB8AAABUAAAAAAAABQAAAAEAAAAAAAAAAAAAAAAAAAAAAAAAAAAAAAAAAAAAAAAAAAAAAAJ/f38AAAAAA8zMzADAwP8Af39/AAAAAAAAAAAAAAAAAAAAAAAAAAAAIQAAABgAAAAUAAAAQAsAAOgXAADAPwAAsCIAABAAAAAmAAAACAAAAAGAAAAAAAAAMAAAABQAAAAAAAAAAAD//wAAAQAAAP//AAABAA=="/>
               </a:ext>
             </a:extLst>
           </p:cNvSpPr>
@@ -330,7 +328,7 @@
             <a:spLocks noGrp="1" noChangeArrowheads="1"/>
             <a:extLst>
               <a:ext uri="smNativeData">
-                <pr:smNativeData xmlns:pr="smNativeData" xmlns="smNativeData" val="SMDATA_16_FrZCYxMAAAAlAAAAZAAAAA8BAAAAkAAAAEgAAACQAAAASAAAAAAAAAABAAAAAAAAAAEAAABQAAAAAAAAAAAA4D8AAAAAAADgPwAAAAAAAOA/AAAAAAAA4D8AAAAAAADgPwAAAAAAAOA/AAAAAAAA4D8AAAAAAADgPwAAAAAAAOA/AAAAAAAA4D8CAAAAjAAAAAAAAAAAAAAAu+DjDP///wgAAAAAAAAAAAAAAAAAAAAAAAAAAAAAAAAAAAAAZAAAAAEAAABAAAAAAAAAAAAAAAAAAAAAAAAAAAAAAAAAAAAAAAAAAAAAAAAAAAAAAAAAAAAAAAAAAAAAAAAAAAAAAAAAAAAAAAAAAAAAAAAAAAAAAAAAAAAAAAAAAAAAFAAAADwAAAAAAAAAAAAAAAAAAAkUAAAAAQAAABQAAAAUAAAAFAAAAAEAAAAAAAAAZAAAAGQAAAAAAAAAZAAAAGQAAAAVAAAAYAAAAAAAAAAAAAAADwAAACADAAAAAAAAAAAAAAEAAACgMgAAVgcAAKr4//8BAAAAf39/AAEAAABkAAAAAAAAABQAAABAHwAAAAAAACYAAAAAAAAAwOD//wAAAAAmAAAAZAAAABYAAABMAAAAAAAAAAAAAAAEAAAAAAAAAAEAAACAgIAKAAAAACgAAAAoAAAAZAAAAGQAAAAAAAAAzMzMAAAAAABQAAAAUAAAAGQAAABkAAAAAAAAABcAAAAUAAAAAAAAAAAAAAD/fwAA/38AAAAAAAAJAAAABAAAAAAAAAAeAAAAaAAAAAAAAAAAAAAAAAAAAAAAAAAAAAAAECcAABAnAAAAAAAAAAAAAAAAAAAAAAAAAAAAAAAAAAAAAAAAAAAAABQAAAAAAAAAwMD/AAAAAABkAAAAMgAAAAAAAABkAAAAAAAAAH9/fwAKAAAAIgAAABgAAAAAAAAAAAAAAAAAAAAAAAAAAAAAAAAAAAAkAAAAJAAAAAAAAAAHAAAAAAAAAAAAAAAAAAAAAAAAAAAAAAAAAAAAf39/ACUAAABYAAAAAAAAAAAAAAAAAAAAAAAAAAAAAAAAAAAAAAAAAAAAAAAAAAAAAAAAAAAAAAA/AAAAAAAAAKCGAQAAAAAAAAAAAAAAAAAMAAAAAQAAAAAAAAAAAAAAAAAAAB8AAABUAAAAAAAABQAAAAEAAAAAAAAAAAAAAAAAAAAAAAAAAAAAAAAAAAAAAAAAAAAAAAJ/f38AAAAAA8zMzADAwP8Af39/AAAAAAAAAAAAAAAAAAAAAAAAAAAAIQAAABgAAAAUAAAAwAMAABsnAAA/FQAAWSkAABAAAAAmAAAACAAAAAAAAAAAAAAAMAAAABQAAAAAAAAAAAD//wAAAQAAAP//AAABAA=="/>
+                <pr:smNativeData xmlns:pr="smNativeData" xmlns="smNativeData" val="SMDATA_16_zfxKYxMAAAAlAAAAZAAAAA8BAAAAkAAAAEgAAACQAAAASAAAAAAAAAABAAAAAAAAAAEAAABQAAAAAAAAAAAA4D8AAAAAAADgPwAAAAAAAOA/AAAAAAAA4D8AAAAAAADgPwAAAAAAAOA/AAAAAAAA4D8AAAAAAADgPwAAAAAAAOA/AAAAAAAA4D8CAAAAjAAAAAAAAAAAAAAAu+DjDP///wgAAAAAAAAAAAAAAAAAAAAAAAAAAAAAAAAAAAAAZAAAAAEAAABAAAAAAAAAAAAAAAAAAAAAAAAAAAAAAAAAAAAAAAAAAAAAAAAAAAAAAAAAAAAAAAAAAAAAAAAAAAAAAAAAAAAAAAAAAAAAAAAAAAAAAAAAAAAAAAAAAAAAFAAAADwAAAAAAAAAAAAAAAAAAAkUAAAAAQAAABQAAAAUAAAAFAAAAAEAAAAAAAAAZAAAAGQAAAAAAAAAZAAAAGQAAAAVAAAAYAAAAAAAAAAAAAAADwAAACADAAAAAAAAAAAAAAEAAACgMgAAVgcAAKr4//8BAAAAf39/AAEAAABkAAAAAAAAABQAAABAHwAAAAAAACYAAAAAAAAAwOD//wAAAAAmAAAAZAAAABYAAABMAAAAAAAAAAAAAAAEAAAAAAAAAAEAAACAgIAKAAAAACgAAAAoAAAAZAAAAGQAAAAAAAAAzMzMAAAAAABQAAAAUAAAAGQAAABkAAAAAAAAABcAAAAUAAAAAAAAAAAAAAD/fwAA/38AAAAAAAAJAAAABAAAAAAAAAAeAAAAaAAAAAAAAAAAAAAAAAAAAAAAAAAAAAAAECcAABAnAAAAAAAAAAAAAAAAAAAAAAAAAAAAAAAAAAAAAAAAAAAAABQAAAAAAAAAwMD/AAAAAABkAAAAMgAAAAAAAABkAAAAAAAAAH9/fwAKAAAAIgAAABgAAAAAAAAAAAAAAAAAAAAAAAAAAAAAAAAAAAAkAAAAJAAAAAAAAAAHAAAAAAAAAAAAAAAAAAAAAAAAAAAAAAAAAAAAf39/ACUAAABYAAAAAAAAAAAAAAAAAAAAAAAAAAAAAAAAAAAAAAAAAAAAAAAAAAAAAAAAAAAAAAA/AAAAAAAAAKCGAQAAAAAAAAAAAAAAAAAMAAAAAQAAAAAAAAAAAAAAAAAAAB8AAABUAAAAAAAABQAAAAEAAAAAAAAAAAAAAAAAAAAAAAAAAAAAAAAAAAAAAAAAAAAAAAJ/f38AAAAAA8zMzADAwP8Af39/AAAAAAAAAAAAAAAAAAAAAAAAAAAAIQAAABgAAAAUAAAAwAMAABsnAAA/FQAAWSkAABAAAAAmAAAACAAAAAAAAAAAAAAAMAAAABQAAAAAAAAAAAD//wAAAQAAAP//AAABAA=="/>
               </a:ext>
             </a:extLst>
           </p:cNvSpPr>
@@ -344,7 +342,7 @@
           <a:lstStyle/>
           <a:p>
             <a:pPr/>
-            <a:fld id="{7FF57205-4B92-A084-DC4D-BDD13C032AE8}" type="datetime1">
+            <a:fld id="{6E46F558-1683-1303-CDFE-E056BBB03BB5}" type="datetime1">
               <a:t/>
             </a:fld>
           </a:p>
@@ -357,7 +355,7 @@
             <a:spLocks noGrp="1" noChangeArrowheads="1"/>
             <a:extLst>
               <a:ext uri="smNativeData">
-                <pr:smNativeData xmlns:pr="smNativeData" xmlns="smNativeData" val="SMDATA_16_FrZCYxMAAAAlAAAAZAAAAA8BAAAAkAAAAEgAAACQAAAASAAAAAAAAAABAAAAAAAAAAEAAABQAAAAAAAAAAAA4D8AAAAAAADgPwAAAAAAAOA/AAAAAAAA4D8AAAAAAADgPwAAAAAAAOA/AAAAAAAA4D8AAAAAAADgPwAAAAAAAOA/AAAAAAAA4D8CAAAAjAAAAAAAAAAAAAAAu+DjDP///wgAAAAAAAAAAAAAAAAAAAAAAAAAAAAAAAAAAAAAZAAAAAEAAABAAAAAAAAAAAAAAAAAAAAAAAAAAAAAAAAAAAAAAAAAAAAAAAAAAAAAAAAAAAAAAAAAAAAAAAAAAAAAAAAAAAAAAAAAAAAAAAAAAAAAAAAAAAAAAAAAAAAAFAAAADwAAAAAAAAAAAAAAAAAAAkUAAAAAQAAABQAAAAUAAAAFAAAAAEAAAAAAAAAZAAAAGQAAAAAAAAAZAAAAGQAAAAVAAAAYAAAAAAAAAAAAAAADwAAACADAAAAAAAAAAAAAAEAAACgMgAAVgcAAKr4//8BAAAAf39/AAEAAABkAAAAAAAAABQAAABAHwAAAAAAACYAAAAAAAAAwOD//wAAAAAmAAAAZAAAABYAAABMAAAAAAAAAAAAAAAEAAAAAAAAAAEAAACAgIAKAAAAACgAAAAoAAAAZAAAAGQAAAAAAAAAzMzMAAAAAABQAAAAUAAAAGQAAABkAAAAAAAAABcAAAAUAAAAAAAAAAAAAAD/fwAA/38AAAAAAAAJAAAABAAAAAAAAAAeAAAAaAAAAAAAAAAAAAAAAAAAAAAAAAAAAAAAECcAABAnAAAAAAAAAAAAAAAAAAAAAAAAAAAAAAAAAAAAAAAAAAAAABQAAAAAAAAAwMD/AAAAAABkAAAAMgAAAAAAAABkAAAAAAAAAH9/fwAKAAAAIgAAABgAAAAAAAAAAAAAAAAAAAAAAAAAAAAAAAAAAAAkAAAAJAAAAAAAAAAHAAAAAAAAAAAAAAAAAAAAAAAAAAAAAAAAAAAAf39/ACUAAABYAAAAAAAAAAAAAAAAAAAAAAAAAAAAAAAAAAAAAAAAAAAAAAAAAAAAAAAAAAAAAAA/AAAAAAAAAKCGAQAAAAAAAAAAAAAAAAAMAAAAAQAAAAAAAAAAAAAAAAAAAB8AAABUAAAAAAAABQAAAAEAAAAAAAAAAAAAAAAAAAAAAAAAAAAAAAAAAAAAAAAAAAAAAAJ/f38AAAAAA8zMzADAwP8Af39/AAAAAAAAAAAAAAAAAAAAAAAAAAAAIQAAABgAAAAUAAAAoRkAABsnAABfMQAAWSkAABAAAAAmAAAACAAAAAAAAAAAAAAAMAAAABQAAAAAAAAAAAD//wAAAQAAAP//AAABAA=="/>
+                <pr:smNativeData xmlns:pr="smNativeData" xmlns="smNativeData" val="SMDATA_16_zfxKYxMAAAAlAAAAZAAAAA8BAAAAkAAAAEgAAACQAAAASAAAAAAAAAABAAAAAAAAAAEAAABQAAAAAAAAAAAA4D8AAAAAAADgPwAAAAAAAOA/AAAAAAAA4D8AAAAAAADgPwAAAAAAAOA/AAAAAAAA4D8AAAAAAADgPwAAAAAAAOA/AAAAAAAA4D8CAAAAjAAAAAAAAAAAAAAAu+DjDP///wgAAAAAAAAAAAAAAAAAAAAAAAAAAAAAAAAAAAAAZAAAAAEAAABAAAAAAAAAAAAAAAAAAAAAAAAAAAAAAAAAAAAAAAAAAAAAAAAAAAAAAAAAAAAAAAAAAAAAAAAAAAAAAAAAAAAAAAAAAAAAAAAAAAAAAAAAAAAAAAAAAAAAFAAAADwAAAAAAAAAAAAAAAAAAAkUAAAAAQAAABQAAAAUAAAAFAAAAAEAAAAAAAAAZAAAAGQAAAAAAAAAZAAAAGQAAAAVAAAAYAAAAAAAAAAAAAAADwAAACADAAAAAAAAAAAAAAEAAACgMgAAVgcAAKr4//8BAAAAf39/AAEAAABkAAAAAAAAABQAAABAHwAAAAAAACYAAAAAAAAAwOD//wAAAAAmAAAAZAAAABYAAABMAAAAAAAAAAAAAAAEAAAAAAAAAAEAAACAgIAKAAAAACgAAAAoAAAAZAAAAGQAAAAAAAAAzMzMAAAAAABQAAAAUAAAAGQAAABkAAAAAAAAABcAAAAUAAAAAAAAAAAAAAD/fwAA/38AAAAAAAAJAAAABAAAAAAAAAAeAAAAaAAAAAAAAAAAAAAAAAAAAAAAAAAAAAAAECcAABAnAAAAAAAAAAAAAAAAAAAAAAAAAAAAAAAAAAAAAAAAAAAAABQAAAAAAAAAwMD/AAAAAABkAAAAMgAAAAAAAABkAAAAAAAAAH9/fwAKAAAAIgAAABgAAAAAAAAAAAAAAAAAAAAAAAAAAAAAAAAAAAAkAAAAJAAAAAAAAAAHAAAAAAAAAAAAAAAAAAAAAAAAAAAAAAAAAAAAf39/ACUAAABYAAAAAAAAAAAAAAAAAAAAAAAAAAAAAAAAAAAAAAAAAAAAAAAAAAAAAAAAAAAAAAA/AAAAAAAAAKCGAQAAAAAAAAAAAAAAAAAMAAAAAQAAAAAAAAAAAAAAAAAAAB8AAABUAAAAAAAABQAAAAEAAAAAAAAAAAAAAAAAAAAAAAAAAAAAAAAAAAAAAAAAAAAAAAJ/f38AAAAAA8zMzADAwP8Af39/AAAAAAAAAAAAAAAAAAAAAAAAAAAAIQAAABgAAAAUAAAAoRkAABsnAABfMQAAWSkAABAAAAAmAAAACAAAAAAAAAAAAAAAMAAAABQAAAAAAAAAAAD//wAAAQAAAP//AAABAA=="/>
               </a:ext>
             </a:extLst>
           </p:cNvSpPr>
@@ -371,9 +369,6 @@
           <a:lstStyle/>
           <a:p>
             <a:pPr/>
-            <a:r>
-              <a:t/>
-            </a:r>
           </a:p>
         </p:txBody>
       </p:sp>
@@ -384,7 +379,7 @@
             <a:spLocks noGrp="1" noChangeArrowheads="1"/>
             <a:extLst>
               <a:ext uri="smNativeData">
-                <pr:smNativeData xmlns:pr="smNativeData" xmlns="smNativeData" val="SMDATA_16_FrZCYxMAAAAlAAAAZAAAAA8BAAAAkAAAAEgAAACQAAAASAAAAAAAAAABAAAAAAAAAAEAAABQAAAAAAAAAAAA4D8AAAAAAADgPwAAAAAAAOA/AAAAAAAA4D8AAAAAAADgPwAAAAAAAOA/AAAAAAAA4D8AAAAAAADgPwAAAAAAAOA/AAAAAAAA4D8CAAAAjAAAAAAAAAAAAAAAu+DjDP///wgAAAAAAAAAAAAAAAAAAAAAAAAAAAAAAAAAAAAAZAAAAAEAAABAAAAAAAAAAAAAAAAAAAAAAAAAAAAAAAAAAAAAAAAAAAAAAAAAAAAAAAAAAAAAAAAAAAAAAAAAAAAAAAAAAAAAAAAAAAAAAAAAAAAAAAAAAAAAAAAAAAAAFAAAADwAAAAAAAAAAAAAAAAAAAkUAAAAAQAAABQAAAAUAAAAFAAAAAEAAAAAAAAAZAAAAGQAAAAAAAAAZAAAAGQAAAAVAAAAYAAAAAAAAAAAAAAADwAAACADAAAAAAAAAAAAAAEAAACgMgAAVgcAAKr4//8BAAAAf39/AAEAAABkAAAAAAAAABQAAABAHwAAAAAAACYAAAAAAAAAwOD//wAAAAAmAAAAZAAAABYAAABMAAAAAAAAAAAAAAAEAAAAAAAAAAEAAACAgIAKAAAAACgAAAAoAAAAZAAAAGQAAAAAAAAAzMzMAAAAAABQAAAAUAAAAGQAAABkAAAAAAAAABcAAAAUAAAAAAAAAAAAAAD/fwAA/38AAAAAAAAJAAAABAAAAHsAfAAeAAAAaAAAAAAAAAAAAAAAAAAAAAAAAAAAAAAAECcAABAnAAAAAAAAAAAAAAAAAAAAAAAAAAAAAAAAAAAAAAAAAAAAABQAAAAAAAAAwMD/AAAAAABkAAAAMgAAAAAAAABkAAAAAAAAAH9/fwAKAAAAIgAAABgAAAAAAAAAAAAAAAAAAAAAAAAAAAAAAAAAAAAkAAAAJAAAAAAAAAAHAAAAAAAAAAAAAAAAAAAAAAAAAAAAAAAAAAAAf39/ACUAAABYAAAAAAAAAAAAAAAAAAAAAAAAAAAAAAAAAAAAAAAAAAAAAAAAAAAAAAAAAAAAAAA/AAAAAAAAAKCGAQAAAAAAAAAAAAAAAAAMAAAAAQAAAAAAAAAAAAAAAAAAAB8AAABUAAAAAAAABQAAAAEAAAAAAAAAAAAAAAAAAAAAAAAAAAAAAAAAAAAAAAAAAAAAAAJ/f38AAAAAA8zMzADAwP8Af39/AAAAAAAAAAAAAAAAAAAAAAAAAAAAIQAAABgAAAAUAAAAwTUAABsnAABARwAAWSkAABAAAAAmAAAACAAAAAAAAAAAAAAAMAAAABQAAAAAAAAAAAD//wAAAQAAAP//AAABAA=="/>
+                <pr:smNativeData xmlns:pr="smNativeData" xmlns="smNativeData" val="SMDATA_16_zfxKYxMAAAAlAAAAZAAAAA8BAAAAkAAAAEgAAACQAAAASAAAAAAAAAABAAAAAAAAAAEAAABQAAAAAAAAAAAA4D8AAAAAAADgPwAAAAAAAOA/AAAAAAAA4D8AAAAAAADgPwAAAAAAAOA/AAAAAAAA4D8AAAAAAADgPwAAAAAAAOA/AAAAAAAA4D8CAAAAjAAAAAAAAAAAAAAAu+DjDP///wgAAAAAAAAAAAAAAAAAAAAAAAAAAAAAAAAAAAAAZAAAAAEAAABAAAAAAAAAAAAAAAAAAAAAAAAAAAAAAAAAAAAAAAAAAAAAAAAAAAAAAAAAAAAAAAAAAAAAAAAAAAAAAAAAAAAAAAAAAAAAAAAAAAAAAAAAAAAAAAAAAAAAFAAAADwAAAAAAAAAAAAAAAAAAAkUAAAAAQAAABQAAAAUAAAAFAAAAAEAAAAAAAAAZAAAAGQAAAAAAAAAZAAAAGQAAAAVAAAAYAAAAAAAAAAAAAAADwAAACADAAAAAAAAAAAAAAEAAACgMgAAVgcAAKr4//8BAAAAf39/AAEAAABkAAAAAAAAABQAAABAHwAAAAAAACYAAAAAAAAAwOD//wAAAAAmAAAAZAAAABYAAABMAAAAAAAAAAAAAAAEAAAAAAAAAAEAAACAgIAKAAAAACgAAAAoAAAAZAAAAGQAAAAAAAAAzMzMAAAAAABQAAAAUAAAAGQAAABkAAAAAAAAABcAAAAUAAAAAAAAAAAAAAD/fwAA/38AAAAAAAAJAAAABAAAAHsAfAAeAAAAaAAAAAAAAAAAAAAAAAAAAAAAAAAAAAAAECcAABAnAAAAAAAAAAAAAAAAAAAAAAAAAAAAAAAAAAAAAAAAAAAAABQAAAAAAAAAwMD/AAAAAABkAAAAMgAAAAAAAABkAAAAAAAAAH9/fwAKAAAAIgAAABgAAAAAAAAAAAAAAAAAAAAAAAAAAAAAAAAAAAAkAAAAJAAAAAAAAAAHAAAAAAAAAAAAAAAAAAAAAAAAAAAAAAAAAAAAf39/ACUAAABYAAAAAAAAAAAAAAAAAAAAAAAAAAAAAAAAAAAAAAAAAAAAAAAAAAAAAAAAAAAAAAA/AAAAAAAAAKCGAQAAAAAAAAAAAAAAAAAMAAAAAQAAAAAAAAAAAAAAAAAAAB8AAABUAAAAAAAABQAAAAEAAAAAAAAAAAAAAAAAAAAAAAAAAAAAAAAAAAAAAAAAAAAAAAJ/f38AAAAAA8zMzADAwP8Af39/AAAAAAAAAAAAAAAAAAAAAAAAAAAAIQAAABgAAAAUAAAAwTUAABsnAABARwAAWSkAABAAAAAmAAAACAAAAAAAAAAAAAAAMAAAABQAAAAAAAAAAAD//wAAAQAAAP//AAABAA=="/>
               </a:ext>
             </a:extLst>
           </p:cNvSpPr>
@@ -398,7 +393,7 @@
           <a:lstStyle/>
           <a:p>
             <a:pPr/>
-            <a:fld id="{5841BB5B-15B5-144D-FBF9-E318F5B70DB6}" type="slidenum">
+            <a:fld id="{61896412-5C8C-DC92-C231-AAC72A7F34FF}" type="slidenum">
               <a:t/>
             </a:fld>
           </a:p>
@@ -409,6 +404,7 @@
   <p:clrMapOvr>
     <a:masterClrMapping/>
   </p:clrMapOvr>
+  <p:hf hdr="0" ftr="0"/>
 </p:sldLayout>
 </file>
 
@@ -436,7 +432,7 @@
             <a:spLocks noGrp="1" noChangeArrowheads="1"/>
             <a:extLst>
               <a:ext uri="smNativeData">
-                <pr:smNativeData xmlns:pr="smNativeData" xmlns="smNativeData" val="SMDATA_16_FrZCYxMAAAAlAAAAZAAAAA8BAAAAkAAAAEgAAACQAAAASAAAAAAAAAABAAAAAAAAAAEAAABQAAAAAAAAAAAA4D8AAAAAAADgPwAAAAAAAOA/AAAAAAAA4D8AAAAAAADgPwAAAAAAAOA/AAAAAAAA4D8AAAAAAADgPwAAAAAAAOA/AAAAAAAA4D8CAAAAjAAAAAAAAAAAAAAAu+DjDP///wgAAAAAAAAAAAAAAAAAAAAAAAAAAAAAAAAAAAAAZAAAAAEAAABAAAAAAAAAAAAAAAAAAAAAAAAAAAAAAAAAAAAAAAAAAAAAAAAAAAAAAAAAAAAAAAAAAAAAAAAAAAAAAAAAAAAAAAAAAAAAAAAAAAAAAAAAAAAAAAAAAAAAFAAAADwAAAAAAAAAAAAAAAAAAAkUAAAAAQAAABQAAAAUAAAAFAAAAAEAAAAAAAAAZAAAAGQAAAAAAAAAZAAAAGQAAAAVAAAAYAAAAAAAAAAAAAAADwAAACADAAAAAAAAAAAAAAEAAACgMgAAVgcAAKr4//8BAAAAf39/AAEAAABkAAAAAAAAABQAAABAHwAAAAAAACYAAAAAAAAAwOD//wAAAAAmAAAAZAAAABYAAABMAAAAAAAAAAAAAAAEAAAAAAAAAAEAAACAgIAKAAAAACgAAAAoAAAAZAAAAGQAAAAAAAAAzMzMAAAAAABQAAAAUAAAAGQAAABkAAAAAAAAABcAAAAUAAAAAAAAAAAAAAD/fwAA/38AAAAAAAAJAAAABAAAAG49IjEeAAAAaAAAAAAAAAAAAAAAAAAAAAAAAAAAAAAAECcAABAnAAAAAAAAAAAAAAAAAAAAAAAAAAAAAAAAAAAAAAAAAAAAABQAAAAAAAAAwMD/AAAAAABkAAAAMgAAAAAAAABkAAAAAAAAAH9/fwAKAAAAIgAAABgAAAAAAAAAAAAAAAAAAAAAAAAAAAAAAAAAAAAkAAAAJAAAAAAAAAAHAAAAAAAAAAAAAAAAAAAAAAAAAAAAAAAAAAAAf39/ACUAAABYAAAAAAAAAAAAAAAAAAAAAAAAAAAAAAAAAAAAAAAAAAAAAAAAAAAAAAAAAAAAAAA/AAAAAAAAAKCGAQAAAAAAAAAAAAAAAAAMAAAAAQAAAAAAAAAAAAAAAAAAAB8AAABUAAAAAAAABQAAAAEAAAAAAAAAAAAAAAAAAAAAAAAAAAAAAAAAAAAAAAAAAAAAAAJ/f38AAAAAA8zMzADAwP8Af39/AAAAAAAAAAAAAAAAAAAAAAAAAAAAIQAAABgAAAAUAAAAwAMAALABAABARwAAuAgAABAAAAAmAAAACAAAAAAAAAAAAAAAMAAAABQAAAAAAAAAAAD//wAAAQAAAP//AAABAA=="/>
+                <pr:smNativeData xmlns:pr="smNativeData" xmlns="smNativeData" val="SMDATA_16_zfxKYxMAAAAlAAAAZAAAAA8BAAAAkAAAAEgAAACQAAAASAAAAAAAAAABAAAAAAAAAAEAAABQAAAAAAAAAAAA4D8AAAAAAADgPwAAAAAAAOA/AAAAAAAA4D8AAAAAAADgPwAAAAAAAOA/AAAAAAAA4D8AAAAAAADgPwAAAAAAAOA/AAAAAAAA4D8CAAAAjAAAAAAAAAAAAAAAu+DjDP///wgAAAAAAAAAAAAAAAAAAAAAAAAAAAAAAAAAAAAAZAAAAAEAAABAAAAAAAAAAAAAAAAAAAAAAAAAAAAAAAAAAAAAAAAAAAAAAAAAAAAAAAAAAAAAAAAAAAAAAAAAAAAAAAAAAAAAAAAAAAAAAAAAAAAAAAAAAAAAAAAAAAAAFAAAADwAAAAAAAAAAAAAAAAAAAkUAAAAAQAAABQAAAAUAAAAFAAAAAEAAAAAAAAAZAAAAGQAAAAAAAAAZAAAAGQAAAAVAAAAYAAAAAAAAAAAAAAADwAAACADAAAAAAAAAAAAAAEAAACgMgAAVgcAAKr4//8BAAAAf39/AAEAAABkAAAAAAAAABQAAABAHwAAAAAAACYAAAAAAAAAwOD//wAAAAAmAAAAZAAAABYAAABMAAAAAAAAAAAAAAAEAAAAAAAAAAEAAACAgIAKAAAAACgAAAAoAAAAZAAAAGQAAAAAAAAAzMzMAAAAAABQAAAAUAAAAGQAAABkAAAAAAAAABcAAAAUAAAAAAAAAAAAAAD/fwAA/38AAAAAAAAJAAAABAAAAG49IjEeAAAAaAAAAAAAAAAAAAAAAAAAAAAAAAAAAAAAECcAABAnAAAAAAAAAAAAAAAAAAAAAAAAAAAAAAAAAAAAAAAAAAAAABQAAAAAAAAAwMD/AAAAAABkAAAAMgAAAAAAAABkAAAAAAAAAH9/fwAKAAAAIgAAABgAAAAAAAAAAAAAAAAAAAAAAAAAAAAAAAAAAAAkAAAAJAAAAAAAAAAHAAAAAAAAAAAAAAAAAAAAAAAAAAAAAAAAAAAAf39/ACUAAABYAAAAAAAAAAAAAAAAAAAAAAAAAAAAAAAAAAAAAAAAAAAAAAAAAAAAAAAAAAAAAAA/AAAAAAAAAKCGAQAAAAAAAAAAAAAAAAAMAAAAAQAAAAAAAAAAAAAAAAAAAB8AAABUAAAAAAAABQAAAAEAAAAAAAAAAAAAAAAAAAAAAAAAAAAAAAAAAAAAAAAAAAAAAAJ/f38AAAAAA8zMzADAwP8Af39/AAAAAAAAAAAAAAAAAAAAAAAAAAAAIQAAABgAAAAUAAAAwAMAALABAABARwAAuAgAABAAAAAmAAAACAAAAAAAAAAAAAAAMAAAABQAAAAAAAAAAAD//wAAAQAAAP//AAABAA=="/>
               </a:ext>
             </a:extLst>
           </p:cNvSpPr>
@@ -463,7 +459,7 @@
             <a:spLocks noGrp="1" noChangeArrowheads="1"/>
             <a:extLst>
               <a:ext uri="smNativeData">
-                <pr:smNativeData xmlns:pr="smNativeData" xmlns="smNativeData" val="SMDATA_16_FrZCYxMAAAAlAAAAZAAAAA8BAAAAkAAAAEgAAACQAAAASAAAAAAAAAAAAAAAAQAAAAEAAABQAAAAAAAAAAAA4D8AAAAAAADgPwAAAAAAAOA/AAAAAAAA4D8AAAAAAADgPwAAAAAAAOA/AAAAAAAA4D8AAAAAAADgPwAAAAAAAOA/AAAAAAAA4D8CAAAAjAAAAAAAAAAAAAAAu+DjDP///wgAAAAAAAAAAAAAAAAAAAAAAAAAAAAAAAAAAAAAZAAAAAEAAABAAAAAAAAAAAAAAAAAAAAAAAAAAAAAAAAAAAAAAAAAAAAAAAAAAAAAAAAAAAAAAAAAAAAAAAAAAAAAAAAAAAAAAAAAAAAAAAAAAAAAAAAAAAAAAAAAAAAAFAAAADwAAAAAAAAAAAAAAAAAAAkUAAAAAQAAABQAAAAUAAAAFAAAAAEAAAAAAAAAZAAAAGQAAAAAAAAAZAAAAGQAAAAVAAAAYAAAAAAAAAAAAAAADwAAACADAAAAAAAAAAAAAAEAAACgMgAAVgcAAKr4//8BAAAAf39/AAEAAABkAAAAAAAAABQAAABAHwAAAAAAACYAAAAAAAAAwOD//wAAAAAmAAAAZAAAABYAAABMAAAAAAAAAAAAAAAEAAAAAAAAAAEAAACAgIAKAAAAACgAAAAoAAAAZAAAAGQAAAAAAAAAzMzMAAAAAABQAAAAUAAAAGQAAABkAAAAAAAAABcAAAAUAAAAAAAAAAAAAAD/fwAA/38AAAAAAAAJAAAABAAAAAAAAAAeAAAAaAAAAAAAAAAAAAAAAAAAAAAAAAAAAAAAECcAABAnAAAAAAAAAAAAAAAAAAAAAAAAAAAAAAAAAAAAAAAAAAAAABQAAAAAAAAAwMD/AAAAAABkAAAAMgAAAAAAAABkAAAAAAAAAH9/fwAKAAAAIgAAABgAAAAAAAAAAAAAAAAAAAAAAAAAAAAAAAAAAAAkAAAAJAAAAAAAAAAHAAAAAAAAAAAAAAAAAAAAAAAAAAAAAAAAAAAAf39/ACUAAABYAAAAAAAAAAAAAAAAAAAAAAAAAAAAAAAAAAAAAAAAAAAAAAAAAAAAAAAAAAAAAAA/AAAAAAAAAKCGAQAAAAAAAAAAAAAAAAAMAAAAAQAAAAAAAAAAAAAAAAAAAB8AAABUAAAAAAAABQAAAAEAAAAAAAAAAAAAAAAAAAAAAAAAAAAAAAAAAAAAAAAAAAAAAAJ/f38AAAAAA8zMzADAwP8Af39/AAAAAAAAAAAAAAAAAAAAAAAAAAAAIQAAABgAAAAUAAAAwAMAANgJAABARwAAsCUAABAAAAAmAAAACAAAAAIAAAAAAAAAMAAAABQAAAAAAAAAAAD//wAAAQAAAP//AAABAA=="/>
+                <pr:smNativeData xmlns:pr="smNativeData" xmlns="smNativeData" val="SMDATA_16_zfxKYxMAAAAlAAAAZAAAAA8BAAAAkAAAAEgAAACQAAAASAAAAAAAAAAAAAAAAQAAAAEAAABQAAAAAAAAAAAA4D8AAAAAAADgPwAAAAAAAOA/AAAAAAAA4D8AAAAAAADgPwAAAAAAAOA/AAAAAAAA4D8AAAAAAADgPwAAAAAAAOA/AAAAAAAA4D8CAAAAjAAAAAAAAAAAAAAAu+DjDP///wgAAAAAAAAAAAAAAAAAAAAAAAAAAAAAAAAAAAAAZAAAAAEAAABAAAAAAAAAAAAAAAAAAAAAAAAAAAAAAAAAAAAAAAAAAAAAAAAAAAAAAAAAAAAAAAAAAAAAAAAAAAAAAAAAAAAAAAAAAAAAAAAAAAAAAAAAAAAAAAAAAAAAFAAAADwAAAAAAAAAAAAAAAAAAAkUAAAAAQAAABQAAAAUAAAAFAAAAAEAAAAAAAAAZAAAAGQAAAAAAAAAZAAAAGQAAAAVAAAAYAAAAAAAAAAAAAAADwAAACADAAAAAAAAAAAAAAEAAACgMgAAVgcAAKr4//8BAAAAf39/AAEAAABkAAAAAAAAABQAAABAHwAAAAAAACYAAAAAAAAAwOD//wAAAAAmAAAAZAAAABYAAABMAAAAAAAAAAAAAAAEAAAAAAAAAAEAAACAgIAKAAAAACgAAAAoAAAAZAAAAGQAAAAAAAAAzMzMAAAAAABQAAAAUAAAAGQAAABkAAAAAAAAABcAAAAUAAAAAAAAAAAAAAD/fwAA/38AAAAAAAAJAAAABAAAAAAAAAAeAAAAaAAAAAAAAAAAAAAAAAAAAAAAAAAAAAAAECcAABAnAAAAAAAAAAAAAAAAAAAAAAAAAAAAAAAAAAAAAAAAAAAAABQAAAAAAAAAwMD/AAAAAABkAAAAMgAAAAAAAABkAAAAAAAAAH9/fwAKAAAAIgAAABgAAAAAAAAAAAAAAAAAAAAAAAAAAAAAAAAAAAAkAAAAJAAAAAAAAAAHAAAAAAAAAAAAAAAAAAAAAAAAAAAAAAAAAAAAf39/ACUAAABYAAAAAAAAAAAAAAAAAAAAAAAAAAAAAAAAAAAAAAAAAAAAAAAAAAAAAAAAAAAAAAA/AAAAAAAAAKCGAQAAAAAAAAAAAAAAAAAMAAAAAQAAAAAAAAAAAAAAAAAAAB8AAABUAAAAAAAABQAAAAEAAAAAAAAAAAAAAAAAAAAAAAAAAAAAAAAAAAAAAAAAAAAAAAJ/f38AAAAAA8zMzADAwP8Af39/AAAAAAAAAAAAAAAAAAAAAAAAAAAAIQAAABgAAAAUAAAAwAMAANgJAABARwAAsCUAABAAAAAmAAAACAAAAAIAAAAAAAAAMAAAABQAAAAAAAAAAAD//wAAAQAAAP//AAABAA=="/>
               </a:ext>
             </a:extLst>
           </p:cNvSpPr>
@@ -518,7 +514,7 @@
             <a:spLocks noGrp="1" noChangeArrowheads="1"/>
             <a:extLst>
               <a:ext uri="smNativeData">
-                <pr:smNativeData xmlns:pr="smNativeData" xmlns="smNativeData" val="SMDATA_16_FrZCYxMAAAAlAAAAZAAAAA8BAAAAkAAAAEgAAACQAAAASAAAAAAAAAABAAAAAAAAAAEAAABQAAAAAAAAAAAA4D8AAAAAAADgPwAAAAAAAOA/AAAAAAAA4D8AAAAAAADgPwAAAAAAAOA/AAAAAAAA4D8AAAAAAADgPwAAAAAAAOA/AAAAAAAA4D8CAAAAjAAAAAAAAAAAAAAAu+DjDP///wgAAAAAAAAAAAAAAAAAAAAAAAAAAAAAAAAAAAAAZAAAAAEAAABAAAAAAAAAAAAAAAAAAAAAAAAAAAAAAAAAAAAAAAAAAAAAAAAAAAAAAAAAAAAAAAAAAAAAAAAAAAAAAAAAAAAAAAAAAAAAAAAAAAAAAAAAAAAAAAAAAAAAFAAAADwAAAAAAAAAAAAAAAAAAAkUAAAAAQAAABQAAAAUAAAAFAAAAAEAAAAAAAAAZAAAAGQAAAAAAAAAZAAAAGQAAAAVAAAAYAAAAAAAAAAAAAAADwAAACADAAAAAAAAAAAAAAEAAACgMgAAVgcAAKr4//8BAAAAf39/AAEAAABkAAAAAAAAABQAAABAHwAAAAAAACYAAAAAAAAAwOD//wAAAAAmAAAAZAAAABYAAABMAAAAAAAAAAAAAAAEAAAAAAAAAAEAAACAgIAKAAAAACgAAAAoAAAAZAAAAGQAAAAAAAAAzMzMAAAAAABQAAAAUAAAAGQAAABkAAAAAAAAABcAAAAUAAAAAAAAAAAAAAD/fwAA/38AAAAAAAAJAAAABAAAAAAAAAAeAAAAaAAAAAAAAAAAAAAAAAAAAAAAAAAAAAAAECcAABAnAAAAAAAAAAAAAAAAAAAAAAAAAAAAAAAAAAAAAAAAAAAAABQAAAAAAAAAwMD/AAAAAABkAAAAMgAAAAAAAABkAAAAAAAAAH9/fwAKAAAAIgAAABgAAAAAAAAAAAAAAAAAAAAAAAAAAAAAAAAAAAAkAAAAJAAAAAAAAAAHAAAAAAAAAAAAAAAAAAAAAAAAAAAAAAAAAAAAf39/ACUAAABYAAAAAAAAAAAAAAAAAAAAAAAAAAAAAAAAAAAAAAAAAAAAAAAAAAAAAAAAAAAAAAA/AAAAAAAAAKCGAQAAAAAAAAAAAAAAAAAMAAAAAQAAAAAAAAAAAAAAAAAAAB8AAABUAAAAAAAABQAAAAEAAAAAAAAAAAAAAAAAAAAAAAAAAAAAAAAAAAAAAAAAAAAAAAJ/f38AAAAAA8zMzADAwP8Af39/AAAAAAAAAAAAAAAAAAAAAAAAAAAAIQAAABgAAAAUAAAAwAMAABsnAAA/FQAAWSkAABAAAAAmAAAACAAAAAAAAAAAAAAAMAAAABQAAAAAAAAAAAD//wAAAQAAAP//AAABAA=="/>
+                <pr:smNativeData xmlns:pr="smNativeData" xmlns="smNativeData" val="SMDATA_16_zfxKYxMAAAAlAAAAZAAAAA8BAAAAkAAAAEgAAACQAAAASAAAAAAAAAABAAAAAAAAAAEAAABQAAAAAAAAAAAA4D8AAAAAAADgPwAAAAAAAOA/AAAAAAAA4D8AAAAAAADgPwAAAAAAAOA/AAAAAAAA4D8AAAAAAADgPwAAAAAAAOA/AAAAAAAA4D8CAAAAjAAAAAAAAAAAAAAAu+DjDP///wgAAAAAAAAAAAAAAAAAAAAAAAAAAAAAAAAAAAAAZAAAAAEAAABAAAAAAAAAAAAAAAAAAAAAAAAAAAAAAAAAAAAAAAAAAAAAAAAAAAAAAAAAAAAAAAAAAAAAAAAAAAAAAAAAAAAAAAAAAAAAAAAAAAAAAAAAAAAAAAAAAAAAFAAAADwAAAAAAAAAAAAAAAAAAAkUAAAAAQAAABQAAAAUAAAAFAAAAAEAAAAAAAAAZAAAAGQAAAAAAAAAZAAAAGQAAAAVAAAAYAAAAAAAAAAAAAAADwAAACADAAAAAAAAAAAAAAEAAACgMgAAVgcAAKr4//8BAAAAf39/AAEAAABkAAAAAAAAABQAAABAHwAAAAAAACYAAAAAAAAAwOD//wAAAAAmAAAAZAAAABYAAABMAAAAAAAAAAAAAAAEAAAAAAAAAAEAAACAgIAKAAAAACgAAAAoAAAAZAAAAGQAAAAAAAAAzMzMAAAAAABQAAAAUAAAAGQAAABkAAAAAAAAABcAAAAUAAAAAAAAAAAAAAD/fwAA/38AAAAAAAAJAAAABAAAAAAAAAAeAAAAaAAAAAAAAAAAAAAAAAAAAAAAAAAAAAAAECcAABAnAAAAAAAAAAAAAAAAAAAAAAAAAAAAAAAAAAAAAAAAAAAAABQAAAAAAAAAwMD/AAAAAABkAAAAMgAAAAAAAABkAAAAAAAAAH9/fwAKAAAAIgAAABgAAAAAAAAAAAAAAAAAAAAAAAAAAAAAAAAAAAAkAAAAJAAAAAAAAAAHAAAAAAAAAAAAAAAAAAAAAAAAAAAAAAAAAAAAf39/ACUAAABYAAAAAAAAAAAAAAAAAAAAAAAAAAAAAAAAAAAAAAAAAAAAAAAAAAAAAAAAAAAAAAA/AAAAAAAAAKCGAQAAAAAAAAAAAAAAAAAMAAAAAQAAAAAAAAAAAAAAAAAAAB8AAABUAAAAAAAABQAAAAEAAAAAAAAAAAAAAAAAAAAAAAAAAAAAAAAAAAAAAAAAAAAAAAJ/f38AAAAAA8zMzADAwP8Af39/AAAAAAAAAAAAAAAAAAAAAAAAAAAAIQAAABgAAAAUAAAAwAMAABsnAAA/FQAAWSkAABAAAAAmAAAACAAAAAAAAAAAAAAAMAAAABQAAAAAAAAAAAD//wAAAQAAAP//AAABAA=="/>
               </a:ext>
             </a:extLst>
           </p:cNvSpPr>
@@ -532,7 +528,7 @@
           <a:lstStyle/>
           <a:p>
             <a:pPr/>
-            <a:fld id="{30681090-DEDD-3DE6-93D0-28B35E9E657D}" type="datetime1">
+            <a:fld id="{58835F2F-61B5-D6A9-FB3B-97FC11750DC2}" type="datetime1">
               <a:t/>
             </a:fld>
           </a:p>
@@ -545,7 +541,7 @@
             <a:spLocks noGrp="1" noChangeArrowheads="1"/>
             <a:extLst>
               <a:ext uri="smNativeData">
-                <pr:smNativeData xmlns:pr="smNativeData" xmlns="smNativeData" val="SMDATA_16_FrZCYxMAAAAlAAAAZAAAAA8BAAAAkAAAAEgAAACQAAAASAAAAAAAAAABAAAAAAAAAAEAAABQAAAAAAAAAAAA4D8AAAAAAADgPwAAAAAAAOA/AAAAAAAA4D8AAAAAAADgPwAAAAAAAOA/AAAAAAAA4D8AAAAAAADgPwAAAAAAAOA/AAAAAAAA4D8CAAAAjAAAAAAAAAAAAAAAu+DjDP///wgAAAAAAAAAAAAAAAAAAAAAAAAAAAAAAAAAAAAAZAAAAAEAAABAAAAAAAAAAAAAAAAAAAAAAAAAAAAAAAAAAAAAAAAAAAAAAAAAAAAAAAAAAAAAAAAAAAAAAAAAAAAAAAAAAAAAAAAAAAAAAAAAAAAAAAAAAAAAAAAAAAAAFAAAADwAAAAAAAAAAAAAAAAAAAkUAAAAAQAAABQAAAAUAAAAFAAAAAEAAAAAAAAAZAAAAGQAAAAAAAAAZAAAAGQAAAAVAAAAYAAAAAAAAAAAAAAADwAAACADAAAAAAAAAAAAAAEAAACgMgAAVgcAAKr4//8BAAAAf39/AAEAAABkAAAAAAAAABQAAABAHwAAAAAAACYAAAAAAAAAwOD//wAAAAAmAAAAZAAAABYAAABMAAAAAAAAAAAAAAAEAAAAAAAAAAEAAACAgIAKAAAAACgAAAAoAAAAZAAAAGQAAAAAAAAAzMzMAAAAAABQAAAAUAAAAGQAAABkAAAAAAAAABcAAAAUAAAAAAAAAAAAAAD/fwAA/38AAAAAAAAJAAAABAAAAGE6c3AeAAAAaAAAAAAAAAAAAAAAAAAAAAAAAAAAAAAAECcAABAnAAAAAAAAAAAAAAAAAAAAAAAAAAAAAAAAAAAAAAAAAAAAABQAAAAAAAAAwMD/AAAAAABkAAAAMgAAAAAAAABkAAAAAAAAAH9/fwAKAAAAIgAAABgAAAAAAAAAAAAAAAAAAAAAAAAAAAAAAAAAAAAkAAAAJAAAAAAAAAAHAAAAAAAAAAAAAAAAAAAAAAAAAAAAAAAAAAAAf39/ACUAAABYAAAAAAAAAAAAAAAAAAAAAAAAAAAAAAAAAAAAAAAAAAAAAAAAAAAAAAAAAAAAAAA/AAAAAAAAAKCGAQAAAAAAAAAAAAAAAAAMAAAAAQAAAAAAAAAAAAAAAAAAAB8AAABUAAAAAAAABQAAAAEAAAAAAAAAAAAAAAAAAAAAAAAAAAAAAAAAAAAAAAAAAAAAAAJ/f38AAAAAA8zMzADAwP8Af39/AAAAAAAAAAAAAAAAAAAAAAAAAAAAIQAAABgAAAAUAAAAoRkAABsnAABfMQAAWSkAABAAAAAmAAAACAAAAAAAAAAAAAAAMAAAABQAAAAAAAAAAAD//wAAAQAAAP//AAABAA=="/>
+                <pr:smNativeData xmlns:pr="smNativeData" xmlns="smNativeData" val="SMDATA_16_zfxKYxMAAAAlAAAAZAAAAA8BAAAAkAAAAEgAAACQAAAASAAAAAAAAAABAAAAAAAAAAEAAABQAAAAAAAAAAAA4D8AAAAAAADgPwAAAAAAAOA/AAAAAAAA4D8AAAAAAADgPwAAAAAAAOA/AAAAAAAA4D8AAAAAAADgPwAAAAAAAOA/AAAAAAAA4D8CAAAAjAAAAAAAAAAAAAAAu+DjDP///wgAAAAAAAAAAAAAAAAAAAAAAAAAAAAAAAAAAAAAZAAAAAEAAABAAAAAAAAAAAAAAAAAAAAAAAAAAAAAAAAAAAAAAAAAAAAAAAAAAAAAAAAAAAAAAAAAAAAAAAAAAAAAAAAAAAAAAAAAAAAAAAAAAAAAAAAAAAAAAAAAAAAAFAAAADwAAAAAAAAAAAAAAAAAAAkUAAAAAQAAABQAAAAUAAAAFAAAAAEAAAAAAAAAZAAAAGQAAAAAAAAAZAAAAGQAAAAVAAAAYAAAAAAAAAAAAAAADwAAACADAAAAAAAAAAAAAAEAAACgMgAAVgcAAKr4//8BAAAAf39/AAEAAABkAAAAAAAAABQAAABAHwAAAAAAACYAAAAAAAAAwOD//wAAAAAmAAAAZAAAABYAAABMAAAAAAAAAAAAAAAEAAAAAAAAAAEAAACAgIAKAAAAACgAAAAoAAAAZAAAAGQAAAAAAAAAzMzMAAAAAABQAAAAUAAAAGQAAABkAAAAAAAAABcAAAAUAAAAAAAAAAAAAAD/fwAA/38AAAAAAAAJAAAABAAAAGE6c3AeAAAAaAAAAAAAAAAAAAAAAAAAAAAAAAAAAAAAECcAABAnAAAAAAAAAAAAAAAAAAAAAAAAAAAAAAAAAAAAAAAAAAAAABQAAAAAAAAAwMD/AAAAAABkAAAAMgAAAAAAAABkAAAAAAAAAH9/fwAKAAAAIgAAABgAAAAAAAAAAAAAAAAAAAAAAAAAAAAAAAAAAAAkAAAAJAAAAAAAAAAHAAAAAAAAAAAAAAAAAAAAAAAAAAAAAAAAAAAAf39/ACUAAABYAAAAAAAAAAAAAAAAAAAAAAAAAAAAAAAAAAAAAAAAAAAAAAAAAAAAAAAAAAAAAAA/AAAAAAAAAKCGAQAAAAAAAAAAAAAAAAAMAAAAAQAAAAAAAAAAAAAAAAAAAB8AAABUAAAAAAAABQAAAAEAAAAAAAAAAAAAAAAAAAAAAAAAAAAAAAAAAAAAAAAAAAAAAAJ/f38AAAAAA8zMzADAwP8Af39/AAAAAAAAAAAAAAAAAAAAAAAAAAAAIQAAABgAAAAUAAAAoRkAABsnAABfMQAAWSkAABAAAAAmAAAACAAAAAAAAAAAAAAAMAAAABQAAAAAAAAAAAD//wAAAQAAAP//AAABAA=="/>
               </a:ext>
             </a:extLst>
           </p:cNvSpPr>
@@ -559,9 +555,6 @@
           <a:lstStyle/>
           <a:p>
             <a:pPr/>
-            <a:r>
-              <a:t/>
-            </a:r>
           </a:p>
         </p:txBody>
       </p:sp>
@@ -572,7 +565,7 @@
             <a:spLocks noGrp="1" noChangeArrowheads="1"/>
             <a:extLst>
               <a:ext uri="smNativeData">
-                <pr:smNativeData xmlns:pr="smNativeData" xmlns="smNativeData" val="SMDATA_16_FrZCYxMAAAAlAAAAZAAAAA8BAAAAkAAAAEgAAACQAAAASAAAAAAAAAABAAAAAAAAAAEAAABQAAAAAAAAAAAA4D8AAAAAAADgPwAAAAAAAOA/AAAAAAAA4D8AAAAAAADgPwAAAAAAAOA/AAAAAAAA4D8AAAAAAADgPwAAAAAAAOA/AAAAAAAA4D8CAAAAjAAAAAAAAAAAAAAAu+DjDP///wgAAAAAAAAAAAAAAAAAAAAAAAAAAAAAAAAAAAAAZAAAAAEAAABAAAAAAAAAAAAAAAAAAAAAAAAAAAAAAAAAAAAAAAAAAAAAAAAAAAAAAAAAAAAAAAAAAAAAAAAAAAAAAAAAAAAAAAAAAAAAAAAAAAAAAAAAAAAAAAAAAAAAFAAAADwAAAAAAAAAAAAAAAAAAAkUAAAAAQAAABQAAAAUAAAAFAAAAAEAAAAAAAAAZAAAAGQAAAAAAAAAZAAAAGQAAAAVAAAAYAAAAAAAAAAAAAAADwAAACADAAAAAAAAAAAAAAEAAACgMgAAVgcAAKr4//8BAAAAf39/AAEAAABkAAAAAAAAABQAAABAHwAAAAAAACYAAAAAAAAAwOD//wAAAAAmAAAAZAAAABYAAABMAAAAAAAAAAAAAAAEAAAAAAAAAAEAAACAgIAKAAAAACgAAAAoAAAAZAAAAGQAAAAAAAAAzMzMAAAAAABQAAAAUAAAAGQAAABkAAAAAAAAABcAAAAUAAAAAAAAAAAAAAD/fwAA/38AAAAAAAAJAAAABAAAAAAAAAAeAAAAaAAAAAAAAAAAAAAAAAAAAAAAAAAAAAAAECcAABAnAAAAAAAAAAAAAAAAAAAAAAAAAAAAAAAAAAAAAAAAAAAAABQAAAAAAAAAwMD/AAAAAABkAAAAMgAAAAAAAABkAAAAAAAAAH9/fwAKAAAAIgAAABgAAAAAAAAAAAAAAAAAAAAAAAAAAAAAAAAAAAAkAAAAJAAAAAAAAAAHAAAAAAAAAAAAAAAAAAAAAAAAAAAAAAAAAAAAf39/ACUAAABYAAAAAAAAAAAAAAAAAAAAAAAAAAAAAAAAAAAAAAAAAAAAAAAAAAAAAAAAAAAAAAA/AAAAAAAAAKCGAQAAAAAAAAAAAAAAAAAMAAAAAQAAAAAAAAAAAAAAAAAAAB8AAABUAAAAAAAABQAAAAEAAAAAAAAAAAAAAAAAAAAAAAAAAAAAAAAAAAAAAAAAAAAAAAJ/f38AAAAAA8zMzADAwP8Af39/AAAAAAAAAAAAAAAAAAAAAAAAAAAAIQAAABgAAAAUAAAAwTUAABsnAABARwAAWSkAABAAAAAmAAAACAAAAAAAAAAAAAAAMAAAABQAAAAAAAAAAAD//wAAAQAAAP//AAABAA=="/>
+                <pr:smNativeData xmlns:pr="smNativeData" xmlns="smNativeData" val="SMDATA_16_zfxKYxMAAAAlAAAAZAAAAA8BAAAAkAAAAEgAAACQAAAASAAAAAAAAAABAAAAAAAAAAEAAABQAAAAAAAAAAAA4D8AAAAAAADgPwAAAAAAAOA/AAAAAAAA4D8AAAAAAADgPwAAAAAAAOA/AAAAAAAA4D8AAAAAAADgPwAAAAAAAOA/AAAAAAAA4D8CAAAAjAAAAAAAAAAAAAAAu+DjDP///wgAAAAAAAAAAAAAAAAAAAAAAAAAAAAAAAAAAAAAZAAAAAEAAABAAAAAAAAAAAAAAAAAAAAAAAAAAAAAAAAAAAAAAAAAAAAAAAAAAAAAAAAAAAAAAAAAAAAAAAAAAAAAAAAAAAAAAAAAAAAAAAAAAAAAAAAAAAAAAAAAAAAAFAAAADwAAAAAAAAAAAAAAAAAAAkUAAAAAQAAABQAAAAUAAAAFAAAAAEAAAAAAAAAZAAAAGQAAAAAAAAAZAAAAGQAAAAVAAAAYAAAAAAAAAAAAAAADwAAACADAAAAAAAAAAAAAAEAAACgMgAAVgcAAKr4//8BAAAAf39/AAEAAABkAAAAAAAAABQAAABAHwAAAAAAACYAAAAAAAAAwOD//wAAAAAmAAAAZAAAABYAAABMAAAAAAAAAAAAAAAEAAAAAAAAAAEAAACAgIAKAAAAACgAAAAoAAAAZAAAAGQAAAAAAAAAzMzMAAAAAABQAAAAUAAAAGQAAABkAAAAAAAAABcAAAAUAAAAAAAAAAAAAAD/fwAA/38AAAAAAAAJAAAABAAAAAAAAAAeAAAAaAAAAAAAAAAAAAAAAAAAAAAAAAAAAAAAECcAABAnAAAAAAAAAAAAAAAAAAAAAAAAAAAAAAAAAAAAAAAAAAAAABQAAAAAAAAAwMD/AAAAAABkAAAAMgAAAAAAAABkAAAAAAAAAH9/fwAKAAAAIgAAABgAAAAAAAAAAAAAAAAAAAAAAAAAAAAAAAAAAAAkAAAAJAAAAAAAAAAHAAAAAAAAAAAAAAAAAAAAAAAAAAAAAAAAAAAAf39/ACUAAABYAAAAAAAAAAAAAAAAAAAAAAAAAAAAAAAAAAAAAAAAAAAAAAAAAAAAAAAAAAAAAAA/AAAAAAAAAKCGAQAAAAAAAAAAAAAAAAAMAAAAAQAAAAAAAAAAAAAAAAAAAB8AAABUAAAAAAAABQAAAAEAAAAAAAAAAAAAAAAAAAAAAAAAAAAAAAAAAAAAAAAAAAAAAAJ/f38AAAAAA8zMzADAwP8Af39/AAAAAAAAAAAAAAAAAAAAAAAAAAAAIQAAABgAAAAUAAAAwTUAABsnAABARwAAWSkAABAAAAAmAAAACAAAAAAAAAAAAAAAMAAAABQAAAAAAAAAAAD//wAAAQAAAP//AAABAA=="/>
               </a:ext>
             </a:extLst>
           </p:cNvSpPr>
@@ -586,7 +579,7 @@
           <a:lstStyle/>
           <a:p>
             <a:pPr/>
-            <a:fld id="{39EE05E8-A6D4-BBF3-9A56-50A64B186C05}" type="slidenum">
+            <a:fld id="{60A6A8D7-998D-F35E-C31E-6F0BE650353A}" type="slidenum">
               <a:t/>
             </a:fld>
           </a:p>
@@ -597,6 +590,7 @@
   <p:clrMapOvr>
     <a:masterClrMapping/>
   </p:clrMapOvr>
+  <p:hf hdr="0" ftr="0"/>
 </p:sldLayout>
 </file>
 
@@ -624,7 +618,7 @@
             <a:spLocks noGrp="1" noChangeArrowheads="1"/>
             <a:extLst>
               <a:ext uri="smNativeData">
-                <pr:smNativeData xmlns:pr="smNativeData" xmlns="smNativeData" val="SMDATA_16_FrZCYxMAAAAlAAAAZAAAAA8BAAAAkAAAAEgAAACQAAAASAAAAAAAAAACAAAAAQAAAAEAAABQAAAAAAAAAAAA4D8AAAAAAADgPwAAAAAAAOA/AAAAAAAA4D8AAAAAAADgPwAAAAAAAOA/AAAAAAAA4D8AAAAAAADgPwAAAAAAAOA/AAAAAAAA4D8CAAAAjAAAAAAAAAAAAAAAu+DjDP///wgAAAAAAAAAAAAAAAAAAAAAAAAAAAAAAAAAAAAAZAAAAAEAAABAAAAAAAAAAAAAAAAAAAAAAAAAAAAAAAAAAAAAAAAAAAAAAAAAAAAAAAAAAAAAAAAAAAAAAAAAAAAAAAAAAAAAAAAAAAAAAAAAAAAAAAAAAAAAAAAAAAAAFAAAADwAAAAAAAAAAAAAAAAAAAkUAAAAAQAAABQAAAAUAAAAFAAAAAEAAAAAAAAAZAAAAGQAAAAAAAAAZAAAAGQAAAAVAAAAYAAAAAAAAAAAAAAADwAAACADAAAAAAAAAAAAAAEAAACgMgAAVgcAAKr4//8BAAAAf39/AAEAAABkAAAAAAAAABQAAABAHwAAAAAAACYAAAAAAAAAwOD//wAAAAAmAAAAZAAAABYAAABMAAAAAAAAAAAAAAAEAAAAAAAAAAEAAACAgIAKAAAAACgAAAAoAAAAZAAAAGQAAAAAAAAAzMzMAAAAAABQAAAAUAAAAGQAAABkAAAAAAAAABcAAAAUAAAAAAAAAAAAAAD/fwAA/38AAAAAAAAJAAAABAAAAAAAAAAeAAAAaAAAAAAAAAAAAAAAAAAAAAAAAAAAAAAAECcAABAnAAAAAAAAAAAAAAAAAAAAAAAAAAAAAAAAAAAAAAAAAAAAABQAAAAAAAAAwMD/AAAAAABkAAAAMgAAAAAAAABkAAAAAAAAAH9/fwAKAAAAIgAAABgAAAAAAAAAAAAAAAAAAAAAAAAAAAAAAAAAAAAkAAAAJAAAAAAAAAAHAAAAAAAAAAAAAAAAAAAAAAAAAAAAAAAAAAAAf39/ACUAAABYAAAAAAAAAAAAAAAAAAAAAAAAAAAAAAAAAAAAAAAAAAAAAAAAAAAAAAAAAAAAAAA/AAAAAAAAAKCGAQAAAAAAAAAAAAAAAAAMAAAAAQAAAAAAAAAAAAAAAAAAAB8AAABUAAAAAAAABQAAAAEAAAAAAAAAAAAAAAAAAAAAAAAAAAAAAAAAAAAAAAAAAAAAAAJ/f38AAAAAA8zMzADAwP8Af39/AAAAAAAAAAAAAAAAAAAAAAAAAAAAIQAAABgAAAAUAAAAYDYAALABAABARwAAsCUAABAAAAAmAAAACAAAAIMAAAAAAAAAMAAAABQAAAAAAAAAAAD//wAAAQAAAP//AAABAA=="/>
+                <pr:smNativeData xmlns:pr="smNativeData" xmlns="smNativeData" val="SMDATA_16_zfxKYxMAAAAlAAAAZAAAAA8BAAAAkAAAAEgAAACQAAAASAAAAAAAAAACAAAAAQAAAAEAAABQAAAAAAAAAAAA4D8AAAAAAADgPwAAAAAAAOA/AAAAAAAA4D8AAAAAAADgPwAAAAAAAOA/AAAAAAAA4D8AAAAAAADgPwAAAAAAAOA/AAAAAAAA4D8CAAAAjAAAAAAAAAAAAAAAu+DjDP///wgAAAAAAAAAAAAAAAAAAAAAAAAAAAAAAAAAAAAAZAAAAAEAAABAAAAAAAAAAAAAAAAAAAAAAAAAAAAAAAAAAAAAAAAAAAAAAAAAAAAAAAAAAAAAAAAAAAAAAAAAAAAAAAAAAAAAAAAAAAAAAAAAAAAAAAAAAAAAAAAAAAAAFAAAADwAAAAAAAAAAAAAAAAAAAkUAAAAAQAAABQAAAAUAAAAFAAAAAEAAAAAAAAAZAAAAGQAAAAAAAAAZAAAAGQAAAAVAAAAYAAAAAAAAAAAAAAADwAAACADAAAAAAAAAAAAAAEAAACgMgAAVgcAAKr4//8BAAAAf39/AAEAAABkAAAAAAAAABQAAABAHwAAAAAAACYAAAAAAAAAwOD//wAAAAAmAAAAZAAAABYAAABMAAAAAAAAAAAAAAAEAAAAAAAAAAEAAACAgIAKAAAAACgAAAAoAAAAZAAAAGQAAAAAAAAAzMzMAAAAAABQAAAAUAAAAGQAAABkAAAAAAAAABcAAAAUAAAAAAAAAAAAAAD/fwAA/38AAAAAAAAJAAAABAAAAAAAAAAeAAAAaAAAAAAAAAAAAAAAAAAAAAAAAAAAAAAAECcAABAnAAAAAAAAAAAAAAAAAAAAAAAAAAAAAAAAAAAAAAAAAAAAABQAAAAAAAAAwMD/AAAAAABkAAAAMgAAAAAAAABkAAAAAAAAAH9/fwAKAAAAIgAAABgAAAAAAAAAAAAAAAAAAAAAAAAAAAAAAAAAAAAkAAAAJAAAAAAAAAAHAAAAAAAAAAAAAAAAAAAAAAAAAAAAAAAAAAAAf39/ACUAAABYAAAAAAAAAAAAAAAAAAAAAAAAAAAAAAAAAAAAAAAAAAAAAAAAAAAAAAAAAAAAAAA/AAAAAAAAAKCGAQAAAAAAAAAAAAAAAAAMAAAAAQAAAAAAAAAAAAAAAAAAAB8AAABUAAAAAAAABQAAAAEAAAAAAAAAAAAAAAAAAAAAAAAAAAAAAAAAAAAAAAAAAAAAAAJ/f38AAAAAA8zMzADAwP8Af39/AAAAAAAAAAAAAAAAAAAAAAAAAAAAIQAAABgAAAAUAAAAYDYAALABAABARwAAsCUAABAAAAAmAAAACAAAAIMAAAAAAAAAMAAAABQAAAAAAAAAAAD//wAAAQAAAP//AAABAA=="/>
               </a:ext>
             </a:extLst>
           </p:cNvSpPr>
@@ -660,7 +654,7 @@
             <a:spLocks noGrp="1" noChangeArrowheads="1"/>
             <a:extLst>
               <a:ext uri="smNativeData">
-                <pr:smNativeData xmlns:pr="smNativeData" xmlns="smNativeData" val="SMDATA_16_FrZCYxMAAAAlAAAAZAAAAA8BAAAAkAAAAEgAAACQAAAASAAAAAAAAAAAAAAAAQAAAAEAAABQAAAAAAAAAAAA4D8AAAAAAADgPwAAAAAAAOA/AAAAAAAA4D8AAAAAAADgPwAAAAAAAOA/AAAAAAAA4D8AAAAAAADgPwAAAAAAAOA/AAAAAAAA4D8CAAAAjAAAAAAAAAAAAAAAu+DjDP///wgAAAAAAAAAAAAAAAAAAAAAAAAAAAAAAAAAAAAAZAAAAAEAAABAAAAAAAAAAAAAAAAAAAAAAAAAAAAAAAAAAAAAAAAAAAAAAAAAAAAAAAAAAAAAAAAAAAAAAAAAAAAAAAAAAAAAAAAAAAAAAAAAAAAAAAAAAAAAAAAAAAAAFAAAADwAAAAAAAAAAAAAAAAAAAkUAAAAAQAAABQAAAAUAAAAFAAAAAEAAAAAAAAAZAAAAGQAAAAAAAAAZAAAAGQAAAAVAAAAYAAAAAAAAAAAAAAADwAAACADAAAAAAAAAAAAAAEAAACgMgAAVgcAAKr4//8BAAAAf39/AAEAAABkAAAAAAAAABQAAABAHwAAAAAAACYAAAAAAAAAwOD//wAAAAAmAAAAZAAAABYAAABMAAAAAAAAAAAAAAAEAAAAAAAAAAEAAACAgIAKAAAAACgAAAAoAAAAZAAAAGQAAAAAAAAAzMzMAAAAAABQAAAAUAAAAGQAAABkAAAAAAAAABcAAAAUAAAAAAAAAAAAAAD/fwAA/38AAAAAAAAJAAAABAAAAAAAAAAeAAAAaAAAAAAAAAAAAAAAAAAAAAAAAAAAAAAAECcAABAnAAAAAAAAAAAAAAAAAAAAAAAAAAAAAAAAAAAAAAAAAAAAABQAAAAAAAAAwMD/AAAAAABkAAAAMgAAAAAAAABkAAAAAAAAAH9/fwAKAAAAIgAAABgAAAAAAAAAAAAAAAAAAAAAAAAAAAAAAAAAAAAkAAAAJAAAAAAAAAAHAAAAAAAAAAAAAAAAAAAAAAAAAAAAAAAAAAAAf39/ACUAAABYAAAAAAAAAAAAAAAAAAAAAAAAAAAAAAAAAAAAAAAAAAAAAAAAAAAAAAAAAAAAAAA/AAAAAAAAAKCGAQAAAAAAAAAAAAAAAAAMAAAAAQAAAAAAAAAAAAAAAAAAAB8AAABUAAAAAAAABQAAAAEAAAAAAAAAAAAAAAAAAAAAAAAAAAAAAAAAAAAAAAAAAAAAAAJ/f38AAAAAA8zMzADAwP8Af39/AAAAAAAAAAAAAAAAAAAAAAAAAAAAIQAAABgAAAAUAAAAwAMAALABAAAfNQAAsCUAABAAAAAmAAAACAAAAAMAAAAAAAAAMAAAABQAAAAAAAAAAAD//wAAAQAAAP//AAABAA=="/>
+                <pr:smNativeData xmlns:pr="smNativeData" xmlns="smNativeData" val="SMDATA_16_zfxKYxMAAAAlAAAAZAAAAA8BAAAAkAAAAEgAAACQAAAASAAAAAAAAAAAAAAAAQAAAAEAAABQAAAAAAAAAAAA4D8AAAAAAADgPwAAAAAAAOA/AAAAAAAA4D8AAAAAAADgPwAAAAAAAOA/AAAAAAAA4D8AAAAAAADgPwAAAAAAAOA/AAAAAAAA4D8CAAAAjAAAAAAAAAAAAAAAu+DjDP///wgAAAAAAAAAAAAAAAAAAAAAAAAAAAAAAAAAAAAAZAAAAAEAAABAAAAAAAAAAAAAAAAAAAAAAAAAAAAAAAAAAAAAAAAAAAAAAAAAAAAAAAAAAAAAAAAAAAAAAAAAAAAAAAAAAAAAAAAAAAAAAAAAAAAAAAAAAAAAAAAAAAAAFAAAADwAAAAAAAAAAAAAAAAAAAkUAAAAAQAAABQAAAAUAAAAFAAAAAEAAAAAAAAAZAAAAGQAAAAAAAAAZAAAAGQAAAAVAAAAYAAAAAAAAAAAAAAADwAAACADAAAAAAAAAAAAAAEAAACgMgAAVgcAAKr4//8BAAAAf39/AAEAAABkAAAAAAAAABQAAABAHwAAAAAAACYAAAAAAAAAwOD//wAAAAAmAAAAZAAAABYAAABMAAAAAAAAAAAAAAAEAAAAAAAAAAEAAACAgIAKAAAAACgAAAAoAAAAZAAAAGQAAAAAAAAAzMzMAAAAAABQAAAAUAAAAGQAAABkAAAAAAAAABcAAAAUAAAAAAAAAAAAAAD/fwAA/38AAAAAAAAJAAAABAAAAAAAAAAeAAAAaAAAAAAAAAAAAAAAAAAAAAAAAAAAAAAAECcAABAnAAAAAAAAAAAAAAAAAAAAAAAAAAAAAAAAAAAAAAAAAAAAABQAAAAAAAAAwMD/AAAAAABkAAAAMgAAAAAAAABkAAAAAAAAAH9/fwAKAAAAIgAAABgAAAAAAAAAAAAAAAAAAAAAAAAAAAAAAAAAAAAkAAAAJAAAAAAAAAAHAAAAAAAAAAAAAAAAAAAAAAAAAAAAAAAAAAAAf39/ACUAAABYAAAAAAAAAAAAAAAAAAAAAAAAAAAAAAAAAAAAAAAAAAAAAAAAAAAAAAAAAAAAAAA/AAAAAAAAAKCGAQAAAAAAAAAAAAAAAAAMAAAAAQAAAAAAAAAAAAAAAAAAAB8AAABUAAAAAAAABQAAAAEAAAAAAAAAAAAAAAAAAAAAAAAAAAAAAAAAAAAAAAAAAAAAAAJ/f38AAAAAA8zMzADAwP8Af39/AAAAAAAAAAAAAAAAAAAAAAAAAAAAIQAAABgAAAAUAAAAwAMAALABAAAfNQAAsCUAABAAAAAmAAAACAAAAAMAAAAAAAAAMAAAABQAAAAAAAAAAAD//wAAAQAAAP//AAABAA=="/>
               </a:ext>
             </a:extLst>
           </p:cNvSpPr>
@@ -720,7 +714,7 @@
             <a:spLocks noGrp="1" noChangeArrowheads="1"/>
             <a:extLst>
               <a:ext uri="smNativeData">
-                <pr:smNativeData xmlns:pr="smNativeData" xmlns="smNativeData" val="SMDATA_16_FrZCYxMAAAAlAAAAZAAAAA8BAAAAkAAAAEgAAACQAAAASAAAAAAAAAABAAAAAAAAAAEAAABQAAAAAAAAAAAA4D8AAAAAAADgPwAAAAAAAOA/AAAAAAAA4D8AAAAAAADgPwAAAAAAAOA/AAAAAAAA4D8AAAAAAADgPwAAAAAAAOA/AAAAAAAA4D8CAAAAjAAAAAAAAAAAAAAAu+DjDP///wgAAAAAAAAAAAAAAAAAAAAAAAAAAAAAAAAAAAAAZAAAAAEAAABAAAAAAAAAAAAAAAAAAAAAAAAAAAAAAAAAAAAAAAAAAAAAAAAAAAAAAAAAAAAAAAAAAAAAAAAAAAAAAAAAAAAAAAAAAAAAAAAAAAAAAAAAAAAAAAAAAAAAFAAAADwAAAAAAAAAAAAAAAAAAAkUAAAAAQAAABQAAAAUAAAAFAAAAAEAAAAAAAAAZAAAAGQAAAAAAAAAZAAAAGQAAAAVAAAAYAAAAAAAAAAAAAAADwAAACADAAAAAAAAAAAAAAEAAACgMgAAVgcAAKr4//8BAAAAf39/AAEAAABkAAAAAAAAABQAAABAHwAAAAAAACYAAAAAAAAAwOD//wAAAAAmAAAAZAAAABYAAABMAAAAAAAAAAAAAAAEAAAAAAAAAAEAAACAgIAKAAAAACgAAAAoAAAAZAAAAGQAAAAAAAAAzMzMAAAAAABQAAAAUAAAAGQAAABkAAAAAAAAABcAAAAUAAAAAAAAAAAAAAD/fwAA/38AAAAAAAAJAAAABAAAAAAAAAAeAAAAaAAAAAAAAAAAAAAAAAAAAAAAAAAAAAAAECcAABAnAAAAAAAAAAAAAAAAAAAAAAAAAAAAAAAAAAAAAAAAAAAAABQAAAAAAAAAwMD/AAAAAABkAAAAMgAAAAAAAABkAAAAAAAAAH9/fwAKAAAAIgAAABgAAAAAAAAAAAAAAAAAAAAAAAAAAAAAAAAAAAAkAAAAJAAAAAAAAAAHAAAAAAAAAAAAAAAAAAAAAAAAAAAAAAAAAAAAf39/ACUAAABYAAAAAAAAAAAAAAAAAAAAAAAAAAAAAAAAAAAAAAAAAAAAAAAAAAAAAAAAAAAAAAA/AAAAAAAAAKCGAQAAAAAAAAAAAAAAAAAMAAAAAQAAAAAAAAAAAAAAAAAAAB8AAABUAAAAAAAABQAAAAEAAAAAAAAAAAAAAAAAAAAAAAAAAAAAAAAAAAAAAAAAAAAAAAJ/f38AAAAAA8zMzADAwP8Af39/AAAAAAAAAAAAAAAAAAAAAAAAAAAAIQAAABgAAAAUAAAAwAMAABsnAAA/FQAAWSkAABAAAAAmAAAACAAAAAAAAAAAAAAAMAAAABQAAAAAAAAAAAD//wAAAQAAAP//AAABAA=="/>
+                <pr:smNativeData xmlns:pr="smNativeData" xmlns="smNativeData" val="SMDATA_16_zfxKYxMAAAAlAAAAZAAAAA8BAAAAkAAAAEgAAACQAAAASAAAAAAAAAABAAAAAAAAAAEAAABQAAAAAAAAAAAA4D8AAAAAAADgPwAAAAAAAOA/AAAAAAAA4D8AAAAAAADgPwAAAAAAAOA/AAAAAAAA4D8AAAAAAADgPwAAAAAAAOA/AAAAAAAA4D8CAAAAjAAAAAAAAAAAAAAAu+DjDP///wgAAAAAAAAAAAAAAAAAAAAAAAAAAAAAAAAAAAAAZAAAAAEAAABAAAAAAAAAAAAAAAAAAAAAAAAAAAAAAAAAAAAAAAAAAAAAAAAAAAAAAAAAAAAAAAAAAAAAAAAAAAAAAAAAAAAAAAAAAAAAAAAAAAAAAAAAAAAAAAAAAAAAFAAAADwAAAAAAAAAAAAAAAAAAAkUAAAAAQAAABQAAAAUAAAAFAAAAAEAAAAAAAAAZAAAAGQAAAAAAAAAZAAAAGQAAAAVAAAAYAAAAAAAAAAAAAAADwAAACADAAAAAAAAAAAAAAEAAACgMgAAVgcAAKr4//8BAAAAf39/AAEAAABkAAAAAAAAABQAAABAHwAAAAAAACYAAAAAAAAAwOD//wAAAAAmAAAAZAAAABYAAABMAAAAAAAAAAAAAAAEAAAAAAAAAAEAAACAgIAKAAAAACgAAAAoAAAAZAAAAGQAAAAAAAAAzMzMAAAAAABQAAAAUAAAAGQAAABkAAAAAAAAABcAAAAUAAAAAAAAAAAAAAD/fwAA/38AAAAAAAAJAAAABAAAAAAAAAAeAAAAaAAAAAAAAAAAAAAAAAAAAAAAAAAAAAAAECcAABAnAAAAAAAAAAAAAAAAAAAAAAAAAAAAAAAAAAAAAAAAAAAAABQAAAAAAAAAwMD/AAAAAABkAAAAMgAAAAAAAABkAAAAAAAAAH9/fwAKAAAAIgAAABgAAAAAAAAAAAAAAAAAAAAAAAAAAAAAAAAAAAAkAAAAJAAAAAAAAAAHAAAAAAAAAAAAAAAAAAAAAAAAAAAAAAAAAAAAf39/ACUAAABYAAAAAAAAAAAAAAAAAAAAAAAAAAAAAAAAAAAAAAAAAAAAAAAAAAAAAAAAAAAAAAA/AAAAAAAAAKCGAQAAAAAAAAAAAAAAAAAMAAAAAQAAAAAAAAAAAAAAAAAAAB8AAABUAAAAAAAABQAAAAEAAAAAAAAAAAAAAAAAAAAAAAAAAAAAAAAAAAAAAAAAAAAAAAJ/f38AAAAAA8zMzADAwP8Af39/AAAAAAAAAAAAAAAAAAAAAAAAAAAAIQAAABgAAAAUAAAAwAMAABsnAAA/FQAAWSkAABAAAAAmAAAACAAAAAAAAAAAAAAAMAAAABQAAAAAAAAAAAD//wAAAQAAAP//AAABAA=="/>
               </a:ext>
             </a:extLst>
           </p:cNvSpPr>
@@ -734,7 +728,7 @@
           <a:lstStyle/>
           <a:p>
             <a:pPr/>
-            <a:fld id="{6F1A0CB8-F682-4FFA-CCA2-00AF42EC3A55}" type="datetime1">
+            <a:fld id="{213A5958-16CC-6FAF-8282-E0FA17CC74B5}" type="datetime1">
               <a:t/>
             </a:fld>
           </a:p>
@@ -747,7 +741,7 @@
             <a:spLocks noGrp="1" noChangeArrowheads="1"/>
             <a:extLst>
               <a:ext uri="smNativeData">
-                <pr:smNativeData xmlns:pr="smNativeData" xmlns="smNativeData" val="SMDATA_16_FrZCYxMAAAAlAAAAZAAAAA8BAAAAkAAAAEgAAACQAAAASAAAAAAAAAABAAAAAAAAAAEAAABQAAAAAAAAAAAA4D8AAAAAAADgPwAAAAAAAOA/AAAAAAAA4D8AAAAAAADgPwAAAAAAAOA/AAAAAAAA4D8AAAAAAADgPwAAAAAAAOA/AAAAAAAA4D8CAAAAjAAAAAAAAAAAAAAAu+DjDP///wgAAAAAAAAAAAAAAAAAAAAAAAAAAAAAAAAAAAAAZAAAAAEAAABAAAAAAAAAAAAAAAAAAAAAAAAAAAAAAAAAAAAAAAAAAAAAAAAAAAAAAAAAAAAAAAAAAAAAAAAAAAAAAAAAAAAAAAAAAAAAAAAAAAAAAAAAAAAAAAAAAAAAFAAAADwAAAAAAAAAAAAAAAAAAAkUAAAAAQAAABQAAAAUAAAAFAAAAAEAAAAAAAAAZAAAAGQAAAAAAAAAZAAAAGQAAAAVAAAAYAAAAAAAAAAAAAAADwAAACADAAAAAAAAAAAAAAEAAACgMgAAVgcAAKr4//8BAAAAf39/AAEAAABkAAAAAAAAABQAAABAHwAAAAAAACYAAAAAAAAAwOD//wAAAAAmAAAAZAAAABYAAABMAAAAAAAAAAAAAAAEAAAAAAAAAAEAAACAgIAKAAAAACgAAAAoAAAAZAAAAGQAAAAAAAAAzMzMAAAAAABQAAAAUAAAAGQAAABkAAAAAAAAABcAAAAUAAAAAAAAAAAAAAD/fwAA/38AAAAAAAAJAAAABAAAAAAAAAAeAAAAaAAAAAAAAAAAAAAAAAAAAAAAAAAAAAAAECcAABAnAAAAAAAAAAAAAAAAAAAAAAAAAAAAAAAAAAAAAAAAAAAAABQAAAAAAAAAwMD/AAAAAABkAAAAMgAAAAAAAABkAAAAAAAAAH9/fwAKAAAAIgAAABgAAAAAAAAAAAAAAAAAAAAAAAAAAAAAAAAAAAAkAAAAJAAAAAAAAAAHAAAAAAAAAAAAAAAAAAAAAAAAAAAAAAAAAAAAf39/ACUAAABYAAAAAAAAAAAAAAAAAAAAAAAAAAAAAAAAAAAAAAAAAAAAAAAAAAAAAAAAAAAAAAA/AAAAAAAAAKCGAQAAAAAAAAAAAAAAAAAMAAAAAQAAAAAAAAAAAAAAAAAAAB8AAABUAAAAAAAABQAAAAEAAAAAAAAAAAAAAAAAAAAAAAAAAAAAAAAAAAAAAAAAAAAAAAJ/f38AAAAAA8zMzADAwP8Af39/AAAAAAAAAAAAAAAAAAAAAAAAAAAAIQAAABgAAAAUAAAAoRkAABsnAABfMQAAWSkAABAAAAAmAAAACAAAAAAAAAAAAAAAMAAAABQAAAAAAAAAAAD//wAAAQAAAP//AAABAA=="/>
+                <pr:smNativeData xmlns:pr="smNativeData" xmlns="smNativeData" val="SMDATA_16_zfxKYxMAAAAlAAAAZAAAAA8BAAAAkAAAAEgAAACQAAAASAAAAAAAAAABAAAAAAAAAAEAAABQAAAAAAAAAAAA4D8AAAAAAADgPwAAAAAAAOA/AAAAAAAA4D8AAAAAAADgPwAAAAAAAOA/AAAAAAAA4D8AAAAAAADgPwAAAAAAAOA/AAAAAAAA4D8CAAAAjAAAAAAAAAAAAAAAu+DjDP///wgAAAAAAAAAAAAAAAAAAAAAAAAAAAAAAAAAAAAAZAAAAAEAAABAAAAAAAAAAAAAAAAAAAAAAAAAAAAAAAAAAAAAAAAAAAAAAAAAAAAAAAAAAAAAAAAAAAAAAAAAAAAAAAAAAAAAAAAAAAAAAAAAAAAAAAAAAAAAAAAAAAAAFAAAADwAAAAAAAAAAAAAAAAAAAkUAAAAAQAAABQAAAAUAAAAFAAAAAEAAAAAAAAAZAAAAGQAAAAAAAAAZAAAAGQAAAAVAAAAYAAAAAAAAAAAAAAADwAAACADAAAAAAAAAAAAAAEAAACgMgAAVgcAAKr4//8BAAAAf39/AAEAAABkAAAAAAAAABQAAABAHwAAAAAAACYAAAAAAAAAwOD//wAAAAAmAAAAZAAAABYAAABMAAAAAAAAAAAAAAAEAAAAAAAAAAEAAACAgIAKAAAAACgAAAAoAAAAZAAAAGQAAAAAAAAAzMzMAAAAAABQAAAAUAAAAGQAAABkAAAAAAAAABcAAAAUAAAAAAAAAAAAAAD/fwAA/38AAAAAAAAJAAAABAAAAAAAAAAeAAAAaAAAAAAAAAAAAAAAAAAAAAAAAAAAAAAAECcAABAnAAAAAAAAAAAAAAAAAAAAAAAAAAAAAAAAAAAAAAAAAAAAABQAAAAAAAAAwMD/AAAAAABkAAAAMgAAAAAAAABkAAAAAAAAAH9/fwAKAAAAIgAAABgAAAAAAAAAAAAAAAAAAAAAAAAAAAAAAAAAAAAkAAAAJAAAAAAAAAAHAAAAAAAAAAAAAAAAAAAAAAAAAAAAAAAAAAAAf39/ACUAAABYAAAAAAAAAAAAAAAAAAAAAAAAAAAAAAAAAAAAAAAAAAAAAAAAAAAAAAAAAAAAAAA/AAAAAAAAAKCGAQAAAAAAAAAAAAAAAAAMAAAAAQAAAAAAAAAAAAAAAAAAAB8AAABUAAAAAAAABQAAAAEAAAAAAAAAAAAAAAAAAAAAAAAAAAAAAAAAAAAAAAAAAAAAAAJ/f38AAAAAA8zMzADAwP8Af39/AAAAAAAAAAAAAAAAAAAAAAAAAAAAIQAAABgAAAAUAAAAoRkAABsnAABfMQAAWSkAABAAAAAmAAAACAAAAAAAAAAAAAAAMAAAABQAAAAAAAAAAAD//wAAAQAAAP//AAABAA=="/>
               </a:ext>
             </a:extLst>
           </p:cNvSpPr>
@@ -761,9 +755,6 @@
           <a:lstStyle/>
           <a:p>
             <a:pPr/>
-            <a:r>
-              <a:t/>
-            </a:r>
           </a:p>
         </p:txBody>
       </p:sp>
@@ -774,7 +765,7 @@
             <a:spLocks noGrp="1" noChangeArrowheads="1"/>
             <a:extLst>
               <a:ext uri="smNativeData">
-                <pr:smNativeData xmlns:pr="smNativeData" xmlns="smNativeData" val="SMDATA_16_FrZCYxMAAAAlAAAAZAAAAA8BAAAAkAAAAEgAAACQAAAASAAAAAAAAAABAAAAAAAAAAEAAABQAAAAAAAAAAAA4D8AAAAAAADgPwAAAAAAAOA/AAAAAAAA4D8AAAAAAADgPwAAAAAAAOA/AAAAAAAA4D8AAAAAAADgPwAAAAAAAOA/AAAAAAAA4D8CAAAAjAAAAAAAAAAAAAAAu+DjDP///wgAAAAAAAAAAAAAAAAAAAAAAAAAAAAAAAAAAAAAZAAAAAEAAABAAAAAAAAAAAAAAAAAAAAAAAAAAAAAAAAAAAAAAAAAAAAAAAAAAAAAAAAAAAAAAAAAAAAAAAAAAAAAAAAAAAAAAAAAAAAAAAAAAAAAAAAAAAAAAAAAAAAAFAAAADwAAAAAAAAAAAAAAAAAAAkUAAAAAQAAABQAAAAUAAAAFAAAAAEAAAAAAAAAZAAAAGQAAAAAAAAAZAAAAGQAAAAVAAAAYAAAAAAAAAAAAAAADwAAACADAAAAAAAAAAAAAAEAAACgMgAAVgcAAKr4//8BAAAAf39/AAEAAABkAAAAAAAAABQAAABAHwAAAAAAACYAAAAAAAAAwOD//wAAAAAmAAAAZAAAABYAAABMAAAAAAAAAAAAAAAEAAAAAAAAAAEAAACAgIAKAAAAACgAAAAoAAAAZAAAAGQAAAAAAAAAzMzMAAAAAABQAAAAUAAAAGQAAABkAAAAAAAAABcAAAAUAAAAAAAAAAAAAAD/fwAA/38AAAAAAAAJAAAABAAAAAAAAAAeAAAAaAAAAAAAAAAAAAAAAAAAAAAAAAAAAAAAECcAABAnAAAAAAAAAAAAAAAAAAAAAAAAAAAAAAAAAAAAAAAAAAAAABQAAAAAAAAAwMD/AAAAAABkAAAAMgAAAAAAAABkAAAAAAAAAH9/fwAKAAAAIgAAABgAAAAAAAAAAAAAAAAAAAAAAAAAAAAAAAAAAAAkAAAAJAAAAAAAAAAHAAAAAAAAAAAAAAAAAAAAAAAAAAAAAAAAAAAAf39/ACUAAABYAAAAAAAAAAAAAAAAAAAAAAAAAAAAAAAAAAAAAAAAAAAAAAAAAAAAAAAAAAAAAAA/AAAAAAAAAKCGAQAAAAAAAAAAAAAAAAAMAAAAAQAAAAAAAAAAAAAAAAAAAB8AAABUAAAAAAAABQAAAAEAAAAAAAAAAAAAAAAAAAAAAAAAAAAAAAAAAAAAAAAAAAAAAAJ/f38AAAAAA8zMzADAwP8Af39/AAAAAAAAAAAAAAAAAAAAAAAAAAAAIQAAABgAAAAUAAAAwTUAABsnAABARwAAWSkAABAAAAAmAAAACAAAAAAAAAAAAAAAMAAAABQAAAAAAAAAAAD//wAAAQAAAP//AAABAA=="/>
+                <pr:smNativeData xmlns:pr="smNativeData" xmlns="smNativeData" val="SMDATA_16_zfxKYxMAAAAlAAAAZAAAAA8BAAAAkAAAAEgAAACQAAAASAAAAAAAAAABAAAAAAAAAAEAAABQAAAAAAAAAAAA4D8AAAAAAADgPwAAAAAAAOA/AAAAAAAA4D8AAAAAAADgPwAAAAAAAOA/AAAAAAAA4D8AAAAAAADgPwAAAAAAAOA/AAAAAAAA4D8CAAAAjAAAAAAAAAAAAAAAu+DjDP///wgAAAAAAAAAAAAAAAAAAAAAAAAAAAAAAAAAAAAAZAAAAAEAAABAAAAAAAAAAAAAAAAAAAAAAAAAAAAAAAAAAAAAAAAAAAAAAAAAAAAAAAAAAAAAAAAAAAAAAAAAAAAAAAAAAAAAAAAAAAAAAAAAAAAAAAAAAAAAAAAAAAAAFAAAADwAAAAAAAAAAAAAAAAAAAkUAAAAAQAAABQAAAAUAAAAFAAAAAEAAAAAAAAAZAAAAGQAAAAAAAAAZAAAAGQAAAAVAAAAYAAAAAAAAAAAAAAADwAAACADAAAAAAAAAAAAAAEAAACgMgAAVgcAAKr4//8BAAAAf39/AAEAAABkAAAAAAAAABQAAABAHwAAAAAAACYAAAAAAAAAwOD//wAAAAAmAAAAZAAAABYAAABMAAAAAAAAAAAAAAAEAAAAAAAAAAEAAACAgIAKAAAAACgAAAAoAAAAZAAAAGQAAAAAAAAAzMzMAAAAAABQAAAAUAAAAGQAAABkAAAAAAAAABcAAAAUAAAAAAAAAAAAAAD/fwAA/38AAAAAAAAJAAAABAAAAAAAAAAeAAAAaAAAAAAAAAAAAAAAAAAAAAAAAAAAAAAAECcAABAnAAAAAAAAAAAAAAAAAAAAAAAAAAAAAAAAAAAAAAAAAAAAABQAAAAAAAAAwMD/AAAAAABkAAAAMgAAAAAAAABkAAAAAAAAAH9/fwAKAAAAIgAAABgAAAAAAAAAAAAAAAAAAAAAAAAAAAAAAAAAAAAkAAAAJAAAAAAAAAAHAAAAAAAAAAAAAAAAAAAAAAAAAAAAAAAAAAAAf39/ACUAAABYAAAAAAAAAAAAAAAAAAAAAAAAAAAAAAAAAAAAAAAAAAAAAAAAAAAAAAAAAAAAAAA/AAAAAAAAAKCGAQAAAAAAAAAAAAAAAAAMAAAAAQAAAAAAAAAAAAAAAAAAAB8AAABUAAAAAAAABQAAAAEAAAAAAAAAAAAAAAAAAAAAAAAAAAAAAAAAAAAAAAAAAAAAAAJ/f38AAAAAA8zMzADAwP8Af39/AAAAAAAAAAAAAAAAAAAAAAAAAAAAIQAAABgAAAAUAAAAwTUAABsnAABARwAAWSkAABAAAAAmAAAACAAAAAAAAAAAAAAAMAAAABQAAAAAAAAAAAD//wAAAQAAAP//AAABAA=="/>
               </a:ext>
             </a:extLst>
           </p:cNvSpPr>
@@ -788,7 +779,7 @@
           <a:lstStyle/>
           <a:p>
             <a:pPr/>
-            <a:fld id="{6210082A-648F-45FE-C1A8-92AB46E637C7}" type="slidenum">
+            <a:fld id="{1EC30022-6CF3-96F6-BD7B-9AA34E354BCF}" type="slidenum">
               <a:t/>
             </a:fld>
           </a:p>
@@ -799,6 +790,7 @@
   <p:clrMapOvr>
     <a:masterClrMapping/>
   </p:clrMapOvr>
+  <p:hf hdr="0" ftr="0"/>
 </p:sldLayout>
 </file>
 
@@ -826,7 +818,7 @@
             <a:spLocks noGrp="1" noChangeArrowheads="1"/>
             <a:extLst>
               <a:ext uri="smNativeData">
-                <pr:smNativeData xmlns:pr="smNativeData" xmlns="smNativeData" val="SMDATA_16_FrZCYxMAAAAlAAAAZAAAAA8BAAAAkAAAAEgAAACQAAAASAAAAAAAAAABAAAAAAAAAAEAAABQAAAAAAAAAAAA4D8AAAAAAADgPwAAAAAAAOA/AAAAAAAA4D8AAAAAAADgPwAAAAAAAOA/AAAAAAAA4D8AAAAAAADgPwAAAAAAAOA/AAAAAAAA4D8CAAAAjAAAAAAAAAAAAAAAu+DjDP///wgAAAAAAAAAAAAAAAAAAAAAAAAAAAAAAAAAAAAAZAAAAAEAAABAAAAAAAAAAAAAAAAAAAAAAAAAAAAAAAAAAAAAAAAAAAAAAAAAAAAAAAAAAAAAAAAAAAAAAAAAAAAAAAAAAAAAAAAAAAAAAAAAAAAAAAAAAAAAAAAAAAAAFAAAADwAAAAAAAAAAAAAAAAAAAkUAAAAAQAAABQAAAAUAAAAFAAAAAEAAAAAAAAAZAAAAGQAAAAAAAAAZAAAAGQAAAAVAAAAYAAAAAAAAAAAAAAADwAAACADAAAAAAAAAAAAAAEAAACgMgAAVgcAAKr4//8BAAAAf39/AAEAAABkAAAAAAAAABQAAABAHwAAAAAAACYAAAAAAAAAwOD//wAAAAAmAAAAZAAAABYAAABMAAAAAAAAAAAAAAAEAAAAAAAAAAEAAACAgIAKAAAAACgAAAAoAAAAZAAAAGQAAAAAAAAAzMzMAAAAAABQAAAAUAAAAGQAAABkAAAAAAAAABcAAAAUAAAAAAAAAAAAAAD/fwAA/38AAAAAAAAJAAAABAAAAAAAAAAeAAAAaAAAAAAAAAAAAAAAAAAAAAAAAAAAAAAAECcAABAnAAAAAAAAAAAAAAAAAAAAAAAAAAAAAAAAAAAAAAAAAAAAABQAAAAAAAAAwMD/AAAAAABkAAAAMgAAAAAAAABkAAAAAAAAAH9/fwAKAAAAIgAAABgAAAAAAAAAAAAAAAAAAAAAAAAAAAAAAAAAAAAkAAAAJAAAAAAAAAAHAAAAAAAAAAAAAAAAAAAAAAAAAAAAAAAAAAAAf39/ACUAAABYAAAAAAAAAAAAAAAAAAAAAAAAAAAAAAAAAAAAAAAAAAAAAAAAAAAAAAAAAAAAAAA/AAAAAAAAAKCGAQAAAAAAAAAAAAAAAAAMAAAAAQAAAAAAAAAAAAAAAAAAAB8AAABUAAAAAAAABQAAAAEAAAAAAAAAAAAAAAAAAAAAAAAAAAAAAAAAAAAAAAAAAAAAAAJ/f38AAAAAA8zMzADAwP8Af39/AAAAAAAAAAAAAAAAAAAAAAAAAAAAIQAAABgAAAAUAAAAwAMAALABAABARwAAuAgAABAAAAAmAAAACAAAAAAAAAAAAAAAMAAAABQAAAAAAAAAAAD//wAAAQAAAP//AAABAA=="/>
+                <pr:smNativeData xmlns:pr="smNativeData" xmlns="smNativeData" val="SMDATA_16_zfxKYxMAAAAlAAAAZAAAAA8BAAAAkAAAAEgAAACQAAAASAAAAAAAAAABAAAAAAAAAAEAAABQAAAAAAAAAAAA4D8AAAAAAADgPwAAAAAAAOA/AAAAAAAA4D8AAAAAAADgPwAAAAAAAOA/AAAAAAAA4D8AAAAAAADgPwAAAAAAAOA/AAAAAAAA4D8CAAAAjAAAAAAAAAAAAAAAu+DjDP///wgAAAAAAAAAAAAAAAAAAAAAAAAAAAAAAAAAAAAAZAAAAAEAAABAAAAAAAAAAAAAAAAAAAAAAAAAAAAAAAAAAAAAAAAAAAAAAAAAAAAAAAAAAAAAAAAAAAAAAAAAAAAAAAAAAAAAAAAAAAAAAAAAAAAAAAAAAAAAAAAAAAAAFAAAADwAAAAAAAAAAAAAAAAAAAkUAAAAAQAAABQAAAAUAAAAFAAAAAEAAAAAAAAAZAAAAGQAAAAAAAAAZAAAAGQAAAAVAAAAYAAAAAAAAAAAAAAADwAAACADAAAAAAAAAAAAAAEAAACgMgAAVgcAAKr4//8BAAAAf39/AAEAAABkAAAAAAAAABQAAABAHwAAAAAAACYAAAAAAAAAwOD//wAAAAAmAAAAZAAAABYAAABMAAAAAAAAAAAAAAAEAAAAAAAAAAEAAACAgIAKAAAAACgAAAAoAAAAZAAAAGQAAAAAAAAAzMzMAAAAAABQAAAAUAAAAGQAAABkAAAAAAAAABcAAAAUAAAAAAAAAAAAAAD/fwAA/38AAAAAAAAJAAAABAAAAAAAAAAeAAAAaAAAAAAAAAAAAAAAAAAAAAAAAAAAAAAAECcAABAnAAAAAAAAAAAAAAAAAAAAAAAAAAAAAAAAAAAAAAAAAAAAABQAAAAAAAAAwMD/AAAAAABkAAAAMgAAAAAAAABkAAAAAAAAAH9/fwAKAAAAIgAAABgAAAAAAAAAAAAAAAAAAAAAAAAAAAAAAAAAAAAkAAAAJAAAAAAAAAAHAAAAAAAAAAAAAAAAAAAAAAAAAAAAAAAAAAAAf39/ACUAAABYAAAAAAAAAAAAAAAAAAAAAAAAAAAAAAAAAAAAAAAAAAAAAAAAAAAAAAAAAAAAAAA/AAAAAAAAAKCGAQAAAAAAAAAAAAAAAAAMAAAAAQAAAAAAAAAAAAAAAAAAAB8AAABUAAAAAAAABQAAAAEAAAAAAAAAAAAAAAAAAAAAAAAAAAAAAAAAAAAAAAAAAAAAAAJ/f38AAAAAA8zMzADAwP8Af39/AAAAAAAAAAAAAAAAAAAAAAAAAAAAIQAAABgAAAAUAAAAwAMAALABAABARwAAuAgAABAAAAAmAAAACAAAAAAAAAAAAAAAMAAAABQAAAAAAAAAAAD//wAAAQAAAP//AAABAA=="/>
               </a:ext>
             </a:extLst>
           </p:cNvSpPr>
@@ -853,7 +845,7 @@
             <a:spLocks noGrp="1" noChangeArrowheads="1"/>
             <a:extLst>
               <a:ext uri="smNativeData">
-                <pr:smNativeData xmlns:pr="smNativeData" xmlns="smNativeData" val="SMDATA_16_FrZCYxMAAAAlAAAAZAAAAA8BAAAAkAAAAEgAAACQAAAASAAAAAAAAAAAAAAAAAAAAAEAAABQAAAAAAAAAAAA4D8AAAAAAADgPwAAAAAAAOA/AAAAAAAA4D8AAAAAAADgPwAAAAAAAOA/AAAAAAAA4D8AAAAAAADgPwAAAAAAAOA/AAAAAAAA4D8CAAAAjAAAAAAAAAAAAAAAu+DjDP///wgAAAAAAAAAAAAAAAAAAAAAAAAAAAAAAAAAAAAAZAAAAAEAAABAAAAAAAAAAAAAAAAAAAAAAAAAAAAAAAAAAAAAAAAAAAAAAAAAAAAAAAAAAAAAAAAAAAAAAAAAAAAAAAAAAAAAAAAAAAAAAAAAAAAAAAAAAAAAAAAAAAAAFAAAADwAAAAAAAAAAAAAAAAAAAkUAAAAAQAAABQAAAAUAAAAFAAAAAEAAAAAAAAAZAAAAGQAAAAAAAAAZAAAAGQAAAAVAAAAYAAAAAAAAAAAAAAADwAAACADAAAAAAAAAAAAAAEAAACgMgAAVgcAAKr4//8BAAAAf39/AAEAAABkAAAAAAAAABQAAABAHwAAAAAAACYAAAAAAAAAwOD//wAAAAAmAAAAZAAAABYAAABMAAAAAAAAAAAAAAAEAAAAAAAAAAEAAACAgIAKAAAAACgAAAAoAAAAZAAAAGQAAAAAAAAAzMzMAAAAAABQAAAAUAAAAGQAAABkAAAAAAAAABcAAAAUAAAAAAAAAAAAAAD/fwAA/38AAAAAAAAJAAAABAAAAAAAAAAeAAAAaAAAAAAAAAAAAAAAAAAAAAAAAAAAAAAAECcAABAnAAAAAAAAAAAAAAAAAAAAAAAAAAAAAAAAAAAAAAAAAAAAABQAAAAAAAAAwMD/AAAAAABkAAAAMgAAAAAAAABkAAAAAAAAAH9/fwAKAAAAIgAAABgAAAAAAAAAAAAAAAAAAAAAAAAAAAAAAAAAAAAkAAAAJAAAAAAAAAAHAAAAAAAAAAAAAAAAAAAAAAAAAAAAAAAAAAAAf39/ACUAAABYAAAAAAAAAAAAAAAAAAAAAAAAAAAAAAAAAAAAAAAAAAAAAAAAAAAAAAAAAAAAAAA/AAAAAAAAAKCGAQAAAAAAAAAAAAAAAAAMAAAAAQAAAAAAAAAAAAAAAAAAAB8AAABUAAAAAAAABQAAAAEAAAAAAAAAAAAAAAAAAAAAAAAAAAAAAAAAAAAAAAAAAAAAAAJ/f38AAAAAA8zMzADAwP8Af39/AAAAAAAAAAAAAAAAAAAAAAAAAAAAIQAAABgAAAAUAAAAwAMAANgJAABARwAAsCUAABAAAAAmAAAACAAAAAAAAAAAAAAAMAAAABQAAAAAAAAAAAD//wAAAQAAAP//AAABAA=="/>
+                <pr:smNativeData xmlns:pr="smNativeData" xmlns="smNativeData" val="SMDATA_16_zfxKYxMAAAAlAAAAZAAAAA8BAAAAkAAAAEgAAACQAAAASAAAAAAAAAAAAAAAAAAAAAEAAABQAAAAAAAAAAAA4D8AAAAAAADgPwAAAAAAAOA/AAAAAAAA4D8AAAAAAADgPwAAAAAAAOA/AAAAAAAA4D8AAAAAAADgPwAAAAAAAOA/AAAAAAAA4D8CAAAAjAAAAAAAAAAAAAAAu+DjDP///wgAAAAAAAAAAAAAAAAAAAAAAAAAAAAAAAAAAAAAZAAAAAEAAABAAAAAAAAAAAAAAAAAAAAAAAAAAAAAAAAAAAAAAAAAAAAAAAAAAAAAAAAAAAAAAAAAAAAAAAAAAAAAAAAAAAAAAAAAAAAAAAAAAAAAAAAAAAAAAAAAAAAAFAAAADwAAAAAAAAAAAAAAAAAAAkUAAAAAQAAABQAAAAUAAAAFAAAAAEAAAAAAAAAZAAAAGQAAAAAAAAAZAAAAGQAAAAVAAAAYAAAAAAAAAAAAAAADwAAACADAAAAAAAAAAAAAAEAAACgMgAAVgcAAKr4//8BAAAAf39/AAEAAABkAAAAAAAAABQAAABAHwAAAAAAACYAAAAAAAAAwOD//wAAAAAmAAAAZAAAABYAAABMAAAAAAAAAAAAAAAEAAAAAAAAAAEAAACAgIAKAAAAACgAAAAoAAAAZAAAAGQAAAAAAAAAzMzMAAAAAABQAAAAUAAAAGQAAABkAAAAAAAAABcAAAAUAAAAAAAAAAAAAAD/fwAA/38AAAAAAAAJAAAABAAAAAAAAAAeAAAAaAAAAAAAAAAAAAAAAAAAAAAAAAAAAAAAECcAABAnAAAAAAAAAAAAAAAAAAAAAAAAAAAAAAAAAAAAAAAAAAAAABQAAAAAAAAAwMD/AAAAAABkAAAAMgAAAAAAAABkAAAAAAAAAH9/fwAKAAAAIgAAABgAAAAAAAAAAAAAAAAAAAAAAAAAAAAAAAAAAAAkAAAAJAAAAAAAAAAHAAAAAAAAAAAAAAAAAAAAAAAAAAAAAAAAAAAAf39/ACUAAABYAAAAAAAAAAAAAAAAAAAAAAAAAAAAAAAAAAAAAAAAAAAAAAAAAAAAAAAAAAAAAAA/AAAAAAAAAKCGAQAAAAAAAAAAAAAAAAAMAAAAAQAAAAAAAAAAAAAAAAAAAB8AAABUAAAAAAAABQAAAAEAAAAAAAAAAAAAAAAAAAAAAAAAAAAAAAAAAAAAAAAAAAAAAAJ/f38AAAAAA8zMzADAwP8Af39/AAAAAAAAAAAAAAAAAAAAAAAAAAAAIQAAABgAAAAUAAAAwAMAANgJAABARwAAsCUAABAAAAAmAAAACAAAAAAAAAAAAAAAMAAAABQAAAAAAAAAAAD//wAAAQAAAP//AAABAA=="/>
               </a:ext>
             </a:extLst>
           </p:cNvSpPr>
@@ -904,7 +896,7 @@
             <a:spLocks noGrp="1" noChangeArrowheads="1"/>
             <a:extLst>
               <a:ext uri="smNativeData">
-                <pr:smNativeData xmlns:pr="smNativeData" xmlns="smNativeData" val="SMDATA_16_FrZCYxMAAAAlAAAAZAAAAA8BAAAAkAAAAEgAAACQAAAASAAAAAAAAAABAAAAAAAAAAEAAABQAAAAAAAAAAAA4D8AAAAAAADgPwAAAAAAAOA/AAAAAAAA4D8AAAAAAADgPwAAAAAAAOA/AAAAAAAA4D8AAAAAAADgPwAAAAAAAOA/AAAAAAAA4D8CAAAAjAAAAAAAAAAAAAAAu+DjDP///wgAAAAAAAAAAAAAAAAAAAAAAAAAAAAAAAAAAAAAZAAAAAEAAABAAAAAAAAAAAAAAAAAAAAAAAAAAAAAAAAAAAAAAAAAAAAAAAAAAAAAAAAAAAAAAAAAAAAAAAAAAAAAAAAAAAAAAAAAAAAAAAAAAAAAAAAAAAAAAAAAAAAAFAAAADwAAAAAAAAAAAAAAAAAAAkUAAAAAQAAABQAAAAUAAAAFAAAAAEAAAAAAAAAZAAAAGQAAAAAAAAAZAAAAGQAAAAVAAAAYAAAAAAAAAAAAAAADwAAACADAAAAAAAAAAAAAAEAAACgMgAAVgcAAKr4//8BAAAAf39/AAEAAABkAAAAAAAAABQAAABAHwAAAAAAACYAAAAAAAAAwOD//wAAAAAmAAAAZAAAABYAAABMAAAAAAAAAAAAAAAEAAAAAAAAAAEAAACAgIAKAAAAACgAAAAoAAAAZAAAAGQAAAAAAAAAzMzMAAAAAABQAAAAUAAAAGQAAABkAAAAAAAAABcAAAAUAAAAAAAAAAAAAAD/fwAA/38AAAAAAAAJAAAABAAAANw7IAEeAAAAaAAAAAAAAAAAAAAAAAAAAAAAAAAAAAAAECcAABAnAAAAAAAAAAAAAAAAAAAAAAAAAAAAAAAAAAAAAAAAAAAAABQAAAAAAAAAwMD/AAAAAABkAAAAMgAAAAAAAABkAAAAAAAAAH9/fwAKAAAAIgAAABgAAAAAAAAAAAAAAAAAAAAAAAAAAAAAAAAAAAAkAAAAJAAAAAAAAAAHAAAAAAAAAAAAAAAAAAAAAAAAAAAAAAAAAAAAf39/ACUAAABYAAAAAAAAAAAAAAAAAAAAAAAAAAAAAAAAAAAAAAAAAAAAAAAAAAAAAAAAAAAAAAA/AAAAAAAAAKCGAQAAAAAAAAAAAAAAAAAMAAAAAQAAAAAAAAAAAAAAAAAAAB8AAABUAAAAAAAABQAAAAEAAAAAAAAAAAAAAAAAAAAAAAAAAAAAAAAAAAAAAAAAAAAAAAJ/f38AAAAAA8zMzADAwP8Af39/AAAAAAAAAAAAAAAAAAAAAAAAAAAAIQAAABgAAAAUAAAAwAMAABsnAAA/FQAAWSkAABAAAAAmAAAACAAAAAAAAAAAAAAAMAAAABQAAAAAAAAAAAD//wAAAQAAAP//AAABAA=="/>
+                <pr:smNativeData xmlns:pr="smNativeData" xmlns="smNativeData" val="SMDATA_16_zfxKYxMAAAAlAAAAZAAAAA8BAAAAkAAAAEgAAACQAAAASAAAAAAAAAABAAAAAAAAAAEAAABQAAAAAAAAAAAA4D8AAAAAAADgPwAAAAAAAOA/AAAAAAAA4D8AAAAAAADgPwAAAAAAAOA/AAAAAAAA4D8AAAAAAADgPwAAAAAAAOA/AAAAAAAA4D8CAAAAjAAAAAAAAAAAAAAAu+DjDP///wgAAAAAAAAAAAAAAAAAAAAAAAAAAAAAAAAAAAAAZAAAAAEAAABAAAAAAAAAAAAAAAAAAAAAAAAAAAAAAAAAAAAAAAAAAAAAAAAAAAAAAAAAAAAAAAAAAAAAAAAAAAAAAAAAAAAAAAAAAAAAAAAAAAAAAAAAAAAAAAAAAAAAFAAAADwAAAAAAAAAAAAAAAAAAAkUAAAAAQAAABQAAAAUAAAAFAAAAAEAAAAAAAAAZAAAAGQAAAAAAAAAZAAAAGQAAAAVAAAAYAAAAAAAAAAAAAAADwAAACADAAAAAAAAAAAAAAEAAACgMgAAVgcAAKr4//8BAAAAf39/AAEAAABkAAAAAAAAABQAAABAHwAAAAAAACYAAAAAAAAAwOD//wAAAAAmAAAAZAAAABYAAABMAAAAAAAAAAAAAAAEAAAAAAAAAAEAAACAgIAKAAAAACgAAAAoAAAAZAAAAGQAAAAAAAAAzMzMAAAAAABQAAAAUAAAAGQAAABkAAAAAAAAABcAAAAUAAAAAAAAAAAAAAD/fwAA/38AAAAAAAAJAAAABAAAANw7IAEeAAAAaAAAAAAAAAAAAAAAAAAAAAAAAAAAAAAAECcAABAnAAAAAAAAAAAAAAAAAAAAAAAAAAAAAAAAAAAAAAAAAAAAABQAAAAAAAAAwMD/AAAAAABkAAAAMgAAAAAAAABkAAAAAAAAAH9/fwAKAAAAIgAAABgAAAAAAAAAAAAAAAAAAAAAAAAAAAAAAAAAAAAkAAAAJAAAAAAAAAAHAAAAAAAAAAAAAAAAAAAAAAAAAAAAAAAAAAAAf39/ACUAAABYAAAAAAAAAAAAAAAAAAAAAAAAAAAAAAAAAAAAAAAAAAAAAAAAAAAAAAAAAAAAAAA/AAAAAAAAAKCGAQAAAAAAAAAAAAAAAAAMAAAAAQAAAAAAAAAAAAAAAAAAAB8AAABUAAAAAAAABQAAAAEAAAAAAAAAAAAAAAAAAAAAAAAAAAAAAAAAAAAAAAAAAAAAAAJ/f38AAAAAA8zMzADAwP8Af39/AAAAAAAAAAAAAAAAAAAAAAAAAAAAIQAAABgAAAAUAAAAwAMAABsnAAA/FQAAWSkAABAAAAAmAAAACAAAAAAAAAAAAAAAMAAAABQAAAAAAAAAAAD//wAAAQAAAP//AAABAA=="/>
               </a:ext>
             </a:extLst>
           </p:cNvSpPr>
@@ -918,7 +910,7 @@
           <a:lstStyle/>
           <a:p>
             <a:pPr/>
-            <a:fld id="{146549D1-9FF9-30BF-B7DD-69EA0793413C}" type="datetime1">
+            <a:fld id="{6FBF760D-4382-EA80-CC07-B5D538493AE0}" type="datetime1">
               <a:t/>
             </a:fld>
           </a:p>
@@ -931,7 +923,7 @@
             <a:spLocks noGrp="1" noChangeArrowheads="1"/>
             <a:extLst>
               <a:ext uri="smNativeData">
-                <pr:smNativeData xmlns:pr="smNativeData" xmlns="smNativeData" val="SMDATA_16_FrZCYxMAAAAlAAAAZAAAAA8BAAAAkAAAAEgAAACQAAAASAAAAAAAAAABAAAAAAAAAAEAAABQAAAAAAAAAAAA4D8AAAAAAADgPwAAAAAAAOA/AAAAAAAA4D8AAAAAAADgPwAAAAAAAOA/AAAAAAAA4D8AAAAAAADgPwAAAAAAAOA/AAAAAAAA4D8CAAAAjAAAAAAAAAAAAAAAu+DjDP///wgAAAAAAAAAAAAAAAAAAAAAAAAAAAAAAAAAAAAAZAAAAAEAAABAAAAAAAAAAAAAAAAAAAAAAAAAAAAAAAAAAAAAAAAAAAAAAAAAAAAAAAAAAAAAAAAAAAAAAAAAAAAAAAAAAAAAAAAAAAAAAAAAAAAAAAAAAAAAAAAAAAAAFAAAADwAAAAAAAAAAAAAAAAAAAkUAAAAAQAAABQAAAAUAAAAFAAAAAEAAAAAAAAAZAAAAGQAAAAAAAAAZAAAAGQAAAAVAAAAYAAAAAAAAAAAAAAADwAAACADAAAAAAAAAAAAAAEAAACgMgAAVgcAAKr4//8BAAAAf39/AAEAAABkAAAAAAAAABQAAABAHwAAAAAAACYAAAAAAAAAwOD//wAAAAAmAAAAZAAAABYAAABMAAAAAAAAAAAAAAAEAAAAAAAAAAEAAACAgIAKAAAAACgAAAAoAAAAZAAAAGQAAAAAAAAAzMzMAAAAAABQAAAAUAAAAGQAAABkAAAAAAAAABcAAAAUAAAAAAAAAAAAAAD/fwAA/38AAAAAAAAJAAAABAAAANw7IAEeAAAAaAAAAAAAAAAAAAAAAAAAAAAAAAAAAAAAECcAABAnAAAAAAAAAAAAAAAAAAAAAAAAAAAAAAAAAAAAAAAAAAAAABQAAAAAAAAAwMD/AAAAAABkAAAAMgAAAAAAAABkAAAAAAAAAH9/fwAKAAAAIgAAABgAAAAAAAAAAAAAAAAAAAAAAAAAAAAAAAAAAAAkAAAAJAAAAAAAAAAHAAAAAAAAAAAAAAAAAAAAAAAAAAAAAAAAAAAAf39/ACUAAABYAAAAAAAAAAAAAAAAAAAAAAAAAAAAAAAAAAAAAAAAAAAAAAAAAAAAAAAAAAAAAAA/AAAAAAAAAKCGAQAAAAAAAAAAAAAAAAAMAAAAAQAAAAAAAAAAAAAAAAAAAB8AAABUAAAAAAAABQAAAAEAAAAAAAAAAAAAAAAAAAAAAAAAAAAAAAAAAAAAAAAAAAAAAAJ/f38AAAAAA8zMzADAwP8Af39/AAAAAAAAAAAAAAAAAAAAAAAAAAAAIQAAABgAAAAUAAAAoRkAABsnAABfMQAAWSkAABAAAAAmAAAACAAAAAAAAAAAAAAAMAAAABQAAAAAAAAAAAD//wAAAQAAAP//AAABAA=="/>
+                <pr:smNativeData xmlns:pr="smNativeData" xmlns="smNativeData" val="SMDATA_16_zfxKYxMAAAAlAAAAZAAAAA8BAAAAkAAAAEgAAACQAAAASAAAAAAAAAABAAAAAAAAAAEAAABQAAAAAAAAAAAA4D8AAAAAAADgPwAAAAAAAOA/AAAAAAAA4D8AAAAAAADgPwAAAAAAAOA/AAAAAAAA4D8AAAAAAADgPwAAAAAAAOA/AAAAAAAA4D8CAAAAjAAAAAAAAAAAAAAAu+DjDP///wgAAAAAAAAAAAAAAAAAAAAAAAAAAAAAAAAAAAAAZAAAAAEAAABAAAAAAAAAAAAAAAAAAAAAAAAAAAAAAAAAAAAAAAAAAAAAAAAAAAAAAAAAAAAAAAAAAAAAAAAAAAAAAAAAAAAAAAAAAAAAAAAAAAAAAAAAAAAAAAAAAAAAFAAAADwAAAAAAAAAAAAAAAAAAAkUAAAAAQAAABQAAAAUAAAAFAAAAAEAAAAAAAAAZAAAAGQAAAAAAAAAZAAAAGQAAAAVAAAAYAAAAAAAAAAAAAAADwAAACADAAAAAAAAAAAAAAEAAACgMgAAVgcAAKr4//8BAAAAf39/AAEAAABkAAAAAAAAABQAAABAHwAAAAAAACYAAAAAAAAAwOD//wAAAAAmAAAAZAAAABYAAABMAAAAAAAAAAAAAAAEAAAAAAAAAAEAAACAgIAKAAAAACgAAAAoAAAAZAAAAGQAAAAAAAAAzMzMAAAAAABQAAAAUAAAAGQAAABkAAAAAAAAABcAAAAUAAAAAAAAAAAAAAD/fwAA/38AAAAAAAAJAAAABAAAANw7IAEeAAAAaAAAAAAAAAAAAAAAAAAAAAAAAAAAAAAAECcAABAnAAAAAAAAAAAAAAAAAAAAAAAAAAAAAAAAAAAAAAAAAAAAABQAAAAAAAAAwMD/AAAAAABkAAAAMgAAAAAAAABkAAAAAAAAAH9/fwAKAAAAIgAAABgAAAAAAAAAAAAAAAAAAAAAAAAAAAAAAAAAAAAkAAAAJAAAAAAAAAAHAAAAAAAAAAAAAAAAAAAAAAAAAAAAAAAAAAAAf39/ACUAAABYAAAAAAAAAAAAAAAAAAAAAAAAAAAAAAAAAAAAAAAAAAAAAAAAAAAAAAAAAAAAAAA/AAAAAAAAAKCGAQAAAAAAAAAAAAAAAAAMAAAAAQAAAAAAAAAAAAAAAAAAAB8AAABUAAAAAAAABQAAAAEAAAAAAAAAAAAAAAAAAAAAAAAAAAAAAAAAAAAAAAAAAAAAAAJ/f38AAAAAA8zMzADAwP8Af39/AAAAAAAAAAAAAAAAAAAAAAAAAAAAIQAAABgAAAAUAAAAoRkAABsnAABfMQAAWSkAABAAAAAmAAAACAAAAAAAAAAAAAAAMAAAABQAAAAAAAAAAAD//wAAAQAAAP//AAABAA=="/>
               </a:ext>
             </a:extLst>
           </p:cNvSpPr>
@@ -945,9 +937,6 @@
           <a:lstStyle/>
           <a:p>
             <a:pPr/>
-            <a:r>
-              <a:t/>
-            </a:r>
           </a:p>
         </p:txBody>
       </p:sp>
@@ -958,7 +947,7 @@
             <a:spLocks noGrp="1" noChangeArrowheads="1"/>
             <a:extLst>
               <a:ext uri="smNativeData">
-                <pr:smNativeData xmlns:pr="smNativeData" xmlns="smNativeData" val="SMDATA_16_FrZCYxMAAAAlAAAAZAAAAA8BAAAAkAAAAEgAAACQAAAASAAAAAAAAAABAAAAAAAAAAEAAABQAAAAAAAAAAAA4D8AAAAAAADgPwAAAAAAAOA/AAAAAAAA4D8AAAAAAADgPwAAAAAAAOA/AAAAAAAA4D8AAAAAAADgPwAAAAAAAOA/AAAAAAAA4D8CAAAAjAAAAAAAAAAAAAAAu+DjDP///wgAAAAAAAAAAAAAAAAAAAAAAAAAAAAAAAAAAAAAZAAAAAEAAABAAAAAAAAAAAAAAAAAAAAAAAAAAAAAAAAAAAAAAAAAAAAAAAAAAAAAAAAAAAAAAAAAAAAAAAAAAAAAAAAAAAAAAAAAAAAAAAAAAAAAAAAAAAAAAAAAAAAAFAAAADwAAAAAAAAAAAAAAAAAAAkUAAAAAQAAABQAAAAUAAAAFAAAAAEAAAAAAAAAZAAAAGQAAAAAAAAAZAAAAGQAAAAVAAAAYAAAAAAAAAAAAAAADwAAACADAAAAAAAAAAAAAAEAAACgMgAAVgcAAKr4//8BAAAAf39/AAEAAABkAAAAAAAAABQAAABAHwAAAAAAACYAAAAAAAAAwOD//wAAAAAmAAAAZAAAABYAAABMAAAAAAAAAAAAAAAEAAAAAAAAAAEAAACAgIAKAAAAACgAAAAoAAAAZAAAAGQAAAAAAAAAzMzMAAAAAABQAAAAUAAAAGQAAABkAAAAAAAAABcAAAAUAAAAAAAAAAAAAAD/fwAA/38AAAAAAAAJAAAABAAAAAAAAAAeAAAAaAAAAAAAAAAAAAAAAAAAAAAAAAAAAAAAECcAABAnAAAAAAAAAAAAAAAAAAAAAAAAAAAAAAAAAAAAAAAAAAAAABQAAAAAAAAAwMD/AAAAAABkAAAAMgAAAAAAAABkAAAAAAAAAH9/fwAKAAAAIgAAABgAAAAAAAAAAAAAAAAAAAAAAAAAAAAAAAAAAAAkAAAAJAAAAAAAAAAHAAAAAAAAAAAAAAAAAAAAAAAAAAAAAAAAAAAAf39/ACUAAABYAAAAAAAAAAAAAAAAAAAAAAAAAAAAAAAAAAAAAAAAAAAAAAAAAAAAAAAAAAAAAAA/AAAAAAAAAKCGAQAAAAAAAAAAAAAAAAAMAAAAAQAAAAAAAAAAAAAAAAAAAB8AAABUAAAAAAAABQAAAAEAAAAAAAAAAAAAAAAAAAAAAAAAAAAAAAAAAAAAAAAAAAAAAAJ/f38AAAAAA8zMzADAwP8Af39/AAAAAAAAAAAAAAAAAAAAAAAAAAAAIQAAABgAAAAUAAAAwTUAABsnAABARwAAWSkAABAAAAAmAAAACAAAAAAAAAAAAAAAMAAAABQAAAAAAAAAAAD//wAAAQAAAP//AAABAA=="/>
+                <pr:smNativeData xmlns:pr="smNativeData" xmlns="smNativeData" val="SMDATA_16_zfxKYxMAAAAlAAAAZAAAAA8BAAAAkAAAAEgAAACQAAAASAAAAAAAAAABAAAAAAAAAAEAAABQAAAAAAAAAAAA4D8AAAAAAADgPwAAAAAAAOA/AAAAAAAA4D8AAAAAAADgPwAAAAAAAOA/AAAAAAAA4D8AAAAAAADgPwAAAAAAAOA/AAAAAAAA4D8CAAAAjAAAAAAAAAAAAAAAu+DjDP///wgAAAAAAAAAAAAAAAAAAAAAAAAAAAAAAAAAAAAAZAAAAAEAAABAAAAAAAAAAAAAAAAAAAAAAAAAAAAAAAAAAAAAAAAAAAAAAAAAAAAAAAAAAAAAAAAAAAAAAAAAAAAAAAAAAAAAAAAAAAAAAAAAAAAAAAAAAAAAAAAAAAAAFAAAADwAAAAAAAAAAAAAAAAAAAkUAAAAAQAAABQAAAAUAAAAFAAAAAEAAAAAAAAAZAAAAGQAAAAAAAAAZAAAAGQAAAAVAAAAYAAAAAAAAAAAAAAADwAAACADAAAAAAAAAAAAAAEAAACgMgAAVgcAAKr4//8BAAAAf39/AAEAAABkAAAAAAAAABQAAABAHwAAAAAAACYAAAAAAAAAwOD//wAAAAAmAAAAZAAAABYAAABMAAAAAAAAAAAAAAAEAAAAAAAAAAEAAACAgIAKAAAAACgAAAAoAAAAZAAAAGQAAAAAAAAAzMzMAAAAAABQAAAAUAAAAGQAAABkAAAAAAAAABcAAAAUAAAAAAAAAAAAAAD/fwAA/38AAAAAAAAJAAAABAAAAAAAAAAeAAAAaAAAAAAAAAAAAAAAAAAAAAAAAAAAAAAAECcAABAnAAAAAAAAAAAAAAAAAAAAAAAAAAAAAAAAAAAAAAAAAAAAABQAAAAAAAAAwMD/AAAAAABkAAAAMgAAAAAAAABkAAAAAAAAAH9/fwAKAAAAIgAAABgAAAAAAAAAAAAAAAAAAAAAAAAAAAAAAAAAAAAkAAAAJAAAAAAAAAAHAAAAAAAAAAAAAAAAAAAAAAAAAAAAAAAAAAAAf39/ACUAAABYAAAAAAAAAAAAAAAAAAAAAAAAAAAAAAAAAAAAAAAAAAAAAAAAAAAAAAAAAAAAAAA/AAAAAAAAAKCGAQAAAAAAAAAAAAAAAAAMAAAAAQAAAAAAAAAAAAAAAAAAAB8AAABUAAAAAAAABQAAAAEAAAAAAAAAAAAAAAAAAAAAAAAAAAAAAAAAAAAAAAAAAAAAAAJ/f38AAAAAA8zMzADAwP8Af39/AAAAAAAAAAAAAAAAAAAAAAAAAAAAIQAAABgAAAAUAAAAwTUAABsnAABARwAAWSkAABAAAAAmAAAACAAAAAAAAAAAAAAAMAAAABQAAAAAAAAAAAD//wAAAQAAAP//AAABAA=="/>
               </a:ext>
             </a:extLst>
           </p:cNvSpPr>
@@ -972,7 +961,7 @@
           <a:lstStyle/>
           <a:p>
             <a:pPr/>
-            <a:fld id="{2D5191EA-A4C0-0467-8EE9-5232DFA77807}" type="slidenum">
+            <a:fld id="{36D1D498-D6DB-8422-9569-20779A276375}" type="slidenum">
               <a:t/>
             </a:fld>
           </a:p>
@@ -983,6 +972,7 @@
   <p:clrMapOvr>
     <a:masterClrMapping/>
   </p:clrMapOvr>
+  <p:hf hdr="0" ftr="0"/>
 </p:sldLayout>
 </file>
 
@@ -1010,7 +1000,7 @@
             <a:spLocks noGrp="1" noChangeArrowheads="1"/>
             <a:extLst>
               <a:ext uri="smNativeData">
-                <pr:smNativeData xmlns:pr="smNativeData" xmlns="smNativeData" val="SMDATA_16_FrZCYxMAAAAlAAAAZAAAAA8BAAAAkAAAAEgAAACQAAAASAAAAAAAAAAAAAAAAAAAAAEAAABQAAAAAAAAAAAA4D8AAAAAAADgPwAAAAAAAOA/AAAAAAAA4D8AAAAAAADgPwAAAAAAAOA/AAAAAAAA4D8AAAAAAADgPwAAAAAAAOA/AAAAAAAA4D8CAAAAjAAAAAAAAAAAAAAAu+DjDP///wgAAAAAAAAAAAAAAAAAAAAAAAAAAAAAAAAAAAAAZAAAAAEAAABAAAAAAAAAAAAAAAAAAAAAAAAAAAAAAAAAAAAAAAAAAAAAAAAAAAAAAAAAAAAAAAAAAAAAAAAAAAAAAAAAAAAAAAAAAAAAAAAAAAAAAAAAAAAAAAAAAAAAFAAAADwAAAAAAAAAAAAAAAAAAAkUAAAAAQAAABQAAAAUAAAAFAAAAAEAAAAAAAAAZAAAAGQAAAAAAAAAZAAAAGQAAAAVAAAAYAAAAAAAAAAAAAAADwAAACADAAAAAAAAAAAAAAEAAACgMgAAVgcAAKr4//8BAAAAf39/AAEAAABkAAAAAAAAABQAAABAHwAAAAAAACYAAAAAAAAAwOD//wAAAAAmAAAAZAAAABYAAABMAAAAAAAAAAAAAAAEAAAAAAAAAAEAAACAgIAKAAAAACgAAAAoAAAAZAAAAGQAAAAAAAAAzMzMAAAAAABQAAAAUAAAAGQAAABkAAAAAAAAABcAAAAUAAAAAAAAAAAAAAD/fwAA/38AAAAAAAAJAAAABAAAANw7IAEeAAAAaAAAAAAAAAAAAAAAAAAAAAAAAAAAAAAAECcAABAnAAAAAAAAAAAAAAAAAAAAAAAAAAAAAAAAAAAAAAAAAAAAABQAAAAAAAAAwMD/AAAAAABkAAAAMgAAAAAAAABkAAAAAAAAAH9/fwAKAAAAIgAAABgAAAAAAAAAAAAAAAAAAAAAAAAAAAAAAAAAAAAkAAAAJAAAAAAAAAAHAAAAAAAAAAAAAAAAAAAAAAAAAAAAAAAAAAAAf39/ACUAAABYAAAAAAAAAAAAAAAAAAAAAAAAAAAAAAAAAAAAAAAAAAAAAAAAAAAAAAAAAAAAAAA/AAAAAAAAAKCGAQAAAAAAAAAAAAAAAAAMAAAAAQAAAAAAAAAAAAAAAAAAAB8AAABUAAAAAAAABQAAAAEAAAAAAAAAAAAAAAAAAAAAAAAAAAAAAAAAAAAAAAAAAAAAAAJ/f38AAAAAA8zMzADAwP8Af39/AAAAAAAAAAAAAAAAAAAAAAAAAAAAIQAAABgAAAAUAAAA7QUAABwbAACtRQAAfSMAABAAAAAmAAAACAAAAIGAAAAAAAAAMAAAABQAAAAAAAAAAAD//wAAAQAAAP//AAABAA=="/>
+                <pr:smNativeData xmlns:pr="smNativeData" xmlns="smNativeData" val="SMDATA_16_zfxKYxMAAAAlAAAAZAAAAA8BAAAAkAAAAEgAAACQAAAASAAAAAAAAAAAAAAAAAAAAAEAAABQAAAAAAAAAAAA4D8AAAAAAADgPwAAAAAAAOA/AAAAAAAA4D8AAAAAAADgPwAAAAAAAOA/AAAAAAAA4D8AAAAAAADgPwAAAAAAAOA/AAAAAAAA4D8CAAAAjAAAAAAAAAAAAAAAu+DjDP///wgAAAAAAAAAAAAAAAAAAAAAAAAAAAAAAAAAAAAAZAAAAAEAAABAAAAAAAAAAAAAAAAAAAAAAAAAAAAAAAAAAAAAAAAAAAAAAAAAAAAAAAAAAAAAAAAAAAAAAAAAAAAAAAAAAAAAAAAAAAAAAAAAAAAAAAAAAAAAAAAAAAAAFAAAADwAAAAAAAAAAAAAAAAAAAkUAAAAAQAAABQAAAAUAAAAFAAAAAEAAAAAAAAAZAAAAGQAAAAAAAAAZAAAAGQAAAAVAAAAYAAAAAAAAAAAAAAADwAAACADAAAAAAAAAAAAAAEAAACgMgAAVgcAAKr4//8BAAAAf39/AAEAAABkAAAAAAAAABQAAABAHwAAAAAAACYAAAAAAAAAwOD//wAAAAAmAAAAZAAAABYAAABMAAAAAAAAAAAAAAAEAAAAAAAAAAEAAACAgIAKAAAAACgAAAAoAAAAZAAAAGQAAAAAAAAAzMzMAAAAAABQAAAAUAAAAGQAAABkAAAAAAAAABcAAAAUAAAAAAAAAAAAAAD/fwAA/38AAAAAAAAJAAAABAAAANw7IAEeAAAAaAAAAAAAAAAAAAAAAAAAAAAAAAAAAAAAECcAABAnAAAAAAAAAAAAAAAAAAAAAAAAAAAAAAAAAAAAAAAAAAAAABQAAAAAAAAAwMD/AAAAAABkAAAAMgAAAAAAAABkAAAAAAAAAH9/fwAKAAAAIgAAABgAAAAAAAAAAAAAAAAAAAAAAAAAAAAAAAAAAAAkAAAAJAAAAAAAAAAHAAAAAAAAAAAAAAAAAAAAAAAAAAAAAAAAAAAAf39/ACUAAABYAAAAAAAAAAAAAAAAAAAAAAAAAAAAAAAAAAAAAAAAAAAAAAAAAAAAAAAAAAAAAAA/AAAAAAAAAKCGAQAAAAAAAAAAAAAAAAAMAAAAAQAAAAAAAAAAAAAAAAAAAB8AAABUAAAAAAAABQAAAAEAAAAAAAAAAAAAAAAAAAAAAAAAAAAAAAAAAAAAAAAAAAAAAAJ/f38AAAAAA8zMzADAwP8Af39/AAAAAAAAAAAAAAAAAAAAAAAAAAAAIQAAABgAAAAUAAAA7QUAABwbAACtRQAAfSMAABAAAAAmAAAACAAAAIGAAAAAAAAAMAAAABQAAAAAAAAAAAD//wAAAQAAAP//AAABAA=="/>
               </a:ext>
             </a:extLst>
           </p:cNvSpPr>
@@ -1050,7 +1040,7 @@
             <a:spLocks noGrp="1" noChangeArrowheads="1"/>
             <a:extLst>
               <a:ext uri="smNativeData">
-                <pr:smNativeData xmlns:pr="smNativeData" xmlns="smNativeData" val="SMDATA_16_FrZCYxMAAAAlAAAAZAAAAA8BAAAAkAAAAEgAAACQAAAASAAAAAAAAAACAAAAAAAAAAEAAABQAAAAAAAAAAAA4D8AAAAAAADgPwAAAAAAAOA/AAAAAAAA4D8AAAAAAADgPwAAAAAAAOA/AAAAAAAA4D8AAAAAAADgPwAAAAAAAOA/AAAAAAAA4D8CAAAAjAAAAAAAAAAAAAAAu+DjDP///wgAAAAAAAAAAAAAAAAAAAAAAAAAAAAAAAAAAAAAZAAAAAEAAABAAAAAAAAAAAAAAAAAAAAAAAAAAAAAAAAAAAAAAAAAAAAAAAAAAAAAAAAAAAAAAAAAAAAAAAAAAAAAAAAAAAAAAAAAAAAAAAAAAAAAAAAAAAAAAAAAAAAAFAAAADwAAAAAAAAAAAAAAAAAAAkUAAAAAQAAABQAAAAUAAAAFAAAAAEAAAAAAAAAZAAAAGQAAAAAAAAAZAAAAGQAAAAVAAAAYAAAAAAAAAAAAAAADwAAACADAAAAAAAAAAAAAAEAAACgMgAAVgcAAKr4//8BAAAAf39/AAEAAABkAAAAAAAAABQAAABAHwAAAAAAACYAAAAAAAAAwOD//wAAAAAmAAAAZAAAABYAAABMAAAAAAAAAAAAAAAEAAAAAAAAAAEAAACAgIAKAAAAACgAAAAoAAAAZAAAAGQAAAAAAAAAzMzMAAAAAABQAAAAUAAAAGQAAABkAAAAAAAAABcAAAAUAAAAAAAAAAAAAAD/fwAA/38AAAAAAAAJAAAABAAAANw7IAEeAAAAaAAAAAAAAAAAAAAAAAAAAAAAAAAAAAAAECcAABAnAAAAAAAAAAAAAAAAAAAAAAAAAAAAAAAAAAAAAAAAAAAAABQAAAAAAAAAwMD/AAAAAABkAAAAMgAAAAAAAABkAAAAAAAAAH9/fwAKAAAAIgAAABgAAAAAAAAAAAAAAAAAAAAAAAAAAAAAAAAAAAAkAAAAJAAAAAAAAAAHAAAAAAAAAAAAAAAAAAAAAAAAAAAAAAAAAAAAf39/ACUAAABYAAAAAAAAAAAAAAAAAAAAAAAAAAAAAAAAAAAAAAAAAAAAAAAAAAAAAAAAAAAAAAA/AAAAAAAAAKCGAQAAAAAAAAAAAAAAAAAMAAAAAQAAAAAAAAAAAAAAAAAAAB8AAABUAAAAAAAABQAAAAEAAAAAAAAAAAAAAAAAAAAAAAAAAAAAAAAAAAAAAAAAAAAAAAJ/f38AAAAAA8zMzADAwP8Af39/AAAAAAAAAAAAAAAAAAAAAAAAAAAAIQAAABgAAAAUAAAA7QUAAOERAACtRQAAHBsAABAAAAAmAAAACAAAAIGAAAAAAAAAMAAAABQAAAAAAAAAAAD//wAAAQAAAP//AAABAA=="/>
+                <pr:smNativeData xmlns:pr="smNativeData" xmlns="smNativeData" val="SMDATA_16_zfxKYxMAAAAlAAAAZAAAAA8BAAAAkAAAAEgAAACQAAAASAAAAAAAAAACAAAAAAAAAAEAAABQAAAAAAAAAAAA4D8AAAAAAADgPwAAAAAAAOA/AAAAAAAA4D8AAAAAAADgPwAAAAAAAOA/AAAAAAAA4D8AAAAAAADgPwAAAAAAAOA/AAAAAAAA4D8CAAAAjAAAAAAAAAAAAAAAu+DjDP///wgAAAAAAAAAAAAAAAAAAAAAAAAAAAAAAAAAAAAAZAAAAAEAAABAAAAAAAAAAAAAAAAAAAAAAAAAAAAAAAAAAAAAAAAAAAAAAAAAAAAAAAAAAAAAAAAAAAAAAAAAAAAAAAAAAAAAAAAAAAAAAAAAAAAAAAAAAAAAAAAAAAAAFAAAADwAAAAAAAAAAAAAAAAAAAkUAAAAAQAAABQAAAAUAAAAFAAAAAEAAAAAAAAAZAAAAGQAAAAAAAAAZAAAAGQAAAAVAAAAYAAAAAAAAAAAAAAADwAAACADAAAAAAAAAAAAAAEAAACgMgAAVgcAAKr4//8BAAAAf39/AAEAAABkAAAAAAAAABQAAABAHwAAAAAAACYAAAAAAAAAwOD//wAAAAAmAAAAZAAAABYAAABMAAAAAAAAAAAAAAAEAAAAAAAAAAEAAACAgIAKAAAAACgAAAAoAAAAZAAAAGQAAAAAAAAAzMzMAAAAAABQAAAAUAAAAGQAAABkAAAAAAAAABcAAAAUAAAAAAAAAAAAAAD/fwAA/38AAAAAAAAJAAAABAAAANw7IAEeAAAAaAAAAAAAAAAAAAAAAAAAAAAAAAAAAAAAECcAABAnAAAAAAAAAAAAAAAAAAAAAAAAAAAAAAAAAAAAAAAAAAAAABQAAAAAAAAAwMD/AAAAAABkAAAAMgAAAAAAAABkAAAAAAAAAH9/fwAKAAAAIgAAABgAAAAAAAAAAAAAAAAAAAAAAAAAAAAAAAAAAAAkAAAAJAAAAAAAAAAHAAAAAAAAAAAAAAAAAAAAAAAAAAAAAAAAAAAAf39/ACUAAABYAAAAAAAAAAAAAAAAAAAAAAAAAAAAAAAAAAAAAAAAAAAAAAAAAAAAAAAAAAAAAAA/AAAAAAAAAKCGAQAAAAAAAAAAAAAAAAAMAAAAAQAAAAAAAAAAAAAAAAAAAB8AAABUAAAAAAAABQAAAAEAAAAAAAAAAAAAAAAAAAAAAAAAAAAAAAAAAAAAAAAAAAAAAAJ/f38AAAAAA8zMzADAwP8Af39/AAAAAAAAAAAAAAAAAAAAAAAAAAAAIQAAABgAAAAUAAAA7QUAAOERAACtRQAAHBsAABAAAAAmAAAACAAAAIGAAAAAAAAAMAAAABQAAAAAAAAAAAD//wAAAQAAAP//AAABAA=="/>
               </a:ext>
             </a:extLst>
           </p:cNvSpPr>
@@ -1123,7 +1113,7 @@
             <a:spLocks noGrp="1" noChangeArrowheads="1"/>
             <a:extLst>
               <a:ext uri="smNativeData">
-                <pr:smNativeData xmlns:pr="smNativeData" xmlns="smNativeData" val="SMDATA_16_FrZCYxMAAAAlAAAAZAAAAA8BAAAAkAAAAEgAAACQAAAASAAAAAAAAAABAAAAAAAAAAEAAABQAAAAAAAAAAAA4D8AAAAAAADgPwAAAAAAAOA/AAAAAAAA4D8AAAAAAADgPwAAAAAAAOA/AAAAAAAA4D8AAAAAAADgPwAAAAAAAOA/AAAAAAAA4D8CAAAAjAAAAAAAAAAAAAAAu+DjDP///wgAAAAAAAAAAAAAAAAAAAAAAAAAAAAAAAAAAAAAZAAAAAEAAABAAAAAAAAAAAAAAAAAAAAAAAAAAAAAAAAAAAAAAAAAAAAAAAAAAAAAAAAAAAAAAAAAAAAAAAAAAAAAAAAAAAAAAAAAAAAAAAAAAAAAAAAAAAAAAAAAAAAAFAAAADwAAAAAAAAAAAAAAAAAAAkUAAAAAQAAABQAAAAUAAAAFAAAAAEAAAAAAAAAZAAAAGQAAAAAAAAAZAAAAGQAAAAVAAAAYAAAAAAAAAAAAAAADwAAACADAAAAAAAAAAAAAAEAAACgMgAAVgcAAKr4//8BAAAAf39/AAEAAABkAAAAAAAAABQAAABAHwAAAAAAACYAAAAAAAAAwOD//wAAAAAmAAAAZAAAABYAAABMAAAAAAAAAAAAAAAEAAAAAAAAAAEAAACAgIAKAAAAACgAAAAoAAAAZAAAAGQAAAAAAAAAzMzMAAAAAABQAAAAUAAAAGQAAABkAAAAAAAAABcAAAAUAAAAAAAAAAAAAAD/fwAA/38AAAAAAAAJAAAABAAAAAAAAAAeAAAAaAAAAAAAAAAAAAAAAAAAAAAAAAAAAAAAECcAABAnAAAAAAAAAAAAAAAAAAAAAAAAAAAAAAAAAAAAAAAAAAAAABQAAAAAAAAAwMD/AAAAAABkAAAAMgAAAAAAAABkAAAAAAAAAH9/fwAKAAAAIgAAABgAAAAAAAAAAAAAAAAAAAAAAAAAAAAAAAAAAAAkAAAAJAAAAAAAAAAHAAAAAAAAAAAAAAAAAAAAAAAAAAAAAAAAAAAAf39/ACUAAABYAAAAAAAAAAAAAAAAAAAAAAAAAAAAAAAAAAAAAAAAAAAAAAAAAAAAAAAAAAAAAAA/AAAAAAAAAKCGAQAAAAAAAAAAAAAAAAAMAAAAAQAAAAAAAAAAAAAAAAAAAB8AAABUAAAAAAAABQAAAAEAAAAAAAAAAAAAAAAAAAAAAAAAAAAAAAAAAAAAAAAAAAAAAAJ/f38AAAAAA8zMzADAwP8Af39/AAAAAAAAAAAAAAAAAAAAAAAAAAAAIQAAABgAAAAUAAAAwAMAABsnAAA/FQAAWSkAABAAAAAmAAAACAAAAAAAAAAAAAAAMAAAABQAAAAAAAAAAAD//wAAAQAAAP//AAABAA=="/>
+                <pr:smNativeData xmlns:pr="smNativeData" xmlns="smNativeData" val="SMDATA_16_zfxKYxMAAAAlAAAAZAAAAA8BAAAAkAAAAEgAAACQAAAASAAAAAAAAAABAAAAAAAAAAEAAABQAAAAAAAAAAAA4D8AAAAAAADgPwAAAAAAAOA/AAAAAAAA4D8AAAAAAADgPwAAAAAAAOA/AAAAAAAA4D8AAAAAAADgPwAAAAAAAOA/AAAAAAAA4D8CAAAAjAAAAAAAAAAAAAAAu+DjDP///wgAAAAAAAAAAAAAAAAAAAAAAAAAAAAAAAAAAAAAZAAAAAEAAABAAAAAAAAAAAAAAAAAAAAAAAAAAAAAAAAAAAAAAAAAAAAAAAAAAAAAAAAAAAAAAAAAAAAAAAAAAAAAAAAAAAAAAAAAAAAAAAAAAAAAAAAAAAAAAAAAAAAAFAAAADwAAAAAAAAAAAAAAAAAAAkUAAAAAQAAABQAAAAUAAAAFAAAAAEAAAAAAAAAZAAAAGQAAAAAAAAAZAAAAGQAAAAVAAAAYAAAAAAAAAAAAAAADwAAACADAAAAAAAAAAAAAAEAAACgMgAAVgcAAKr4//8BAAAAf39/AAEAAABkAAAAAAAAABQAAABAHwAAAAAAACYAAAAAAAAAwOD//wAAAAAmAAAAZAAAABYAAABMAAAAAAAAAAAAAAAEAAAAAAAAAAEAAACAgIAKAAAAACgAAAAoAAAAZAAAAGQAAAAAAAAAzMzMAAAAAABQAAAAUAAAAGQAAABkAAAAAAAAABcAAAAUAAAAAAAAAAAAAAD/fwAA/38AAAAAAAAJAAAABAAAAAAAAAAeAAAAaAAAAAAAAAAAAAAAAAAAAAAAAAAAAAAAECcAABAnAAAAAAAAAAAAAAAAAAAAAAAAAAAAAAAAAAAAAAAAAAAAABQAAAAAAAAAwMD/AAAAAABkAAAAMgAAAAAAAABkAAAAAAAAAH9/fwAKAAAAIgAAABgAAAAAAAAAAAAAAAAAAAAAAAAAAAAAAAAAAAAkAAAAJAAAAAAAAAAHAAAAAAAAAAAAAAAAAAAAAAAAAAAAAAAAAAAAf39/ACUAAABYAAAAAAAAAAAAAAAAAAAAAAAAAAAAAAAAAAAAAAAAAAAAAAAAAAAAAAAAAAAAAAA/AAAAAAAAAKCGAQAAAAAAAAAAAAAAAAAMAAAAAQAAAAAAAAAAAAAAAAAAAB8AAABUAAAAAAAABQAAAAEAAAAAAAAAAAAAAAAAAAAAAAAAAAAAAAAAAAAAAAAAAAAAAAJ/f38AAAAAA8zMzADAwP8Af39/AAAAAAAAAAAAAAAAAAAAAAAAAAAAIQAAABgAAAAUAAAAwAMAABsnAAA/FQAAWSkAABAAAAAmAAAACAAAAAAAAAAAAAAAMAAAABQAAAAAAAAAAAD//wAAAQAAAP//AAABAA=="/>
               </a:ext>
             </a:extLst>
           </p:cNvSpPr>
@@ -1137,7 +1127,7 @@
           <a:lstStyle/>
           <a:p>
             <a:pPr/>
-            <a:fld id="{359407D3-9DD8-C1F1-962C-6BA44962603E}" type="datetime1">
+            <a:fld id="{302A2419-57DD-7FD2-9392-A1876ADC65F4}" type="datetime1">
               <a:t/>
             </a:fld>
           </a:p>
@@ -1150,7 +1140,7 @@
             <a:spLocks noGrp="1" noChangeArrowheads="1"/>
             <a:extLst>
               <a:ext uri="smNativeData">
-                <pr:smNativeData xmlns:pr="smNativeData" xmlns="smNativeData" val="SMDATA_16_FrZCYxMAAAAlAAAAZAAAAA8BAAAAkAAAAEgAAACQAAAASAAAAAAAAAABAAAAAAAAAAEAAABQAAAAAAAAAAAA4D8AAAAAAADgPwAAAAAAAOA/AAAAAAAA4D8AAAAAAADgPwAAAAAAAOA/AAAAAAAA4D8AAAAAAADgPwAAAAAAAOA/AAAAAAAA4D8CAAAAjAAAAAAAAAAAAAAAu+DjDP///wgAAAAAAAAAAAAAAAAAAAAAAAAAAAAAAAAAAAAAZAAAAAEAAABAAAAAAAAAAAAAAAAAAAAAAAAAAAAAAAAAAAAAAAAAAAAAAAAAAAAAAAAAAAAAAAAAAAAAAAAAAAAAAAAAAAAAAAAAAAAAAAAAAAAAAAAAAAAAAAAAAAAAFAAAADwAAAAAAAAAAAAAAAAAAAkUAAAAAQAAABQAAAAUAAAAFAAAAAEAAAAAAAAAZAAAAGQAAAAAAAAAZAAAAGQAAAAVAAAAYAAAAAAAAAAAAAAADwAAACADAAAAAAAAAAAAAAEAAACgMgAAVgcAAKr4//8BAAAAf39/AAEAAABkAAAAAAAAABQAAABAHwAAAAAAACYAAAAAAAAAwOD//wAAAAAmAAAAZAAAABYAAABMAAAAAAAAAAAAAAAEAAAAAAAAAAEAAACAgIAKAAAAACgAAAAoAAAAZAAAAGQAAAAAAAAAzMzMAAAAAABQAAAAUAAAAGQAAABkAAAAAAAAABcAAAAUAAAAAAAAAAAAAAD/fwAA/38AAAAAAAAJAAAABAAAANw7IAEeAAAAaAAAAAAAAAAAAAAAAAAAAAAAAAAAAAAAECcAABAnAAAAAAAAAAAAAAAAAAAAAAAAAAAAAAAAAAAAAAAAAAAAABQAAAAAAAAAwMD/AAAAAABkAAAAMgAAAAAAAABkAAAAAAAAAH9/fwAKAAAAIgAAABgAAAAAAAAAAAAAAAAAAAAAAAAAAAAAAAAAAAAkAAAAJAAAAAAAAAAHAAAAAAAAAAAAAAAAAAAAAAAAAAAAAAAAAAAAf39/ACUAAABYAAAAAAAAAAAAAAAAAAAAAAAAAAAAAAAAAAAAAAAAAAAAAAAAAAAAAAAAAAAAAAA/AAAAAAAAAKCGAQAAAAAAAAAAAAAAAAAMAAAAAQAAAAAAAAAAAAAAAAAAAB8AAABUAAAAAAAABQAAAAEAAAAAAAAAAAAAAAAAAAAAAAAAAAAAAAAAAAAAAAAAAAAAAAJ/f38AAAAAA8zMzADAwP8Af39/AAAAAAAAAAAAAAAAAAAAAAAAAAAAIQAAABgAAAAUAAAAoRkAABsnAABfMQAAWSkAABAAAAAmAAAACAAAAAAAAAAAAAAAMAAAABQAAAAAAAAAAAD//wAAAQAAAP//AAABAA=="/>
+                <pr:smNativeData xmlns:pr="smNativeData" xmlns="smNativeData" val="SMDATA_16_zfxKYxMAAAAlAAAAZAAAAA8BAAAAkAAAAEgAAACQAAAASAAAAAAAAAABAAAAAAAAAAEAAABQAAAAAAAAAAAA4D8AAAAAAADgPwAAAAAAAOA/AAAAAAAA4D8AAAAAAADgPwAAAAAAAOA/AAAAAAAA4D8AAAAAAADgPwAAAAAAAOA/AAAAAAAA4D8CAAAAjAAAAAAAAAAAAAAAu+DjDP///wgAAAAAAAAAAAAAAAAAAAAAAAAAAAAAAAAAAAAAZAAAAAEAAABAAAAAAAAAAAAAAAAAAAAAAAAAAAAAAAAAAAAAAAAAAAAAAAAAAAAAAAAAAAAAAAAAAAAAAAAAAAAAAAAAAAAAAAAAAAAAAAAAAAAAAAAAAAAAAAAAAAAAFAAAADwAAAAAAAAAAAAAAAAAAAkUAAAAAQAAABQAAAAUAAAAFAAAAAEAAAAAAAAAZAAAAGQAAAAAAAAAZAAAAGQAAAAVAAAAYAAAAAAAAAAAAAAADwAAACADAAAAAAAAAAAAAAEAAACgMgAAVgcAAKr4//8BAAAAf39/AAEAAABkAAAAAAAAABQAAABAHwAAAAAAACYAAAAAAAAAwOD//wAAAAAmAAAAZAAAABYAAABMAAAAAAAAAAAAAAAEAAAAAAAAAAEAAACAgIAKAAAAACgAAAAoAAAAZAAAAGQAAAAAAAAAzMzMAAAAAABQAAAAUAAAAGQAAABkAAAAAAAAABcAAAAUAAAAAAAAAAAAAAD/fwAA/38AAAAAAAAJAAAABAAAANw7IAEeAAAAaAAAAAAAAAAAAAAAAAAAAAAAAAAAAAAAECcAABAnAAAAAAAAAAAAAAAAAAAAAAAAAAAAAAAAAAAAAAAAAAAAABQAAAAAAAAAwMD/AAAAAABkAAAAMgAAAAAAAABkAAAAAAAAAH9/fwAKAAAAIgAAABgAAAAAAAAAAAAAAAAAAAAAAAAAAAAAAAAAAAAkAAAAJAAAAAAAAAAHAAAAAAAAAAAAAAAAAAAAAAAAAAAAAAAAAAAAf39/ACUAAABYAAAAAAAAAAAAAAAAAAAAAAAAAAAAAAAAAAAAAAAAAAAAAAAAAAAAAAAAAAAAAAA/AAAAAAAAAKCGAQAAAAAAAAAAAAAAAAAMAAAAAQAAAAAAAAAAAAAAAAAAAB8AAABUAAAAAAAABQAAAAEAAAAAAAAAAAAAAAAAAAAAAAAAAAAAAAAAAAAAAAAAAAAAAAJ/f38AAAAAA8zMzADAwP8Af39/AAAAAAAAAAAAAAAAAAAAAAAAAAAAIQAAABgAAAAUAAAAoRkAABsnAABfMQAAWSkAABAAAAAmAAAACAAAAAAAAAAAAAAAMAAAABQAAAAAAAAAAAD//wAAAQAAAP//AAABAA=="/>
               </a:ext>
             </a:extLst>
           </p:cNvSpPr>
@@ -1164,9 +1154,6 @@
           <a:lstStyle/>
           <a:p>
             <a:pPr/>
-            <a:r>
-              <a:t/>
-            </a:r>
           </a:p>
         </p:txBody>
       </p:sp>
@@ -1177,7 +1164,7 @@
             <a:spLocks noGrp="1" noChangeArrowheads="1"/>
             <a:extLst>
               <a:ext uri="smNativeData">
-                <pr:smNativeData xmlns:pr="smNativeData" xmlns="smNativeData" val="SMDATA_16_FrZCYxMAAAAlAAAAZAAAAA8BAAAAkAAAAEgAAACQAAAASAAAAAAAAAABAAAAAAAAAAEAAABQAAAAAAAAAAAA4D8AAAAAAADgPwAAAAAAAOA/AAAAAAAA4D8AAAAAAADgPwAAAAAAAOA/AAAAAAAA4D8AAAAAAADgPwAAAAAAAOA/AAAAAAAA4D8CAAAAjAAAAAAAAAAAAAAAu+DjDP///wgAAAAAAAAAAAAAAAAAAAAAAAAAAAAAAAAAAAAAZAAAAAEAAABAAAAAAAAAAAAAAAAAAAAAAAAAAAAAAAAAAAAAAAAAAAAAAAAAAAAAAAAAAAAAAAAAAAAAAAAAAAAAAAAAAAAAAAAAAAAAAAAAAAAAAAAAAAAAAAAAAAAAFAAAADwAAAAAAAAAAAAAAAAAAAkUAAAAAQAAABQAAAAUAAAAFAAAAAEAAAAAAAAAZAAAAGQAAAAAAAAAZAAAAGQAAAAVAAAAYAAAAAAAAAAAAAAADwAAACADAAAAAAAAAAAAAAEAAACgMgAAVgcAAKr4//8BAAAAf39/AAEAAABkAAAAAAAAABQAAABAHwAAAAAAACYAAAAAAAAAwOD//wAAAAAmAAAAZAAAABYAAABMAAAAAAAAAAAAAAAEAAAAAAAAAAEAAACAgIAKAAAAACgAAAAoAAAAZAAAAGQAAAAAAAAAzMzMAAAAAABQAAAAUAAAAGQAAABkAAAAAAAAABcAAAAUAAAAAAAAAAAAAAD/fwAA/38AAAAAAAAJAAAABAAAANw7IAEeAAAAaAAAAAAAAAAAAAAAAAAAAAAAAAAAAAAAECcAABAnAAAAAAAAAAAAAAAAAAAAAAAAAAAAAAAAAAAAAAAAAAAAABQAAAAAAAAAwMD/AAAAAABkAAAAMgAAAAAAAABkAAAAAAAAAH9/fwAKAAAAIgAAABgAAAAAAAAAAAAAAAAAAAAAAAAAAAAAAAAAAAAkAAAAJAAAAAAAAAAHAAAAAAAAAAAAAAAAAAAAAAAAAAAAAAAAAAAAf39/ACUAAABYAAAAAAAAAAAAAAAAAAAAAAAAAAAAAAAAAAAAAAAAAAAAAAAAAAAAAAAAAAAAAAA/AAAAAAAAAKCGAQAAAAAAAAAAAAAAAAAMAAAAAQAAAAAAAAAAAAAAAAAAAB8AAABUAAAAAAAABQAAAAEAAAAAAAAAAAAAAAAAAAAAAAAAAAAAAAAAAAAAAAAAAAAAAAJ/f38AAAAAA8zMzADAwP8Af39/AAAAAAAAAAAAAAAAAAAAAAAAAAAAIQAAABgAAAAUAAAAwTUAABsnAABARwAAWSkAABAAAAAmAAAACAAAAAAAAAAAAAAAMAAAABQAAAAAAAAAAAD//wAAAQAAAP//AAABAA=="/>
+                <pr:smNativeData xmlns:pr="smNativeData" xmlns="smNativeData" val="SMDATA_16_zfxKYxMAAAAlAAAAZAAAAA8BAAAAkAAAAEgAAACQAAAASAAAAAAAAAABAAAAAAAAAAEAAABQAAAAAAAAAAAA4D8AAAAAAADgPwAAAAAAAOA/AAAAAAAA4D8AAAAAAADgPwAAAAAAAOA/AAAAAAAA4D8AAAAAAADgPwAAAAAAAOA/AAAAAAAA4D8CAAAAjAAAAAAAAAAAAAAAu+DjDP///wgAAAAAAAAAAAAAAAAAAAAAAAAAAAAAAAAAAAAAZAAAAAEAAABAAAAAAAAAAAAAAAAAAAAAAAAAAAAAAAAAAAAAAAAAAAAAAAAAAAAAAAAAAAAAAAAAAAAAAAAAAAAAAAAAAAAAAAAAAAAAAAAAAAAAAAAAAAAAAAAAAAAAFAAAADwAAAAAAAAAAAAAAAAAAAkUAAAAAQAAABQAAAAUAAAAFAAAAAEAAAAAAAAAZAAAAGQAAAAAAAAAZAAAAGQAAAAVAAAAYAAAAAAAAAAAAAAADwAAACADAAAAAAAAAAAAAAEAAACgMgAAVgcAAKr4//8BAAAAf39/AAEAAABkAAAAAAAAABQAAABAHwAAAAAAACYAAAAAAAAAwOD//wAAAAAmAAAAZAAAABYAAABMAAAAAAAAAAAAAAAEAAAAAAAAAAEAAACAgIAKAAAAACgAAAAoAAAAZAAAAGQAAAAAAAAAzMzMAAAAAABQAAAAUAAAAGQAAABkAAAAAAAAABcAAAAUAAAAAAAAAAAAAAD/fwAA/38AAAAAAAAJAAAABAAAANw7IAEeAAAAaAAAAAAAAAAAAAAAAAAAAAAAAAAAAAAAECcAABAnAAAAAAAAAAAAAAAAAAAAAAAAAAAAAAAAAAAAAAAAAAAAABQAAAAAAAAAwMD/AAAAAABkAAAAMgAAAAAAAABkAAAAAAAAAH9/fwAKAAAAIgAAABgAAAAAAAAAAAAAAAAAAAAAAAAAAAAAAAAAAAAkAAAAJAAAAAAAAAAHAAAAAAAAAAAAAAAAAAAAAAAAAAAAAAAAAAAAf39/ACUAAABYAAAAAAAAAAAAAAAAAAAAAAAAAAAAAAAAAAAAAAAAAAAAAAAAAAAAAAAAAAAAAAA/AAAAAAAAAKCGAQAAAAAAAAAAAAAAAAAMAAAAAQAAAAAAAAAAAAAAAAAAAB8AAABUAAAAAAAABQAAAAEAAAAAAAAAAAAAAAAAAAAAAAAAAAAAAAAAAAAAAAAAAAAAAAJ/f38AAAAAA8zMzADAwP8Af39/AAAAAAAAAAAAAAAAAAAAAAAAAAAAIQAAABgAAAAUAAAAwTUAABsnAABARwAAWSkAABAAAAAmAAAACAAAAAAAAAAAAAAAMAAAABQAAAAAAAAAAAD//wAAAQAAAP//AAABAA=="/>
               </a:ext>
             </a:extLst>
           </p:cNvSpPr>
@@ -1191,7 +1178,7 @@
           <a:lstStyle/>
           <a:p>
             <a:pPr/>
-            <a:fld id="{21474332-7CCC-12B5-82FF-8AE00DB174DF}" type="slidenum">
+            <a:fld id="{2A329A4D-03C7-676C-898A-F539D4C47FA0}" type="slidenum">
               <a:t/>
             </a:fld>
           </a:p>
@@ -1202,6 +1189,7 @@
   <p:clrMapOvr>
     <a:masterClrMapping/>
   </p:clrMapOvr>
+  <p:hf hdr="0" ftr="0"/>
 </p:sldLayout>
 </file>
 
@@ -1229,7 +1217,7 @@
             <a:spLocks noGrp="1" noChangeArrowheads="1"/>
             <a:extLst>
               <a:ext uri="smNativeData">
-                <pr:smNativeData xmlns:pr="smNativeData" xmlns="smNativeData" val="SMDATA_16_FrZCYxMAAAAlAAAAZAAAAA8BAAAAkAAAAEgAAACQAAAASAAAAAAAAAABAAAAAAAAAAEAAABQAAAAAAAAAAAA4D8AAAAAAADgPwAAAAAAAOA/AAAAAAAA4D8AAAAAAADgPwAAAAAAAOA/AAAAAAAA4D8AAAAAAADgPwAAAAAAAOA/AAAAAAAA4D8CAAAAjAAAAAAAAAAAAAAAu+DjDP///wgAAAAAAAAAAAAAAAAAAAAAAAAAAAAAAAAAAAAAZAAAAAEAAABAAAAAAAAAAAAAAAAAAAAAAAAAAAAAAAAAAAAAAAAAAAAAAAAAAAAAAAAAAAAAAAAAAAAAAAAAAAAAAAAAAAAAAAAAAAAAAAAAAAAAAAAAAAAAAAAAAAAAFAAAADwAAAAAAAAAAAAAAAAAAAkUAAAAAQAAABQAAAAUAAAAFAAAAAEAAAAAAAAAZAAAAGQAAAAAAAAAZAAAAGQAAAAVAAAAYAAAAAAAAAAAAAAADwAAACADAAAAAAAAAAAAAAEAAACgMgAAVgcAAKr4//8BAAAAf39/AAEAAABkAAAAAAAAABQAAABAHwAAAAAAACYAAAAAAAAAwOD//wAAAAAmAAAAZAAAABYAAABMAAAAAAAAAAAAAAAEAAAAAAAAAAEAAACAgIAKAAAAACgAAAAoAAAAZAAAAGQAAAAAAAAAzMzMAAAAAABQAAAAUAAAAGQAAABkAAAAAAAAABcAAAAUAAAAAAAAAAAAAAD/fwAA/38AAAAAAAAJAAAABAAAANw7IAEeAAAAaAAAAAAAAAAAAAAAAAAAAAAAAAAAAAAAECcAABAnAAAAAAAAAAAAAAAAAAAAAAAAAAAAAAAAAAAAAAAAAAAAABQAAAAAAAAAwMD/AAAAAABkAAAAMgAAAAAAAABkAAAAAAAAAH9/fwAKAAAAIgAAABgAAAAAAAAAAAAAAAAAAAAAAAAAAAAAAAAAAAAkAAAAJAAAAAAAAAAHAAAAAAAAAAAAAAAAAAAAAAAAAAAAAAAAAAAAf39/ACUAAABYAAAAAAAAAAAAAAAAAAAAAAAAAAAAAAAAAAAAAAAAAAAAAAAAAAAAAAAAAAAAAAA/AAAAAAAAAKCGAQAAAAAAAAAAAAAAAAAMAAAAAQAAAAAAAAAAAAAAAAAAAB8AAABUAAAAAAAABQAAAAEAAAAAAAAAAAAAAAAAAAAAAAAAAAAAAAAAAAAAAAAAAAAAAAJ/f38AAAAAA8zMzADAwP8Af39/AAAAAAAAAAAAAAAAAAAAAAAAAAAAIQAAABgAAAAUAAAAwAMAALABAABARwAAuAgAABAAAAAmAAAACAAAAAAAAAAAAAAAMAAAABQAAAAAAAAAAAD//wAAAQAAAP//AAABAA=="/>
+                <pr:smNativeData xmlns:pr="smNativeData" xmlns="smNativeData" val="SMDATA_16_zfxKYxMAAAAlAAAAZAAAAA8BAAAAkAAAAEgAAACQAAAASAAAAAAAAAABAAAAAAAAAAEAAABQAAAAAAAAAAAA4D8AAAAAAADgPwAAAAAAAOA/AAAAAAAA4D8AAAAAAADgPwAAAAAAAOA/AAAAAAAA4D8AAAAAAADgPwAAAAAAAOA/AAAAAAAA4D8CAAAAjAAAAAAAAAAAAAAAu+DjDP///wgAAAAAAAAAAAAAAAAAAAAAAAAAAAAAAAAAAAAAZAAAAAEAAABAAAAAAAAAAAAAAAAAAAAAAAAAAAAAAAAAAAAAAAAAAAAAAAAAAAAAAAAAAAAAAAAAAAAAAAAAAAAAAAAAAAAAAAAAAAAAAAAAAAAAAAAAAAAAAAAAAAAAFAAAADwAAAAAAAAAAAAAAAAAAAkUAAAAAQAAABQAAAAUAAAAFAAAAAEAAAAAAAAAZAAAAGQAAAAAAAAAZAAAAGQAAAAVAAAAYAAAAAAAAAAAAAAADwAAACADAAAAAAAAAAAAAAEAAACgMgAAVgcAAKr4//8BAAAAf39/AAEAAABkAAAAAAAAABQAAABAHwAAAAAAACYAAAAAAAAAwOD//wAAAAAmAAAAZAAAABYAAABMAAAAAAAAAAAAAAAEAAAAAAAAAAEAAACAgIAKAAAAACgAAAAoAAAAZAAAAGQAAAAAAAAAzMzMAAAAAABQAAAAUAAAAGQAAABkAAAAAAAAABcAAAAUAAAAAAAAAAAAAAD/fwAA/38AAAAAAAAJAAAABAAAANw7IAEeAAAAaAAAAAAAAAAAAAAAAAAAAAAAAAAAAAAAECcAABAnAAAAAAAAAAAAAAAAAAAAAAAAAAAAAAAAAAAAAAAAAAAAABQAAAAAAAAAwMD/AAAAAABkAAAAMgAAAAAAAABkAAAAAAAAAH9/fwAKAAAAIgAAABgAAAAAAAAAAAAAAAAAAAAAAAAAAAAAAAAAAAAkAAAAJAAAAAAAAAAHAAAAAAAAAAAAAAAAAAAAAAAAAAAAAAAAAAAAf39/ACUAAABYAAAAAAAAAAAAAAAAAAAAAAAAAAAAAAAAAAAAAAAAAAAAAAAAAAAAAAAAAAAAAAA/AAAAAAAAAKCGAQAAAAAAAAAAAAAAAAAMAAAAAQAAAAAAAAAAAAAAAAAAAB8AAABUAAAAAAAABQAAAAEAAAAAAAAAAAAAAAAAAAAAAAAAAAAAAAAAAAAAAAAAAAAAAAJ/f38AAAAAA8zMzADAwP8Af39/AAAAAAAAAAAAAAAAAAAAAAAAAAAAIQAAABgAAAAUAAAAwAMAALABAABARwAAuAgAABAAAAAmAAAACAAAAAAAAAAAAAAAMAAAABQAAAAAAAAAAAD//wAAAQAAAP//AAABAA=="/>
               </a:ext>
             </a:extLst>
           </p:cNvSpPr>
@@ -1256,7 +1244,7 @@
             <a:spLocks noGrp="1" noChangeArrowheads="1"/>
             <a:extLst>
               <a:ext uri="smNativeData">
-                <pr:smNativeData xmlns:pr="smNativeData" xmlns="smNativeData" val="SMDATA_16_FrZCYxMAAAAlAAAAZAAAAA8BAAAAkAAAAEgAAACQAAAASAAAAAAAAAAAAAAAAAAAAAEAAABQAAAAAAAAAAAA4D8AAAAAAADgPwAAAAAAAOA/AAAAAAAA4D8AAAAAAADgPwAAAAAAAOA/AAAAAAAA4D8AAAAAAADgPwAAAAAAAOA/AAAAAAAA4D8CAAAAjAAAAAAAAAAAAAAAu+DjDP///wgAAAAAAAAAAAAAAAAAAAAAAAAAAAAAAAAAAAAAZAAAAAEAAABAAAAAAAAAAAAAAAAAAAAAAAAAAAAAAAAAAAAAAAAAAAAAAAAAAAAAAAAAAAAAAAAAAAAAAAAAAAAAAAAAAAAAAAAAAAAAAAAAAAAAAAAAAAAAAAAAAAAAFAAAADwAAAAAAAAAAAAAAAAAAAkUAAAAAQAAABQAAAAUAAAAFAAAAAEAAAAAAAAAZAAAAGQAAAAAAAAAZAAAAGQAAAAVAAAAYAAAAAAAAAAAAAAADwAAACADAAAAAAAAAAAAAAEAAACgMgAAVgcAAKr4//8BAAAAf39/AAEAAABkAAAAAAAAABQAAABAHwAAAAAAACYAAAAAAAAAwOD//wAAAAAmAAAAZAAAABYAAABMAAAAAAAAAAAAAAAEAAAAAAAAAAEAAACAgIAKAAAAACgAAAAoAAAAZAAAAGQAAAAAAAAAzMzMAAAAAABQAAAAUAAAAGQAAABkAAAAAAAAABcAAAAUAAAAAAAAAAAAAAD/fwAA/38AAAAAAAAJAAAABAAAANw7IAEeAAAAaAAAAAAAAAAAAAAAAAAAAAAAAAAAAAAAECcAABAnAAAAAAAAAAAAAAAAAAAAAAAAAAAAAAAAAAAAAAAAAAAAABQAAAAAAAAAwMD/AAAAAABkAAAAMgAAAAAAAABkAAAAAAAAAH9/fwAKAAAAIgAAABgAAAAAAAAAAAAAAAAAAAAAAAAAAAAAAAAAAAAkAAAAJAAAAAAAAAAHAAAAAAAAAAAAAAAAAAAAAAAAAAAAAAAAAAAAf39/ACUAAABYAAAAAAAAAAAAAAAAAAAAAAAAAAAAAAAAAAAAAAAAAAAAAAAAAAAAAAAAAAAAAAA/AAAAAAAAAKCGAQAAAAAAAAAAAAAAAAAMAAAAAQAAAAAAAAAAAAAAAAAAAB8AAABUAAAAAAAABQAAAAEAAAAAAAAAAAAAAAAAAAAAAAAAAAAAAAAAAAAAAAAAAAAAAAJ/f38AAAAAA8zMzADAwP8Af39/AAAAAAAAAAAAAAAAAAAAAAAAAAAAIQAAABgAAAAUAAAAwAMAANgJAADhJAAAsCUAABAAAAAmAAAACAAAAAGAAAAAAAAAMAAAABQAAAAAAAAAAAD//wAAAQAAAP//AAABAA=="/>
+                <pr:smNativeData xmlns:pr="smNativeData" xmlns="smNativeData" val="SMDATA_16_zfxKYxMAAAAlAAAAZAAAAA8BAAAAkAAAAEgAAACQAAAASAAAAAAAAAAAAAAAAAAAAAEAAABQAAAAAAAAAAAA4D8AAAAAAADgPwAAAAAAAOA/AAAAAAAA4D8AAAAAAADgPwAAAAAAAOA/AAAAAAAA4D8AAAAAAADgPwAAAAAAAOA/AAAAAAAA4D8CAAAAjAAAAAAAAAAAAAAAu+DjDP///wgAAAAAAAAAAAAAAAAAAAAAAAAAAAAAAAAAAAAAZAAAAAEAAABAAAAAAAAAAAAAAAAAAAAAAAAAAAAAAAAAAAAAAAAAAAAAAAAAAAAAAAAAAAAAAAAAAAAAAAAAAAAAAAAAAAAAAAAAAAAAAAAAAAAAAAAAAAAAAAAAAAAAFAAAADwAAAAAAAAAAAAAAAAAAAkUAAAAAQAAABQAAAAUAAAAFAAAAAEAAAAAAAAAZAAAAGQAAAAAAAAAZAAAAGQAAAAVAAAAYAAAAAAAAAAAAAAADwAAACADAAAAAAAAAAAAAAEAAACgMgAAVgcAAKr4//8BAAAAf39/AAEAAABkAAAAAAAAABQAAABAHwAAAAAAACYAAAAAAAAAwOD//wAAAAAmAAAAZAAAABYAAABMAAAAAAAAAAAAAAAEAAAAAAAAAAEAAACAgIAKAAAAACgAAAAoAAAAZAAAAGQAAAAAAAAAzMzMAAAAAABQAAAAUAAAAGQAAABkAAAAAAAAABcAAAAUAAAAAAAAAAAAAAD/fwAA/38AAAAAAAAJAAAABAAAANw7IAEeAAAAaAAAAAAAAAAAAAAAAAAAAAAAAAAAAAAAECcAABAnAAAAAAAAAAAAAAAAAAAAAAAAAAAAAAAAAAAAAAAAAAAAABQAAAAAAAAAwMD/AAAAAABkAAAAMgAAAAAAAABkAAAAAAAAAH9/fwAKAAAAIgAAABgAAAAAAAAAAAAAAAAAAAAAAAAAAAAAAAAAAAAkAAAAJAAAAAAAAAAHAAAAAAAAAAAAAAAAAAAAAAAAAAAAAAAAAAAAf39/ACUAAABYAAAAAAAAAAAAAAAAAAAAAAAAAAAAAAAAAAAAAAAAAAAAAAAAAAAAAAAAAAAAAAA/AAAAAAAAAKCGAQAAAAAAAAAAAAAAAAAMAAAAAQAAAAAAAAAAAAAAAAAAAB8AAABUAAAAAAAABQAAAAEAAAAAAAAAAAAAAAAAAAAAAAAAAAAAAAAAAAAAAAAAAAAAAAJ/f38AAAAAA8zMzADAwP8Af39/AAAAAAAAAAAAAAAAAAAAAAAAAAAAIQAAABgAAAAUAAAAwAMAANgJAADhJAAAsCUAABAAAAAmAAAACAAAAAGAAAAAAAAAMAAAABQAAAAAAAAAAAD//wAAAQAAAP//AAABAA=="/>
               </a:ext>
             </a:extLst>
           </p:cNvSpPr>
@@ -1340,7 +1328,7 @@
             <a:spLocks noGrp="1" noChangeArrowheads="1"/>
             <a:extLst>
               <a:ext uri="smNativeData">
-                <pr:smNativeData xmlns:pr="smNativeData" xmlns="smNativeData" val="SMDATA_16_FrZCYxMAAAAlAAAAZAAAAA8BAAAAkAAAAEgAAACQAAAASAAAAAAAAAAAAAAAAAAAAAEAAABQAAAAAAAAAAAA4D8AAAAAAADgPwAAAAAAAOA/AAAAAAAA4D8AAAAAAADgPwAAAAAAAOA/AAAAAAAA4D8AAAAAAADgPwAAAAAAAOA/AAAAAAAA4D8CAAAAjAAAAAAAAAAAAAAAu+DjDP///wgAAAAAAAAAAAAAAAAAAAAAAAAAAAAAAAAAAAAAZAAAAAEAAABAAAAAAAAAAAAAAAAAAAAAAAAAAAAAAAAAAAAAAAAAAAAAAAAAAAAAAAAAAAAAAAAAAAAAAAAAAAAAAAAAAAAAAAAAAAAAAAAAAAAAAAAAAAAAAAAAAAAAFAAAADwAAAAAAAAAAAAAAAAAAAkUAAAAAQAAABQAAAAUAAAAFAAAAAEAAAAAAAAAZAAAAGQAAAAAAAAAZAAAAGQAAAAVAAAAYAAAAAAAAAAAAAAADwAAACADAAAAAAAAAAAAAAEAAACgMgAAVgcAAKr4//8BAAAAf39/AAEAAABkAAAAAAAAABQAAABAHwAAAAAAACYAAAAAAAAAwOD//wAAAAAmAAAAZAAAABYAAABMAAAAAAAAAAAAAAAEAAAAAAAAAAEAAACAgIAKAAAAACgAAAAoAAAAZAAAAGQAAAAAAAAAzMzMAAAAAABQAAAAUAAAAGQAAABkAAAAAAAAABcAAAAUAAAAAAAAAAAAAAD/fwAA/38AAAAAAAAJAAAABAAAANw7IAEeAAAAaAAAAAAAAAAAAAAAAAAAAAAAAAAAAAAAECcAABAnAAAAAAAAAAAAAAAAAAAAAAAAAAAAAAAAAAAAAAAAAAAAABQAAAAAAAAAwMD/AAAAAABkAAAAMgAAAAAAAABkAAAAAAAAAH9/fwAKAAAAIgAAABgAAAAAAAAAAAAAAAAAAAAAAAAAAAAAAAAAAAAkAAAAJAAAAAAAAAAHAAAAAAAAAAAAAAAAAAAAAAAAAAAAAAAAAAAAf39/ACUAAABYAAAAAAAAAAAAAAAAAAAAAAAAAAAAAAAAAAAAAAAAAAAAAAAAAAAAAAAAAAAAAAA/AAAAAAAAAKCGAQAAAAAAAAAAAAAAAAAMAAAAAQAAAAAAAAAAAAAAAAAAAB8AAABUAAAAAAAABQAAAAEAAAAAAAAAAAAAAAAAAAAAAAAAAAAAAAAAAAAAAAAAAAAAAAJ/f38AAAAAA8zMzADAwP8Af39/AAAAAAAAAAAAAAAAAAAAAAAAAAAAIQAAABgAAAAUAAAAHyYAANgJAABARwAAsCUAABAAAAAmAAAACAAAAAGAAAAAAAAAMAAAABQAAAAAAAAAAAD//wAAAQAAAP//AAABAA=="/>
+                <pr:smNativeData xmlns:pr="smNativeData" xmlns="smNativeData" val="SMDATA_16_zfxKYxMAAAAlAAAAZAAAAA8BAAAAkAAAAEgAAACQAAAASAAAAAAAAAAAAAAAAAAAAAEAAABQAAAAAAAAAAAA4D8AAAAAAADgPwAAAAAAAOA/AAAAAAAA4D8AAAAAAADgPwAAAAAAAOA/AAAAAAAA4D8AAAAAAADgPwAAAAAAAOA/AAAAAAAA4D8CAAAAjAAAAAAAAAAAAAAAu+DjDP///wgAAAAAAAAAAAAAAAAAAAAAAAAAAAAAAAAAAAAAZAAAAAEAAABAAAAAAAAAAAAAAAAAAAAAAAAAAAAAAAAAAAAAAAAAAAAAAAAAAAAAAAAAAAAAAAAAAAAAAAAAAAAAAAAAAAAAAAAAAAAAAAAAAAAAAAAAAAAAAAAAAAAAFAAAADwAAAAAAAAAAAAAAAAAAAkUAAAAAQAAABQAAAAUAAAAFAAAAAEAAAAAAAAAZAAAAGQAAAAAAAAAZAAAAGQAAAAVAAAAYAAAAAAAAAAAAAAADwAAACADAAAAAAAAAAAAAAEAAACgMgAAVgcAAKr4//8BAAAAf39/AAEAAABkAAAAAAAAABQAAABAHwAAAAAAACYAAAAAAAAAwOD//wAAAAAmAAAAZAAAABYAAABMAAAAAAAAAAAAAAAEAAAAAAAAAAEAAACAgIAKAAAAACgAAAAoAAAAZAAAAGQAAAAAAAAAzMzMAAAAAABQAAAAUAAAAGQAAABkAAAAAAAAABcAAAAUAAAAAAAAAAAAAAD/fwAA/38AAAAAAAAJAAAABAAAANw7IAEeAAAAaAAAAAAAAAAAAAAAAAAAAAAAAAAAAAAAECcAABAnAAAAAAAAAAAAAAAAAAAAAAAAAAAAAAAAAAAAAAAAAAAAABQAAAAAAAAAwMD/AAAAAABkAAAAMgAAAAAAAABkAAAAAAAAAH9/fwAKAAAAIgAAABgAAAAAAAAAAAAAAAAAAAAAAAAAAAAAAAAAAAAkAAAAJAAAAAAAAAAHAAAAAAAAAAAAAAAAAAAAAAAAAAAAAAAAAAAAf39/ACUAAABYAAAAAAAAAAAAAAAAAAAAAAAAAAAAAAAAAAAAAAAAAAAAAAAAAAAAAAAAAAAAAAA/AAAAAAAAAKCGAQAAAAAAAAAAAAAAAAAMAAAAAQAAAAAAAAAAAAAAAAAAAB8AAABUAAAAAAAABQAAAAEAAAAAAAAAAAAAAAAAAAAAAAAAAAAAAAAAAAAAAAAAAAAAAAJ/f38AAAAAA8zMzADAwP8Af39/AAAAAAAAAAAAAAAAAAAAAAAAAAAAIQAAABgAAAAUAAAAHyYAANgJAABARwAAsCUAABAAAAAmAAAACAAAAAGAAAAAAAAAMAAAABQAAAAAAAAAAAD//wAAAQAAAP//AAABAA=="/>
               </a:ext>
             </a:extLst>
           </p:cNvSpPr>
@@ -1424,7 +1412,7 @@
             <a:spLocks noGrp="1" noChangeArrowheads="1"/>
             <a:extLst>
               <a:ext uri="smNativeData">
-                <pr:smNativeData xmlns:pr="smNativeData" xmlns="smNativeData" val="SMDATA_16_FrZCYxMAAAAlAAAAZAAAAA8BAAAAkAAAAEgAAACQAAAASAAAAAAAAAABAAAAAAAAAAEAAABQAAAAAAAAAAAA4D8AAAAAAADgPwAAAAAAAOA/AAAAAAAA4D8AAAAAAADgPwAAAAAAAOA/AAAAAAAA4D8AAAAAAADgPwAAAAAAAOA/AAAAAAAA4D8CAAAAjAAAAAAAAAAAAAAAu+DjDP///wgAAAAAAAAAAAAAAAAAAAAAAAAAAAAAAAAAAAAAZAAAAAEAAABAAAAAAAAAAAAAAAAAAAAAAAAAAAAAAAAAAAAAAAAAAAAAAAAAAAAAAAAAAAAAAAAAAAAAAAAAAAAAAAAAAAAAAAAAAAAAAAAAAAAAAAAAAAAAAAAAAAAAFAAAADwAAAAAAAAAAAAAAAAAAAkUAAAAAQAAABQAAAAUAAAAFAAAAAEAAAAAAAAAZAAAAGQAAAAAAAAAZAAAAGQAAAAVAAAAYAAAAAAAAAAAAAAADwAAACADAAAAAAAAAAAAAAEAAACgMgAAVgcAAKr4//8BAAAAf39/AAEAAABkAAAAAAAAABQAAABAHwAAAAAAACYAAAAAAAAAwOD//wAAAAAmAAAAZAAAABYAAABMAAAAAAAAAAAAAAAEAAAAAAAAAAEAAACAgIAKAAAAACgAAAAoAAAAZAAAAGQAAAAAAAAAzMzMAAAAAABQAAAAUAAAAGQAAABkAAAAAAAAABcAAAAUAAAAAAAAAAAAAAD/fwAA/38AAAAAAAAJAAAABAAAANw7IAEeAAAAaAAAAAAAAAAAAAAAAAAAAAAAAAAAAAAAECcAABAnAAAAAAAAAAAAAAAAAAAAAAAAAAAAAAAAAAAAAAAAAAAAABQAAAAAAAAAwMD/AAAAAABkAAAAMgAAAAAAAABkAAAAAAAAAH9/fwAKAAAAIgAAABgAAAAAAAAAAAAAAAAAAAAAAAAAAAAAAAAAAAAkAAAAJAAAAAAAAAAHAAAAAAAAAAAAAAAAAAAAAAAAAAAAAAAAAAAAf39/ACUAAABYAAAAAAAAAAAAAAAAAAAAAAAAAAAAAAAAAAAAAAAAAAAAAAAAAAAAAAAAAAAAAAA/AAAAAAAAAKCGAQAAAAAAAAAAAAAAAAAMAAAAAQAAAAAAAAAAAAAAAAAAAB8AAABUAAAAAAAABQAAAAEAAAAAAAAAAAAAAAAAAAAAAAAAAAAAAAAAAAAAAAAAAAAAAAJ/f38AAAAAA8zMzADAwP8Af39/AAAAAAAAAAAAAAAAAAAAAAAAAAAAIQAAABgAAAAUAAAAwAMAABsnAAA/FQAAWSkAABAAAAAmAAAACAAAAAAAAAAAAAAAMAAAABQAAAAAAAAAAAD//wAAAQAAAP//AAABAA=="/>
+                <pr:smNativeData xmlns:pr="smNativeData" xmlns="smNativeData" val="SMDATA_16_zfxKYxMAAAAlAAAAZAAAAA8BAAAAkAAAAEgAAACQAAAASAAAAAAAAAABAAAAAAAAAAEAAABQAAAAAAAAAAAA4D8AAAAAAADgPwAAAAAAAOA/AAAAAAAA4D8AAAAAAADgPwAAAAAAAOA/AAAAAAAA4D8AAAAAAADgPwAAAAAAAOA/AAAAAAAA4D8CAAAAjAAAAAAAAAAAAAAAu+DjDP///wgAAAAAAAAAAAAAAAAAAAAAAAAAAAAAAAAAAAAAZAAAAAEAAABAAAAAAAAAAAAAAAAAAAAAAAAAAAAAAAAAAAAAAAAAAAAAAAAAAAAAAAAAAAAAAAAAAAAAAAAAAAAAAAAAAAAAAAAAAAAAAAAAAAAAAAAAAAAAAAAAAAAAFAAAADwAAAAAAAAAAAAAAAAAAAkUAAAAAQAAABQAAAAUAAAAFAAAAAEAAAAAAAAAZAAAAGQAAAAAAAAAZAAAAGQAAAAVAAAAYAAAAAAAAAAAAAAADwAAACADAAAAAAAAAAAAAAEAAACgMgAAVgcAAKr4//8BAAAAf39/AAEAAABkAAAAAAAAABQAAABAHwAAAAAAACYAAAAAAAAAwOD//wAAAAAmAAAAZAAAABYAAABMAAAAAAAAAAAAAAAEAAAAAAAAAAEAAACAgIAKAAAAACgAAAAoAAAAZAAAAGQAAAAAAAAAzMzMAAAAAABQAAAAUAAAAGQAAABkAAAAAAAAABcAAAAUAAAAAAAAAAAAAAD/fwAA/38AAAAAAAAJAAAABAAAANw7IAEeAAAAaAAAAAAAAAAAAAAAAAAAAAAAAAAAAAAAECcAABAnAAAAAAAAAAAAAAAAAAAAAAAAAAAAAAAAAAAAAAAAAAAAABQAAAAAAAAAwMD/AAAAAABkAAAAMgAAAAAAAABkAAAAAAAAAH9/fwAKAAAAIgAAABgAAAAAAAAAAAAAAAAAAAAAAAAAAAAAAAAAAAAkAAAAJAAAAAAAAAAHAAAAAAAAAAAAAAAAAAAAAAAAAAAAAAAAAAAAf39/ACUAAABYAAAAAAAAAAAAAAAAAAAAAAAAAAAAAAAAAAAAAAAAAAAAAAAAAAAAAAAAAAAAAAA/AAAAAAAAAKCGAQAAAAAAAAAAAAAAAAAMAAAAAQAAAAAAAAAAAAAAAAAAAB8AAABUAAAAAAAABQAAAAEAAAAAAAAAAAAAAAAAAAAAAAAAAAAAAAAAAAAAAAAAAAAAAAJ/f38AAAAAA8zMzADAwP8Af39/AAAAAAAAAAAAAAAAAAAAAAAAAAAAIQAAABgAAAAUAAAAwAMAABsnAAA/FQAAWSkAABAAAAAmAAAACAAAAAAAAAAAAAAAMAAAABQAAAAAAAAAAAD//wAAAQAAAP//AAABAA=="/>
               </a:ext>
             </a:extLst>
           </p:cNvSpPr>
@@ -1438,7 +1426,7 @@
           <a:lstStyle/>
           <a:p>
             <a:pPr/>
-            <a:fld id="{5D25D1AB-E5B0-7027-FE9D-13729FD30846}" type="datetime1">
+            <a:fld id="{120649B0-FEFF-53BF-B1BE-08EA07F0475D}" type="datetime1">
               <a:t/>
             </a:fld>
           </a:p>
@@ -1451,7 +1439,7 @@
             <a:spLocks noGrp="1" noChangeArrowheads="1"/>
             <a:extLst>
               <a:ext uri="smNativeData">
-                <pr:smNativeData xmlns:pr="smNativeData" xmlns="smNativeData" val="SMDATA_16_FrZCYxMAAAAlAAAAZAAAAA8BAAAAkAAAAEgAAACQAAAASAAAAAAAAAABAAAAAAAAAAEAAABQAAAAAAAAAAAA4D8AAAAAAADgPwAAAAAAAOA/AAAAAAAA4D8AAAAAAADgPwAAAAAAAOA/AAAAAAAA4D8AAAAAAADgPwAAAAAAAOA/AAAAAAAA4D8CAAAAjAAAAAAAAAAAAAAAu+DjDP///wgAAAAAAAAAAAAAAAAAAAAAAAAAAAAAAAAAAAAAZAAAAAEAAABAAAAAAAAAAAAAAAAAAAAAAAAAAAAAAAAAAAAAAAAAAAAAAAAAAAAAAAAAAAAAAAAAAAAAAAAAAAAAAAAAAAAAAAAAAAAAAAAAAAAAAAAAAAAAAAAAAAAAFAAAADwAAAAAAAAAAAAAAAAAAAkUAAAAAQAAABQAAAAUAAAAFAAAAAEAAAAAAAAAZAAAAGQAAAAAAAAAZAAAAGQAAAAVAAAAYAAAAAAAAAAAAAAADwAAACADAAAAAAAAAAAAAAEAAACgMgAAVgcAAKr4//8BAAAAf39/AAEAAABkAAAAAAAAABQAAABAHwAAAAAAACYAAAAAAAAAwOD//wAAAAAmAAAAZAAAABYAAABMAAAAAAAAAAAAAAAEAAAAAAAAAAEAAACAgIAKAAAAACgAAAAoAAAAZAAAAGQAAAAAAAAAzMzMAAAAAABQAAAAUAAAAGQAAABkAAAAAAAAABcAAAAUAAAAAAAAAAAAAAD/fwAA/38AAAAAAAAJAAAABAAAANw7IAEeAAAAaAAAAAAAAAAAAAAAAAAAAAAAAAAAAAAAECcAABAnAAAAAAAAAAAAAAAAAAAAAAAAAAAAAAAAAAAAAAAAAAAAABQAAAAAAAAAwMD/AAAAAABkAAAAMgAAAAAAAABkAAAAAAAAAH9/fwAKAAAAIgAAABgAAAAAAAAAAAAAAAAAAAAAAAAAAAAAAAAAAAAkAAAAJAAAAAAAAAAHAAAAAAAAAAAAAAAAAAAAAAAAAAAAAAAAAAAAf39/ACUAAABYAAAAAAAAAAAAAAAAAAAAAAAAAAAAAAAAAAAAAAAAAAAAAAAAAAAAAAAAAAAAAAA/AAAAAAAAAKCGAQAAAAAAAAAAAAAAAAAMAAAAAQAAAAAAAAAAAAAAAAAAAB8AAABUAAAAAAAABQAAAAEAAAAAAAAAAAAAAAAAAAAAAAAAAAAAAAAAAAAAAAAAAAAAAAJ/f38AAAAAA8zMzADAwP8Af39/AAAAAAAAAAAAAAAAAAAAAAAAAAAAIQAAABgAAAAUAAAAoRkAABsnAABfMQAAWSkAABAAAAAmAAAACAAAAAAAAAAAAAAAMAAAABQAAAAAAAAAAAD//wAAAQAAAP//AAABAA=="/>
+                <pr:smNativeData xmlns:pr="smNativeData" xmlns="smNativeData" val="SMDATA_16_zfxKYxMAAAAlAAAAZAAAAA8BAAAAkAAAAEgAAACQAAAASAAAAAAAAAABAAAAAAAAAAEAAABQAAAAAAAAAAAA4D8AAAAAAADgPwAAAAAAAOA/AAAAAAAA4D8AAAAAAADgPwAAAAAAAOA/AAAAAAAA4D8AAAAAAADgPwAAAAAAAOA/AAAAAAAA4D8CAAAAjAAAAAAAAAAAAAAAu+DjDP///wgAAAAAAAAAAAAAAAAAAAAAAAAAAAAAAAAAAAAAZAAAAAEAAABAAAAAAAAAAAAAAAAAAAAAAAAAAAAAAAAAAAAAAAAAAAAAAAAAAAAAAAAAAAAAAAAAAAAAAAAAAAAAAAAAAAAAAAAAAAAAAAAAAAAAAAAAAAAAAAAAAAAAFAAAADwAAAAAAAAAAAAAAAAAAAkUAAAAAQAAABQAAAAUAAAAFAAAAAEAAAAAAAAAZAAAAGQAAAAAAAAAZAAAAGQAAAAVAAAAYAAAAAAAAAAAAAAADwAAACADAAAAAAAAAAAAAAEAAACgMgAAVgcAAKr4//8BAAAAf39/AAEAAABkAAAAAAAAABQAAABAHwAAAAAAACYAAAAAAAAAwOD//wAAAAAmAAAAZAAAABYAAABMAAAAAAAAAAAAAAAEAAAAAAAAAAEAAACAgIAKAAAAACgAAAAoAAAAZAAAAGQAAAAAAAAAzMzMAAAAAABQAAAAUAAAAGQAAABkAAAAAAAAABcAAAAUAAAAAAAAAAAAAAD/fwAA/38AAAAAAAAJAAAABAAAANw7IAEeAAAAaAAAAAAAAAAAAAAAAAAAAAAAAAAAAAAAECcAABAnAAAAAAAAAAAAAAAAAAAAAAAAAAAAAAAAAAAAAAAAAAAAABQAAAAAAAAAwMD/AAAAAABkAAAAMgAAAAAAAABkAAAAAAAAAH9/fwAKAAAAIgAAABgAAAAAAAAAAAAAAAAAAAAAAAAAAAAAAAAAAAAkAAAAJAAAAAAAAAAHAAAAAAAAAAAAAAAAAAAAAAAAAAAAAAAAAAAAf39/ACUAAABYAAAAAAAAAAAAAAAAAAAAAAAAAAAAAAAAAAAAAAAAAAAAAAAAAAAAAAAAAAAAAAA/AAAAAAAAAKCGAQAAAAAAAAAAAAAAAAAMAAAAAQAAAAAAAAAAAAAAAAAAAB8AAABUAAAAAAAABQAAAAEAAAAAAAAAAAAAAAAAAAAAAAAAAAAAAAAAAAAAAAAAAAAAAAJ/f38AAAAAA8zMzADAwP8Af39/AAAAAAAAAAAAAAAAAAAAAAAAAAAAIQAAABgAAAAUAAAAoRkAABsnAABfMQAAWSkAABAAAAAmAAAACAAAAAAAAAAAAAAAMAAAABQAAAAAAAAAAAD//wAAAQAAAP//AAABAA=="/>
               </a:ext>
             </a:extLst>
           </p:cNvSpPr>
@@ -1465,9 +1453,6 @@
           <a:lstStyle/>
           <a:p>
             <a:pPr/>
-            <a:r>
-              <a:t/>
-            </a:r>
           </a:p>
         </p:txBody>
       </p:sp>
@@ -1478,7 +1463,7 @@
             <a:spLocks noGrp="1" noChangeArrowheads="1"/>
             <a:extLst>
               <a:ext uri="smNativeData">
-                <pr:smNativeData xmlns:pr="smNativeData" xmlns="smNativeData" val="SMDATA_16_FrZCYxMAAAAlAAAAZAAAAA8BAAAAkAAAAEgAAACQAAAASAAAAAAAAAABAAAAAAAAAAEAAABQAAAAAAAAAAAA4D8AAAAAAADgPwAAAAAAAOA/AAAAAAAA4D8AAAAAAADgPwAAAAAAAOA/AAAAAAAA4D8AAAAAAADgPwAAAAAAAOA/AAAAAAAA4D8CAAAAjAAAAAAAAAAAAAAAu+DjDP///wgAAAAAAAAAAAAAAAAAAAAAAAAAAAAAAAAAAAAAZAAAAAEAAABAAAAAAAAAAAAAAAAAAAAAAAAAAAAAAAAAAAAAAAAAAAAAAAAAAAAAAAAAAAAAAAAAAAAAAAAAAAAAAAAAAAAAAAAAAAAAAAAAAAAAAAAAAAAAAAAAAAAAFAAAADwAAAAAAAAAAAAAAAAAAAkUAAAAAQAAABQAAAAUAAAAFAAAAAEAAAAAAAAAZAAAAGQAAAAAAAAAZAAAAGQAAAAVAAAAYAAAAAAAAAAAAAAADwAAACADAAAAAAAAAAAAAAEAAACgMgAAVgcAAKr4//8BAAAAf39/AAEAAABkAAAAAAAAABQAAABAHwAAAAAAACYAAAAAAAAAwOD//wAAAAAmAAAAZAAAABYAAABMAAAAAAAAAAAAAAAEAAAAAAAAAAEAAACAgIAKAAAAACgAAAAoAAAAZAAAAGQAAAAAAAAAzMzMAAAAAABQAAAAUAAAAGQAAABkAAAAAAAAABcAAAAUAAAAAAAAAAAAAAD/fwAA/38AAAAAAAAJAAAABAAAANw7IAEeAAAAaAAAAAAAAAAAAAAAAAAAAAAAAAAAAAAAECcAABAnAAAAAAAAAAAAAAAAAAAAAAAAAAAAAAAAAAAAAAAAAAAAABQAAAAAAAAAwMD/AAAAAABkAAAAMgAAAAAAAABkAAAAAAAAAH9/fwAKAAAAIgAAABgAAAAAAAAAAAAAAAAAAAAAAAAAAAAAAAAAAAAkAAAAJAAAAAAAAAAHAAAAAAAAAAAAAAAAAAAAAAAAAAAAAAAAAAAAf39/ACUAAABYAAAAAAAAAAAAAAAAAAAAAAAAAAAAAAAAAAAAAAAAAAAAAAAAAAAAAAAAAAAAAAA/AAAAAAAAAKCGAQAAAAAAAAAAAAAAAAAMAAAAAQAAAAAAAAAAAAAAAAAAAB8AAABUAAAAAAAABQAAAAEAAAAAAAAAAAAAAAAAAAAAAAAAAAAAAAAAAAAAAAAAAAAAAAJ/f38AAAAAA8zMzADAwP8Af39/AAAAAAAAAAAAAAAAAAAAAAAAAAAAIQAAABgAAAAUAAAAwTUAABsnAABARwAAWSkAABAAAAAmAAAACAAAAAAAAAAAAAAAMAAAABQAAAAAAAAAAAD//wAAAQAAAP//AAABAA=="/>
+                <pr:smNativeData xmlns:pr="smNativeData" xmlns="smNativeData" val="SMDATA_16_zfxKYxMAAAAlAAAAZAAAAA8BAAAAkAAAAEgAAACQAAAASAAAAAAAAAABAAAAAAAAAAEAAABQAAAAAAAAAAAA4D8AAAAAAADgPwAAAAAAAOA/AAAAAAAA4D8AAAAAAADgPwAAAAAAAOA/AAAAAAAA4D8AAAAAAADgPwAAAAAAAOA/AAAAAAAA4D8CAAAAjAAAAAAAAAAAAAAAu+DjDP///wgAAAAAAAAAAAAAAAAAAAAAAAAAAAAAAAAAAAAAZAAAAAEAAABAAAAAAAAAAAAAAAAAAAAAAAAAAAAAAAAAAAAAAAAAAAAAAAAAAAAAAAAAAAAAAAAAAAAAAAAAAAAAAAAAAAAAAAAAAAAAAAAAAAAAAAAAAAAAAAAAAAAAFAAAADwAAAAAAAAAAAAAAAAAAAkUAAAAAQAAABQAAAAUAAAAFAAAAAEAAAAAAAAAZAAAAGQAAAAAAAAAZAAAAGQAAAAVAAAAYAAAAAAAAAAAAAAADwAAACADAAAAAAAAAAAAAAEAAACgMgAAVgcAAKr4//8BAAAAf39/AAEAAABkAAAAAAAAABQAAABAHwAAAAAAACYAAAAAAAAAwOD//wAAAAAmAAAAZAAAABYAAABMAAAAAAAAAAAAAAAEAAAAAAAAAAEAAACAgIAKAAAAACgAAAAoAAAAZAAAAGQAAAAAAAAAzMzMAAAAAABQAAAAUAAAAGQAAABkAAAAAAAAABcAAAAUAAAAAAAAAAAAAAD/fwAA/38AAAAAAAAJAAAABAAAANw7IAEeAAAAaAAAAAAAAAAAAAAAAAAAAAAAAAAAAAAAECcAABAnAAAAAAAAAAAAAAAAAAAAAAAAAAAAAAAAAAAAAAAAAAAAABQAAAAAAAAAwMD/AAAAAABkAAAAMgAAAAAAAABkAAAAAAAAAH9/fwAKAAAAIgAAABgAAAAAAAAAAAAAAAAAAAAAAAAAAAAAAAAAAAAkAAAAJAAAAAAAAAAHAAAAAAAAAAAAAAAAAAAAAAAAAAAAAAAAAAAAf39/ACUAAABYAAAAAAAAAAAAAAAAAAAAAAAAAAAAAAAAAAAAAAAAAAAAAAAAAAAAAAAAAAAAAAA/AAAAAAAAAKCGAQAAAAAAAAAAAAAAAAAMAAAAAQAAAAAAAAAAAAAAAAAAAB8AAABUAAAAAAAABQAAAAEAAAAAAAAAAAAAAAAAAAAAAAAAAAAAAAAAAAAAAAAAAAAAAAJ/f38AAAAAA8zMzADAwP8Af39/AAAAAAAAAAAAAAAAAAAAAAAAAAAAIQAAABgAAAAUAAAAwTUAABsnAABARwAAWSkAABAAAAAmAAAACAAAAAAAAAAAAAAAMAAAABQAAAAAAAAAAAD//wAAAQAAAP//AAABAA=="/>
               </a:ext>
             </a:extLst>
           </p:cNvSpPr>
@@ -1492,7 +1477,7 @@
           <a:lstStyle/>
           <a:p>
             <a:pPr/>
-            <a:fld id="{592115CA-84B4-74E3-FA99-72B65BD70C27}" type="slidenum">
+            <a:fld id="{74EBBAC3-8D99-BE4C-D753-7B19F41D212E}" type="slidenum">
               <a:t/>
             </a:fld>
           </a:p>
@@ -1503,6 +1488,7 @@
   <p:clrMapOvr>
     <a:masterClrMapping/>
   </p:clrMapOvr>
+  <p:hf hdr="0" ftr="0"/>
 </p:sldLayout>
 </file>
 
@@ -1530,7 +1516,7 @@
             <a:spLocks noGrp="1" noChangeArrowheads="1"/>
             <a:extLst>
               <a:ext uri="smNativeData">
-                <pr:smNativeData xmlns:pr="smNativeData" xmlns="smNativeData" val="SMDATA_16_FrZCYxMAAAAlAAAAZAAAAA8BAAAAkAAAAEgAAACQAAAASAAAAAAAAAABAAAAAAAAAAEAAABQAAAAAAAAAAAA4D8AAAAAAADgPwAAAAAAAOA/AAAAAAAA4D8AAAAAAADgPwAAAAAAAOA/AAAAAAAA4D8AAAAAAADgPwAAAAAAAOA/AAAAAAAA4D8CAAAAjAAAAAAAAAAAAAAAu+DjDP///wgAAAAAAAAAAAAAAAAAAAAAAAAAAAAAAAAAAAAAZAAAAAEAAABAAAAAAAAAAAAAAAAAAAAAAAAAAAAAAAAAAAAAAAAAAAAAAAAAAAAAAAAAAAAAAAAAAAAAAAAAAAAAAAAAAAAAAAAAAAAAAAAAAAAAAAAAAAAAAAAAAAAAFAAAADwAAAAAAAAAAAAAAAAAAAkUAAAAAQAAABQAAAAUAAAAFAAAAAEAAAAAAAAAZAAAAGQAAAAAAAAAZAAAAGQAAAAVAAAAYAAAAAAAAAAAAAAADwAAACADAAAAAAAAAAAAAAEAAACgMgAAVgcAAKr4//8BAAAAf39/AAEAAABkAAAAAAAAABQAAABAHwAAAAAAACYAAAAAAAAAwOD//wAAAAAmAAAAZAAAABYAAABMAAAAAAAAAAAAAAAEAAAAAAAAAAEAAACAgIAKAAAAACgAAAAoAAAAZAAAAGQAAAAAAAAAzMzMAAAAAABQAAAAUAAAAGQAAABkAAAAAAAAABcAAAAUAAAAAAAAAAAAAAD/fwAA/38AAAAAAAAJAAAABAAAANw7IAEeAAAAaAAAAAAAAAAAAAAAAAAAAAAAAAAAAAAAECcAABAnAAAAAAAAAAAAAAAAAAAAAAAAAAAAAAAAAAAAAAAAAAAAABQAAAAAAAAAwMD/AAAAAABkAAAAMgAAAAAAAABkAAAAAAAAAH9/fwAKAAAAIgAAABgAAAAAAAAAAAAAAAAAAAAAAAAAAAAAAAAAAAAkAAAAJAAAAAAAAAAHAAAAAAAAAAAAAAAAAAAAAAAAAAAAAAAAAAAAf39/ACUAAABYAAAAAAAAAAAAAAAAAAAAAAAAAAAAAAAAAAAAAAAAAAAAAAAAAAAAAAAAAAAAAAA/AAAAAAAAAKCGAQAAAAAAAAAAAAAAAAAMAAAAAQAAAAAAAAAAAAAAAAAAAB8AAABUAAAAAAAABQAAAAEAAAAAAAAAAAAAAAAAAAAAAAAAAAAAAAAAAAAAAAAAAAAAAAJ/f38AAAAAA8zMzADAwP8Af39/AAAAAAAAAAAAAAAAAAAAAAAAAAAAIQAAABgAAAAUAAAAwAMAALABAABARwAAuAgAABAAAAAmAAAACAAAAAAAAAAAAAAAMAAAABQAAAAAAAAAAAD//wAAAQAAAP//AAABAA=="/>
+                <pr:smNativeData xmlns:pr="smNativeData" xmlns="smNativeData" val="SMDATA_16_zfxKYxMAAAAlAAAAZAAAAA8BAAAAkAAAAEgAAACQAAAASAAAAAAAAAABAAAAAAAAAAEAAABQAAAAAAAAAAAA4D8AAAAAAADgPwAAAAAAAOA/AAAAAAAA4D8AAAAAAADgPwAAAAAAAOA/AAAAAAAA4D8AAAAAAADgPwAAAAAAAOA/AAAAAAAA4D8CAAAAjAAAAAAAAAAAAAAAu+DjDP///wgAAAAAAAAAAAAAAAAAAAAAAAAAAAAAAAAAAAAAZAAAAAEAAABAAAAAAAAAAAAAAAAAAAAAAAAAAAAAAAAAAAAAAAAAAAAAAAAAAAAAAAAAAAAAAAAAAAAAAAAAAAAAAAAAAAAAAAAAAAAAAAAAAAAAAAAAAAAAAAAAAAAAFAAAADwAAAAAAAAAAAAAAAAAAAkUAAAAAQAAABQAAAAUAAAAFAAAAAEAAAAAAAAAZAAAAGQAAAAAAAAAZAAAAGQAAAAVAAAAYAAAAAAAAAAAAAAADwAAACADAAAAAAAAAAAAAAEAAACgMgAAVgcAAKr4//8BAAAAf39/AAEAAABkAAAAAAAAABQAAABAHwAAAAAAACYAAAAAAAAAwOD//wAAAAAmAAAAZAAAABYAAABMAAAAAAAAAAAAAAAEAAAAAAAAAAEAAACAgIAKAAAAACgAAAAoAAAAZAAAAGQAAAAAAAAAzMzMAAAAAABQAAAAUAAAAGQAAABkAAAAAAAAABcAAAAUAAAAAAAAAAAAAAD/fwAA/38AAAAAAAAJAAAABAAAANw7IAEeAAAAaAAAAAAAAAAAAAAAAAAAAAAAAAAAAAAAECcAABAnAAAAAAAAAAAAAAAAAAAAAAAAAAAAAAAAAAAAAAAAAAAAABQAAAAAAAAAwMD/AAAAAABkAAAAMgAAAAAAAABkAAAAAAAAAH9/fwAKAAAAIgAAABgAAAAAAAAAAAAAAAAAAAAAAAAAAAAAAAAAAAAkAAAAJAAAAAAAAAAHAAAAAAAAAAAAAAAAAAAAAAAAAAAAAAAAAAAAf39/ACUAAABYAAAAAAAAAAAAAAAAAAAAAAAAAAAAAAAAAAAAAAAAAAAAAAAAAAAAAAAAAAAAAAA/AAAAAAAAAKCGAQAAAAAAAAAAAAAAAAAMAAAAAQAAAAAAAAAAAAAAAAAAAB8AAABUAAAAAAAABQAAAAEAAAAAAAAAAAAAAAAAAAAAAAAAAAAAAAAAAAAAAAAAAAAAAAJ/f38AAAAAA8zMzADAwP8Af39/AAAAAAAAAAAAAAAAAAAAAAAAAAAAIQAAABgAAAAUAAAAwAMAALABAABARwAAuAgAABAAAAAmAAAACAAAAAAAAAAAAAAAMAAAABQAAAAAAAAAAAD//wAAAQAAAP//AAABAA=="/>
               </a:ext>
             </a:extLst>
           </p:cNvSpPr>
@@ -1557,7 +1543,7 @@
             <a:spLocks noGrp="1" noChangeArrowheads="1"/>
             <a:extLst>
               <a:ext uri="smNativeData">
-                <pr:smNativeData xmlns:pr="smNativeData" xmlns="smNativeData" val="SMDATA_16_FrZCYxMAAAAlAAAAZAAAAA8BAAAAkAAAAEgAAACQAAAASAAAAAAAAAACAAAAAAAAAAEAAABQAAAAAAAAAAAA4D8AAAAAAADgPwAAAAAAAOA/AAAAAAAA4D8AAAAAAADgPwAAAAAAAOA/AAAAAAAA4D8AAAAAAADgPwAAAAAAAOA/AAAAAAAA4D8CAAAAjAAAAAAAAAAAAAAAu+DjDP///wgAAAAAAAAAAAAAAAAAAAAAAAAAAAAAAAAAAAAAZAAAAAEAAABAAAAAAAAAAAAAAAAAAAAAAAAAAAAAAAAAAAAAAAAAAAAAAAAAAAAAAAAAAAAAAAAAAAAAAAAAAAAAAAAAAAAAAAAAAAAAAAAAAAAAAAAAAAAAAAAAAAAAFAAAADwAAAAAAAAAAAAAAAAAAAkUAAAAAQAAABQAAAAUAAAAFAAAAAEAAAAAAAAAZAAAAGQAAAAAAAAAZAAAAGQAAAAVAAAAYAAAAAAAAAAAAAAADwAAACADAAAAAAAAAAAAAAEAAACgMgAAVgcAAKr4//8BAAAAf39/AAEAAABkAAAAAAAAABQAAABAHwAAAAAAACYAAAAAAAAAwOD//wAAAAAmAAAAZAAAABYAAABMAAAAAAAAAAAAAAAEAAAAAAAAAAEAAACAgIAKAAAAACgAAAAoAAAAZAAAAGQAAAAAAAAAzMzMAAAAAABQAAAAUAAAAGQAAABkAAAAAAAAABcAAAAUAAAAAAAAAAAAAAD/fwAA/38AAAAAAAAJAAAABAAAANw7IAEeAAAAaAAAAAAAAAAAAAAAAAAAAAAAAAAAAAAAECcAABAnAAAAAAAAAAAAAAAAAAAAAAAAAAAAAAAAAAAAAAAAAAAAABQAAAAAAAAAwMD/AAAAAABkAAAAMgAAAAAAAABkAAAAAAAAAH9/fwAKAAAAIgAAABgAAAAAAAAAAAAAAAAAAAAAAAAAAAAAAAAAAAAkAAAAJAAAAAAAAAAHAAAAAAAAAAAAAAAAAAAAAAAAAAAAAAAAAAAAf39/ACUAAABYAAAAAAAAAAAAAAAAAAAAAAAAAAAAAAAAAAAAAAAAAAAAAAAAAAAAAAAAAAAAAAA/AAAAAAAAAKCGAQAAAAAAAAAAAAAAAAAMAAAAAQAAAAAAAAAAAAAAAAAAAB8AAABUAAAAAAAABQAAAAEAAAAAAAAAAAAAAAAAAAAAAAAAAAAAAAAAAAAAAAAAAAAAAAJ/f38AAAAAA8zMzADAwP8Af39/AAAAAAAAAAAAAAAAAAAAAAAAAAAAIQAAABgAAAAUAAAAwAMAAHEJAADjJAAAYQ0AABAAAAAmAAAACAAAAIGAAAAAAAAAMAAAABQAAAAAAAAAAAD//wAAAQAAAP//AAABAA=="/>
+                <pr:smNativeData xmlns:pr="smNativeData" xmlns="smNativeData" val="SMDATA_16_zfxKYxMAAAAlAAAAZAAAAA8BAAAAkAAAAEgAAACQAAAASAAAAAAAAAACAAAAAAAAAAEAAABQAAAAAAAAAAAA4D8AAAAAAADgPwAAAAAAAOA/AAAAAAAA4D8AAAAAAADgPwAAAAAAAOA/AAAAAAAA4D8AAAAAAADgPwAAAAAAAOA/AAAAAAAA4D8CAAAAjAAAAAAAAAAAAAAAu+DjDP///wgAAAAAAAAAAAAAAAAAAAAAAAAAAAAAAAAAAAAAZAAAAAEAAABAAAAAAAAAAAAAAAAAAAAAAAAAAAAAAAAAAAAAAAAAAAAAAAAAAAAAAAAAAAAAAAAAAAAAAAAAAAAAAAAAAAAAAAAAAAAAAAAAAAAAAAAAAAAAAAAAAAAAFAAAADwAAAAAAAAAAAAAAAAAAAkUAAAAAQAAABQAAAAUAAAAFAAAAAEAAAAAAAAAZAAAAGQAAAAAAAAAZAAAAGQAAAAVAAAAYAAAAAAAAAAAAAAADwAAACADAAAAAAAAAAAAAAEAAACgMgAAVgcAAKr4//8BAAAAf39/AAEAAABkAAAAAAAAABQAAABAHwAAAAAAACYAAAAAAAAAwOD//wAAAAAmAAAAZAAAABYAAABMAAAAAAAAAAAAAAAEAAAAAAAAAAEAAACAgIAKAAAAACgAAAAoAAAAZAAAAGQAAAAAAAAAzMzMAAAAAABQAAAAUAAAAGQAAABkAAAAAAAAABcAAAAUAAAAAAAAAAAAAAD/fwAA/38AAAAAAAAJAAAABAAAANw7IAEeAAAAaAAAAAAAAAAAAAAAAAAAAAAAAAAAAAAAECcAABAnAAAAAAAAAAAAAAAAAAAAAAAAAAAAAAAAAAAAAAAAAAAAABQAAAAAAAAAwMD/AAAAAABkAAAAMgAAAAAAAABkAAAAAAAAAH9/fwAKAAAAIgAAABgAAAAAAAAAAAAAAAAAAAAAAAAAAAAAAAAAAAAkAAAAJAAAAAAAAAAHAAAAAAAAAAAAAAAAAAAAAAAAAAAAAAAAAAAAf39/ACUAAABYAAAAAAAAAAAAAAAAAAAAAAAAAAAAAAAAAAAAAAAAAAAAAAAAAAAAAAAAAAAAAAA/AAAAAAAAAKCGAQAAAAAAAAAAAAAAAAAMAAAAAQAAAAAAAAAAAAAAAAAAAB8AAABUAAAAAAAABQAAAAEAAAAAAAAAAAAAAAAAAAAAAAAAAAAAAAAAAAAAAAAAAAAAAAJ/f38AAAAAA8zMzADAwP8Af39/AAAAAAAAAAAAAAAAAAAAAAAAAAAAIQAAABgAAAAUAAAAwAMAAHEJAADjJAAAYQ0AABAAAAAmAAAACAAAAIGAAAAAAAAAMAAAABQAAAAAAAAAAAD//wAAAQAAAP//AAABAA=="/>
               </a:ext>
             </a:extLst>
           </p:cNvSpPr>
@@ -1630,7 +1616,7 @@
             <a:spLocks noGrp="1" noChangeArrowheads="1"/>
             <a:extLst>
               <a:ext uri="smNativeData">
-                <pr:smNativeData xmlns:pr="smNativeData" xmlns="smNativeData" val="SMDATA_16_FrZCYxMAAAAlAAAAZAAAAA8BAAAAkAAAAEgAAACQAAAASAAAAAAAAAAAAAAAAAAAAAEAAABQAAAAAAAAAAAA4D8AAAAAAADgPwAAAAAAAOA/AAAAAAAA4D8AAAAAAADgPwAAAAAAAOA/AAAAAAAA4D8AAAAAAADgPwAAAAAAAOA/AAAAAAAA4D8CAAAAjAAAAAAAAAAAAAAAu+DjDP///wgAAAAAAAAAAAAAAAAAAAAAAAAAAAAAAAAAAAAAZAAAAAEAAABAAAAAAAAAAAAAAAAAAAAAAAAAAAAAAAAAAAAAAAAAAAAAAAAAAAAAAAAAAAAAAAAAAAAAAAAAAAAAAAAAAAAAAAAAAAAAAAAAAAAAAAAAAAAAAAAAAAAAFAAAADwAAAAAAAAAAAAAAAAAAAkUAAAAAQAAABQAAAAUAAAAFAAAAAEAAAAAAAAAZAAAAGQAAAAAAAAAZAAAAGQAAAAVAAAAYAAAAAAAAAAAAAAADwAAACADAAAAAAAAAAAAAAEAAACgMgAAVgcAAKr4//8BAAAAf39/AAEAAABkAAAAAAAAABQAAABAHwAAAAAAACYAAAAAAAAAwOD//wAAAAAmAAAAZAAAABYAAABMAAAAAAAAAAAAAAAEAAAAAAAAAAEAAACAgIAKAAAAACgAAAAoAAAAZAAAAGQAAAAAAAAAzMzMAAAAAABQAAAAUAAAAGQAAABkAAAAAAAAABcAAAAUAAAAAAAAAAAAAAD/fwAA/38AAAAAAAAJAAAABAAAANw7IAEeAAAAaAAAAAAAAAAAAAAAAAAAAAAAAAAAAAAAECcAABAnAAAAAAAAAAAAAAAAAAAAAAAAAAAAAAAAAAAAAAAAAAAAABQAAAAAAAAAwMD/AAAAAABkAAAAMgAAAAAAAABkAAAAAAAAAH9/fwAKAAAAIgAAABgAAAAAAAAAAAAAAAAAAAAAAAAAAAAAAAAAAAAkAAAAJAAAAAAAAAAHAAAAAAAAAAAAAAAAAAAAAAAAAAAAAAAAAAAAf39/ACUAAABYAAAAAAAAAAAAAAAAAAAAAAAAAAAAAAAAAAAAAAAAAAAAAAAAAAAAAAAAAAAAAAA/AAAAAAAAAKCGAQAAAAAAAAAAAAAAAAAMAAAAAQAAAAAAAAAAAAAAAAAAAB8AAABUAAAAAAAABQAAAAEAAAAAAAAAAAAAAAAAAAAAAAAAAAAAAAAAAAAAAAAAAAAAAAJ/f38AAAAAA8zMzADAwP8Af39/AAAAAAAAAAAAAAAAAAAAAAAAAAAAIQAAABgAAAAUAAAAwAMAAGENAADjJAAAsCUAABAAAAAmAAAACAAAAAGAAAAAAAAAMAAAABQAAAAAAAAAAAD//wAAAQAAAP//AAABAA=="/>
+                <pr:smNativeData xmlns:pr="smNativeData" xmlns="smNativeData" val="SMDATA_16_zfxKYxMAAAAlAAAAZAAAAA8BAAAAkAAAAEgAAACQAAAASAAAAAAAAAAAAAAAAAAAAAEAAABQAAAAAAAAAAAA4D8AAAAAAADgPwAAAAAAAOA/AAAAAAAA4D8AAAAAAADgPwAAAAAAAOA/AAAAAAAA4D8AAAAAAADgPwAAAAAAAOA/AAAAAAAA4D8CAAAAjAAAAAAAAAAAAAAAu+DjDP///wgAAAAAAAAAAAAAAAAAAAAAAAAAAAAAAAAAAAAAZAAAAAEAAABAAAAAAAAAAAAAAAAAAAAAAAAAAAAAAAAAAAAAAAAAAAAAAAAAAAAAAAAAAAAAAAAAAAAAAAAAAAAAAAAAAAAAAAAAAAAAAAAAAAAAAAAAAAAAAAAAAAAAFAAAADwAAAAAAAAAAAAAAAAAAAkUAAAAAQAAABQAAAAUAAAAFAAAAAEAAAAAAAAAZAAAAGQAAAAAAAAAZAAAAGQAAAAVAAAAYAAAAAAAAAAAAAAADwAAACADAAAAAAAAAAAAAAEAAACgMgAAVgcAAKr4//8BAAAAf39/AAEAAABkAAAAAAAAABQAAABAHwAAAAAAACYAAAAAAAAAwOD//wAAAAAmAAAAZAAAABYAAABMAAAAAAAAAAAAAAAEAAAAAAAAAAEAAACAgIAKAAAAACgAAAAoAAAAZAAAAGQAAAAAAAAAzMzMAAAAAABQAAAAUAAAAGQAAABkAAAAAAAAABcAAAAUAAAAAAAAAAAAAAD/fwAA/38AAAAAAAAJAAAABAAAANw7IAEeAAAAaAAAAAAAAAAAAAAAAAAAAAAAAAAAAAAAECcAABAnAAAAAAAAAAAAAAAAAAAAAAAAAAAAAAAAAAAAAAAAAAAAABQAAAAAAAAAwMD/AAAAAABkAAAAMgAAAAAAAABkAAAAAAAAAH9/fwAKAAAAIgAAABgAAAAAAAAAAAAAAAAAAAAAAAAAAAAAAAAAAAAkAAAAJAAAAAAAAAAHAAAAAAAAAAAAAAAAAAAAAAAAAAAAAAAAAAAAf39/ACUAAABYAAAAAAAAAAAAAAAAAAAAAAAAAAAAAAAAAAAAAAAAAAAAAAAAAAAAAAAAAAAAAAA/AAAAAAAAAKCGAQAAAAAAAAAAAAAAAAAMAAAAAQAAAAAAAAAAAAAAAAAAAB8AAABUAAAAAAAABQAAAAEAAAAAAAAAAAAAAAAAAAAAAAAAAAAAAAAAAAAAAAAAAAAAAAJ/f38AAAAAA8zMzADAwP8Af39/AAAAAAAAAAAAAAAAAAAAAAAAAAAAIQAAABgAAAAUAAAAwAMAAGENAADjJAAAsCUAABAAAAAmAAAACAAAAAGAAAAAAAAAMAAAABQAAAAAAAAAAAD//wAAAQAAAP//AAABAA=="/>
               </a:ext>
             </a:extLst>
           </p:cNvSpPr>
@@ -1714,7 +1700,7 @@
             <a:spLocks noGrp="1" noChangeArrowheads="1"/>
             <a:extLst>
               <a:ext uri="smNativeData">
-                <pr:smNativeData xmlns:pr="smNativeData" xmlns="smNativeData" val="SMDATA_16_FrZCYxMAAAAlAAAAZAAAAA8BAAAAkAAAAEgAAACQAAAASAAAAAAAAAACAAAAAAAAAAEAAABQAAAAAAAAAAAA4D8AAAAAAADgPwAAAAAAAOA/AAAAAAAA4D8AAAAAAADgPwAAAAAAAOA/AAAAAAAA4D8AAAAAAADgPwAAAAAAAOA/AAAAAAAA4D8CAAAAjAAAAAAAAAAAAAAAu+DjDP///wgAAAAAAAAAAAAAAAAAAAAAAAAAAAAAAAAAAAAAZAAAAAEAAABAAAAAAAAAAAAAAAAAAAAAAAAAAAAAAAAAAAAAAAAAAAAAAAAAAAAAAAAAAAAAAAAAAAAAAAAAAAAAAAAAAAAAAAAAAAAAAAAAAAAAAAAAAAAAAAAAAAAAFAAAADwAAAAAAAAAAAAAAAAAAAkUAAAAAQAAABQAAAAUAAAAFAAAAAEAAAAAAAAAZAAAAGQAAAAAAAAAZAAAAGQAAAAVAAAAYAAAAAAAAAAAAAAADwAAACADAAAAAAAAAAAAAAEAAACgMgAAVgcAAKr4//8BAAAAf39/AAEAAABkAAAAAAAAABQAAABAHwAAAAAAACYAAAAAAAAAwOD//wAAAAAmAAAAZAAAABYAAABMAAAAAAAAAAAAAAAEAAAAAAAAAAEAAACAgIAKAAAAACgAAAAoAAAAZAAAAGQAAAAAAAAAzMzMAAAAAABQAAAAUAAAAGQAAABkAAAAAAAAABcAAAAUAAAAAAAAAAAAAAD/fwAA/38AAAAAAAAJAAAABAAAANw7IAEeAAAAaAAAAAAAAAAAAAAAAAAAAAAAAAAAAAAAECcAABAnAAAAAAAAAAAAAAAAAAAAAAAAAAAAAAAAAAAAAAAAAAAAABQAAAAAAAAAwMD/AAAAAABkAAAAMgAAAAAAAABkAAAAAAAAAH9/fwAKAAAAIgAAABgAAAAAAAAAAAAAAAAAAAAAAAAAAAAAAAAAAAAkAAAAJAAAAAAAAAAHAAAAAAAAAAAAAAAAAAAAAAAAAAAAAAAAAAAAf39/ACUAAABYAAAAAAAAAAAAAAAAAAAAAAAAAAAAAAAAAAAAAAAAAAAAAAAAAAAAAAAAAAAAAAA/AAAAAAAAAKCGAQAAAAAAAAAAAAAAAAAMAAAAAQAAAAAAAAAAAAAAAAAAAB8AAABUAAAAAAAABQAAAAEAAAAAAAAAAAAAAAAAAAAAAAAAAAAAAAAAAAAAAAAAAAAAAAJ/f38AAAAAA8zMzADAwP8Af39/AAAAAAAAAAAAAAAAAAAAAAAAAAAAIQAAABgAAAAUAAAAHSYAAHEJAABARwAAYQ0AABAAAAAmAAAACAAAAIGAAAAAAAAAMAAAABQAAAAAAAAAAAD//wAAAQAAAP//AAABAA=="/>
+                <pr:smNativeData xmlns:pr="smNativeData" xmlns="smNativeData" val="SMDATA_16_zfxKYxMAAAAlAAAAZAAAAA8BAAAAkAAAAEgAAACQAAAASAAAAAAAAAACAAAAAAAAAAEAAABQAAAAAAAAAAAA4D8AAAAAAADgPwAAAAAAAOA/AAAAAAAA4D8AAAAAAADgPwAAAAAAAOA/AAAAAAAA4D8AAAAAAADgPwAAAAAAAOA/AAAAAAAA4D8CAAAAjAAAAAAAAAAAAAAAu+DjDP///wgAAAAAAAAAAAAAAAAAAAAAAAAAAAAAAAAAAAAAZAAAAAEAAABAAAAAAAAAAAAAAAAAAAAAAAAAAAAAAAAAAAAAAAAAAAAAAAAAAAAAAAAAAAAAAAAAAAAAAAAAAAAAAAAAAAAAAAAAAAAAAAAAAAAAAAAAAAAAAAAAAAAAFAAAADwAAAAAAAAAAAAAAAAAAAkUAAAAAQAAABQAAAAUAAAAFAAAAAEAAAAAAAAAZAAAAGQAAAAAAAAAZAAAAGQAAAAVAAAAYAAAAAAAAAAAAAAADwAAACADAAAAAAAAAAAAAAEAAACgMgAAVgcAAKr4//8BAAAAf39/AAEAAABkAAAAAAAAABQAAABAHwAAAAAAACYAAAAAAAAAwOD//wAAAAAmAAAAZAAAABYAAABMAAAAAAAAAAAAAAAEAAAAAAAAAAEAAACAgIAKAAAAACgAAAAoAAAAZAAAAGQAAAAAAAAAzMzMAAAAAABQAAAAUAAAAGQAAABkAAAAAAAAABcAAAAUAAAAAAAAAAAAAAD/fwAA/38AAAAAAAAJAAAABAAAANw7IAEeAAAAaAAAAAAAAAAAAAAAAAAAAAAAAAAAAAAAECcAABAnAAAAAAAAAAAAAAAAAAAAAAAAAAAAAAAAAAAAAAAAAAAAABQAAAAAAAAAwMD/AAAAAABkAAAAMgAAAAAAAABkAAAAAAAAAH9/fwAKAAAAIgAAABgAAAAAAAAAAAAAAAAAAAAAAAAAAAAAAAAAAAAkAAAAJAAAAAAAAAAHAAAAAAAAAAAAAAAAAAAAAAAAAAAAAAAAAAAAf39/ACUAAABYAAAAAAAAAAAAAAAAAAAAAAAAAAAAAAAAAAAAAAAAAAAAAAAAAAAAAAAAAAAAAAA/AAAAAAAAAKCGAQAAAAAAAAAAAAAAAAAMAAAAAQAAAAAAAAAAAAAAAAAAAB8AAABUAAAAAAAABQAAAAEAAAAAAAAAAAAAAAAAAAAAAAAAAAAAAAAAAAAAAAAAAAAAAAJ/f38AAAAAA8zMzADAwP8Af39/AAAAAAAAAAAAAAAAAAAAAAAAAAAAIQAAABgAAAAUAAAAHSYAAHEJAABARwAAYQ0AABAAAAAmAAAACAAAAIGAAAAAAAAAMAAAABQAAAAAAAAAAAD//wAAAQAAAP//AAABAA=="/>
               </a:ext>
             </a:extLst>
           </p:cNvSpPr>
@@ -1787,7 +1773,7 @@
             <a:spLocks noGrp="1" noChangeArrowheads="1"/>
             <a:extLst>
               <a:ext uri="smNativeData">
-                <pr:smNativeData xmlns:pr="smNativeData" xmlns="smNativeData" val="SMDATA_16_FrZCYxMAAAAlAAAAZAAAAA8BAAAAkAAAAEgAAACQAAAASAAAAAAAAAAAAAAAAAAAAAEAAABQAAAAAAAAAAAA4D8AAAAAAADgPwAAAAAAAOA/AAAAAAAA4D8AAAAAAADgPwAAAAAAAOA/AAAAAAAA4D8AAAAAAADgPwAAAAAAAOA/AAAAAAAA4D8CAAAAjAAAAAAAAAAAAAAAu+DjDP///wgAAAAAAAAAAAAAAAAAAAAAAAAAAAAAAAAAAAAAZAAAAAEAAABAAAAAAAAAAAAAAAAAAAAAAAAAAAAAAAAAAAAAAAAAAAAAAAAAAAAAAAAAAAAAAAAAAAAAAAAAAAAAAAAAAAAAAAAAAAAAAAAAAAAAAAAAAAAAAAAAAAAAFAAAADwAAAAAAAAAAAAAAAAAAAkUAAAAAQAAABQAAAAUAAAAFAAAAAEAAAAAAAAAZAAAAGQAAAAAAAAAZAAAAGQAAAAVAAAAYAAAAAAAAAAAAAAADwAAACADAAAAAAAAAAAAAAEAAACgMgAAVgcAAKr4//8BAAAAf39/AAEAAABkAAAAAAAAABQAAABAHwAAAAAAACYAAAAAAAAAwOD//wAAAAAmAAAAZAAAABYAAABMAAAAAAAAAAAAAAAEAAAAAAAAAAEAAACAgIAKAAAAACgAAAAoAAAAZAAAAGQAAAAAAAAAzMzMAAAAAABQAAAAUAAAAGQAAABkAAAAAAAAABcAAAAUAAAAAAAAAAAAAAD/fwAA/38AAAAAAAAJAAAABAAAANw7IAEeAAAAaAAAAAAAAAAAAAAAAAAAAAAAAAAAAAAAECcAABAnAAAAAAAAAAAAAAAAAAAAAAAAAAAAAAAAAAAAAAAAAAAAABQAAAAAAAAAwMD/AAAAAABkAAAAMgAAAAAAAABkAAAAAAAAAH9/fwAKAAAAIgAAABgAAAAAAAAAAAAAAAAAAAAAAAAAAAAAAAAAAAAkAAAAJAAAAAAAAAAHAAAAAAAAAAAAAAAAAAAAAAAAAAAAAAAAAAAAf39/ACUAAABYAAAAAAAAAAAAAAAAAAAAAAAAAAAAAAAAAAAAAAAAAAAAAAAAAAAAAAAAAAAAAAA/AAAAAAAAAKCGAQAAAAAAAAAAAAAAAAAMAAAAAQAAAAAAAAAAAAAAAAAAAB8AAABUAAAAAAAABQAAAAEAAAAAAAAAAAAAAAAAAAAAAAAAAAAAAAAAAAAAAAAAAAAAAAJ/f38AAAAAA8zMzADAwP8Af39/AAAAAAAAAAAAAAAAAAAAAAAAAAAAIQAAABgAAAAUAAAAHSYAAGENAABARwAAsCUAABAAAAAmAAAACAAAAAGAAAAAAAAAMAAAABQAAAAAAAAAAAD//wAAAQAAAP//AAABAA=="/>
+                <pr:smNativeData xmlns:pr="smNativeData" xmlns="smNativeData" val="SMDATA_16_zfxKYxMAAAAlAAAAZAAAAA8BAAAAkAAAAEgAAACQAAAASAAAAAAAAAAAAAAAAAAAAAEAAABQAAAAAAAAAAAA4D8AAAAAAADgPwAAAAAAAOA/AAAAAAAA4D8AAAAAAADgPwAAAAAAAOA/AAAAAAAA4D8AAAAAAADgPwAAAAAAAOA/AAAAAAAA4D8CAAAAjAAAAAAAAAAAAAAAu+DjDP///wgAAAAAAAAAAAAAAAAAAAAAAAAAAAAAAAAAAAAAZAAAAAEAAABAAAAAAAAAAAAAAAAAAAAAAAAAAAAAAAAAAAAAAAAAAAAAAAAAAAAAAAAAAAAAAAAAAAAAAAAAAAAAAAAAAAAAAAAAAAAAAAAAAAAAAAAAAAAAAAAAAAAAFAAAADwAAAAAAAAAAAAAAAAAAAkUAAAAAQAAABQAAAAUAAAAFAAAAAEAAAAAAAAAZAAAAGQAAAAAAAAAZAAAAGQAAAAVAAAAYAAAAAAAAAAAAAAADwAAACADAAAAAAAAAAAAAAEAAACgMgAAVgcAAKr4//8BAAAAf39/AAEAAABkAAAAAAAAABQAAABAHwAAAAAAACYAAAAAAAAAwOD//wAAAAAmAAAAZAAAABYAAABMAAAAAAAAAAAAAAAEAAAAAAAAAAEAAACAgIAKAAAAACgAAAAoAAAAZAAAAGQAAAAAAAAAzMzMAAAAAABQAAAAUAAAAGQAAABkAAAAAAAAABcAAAAUAAAAAAAAAAAAAAD/fwAA/38AAAAAAAAJAAAABAAAANw7IAEeAAAAaAAAAAAAAAAAAAAAAAAAAAAAAAAAAAAAECcAABAnAAAAAAAAAAAAAAAAAAAAAAAAAAAAAAAAAAAAAAAAAAAAABQAAAAAAAAAwMD/AAAAAABkAAAAMgAAAAAAAABkAAAAAAAAAH9/fwAKAAAAIgAAABgAAAAAAAAAAAAAAAAAAAAAAAAAAAAAAAAAAAAkAAAAJAAAAAAAAAAHAAAAAAAAAAAAAAAAAAAAAAAAAAAAAAAAAAAAf39/ACUAAABYAAAAAAAAAAAAAAAAAAAAAAAAAAAAAAAAAAAAAAAAAAAAAAAAAAAAAAAAAAAAAAA/AAAAAAAAAKCGAQAAAAAAAAAAAAAAAAAMAAAAAQAAAAAAAAAAAAAAAAAAAB8AAABUAAAAAAAABQAAAAEAAAAAAAAAAAAAAAAAAAAAAAAAAAAAAAAAAAAAAAAAAAAAAAJ/f38AAAAAA8zMzADAwP8Af39/AAAAAAAAAAAAAAAAAAAAAAAAAAAAIQAAABgAAAAUAAAAHSYAAGENAABARwAAsCUAABAAAAAmAAAACAAAAAGAAAAAAAAAMAAAABQAAAAAAAAAAAD//wAAAQAAAP//AAABAA=="/>
               </a:ext>
             </a:extLst>
           </p:cNvSpPr>
@@ -1871,7 +1857,7 @@
             <a:spLocks noGrp="1" noChangeArrowheads="1"/>
             <a:extLst>
               <a:ext uri="smNativeData">
-                <pr:smNativeData xmlns:pr="smNativeData" xmlns="smNativeData" val="SMDATA_16_FrZCYxMAAAAlAAAAZAAAAA8BAAAAkAAAAEgAAACQAAAASAAAAAAAAAABAAAAAAAAAAEAAABQAAAAAAAAAAAA4D8AAAAAAADgPwAAAAAAAOA/AAAAAAAA4D8AAAAAAADgPwAAAAAAAOA/AAAAAAAA4D8AAAAAAADgPwAAAAAAAOA/AAAAAAAA4D8CAAAAjAAAAAAAAAAAAAAAu+DjDP///wgAAAAAAAAAAAAAAAAAAAAAAAAAAAAAAAAAAAAAZAAAAAEAAABAAAAAAAAAAAAAAAAAAAAAAAAAAAAAAAAAAAAAAAAAAAAAAAAAAAAAAAAAAAAAAAAAAAAAAAAAAAAAAAAAAAAAAAAAAAAAAAAAAAAAAAAAAAAAAAAAAAAAFAAAADwAAAAAAAAAAAAAAAAAAAkUAAAAAQAAABQAAAAUAAAAFAAAAAEAAAAAAAAAZAAAAGQAAAAAAAAAZAAAAGQAAAAVAAAAYAAAAAAAAAAAAAAADwAAACADAAAAAAAAAAAAAAEAAACgMgAAVgcAAKr4//8BAAAAf39/AAEAAABkAAAAAAAAABQAAABAHwAAAAAAACYAAAAAAAAAwOD//wAAAAAmAAAAZAAAABYAAABMAAAAAAAAAAAAAAAEAAAAAAAAAAEAAACAgIAKAAAAACgAAAAoAAAAZAAAAGQAAAAAAAAAzMzMAAAAAABQAAAAUAAAAGQAAABkAAAAAAAAABcAAAAUAAAAAAAAAAAAAAD/fwAA/38AAAAAAAAJAAAABAAAANw7IAEeAAAAaAAAAAAAAAAAAAAAAAAAAAAAAAAAAAAAECcAABAnAAAAAAAAAAAAAAAAAAAAAAAAAAAAAAAAAAAAAAAAAAAAABQAAAAAAAAAwMD/AAAAAABkAAAAMgAAAAAAAABkAAAAAAAAAH9/fwAKAAAAIgAAABgAAAAAAAAAAAAAAAAAAAAAAAAAAAAAAAAAAAAkAAAAJAAAAAAAAAAHAAAAAAAAAAAAAAAAAAAAAAAAAAAAAAAAAAAAf39/ACUAAABYAAAAAAAAAAAAAAAAAAAAAAAAAAAAAAAAAAAAAAAAAAAAAAAAAAAAAAAAAAAAAAA/AAAAAAAAAKCGAQAAAAAAAAAAAAAAAAAMAAAAAQAAAAAAAAAAAAAAAAAAAB8AAABUAAAAAAAABQAAAAEAAAAAAAAAAAAAAAAAAAAAAAAAAAAAAAAAAAAAAAAAAAAAAAJ/f38AAAAAA8zMzADAwP8Af39/AAAAAAAAAAAAAAAAAAAAAAAAAAAAIQAAABgAAAAUAAAAwAMAABsnAAA/FQAAWSkAABAAAAAmAAAACAAAAAAAAAAAAAAAMAAAABQAAAAAAAAAAAD//wAAAQAAAP//AAABAA=="/>
+                <pr:smNativeData xmlns:pr="smNativeData" xmlns="smNativeData" val="SMDATA_16_zfxKYxMAAAAlAAAAZAAAAA8BAAAAkAAAAEgAAACQAAAASAAAAAAAAAABAAAAAAAAAAEAAABQAAAAAAAAAAAA4D8AAAAAAADgPwAAAAAAAOA/AAAAAAAA4D8AAAAAAADgPwAAAAAAAOA/AAAAAAAA4D8AAAAAAADgPwAAAAAAAOA/AAAAAAAA4D8CAAAAjAAAAAAAAAAAAAAAu+DjDP///wgAAAAAAAAAAAAAAAAAAAAAAAAAAAAAAAAAAAAAZAAAAAEAAABAAAAAAAAAAAAAAAAAAAAAAAAAAAAAAAAAAAAAAAAAAAAAAAAAAAAAAAAAAAAAAAAAAAAAAAAAAAAAAAAAAAAAAAAAAAAAAAAAAAAAAAAAAAAAAAAAAAAAFAAAADwAAAAAAAAAAAAAAAAAAAkUAAAAAQAAABQAAAAUAAAAFAAAAAEAAAAAAAAAZAAAAGQAAAAAAAAAZAAAAGQAAAAVAAAAYAAAAAAAAAAAAAAADwAAACADAAAAAAAAAAAAAAEAAACgMgAAVgcAAKr4//8BAAAAf39/AAEAAABkAAAAAAAAABQAAABAHwAAAAAAACYAAAAAAAAAwOD//wAAAAAmAAAAZAAAABYAAABMAAAAAAAAAAAAAAAEAAAAAAAAAAEAAACAgIAKAAAAACgAAAAoAAAAZAAAAGQAAAAAAAAAzMzMAAAAAABQAAAAUAAAAGQAAABkAAAAAAAAABcAAAAUAAAAAAAAAAAAAAD/fwAA/38AAAAAAAAJAAAABAAAANw7IAEeAAAAaAAAAAAAAAAAAAAAAAAAAAAAAAAAAAAAECcAABAnAAAAAAAAAAAAAAAAAAAAAAAAAAAAAAAAAAAAAAAAAAAAABQAAAAAAAAAwMD/AAAAAABkAAAAMgAAAAAAAABkAAAAAAAAAH9/fwAKAAAAIgAAABgAAAAAAAAAAAAAAAAAAAAAAAAAAAAAAAAAAAAkAAAAJAAAAAAAAAAHAAAAAAAAAAAAAAAAAAAAAAAAAAAAAAAAAAAAf39/ACUAAABYAAAAAAAAAAAAAAAAAAAAAAAAAAAAAAAAAAAAAAAAAAAAAAAAAAAAAAAAAAAAAAA/AAAAAAAAAKCGAQAAAAAAAAAAAAAAAAAMAAAAAQAAAAAAAAAAAAAAAAAAAB8AAABUAAAAAAAABQAAAAEAAAAAAAAAAAAAAAAAAAAAAAAAAAAAAAAAAAAAAAAAAAAAAAJ/f38AAAAAA8zMzADAwP8Af39/AAAAAAAAAAAAAAAAAAAAAAAAAAAAIQAAABgAAAAUAAAAwAMAABsnAAA/FQAAWSkAABAAAAAmAAAACAAAAAAAAAAAAAAAMAAAABQAAAAAAAAAAAD//wAAAQAAAP//AAABAA=="/>
               </a:ext>
             </a:extLst>
           </p:cNvSpPr>
@@ -1885,7 +1871,7 @@
           <a:lstStyle/>
           <a:p>
             <a:pPr/>
-            <a:fld id="{1679F707-49FB-2C01-B5C1-BF54B98F43EA}" type="datetime1">
+            <a:fld id="{7C415A77-3991-14AC-DFF9-CFF914B7299A}" type="datetime1">
               <a:t/>
             </a:fld>
           </a:p>
@@ -1898,7 +1884,7 @@
             <a:spLocks noGrp="1" noChangeArrowheads="1"/>
             <a:extLst>
               <a:ext uri="smNativeData">
-                <pr:smNativeData xmlns:pr="smNativeData" xmlns="smNativeData" val="SMDATA_16_FrZCYxMAAAAlAAAAZAAAAA8BAAAAkAAAAEgAAACQAAAASAAAAAAAAAABAAAAAAAAAAEAAABQAAAAAAAAAAAA4D8AAAAAAADgPwAAAAAAAOA/AAAAAAAA4D8AAAAAAADgPwAAAAAAAOA/AAAAAAAA4D8AAAAAAADgPwAAAAAAAOA/AAAAAAAA4D8CAAAAjAAAAAAAAAAAAAAAu+DjDP///wgAAAAAAAAAAAAAAAAAAAAAAAAAAAAAAAAAAAAAZAAAAAEAAABAAAAAAAAAAAAAAAAAAAAAAAAAAAAAAAAAAAAAAAAAAAAAAAAAAAAAAAAAAAAAAAAAAAAAAAAAAAAAAAAAAAAAAAAAAAAAAAAAAAAAAAAAAAAAAAAAAAAAFAAAADwAAAAAAAAAAAAAAAAAAAkUAAAAAQAAABQAAAAUAAAAFAAAAAEAAAAAAAAAZAAAAGQAAAAAAAAAZAAAAGQAAAAVAAAAYAAAAAAAAAAAAAAADwAAACADAAAAAAAAAAAAAAEAAACgMgAAVgcAAKr4//8BAAAAf39/AAEAAABkAAAAAAAAABQAAABAHwAAAAAAACYAAAAAAAAAwOD//wAAAAAmAAAAZAAAABYAAABMAAAAAAAAAAAAAAAEAAAAAAAAAAEAAACAgIAKAAAAACgAAAAoAAAAZAAAAGQAAAAAAAAAzMzMAAAAAABQAAAAUAAAAGQAAABkAAAAAAAAABcAAAAUAAAAAAAAAAAAAAD/fwAA/38AAAAAAAAJAAAABAAAANw7IAEeAAAAaAAAAAAAAAAAAAAAAAAAAAAAAAAAAAAAECcAABAnAAAAAAAAAAAAAAAAAAAAAAAAAAAAAAAAAAAAAAAAAAAAABQAAAAAAAAAwMD/AAAAAABkAAAAMgAAAAAAAABkAAAAAAAAAH9/fwAKAAAAIgAAABgAAAAAAAAAAAAAAAAAAAAAAAAAAAAAAAAAAAAkAAAAJAAAAAAAAAAHAAAAAAAAAAAAAAAAAAAAAAAAAAAAAAAAAAAAf39/ACUAAABYAAAAAAAAAAAAAAAAAAAAAAAAAAAAAAAAAAAAAAAAAAAAAAAAAAAAAAAAAAAAAAA/AAAAAAAAAKCGAQAAAAAAAAAAAAAAAAAMAAAAAQAAAAAAAAAAAAAAAAAAAB8AAABUAAAAAAAABQAAAAEAAAAAAAAAAAAAAAAAAAAAAAAAAAAAAAAAAAAAAAAAAAAAAAJ/f38AAAAAA8zMzADAwP8Af39/AAAAAAAAAAAAAAAAAAAAAAAAAAAAIQAAABgAAAAUAAAAoRkAABsnAABfMQAAWSkAABAAAAAmAAAACAAAAAAAAAAAAAAAMAAAABQAAAAAAAAAAAD//wAAAQAAAP//AAABAA=="/>
+                <pr:smNativeData xmlns:pr="smNativeData" xmlns="smNativeData" val="SMDATA_16_zfxKYxMAAAAlAAAAZAAAAA8BAAAAkAAAAEgAAACQAAAASAAAAAAAAAABAAAAAAAAAAEAAABQAAAAAAAAAAAA4D8AAAAAAADgPwAAAAAAAOA/AAAAAAAA4D8AAAAAAADgPwAAAAAAAOA/AAAAAAAA4D8AAAAAAADgPwAAAAAAAOA/AAAAAAAA4D8CAAAAjAAAAAAAAAAAAAAAu+DjDP///wgAAAAAAAAAAAAAAAAAAAAAAAAAAAAAAAAAAAAAZAAAAAEAAABAAAAAAAAAAAAAAAAAAAAAAAAAAAAAAAAAAAAAAAAAAAAAAAAAAAAAAAAAAAAAAAAAAAAAAAAAAAAAAAAAAAAAAAAAAAAAAAAAAAAAAAAAAAAAAAAAAAAAFAAAADwAAAAAAAAAAAAAAAAAAAkUAAAAAQAAABQAAAAUAAAAFAAAAAEAAAAAAAAAZAAAAGQAAAAAAAAAZAAAAGQAAAAVAAAAYAAAAAAAAAAAAAAADwAAACADAAAAAAAAAAAAAAEAAACgMgAAVgcAAKr4//8BAAAAf39/AAEAAABkAAAAAAAAABQAAABAHwAAAAAAACYAAAAAAAAAwOD//wAAAAAmAAAAZAAAABYAAABMAAAAAAAAAAAAAAAEAAAAAAAAAAEAAACAgIAKAAAAACgAAAAoAAAAZAAAAGQAAAAAAAAAzMzMAAAAAABQAAAAUAAAAGQAAABkAAAAAAAAABcAAAAUAAAAAAAAAAAAAAD/fwAA/38AAAAAAAAJAAAABAAAANw7IAEeAAAAaAAAAAAAAAAAAAAAAAAAAAAAAAAAAAAAECcAABAnAAAAAAAAAAAAAAAAAAAAAAAAAAAAAAAAAAAAAAAAAAAAABQAAAAAAAAAwMD/AAAAAABkAAAAMgAAAAAAAABkAAAAAAAAAH9/fwAKAAAAIgAAABgAAAAAAAAAAAAAAAAAAAAAAAAAAAAAAAAAAAAkAAAAJAAAAAAAAAAHAAAAAAAAAAAAAAAAAAAAAAAAAAAAAAAAAAAAf39/ACUAAABYAAAAAAAAAAAAAAAAAAAAAAAAAAAAAAAAAAAAAAAAAAAAAAAAAAAAAAAAAAAAAAA/AAAAAAAAAKCGAQAAAAAAAAAAAAAAAAAMAAAAAQAAAAAAAAAAAAAAAAAAAB8AAABUAAAAAAAABQAAAAEAAAAAAAAAAAAAAAAAAAAAAAAAAAAAAAAAAAAAAAAAAAAAAAJ/f38AAAAAA8zMzADAwP8Af39/AAAAAAAAAAAAAAAAAAAAAAAAAAAAIQAAABgAAAAUAAAAoRkAABsnAABfMQAAWSkAABAAAAAmAAAACAAAAAAAAAAAAAAAMAAAABQAAAAAAAAAAAD//wAAAQAAAP//AAABAA=="/>
               </a:ext>
             </a:extLst>
           </p:cNvSpPr>
@@ -1912,9 +1898,6 @@
           <a:lstStyle/>
           <a:p>
             <a:pPr/>
-            <a:r>
-              <a:t/>
-            </a:r>
           </a:p>
         </p:txBody>
       </p:sp>
@@ -1925,7 +1908,7 @@
             <a:spLocks noGrp="1" noChangeArrowheads="1"/>
             <a:extLst>
               <a:ext uri="smNativeData">
-                <pr:smNativeData xmlns:pr="smNativeData" xmlns="smNativeData" val="SMDATA_16_FrZCYxMAAAAlAAAAZAAAAA8BAAAAkAAAAEgAAACQAAAASAAAAAAAAAABAAAAAAAAAAEAAABQAAAAAAAAAAAA4D8AAAAAAADgPwAAAAAAAOA/AAAAAAAA4D8AAAAAAADgPwAAAAAAAOA/AAAAAAAA4D8AAAAAAADgPwAAAAAAAOA/AAAAAAAA4D8CAAAAjAAAAAAAAAAAAAAAu+DjDP///wgAAAAAAAAAAAAAAAAAAAAAAAAAAAAAAAAAAAAAZAAAAAEAAABAAAAAAAAAAAAAAAAAAAAAAAAAAAAAAAAAAAAAAAAAAAAAAAAAAAAAAAAAAAAAAAAAAAAAAAAAAAAAAAAAAAAAAAAAAAAAAAAAAAAAAAAAAAAAAAAAAAAAFAAAADwAAAAAAAAAAAAAAAAAAAkUAAAAAQAAABQAAAAUAAAAFAAAAAEAAAAAAAAAZAAAAGQAAAAAAAAAZAAAAGQAAAAVAAAAYAAAAAAAAAAAAAAADwAAACADAAAAAAAAAAAAAAEAAACgMgAAVgcAAKr4//8BAAAAf39/AAEAAABkAAAAAAAAABQAAABAHwAAAAAAACYAAAAAAAAAwOD//wAAAAAmAAAAZAAAABYAAABMAAAAAAAAAAAAAAAEAAAAAAAAAAEAAACAgIAKAAAAACgAAAAoAAAAZAAAAGQAAAAAAAAAzMzMAAAAAABQAAAAUAAAAGQAAABkAAAAAAAAABcAAAAUAAAAAAAAAAAAAAD/fwAA/38AAAAAAAAJAAAABAAAANw7IAEeAAAAaAAAAAAAAAAAAAAAAAAAAAAAAAAAAAAAECcAABAnAAAAAAAAAAAAAAAAAAAAAAAAAAAAAAAAAAAAAAAAAAAAABQAAAAAAAAAwMD/AAAAAABkAAAAMgAAAAAAAABkAAAAAAAAAH9/fwAKAAAAIgAAABgAAAAAAAAAAAAAAAAAAAAAAAAAAAAAAAAAAAAkAAAAJAAAAAAAAAAHAAAAAAAAAAAAAAAAAAAAAAAAAAAAAAAAAAAAf39/ACUAAABYAAAAAAAAAAAAAAAAAAAAAAAAAAAAAAAAAAAAAAAAAAAAAAAAAAAAAAAAAAAAAAA/AAAAAAAAAKCGAQAAAAAAAAAAAAAAAAAMAAAAAQAAAAAAAAAAAAAAAAAAAB8AAABUAAAAAAAABQAAAAEAAAAAAAAAAAAAAAAAAAAAAAAAAAAAAAAAAAAAAAAAAAAAAAJ/f38AAAAAA8zMzADAwP8Af39/AAAAAAAAAAAAAAAAAAAAAAAAAAAAIQAAABgAAAAUAAAAwTUAABsnAABARwAAWSkAABAAAAAmAAAACAAAAAAAAAAAAAAAMAAAABQAAAAAAAAAAAD//wAAAQAAAP//AAABAA=="/>
+                <pr:smNativeData xmlns:pr="smNativeData" xmlns="smNativeData" val="SMDATA_16_zfxKYxMAAAAlAAAAZAAAAA8BAAAAkAAAAEgAAACQAAAASAAAAAAAAAABAAAAAAAAAAEAAABQAAAAAAAAAAAA4D8AAAAAAADgPwAAAAAAAOA/AAAAAAAA4D8AAAAAAADgPwAAAAAAAOA/AAAAAAAA4D8AAAAAAADgPwAAAAAAAOA/AAAAAAAA4D8CAAAAjAAAAAAAAAAAAAAAu+DjDP///wgAAAAAAAAAAAAAAAAAAAAAAAAAAAAAAAAAAAAAZAAAAAEAAABAAAAAAAAAAAAAAAAAAAAAAAAAAAAAAAAAAAAAAAAAAAAAAAAAAAAAAAAAAAAAAAAAAAAAAAAAAAAAAAAAAAAAAAAAAAAAAAAAAAAAAAAAAAAAAAAAAAAAFAAAADwAAAAAAAAAAAAAAAAAAAkUAAAAAQAAABQAAAAUAAAAFAAAAAEAAAAAAAAAZAAAAGQAAAAAAAAAZAAAAGQAAAAVAAAAYAAAAAAAAAAAAAAADwAAACADAAAAAAAAAAAAAAEAAACgMgAAVgcAAKr4//8BAAAAf39/AAEAAABkAAAAAAAAABQAAABAHwAAAAAAACYAAAAAAAAAwOD//wAAAAAmAAAAZAAAABYAAABMAAAAAAAAAAAAAAAEAAAAAAAAAAEAAACAgIAKAAAAACgAAAAoAAAAZAAAAGQAAAAAAAAAzMzMAAAAAABQAAAAUAAAAGQAAABkAAAAAAAAABcAAAAUAAAAAAAAAAAAAAD/fwAA/38AAAAAAAAJAAAABAAAANw7IAEeAAAAaAAAAAAAAAAAAAAAAAAAAAAAAAAAAAAAECcAABAnAAAAAAAAAAAAAAAAAAAAAAAAAAAAAAAAAAAAAAAAAAAAABQAAAAAAAAAwMD/AAAAAABkAAAAMgAAAAAAAABkAAAAAAAAAH9/fwAKAAAAIgAAABgAAAAAAAAAAAAAAAAAAAAAAAAAAAAAAAAAAAAkAAAAJAAAAAAAAAAHAAAAAAAAAAAAAAAAAAAAAAAAAAAAAAAAAAAAf39/ACUAAABYAAAAAAAAAAAAAAAAAAAAAAAAAAAAAAAAAAAAAAAAAAAAAAAAAAAAAAAAAAAAAAA/AAAAAAAAAKCGAQAAAAAAAAAAAAAAAAAMAAAAAQAAAAAAAAAAAAAAAAAAAB8AAABUAAAAAAAABQAAAAEAAAAAAAAAAAAAAAAAAAAAAAAAAAAAAAAAAAAAAAAAAAAAAAJ/f38AAAAAA8zMzADAwP8Af39/AAAAAAAAAAAAAAAAAAAAAAAAAAAAIQAAABgAAAAUAAAAwTUAABsnAABARwAAWSkAABAAAAAmAAAACAAAAAAAAAAAAAAAMAAAABQAAAAAAAAAAAD//wAAAQAAAP//AAABAA=="/>
               </a:ext>
             </a:extLst>
           </p:cNvSpPr>
@@ -1939,7 +1922,7 @@
           <a:lstStyle/>
           <a:p>
             <a:pPr/>
-            <a:fld id="{63CBAD0D-438E-9E5B-C073-B50EE33D36E0}" type="slidenum">
+            <a:fld id="{3C61E4DE-90D1-3412-9FD9-6647AA976933}" type="slidenum">
               <a:t/>
             </a:fld>
           </a:p>
@@ -1950,6 +1933,7 @@
   <p:clrMapOvr>
     <a:masterClrMapping/>
   </p:clrMapOvr>
+  <p:hf hdr="0" ftr="0"/>
 </p:sldLayout>
 </file>
 
@@ -1977,7 +1961,7 @@
             <a:spLocks noGrp="1" noChangeArrowheads="1"/>
             <a:extLst>
               <a:ext uri="smNativeData">
-                <pr:smNativeData xmlns:pr="smNativeData" xmlns="smNativeData" val="SMDATA_16_FrZCYxMAAAAlAAAAZAAAAA8BAAAAkAAAAEgAAACQAAAASAAAAAAAAAABAAAAAAAAAAEAAABQAAAAAAAAAAAA4D8AAAAAAADgPwAAAAAAAOA/AAAAAAAA4D8AAAAAAADgPwAAAAAAAOA/AAAAAAAA4D8AAAAAAADgPwAAAAAAAOA/AAAAAAAA4D8CAAAAjAAAAAAAAAAAAAAAu+DjDP///wgAAAAAAAAAAAAAAAAAAAAAAAAAAAAAAAAAAAAAZAAAAAEAAABAAAAAAAAAAAAAAAAAAAAAAAAAAAAAAAAAAAAAAAAAAAAAAAAAAAAAAAAAAAAAAAAAAAAAAAAAAAAAAAAAAAAAAAAAAAAAAAAAAAAAAAAAAAAAAAAAAAAAFAAAADwAAAAAAAAAAAAAAAAAAAkUAAAAAQAAABQAAAAUAAAAFAAAAAEAAAAAAAAAZAAAAGQAAAAAAAAAZAAAAGQAAAAVAAAAYAAAAAAAAAAAAAAADwAAACADAAAAAAAAAAAAAAEAAACgMgAAVgcAAKr4//8BAAAAf39/AAEAAABkAAAAAAAAABQAAABAHwAAAAAAACYAAAAAAAAAwOD//wAAAAAmAAAAZAAAABYAAABMAAAAAAAAAAAAAAAEAAAAAAAAAAEAAACAgIAKAAAAACgAAAAoAAAAZAAAAGQAAAAAAAAAzMzMAAAAAABQAAAAUAAAAGQAAABkAAAAAAAAABcAAAAUAAAAAAAAAAAAAAD/fwAA/38AAAAAAAAJAAAABAAAANw7IAEeAAAAaAAAAAAAAAAAAAAAAAAAAAAAAAAAAAAAECcAABAnAAAAAAAAAAAAAAAAAAAAAAAAAAAAAAAAAAAAAAAAAAAAABQAAAAAAAAAwMD/AAAAAABkAAAAMgAAAAAAAABkAAAAAAAAAH9/fwAKAAAAIgAAABgAAAAAAAAAAAAAAAAAAAAAAAAAAAAAAAAAAAAkAAAAJAAAAAAAAAAHAAAAAAAAAAAAAAAAAAAAAAAAAAAAAAAAAAAAf39/ACUAAABYAAAAAAAAAAAAAAAAAAAAAAAAAAAAAAAAAAAAAAAAAAAAAAAAAAAAAAAAAAAAAAA/AAAAAAAAAKCGAQAAAAAAAAAAAAAAAAAMAAAAAQAAAAAAAAAAAAAAAAAAAB8AAABUAAAAAAAABQAAAAEAAAAAAAAAAAAAAAAAAAAAAAAAAAAAAAAAAAAAAAAAAAAAAAJ/f38AAAAAA8zMzADAwP8Af39/AAAAAAAAAAAAAAAAAAAAAAAAAAAAIQAAABgAAAAUAAAAwAMAALABAABARwAAuAgAABAAAAAmAAAACAAAAAAAAAAAAAAAMAAAABQAAAAAAAAAAAD//wAAAQAAAP//AAABAA=="/>
+                <pr:smNativeData xmlns:pr="smNativeData" xmlns="smNativeData" val="SMDATA_16_zfxKYxMAAAAlAAAAZAAAAA8BAAAAkAAAAEgAAACQAAAASAAAAAAAAAABAAAAAAAAAAEAAABQAAAAAAAAAAAA4D8AAAAAAADgPwAAAAAAAOA/AAAAAAAA4D8AAAAAAADgPwAAAAAAAOA/AAAAAAAA4D8AAAAAAADgPwAAAAAAAOA/AAAAAAAA4D8CAAAAjAAAAAAAAAAAAAAAu+DjDP///wgAAAAAAAAAAAAAAAAAAAAAAAAAAAAAAAAAAAAAZAAAAAEAAABAAAAAAAAAAAAAAAAAAAAAAAAAAAAAAAAAAAAAAAAAAAAAAAAAAAAAAAAAAAAAAAAAAAAAAAAAAAAAAAAAAAAAAAAAAAAAAAAAAAAAAAAAAAAAAAAAAAAAFAAAADwAAAAAAAAAAAAAAAAAAAkUAAAAAQAAABQAAAAUAAAAFAAAAAEAAAAAAAAAZAAAAGQAAAAAAAAAZAAAAGQAAAAVAAAAYAAAAAAAAAAAAAAADwAAACADAAAAAAAAAAAAAAEAAACgMgAAVgcAAKr4//8BAAAAf39/AAEAAABkAAAAAAAAABQAAABAHwAAAAAAACYAAAAAAAAAwOD//wAAAAAmAAAAZAAAABYAAABMAAAAAAAAAAAAAAAEAAAAAAAAAAEAAACAgIAKAAAAACgAAAAoAAAAZAAAAGQAAAAAAAAAzMzMAAAAAABQAAAAUAAAAGQAAABkAAAAAAAAABcAAAAUAAAAAAAAAAAAAAD/fwAA/38AAAAAAAAJAAAABAAAANw7IAEeAAAAaAAAAAAAAAAAAAAAAAAAAAAAAAAAAAAAECcAABAnAAAAAAAAAAAAAAAAAAAAAAAAAAAAAAAAAAAAAAAAAAAAABQAAAAAAAAAwMD/AAAAAABkAAAAMgAAAAAAAABkAAAAAAAAAH9/fwAKAAAAIgAAABgAAAAAAAAAAAAAAAAAAAAAAAAAAAAAAAAAAAAkAAAAJAAAAAAAAAAHAAAAAAAAAAAAAAAAAAAAAAAAAAAAAAAAAAAAf39/ACUAAABYAAAAAAAAAAAAAAAAAAAAAAAAAAAAAAAAAAAAAAAAAAAAAAAAAAAAAAAAAAAAAAA/AAAAAAAAAKCGAQAAAAAAAAAAAAAAAAAMAAAAAQAAAAAAAAAAAAAAAAAAAB8AAABUAAAAAAAABQAAAAEAAAAAAAAAAAAAAAAAAAAAAAAAAAAAAAAAAAAAAAAAAAAAAAJ/f38AAAAAA8zMzADAwP8Af39/AAAAAAAAAAAAAAAAAAAAAAAAAAAAIQAAABgAAAAUAAAAwAMAALABAABARwAAuAgAABAAAAAmAAAACAAAAAAAAAAAAAAAMAAAABQAAAAAAAAAAAD//wAAAQAAAP//AAABAA=="/>
               </a:ext>
             </a:extLst>
           </p:cNvSpPr>
@@ -2004,7 +1988,7 @@
             <a:spLocks noGrp="1" noChangeArrowheads="1"/>
             <a:extLst>
               <a:ext uri="smNativeData">
-                <pr:smNativeData xmlns:pr="smNativeData" xmlns="smNativeData" val="SMDATA_16_FrZCYxMAAAAlAAAAZAAAAA8BAAAAkAAAAEgAAACQAAAASAAAAAAAAAABAAAAAAAAAAEAAABQAAAAAAAAAAAA4D8AAAAAAADgPwAAAAAAAOA/AAAAAAAA4D8AAAAAAADgPwAAAAAAAOA/AAAAAAAA4D8AAAAAAADgPwAAAAAAAOA/AAAAAAAA4D8CAAAAjAAAAAAAAAAAAAAAu+DjDP///wgAAAAAAAAAAAAAAAAAAAAAAAAAAAAAAAAAAAAAZAAAAAEAAABAAAAAAAAAAAAAAAAAAAAAAAAAAAAAAAAAAAAAAAAAAAAAAAAAAAAAAAAAAAAAAAAAAAAAAAAAAAAAAAAAAAAAAAAAAAAAAAAAAAAAAAAAAAAAAAAAAAAAFAAAADwAAAAAAAAAAAAAAAAAAAkUAAAAAQAAABQAAAAUAAAAFAAAAAEAAAAAAAAAZAAAAGQAAAAAAAAAZAAAAGQAAAAVAAAAYAAAAAAAAAAAAAAADwAAACADAAAAAAAAAAAAAAEAAACgMgAAVgcAAKr4//8BAAAAf39/AAEAAABkAAAAAAAAABQAAABAHwAAAAAAACYAAAAAAAAAwOD//wAAAAAmAAAAZAAAABYAAABMAAAAAAAAAAAAAAAEAAAAAAAAAAEAAACAgIAKAAAAACgAAAAoAAAAZAAAAGQAAAAAAAAAzMzMAAAAAABQAAAAUAAAAGQAAABkAAAAAAAAABcAAAAUAAAAAAAAAAAAAAD/fwAA/38AAAAAAAAJAAAABAAAANw7IAEeAAAAaAAAAAAAAAAAAAAAAAAAAAAAAAAAAAAAECcAABAnAAAAAAAAAAAAAAAAAAAAAAAAAAAAAAAAAAAAAAAAAAAAABQAAAAAAAAAwMD/AAAAAABkAAAAMgAAAAAAAABkAAAAAAAAAH9/fwAKAAAAIgAAABgAAAAAAAAAAAAAAAAAAAAAAAAAAAAAAAAAAAAkAAAAJAAAAAAAAAAHAAAAAAAAAAAAAAAAAAAAAAAAAAAAAAAAAAAAf39/ACUAAABYAAAAAAAAAAAAAAAAAAAAAAAAAAAAAAAAAAAAAAAAAAAAAAAAAAAAAAAAAAAAAAA/AAAAAAAAAKCGAQAAAAAAAAAAAAAAAAAMAAAAAQAAAAAAAAAAAAAAAAAAAB8AAABUAAAAAAAABQAAAAEAAAAAAAAAAAAAAAAAAAAAAAAAAAAAAAAAAAAAAAAAAAAAAAJ/f38AAAAAA8zMzADAwP8Af39/AAAAAAAAAAAAAAAAAAAAAAAAAAAAIQAAABgAAAAUAAAAwAMAABsnAAA/FQAAWSkAABAAAAAmAAAACAAAAAAAAAAAAAAAMAAAABQAAAAAAAAAAAD//wAAAQAAAP//AAABAA=="/>
+                <pr:smNativeData xmlns:pr="smNativeData" xmlns="smNativeData" val="SMDATA_16_zfxKYxMAAAAlAAAAZAAAAA8BAAAAkAAAAEgAAACQAAAASAAAAAAAAAABAAAAAAAAAAEAAABQAAAAAAAAAAAA4D8AAAAAAADgPwAAAAAAAOA/AAAAAAAA4D8AAAAAAADgPwAAAAAAAOA/AAAAAAAA4D8AAAAAAADgPwAAAAAAAOA/AAAAAAAA4D8CAAAAjAAAAAAAAAAAAAAAu+DjDP///wgAAAAAAAAAAAAAAAAAAAAAAAAAAAAAAAAAAAAAZAAAAAEAAABAAAAAAAAAAAAAAAAAAAAAAAAAAAAAAAAAAAAAAAAAAAAAAAAAAAAAAAAAAAAAAAAAAAAAAAAAAAAAAAAAAAAAAAAAAAAAAAAAAAAAAAAAAAAAAAAAAAAAFAAAADwAAAAAAAAAAAAAAAAAAAkUAAAAAQAAABQAAAAUAAAAFAAAAAEAAAAAAAAAZAAAAGQAAAAAAAAAZAAAAGQAAAAVAAAAYAAAAAAAAAAAAAAADwAAACADAAAAAAAAAAAAAAEAAACgMgAAVgcAAKr4//8BAAAAf39/AAEAAABkAAAAAAAAABQAAABAHwAAAAAAACYAAAAAAAAAwOD//wAAAAAmAAAAZAAAABYAAABMAAAAAAAAAAAAAAAEAAAAAAAAAAEAAACAgIAKAAAAACgAAAAoAAAAZAAAAGQAAAAAAAAAzMzMAAAAAABQAAAAUAAAAGQAAABkAAAAAAAAABcAAAAUAAAAAAAAAAAAAAD/fwAA/38AAAAAAAAJAAAABAAAANw7IAEeAAAAaAAAAAAAAAAAAAAAAAAAAAAAAAAAAAAAECcAABAnAAAAAAAAAAAAAAAAAAAAAAAAAAAAAAAAAAAAAAAAAAAAABQAAAAAAAAAwMD/AAAAAABkAAAAMgAAAAAAAABkAAAAAAAAAH9/fwAKAAAAIgAAABgAAAAAAAAAAAAAAAAAAAAAAAAAAAAAAAAAAAAkAAAAJAAAAAAAAAAHAAAAAAAAAAAAAAAAAAAAAAAAAAAAAAAAAAAAf39/ACUAAABYAAAAAAAAAAAAAAAAAAAAAAAAAAAAAAAAAAAAAAAAAAAAAAAAAAAAAAAAAAAAAAA/AAAAAAAAAKCGAQAAAAAAAAAAAAAAAAAMAAAAAQAAAAAAAAAAAAAAAAAAAB8AAABUAAAAAAAABQAAAAEAAAAAAAAAAAAAAAAAAAAAAAAAAAAAAAAAAAAAAAAAAAAAAAJ/f38AAAAAA8zMzADAwP8Af39/AAAAAAAAAAAAAAAAAAAAAAAAAAAAIQAAABgAAAAUAAAAwAMAABsnAAA/FQAAWSkAABAAAAAmAAAACAAAAAAAAAAAAAAAMAAAABQAAAAAAAAAAAD//wAAAQAAAP//AAABAA=="/>
               </a:ext>
             </a:extLst>
           </p:cNvSpPr>
@@ -2018,7 +2002,7 @@
           <a:lstStyle/>
           <a:p>
             <a:pPr/>
-            <a:fld id="{22DD4458-16CF-88B2-8165-E0E70A2B77B5}" type="datetime1">
+            <a:fld id="{3D2A0E28-66D0-7FF8-9E92-90AD40DC68C5}" type="datetime1">
               <a:t/>
             </a:fld>
           </a:p>
@@ -2031,7 +2015,7 @@
             <a:spLocks noGrp="1" noChangeArrowheads="1"/>
             <a:extLst>
               <a:ext uri="smNativeData">
-                <pr:smNativeData xmlns:pr="smNativeData" xmlns="smNativeData" val="SMDATA_16_FrZCYxMAAAAlAAAAZAAAAA8BAAAAkAAAAEgAAACQAAAASAAAAAAAAAABAAAAAAAAAAEAAABQAAAAAAAAAAAA4D8AAAAAAADgPwAAAAAAAOA/AAAAAAAA4D8AAAAAAADgPwAAAAAAAOA/AAAAAAAA4D8AAAAAAADgPwAAAAAAAOA/AAAAAAAA4D8CAAAAjAAAAAAAAAAAAAAAu+DjDP///wgAAAAAAAAAAAAAAAAAAAAAAAAAAAAAAAAAAAAAZAAAAAEAAABAAAAAAAAAAAAAAAAAAAAAAAAAAAAAAAAAAAAAAAAAAAAAAAAAAAAAAAAAAAAAAAAAAAAAAAAAAAAAAAAAAAAAAAAAAAAAAAAAAAAAAAAAAAAAAAAAAAAAFAAAADwAAAAAAAAAAAAAAAAAAAkUAAAAAQAAABQAAAAUAAAAFAAAAAEAAAAAAAAAZAAAAGQAAAAAAAAAZAAAAGQAAAAVAAAAYAAAAAAAAAAAAAAADwAAACADAAAAAAAAAAAAAAEAAACgMgAAVgcAAKr4//8BAAAAf39/AAEAAABkAAAAAAAAABQAAABAHwAAAAAAACYAAAAAAAAAwOD//wAAAAAmAAAAZAAAABYAAABMAAAAAAAAAAAAAAAEAAAAAAAAAAEAAACAgIAKAAAAACgAAAAoAAAAZAAAAGQAAAAAAAAAzMzMAAAAAABQAAAAUAAAAGQAAABkAAAAAAAAABcAAAAUAAAAAAAAAAAAAAD/fwAA/38AAAAAAAAJAAAABAAAANw7IAEeAAAAaAAAAAAAAAAAAAAAAAAAAAAAAAAAAAAAECcAABAnAAAAAAAAAAAAAAAAAAAAAAAAAAAAAAAAAAAAAAAAAAAAABQAAAAAAAAAwMD/AAAAAABkAAAAMgAAAAAAAABkAAAAAAAAAH9/fwAKAAAAIgAAABgAAAAAAAAAAAAAAAAAAAAAAAAAAAAAAAAAAAAkAAAAJAAAAAAAAAAHAAAAAAAAAAAAAAAAAAAAAAAAAAAAAAAAAAAAf39/ACUAAABYAAAAAAAAAAAAAAAAAAAAAAAAAAAAAAAAAAAAAAAAAAAAAAAAAAAAAAAAAAAAAAA/AAAAAAAAAKCGAQAAAAAAAAAAAAAAAAAMAAAAAQAAAAAAAAAAAAAAAAAAAB8AAABUAAAAAAAABQAAAAEAAAAAAAAAAAAAAAAAAAAAAAAAAAAAAAAAAAAAAAAAAAAAAAJ/f38AAAAAA8zMzADAwP8Af39/AAAAAAAAAAAAAAAAAAAAAAAAAAAAIQAAABgAAAAUAAAAoRkAABsnAABfMQAAWSkAABAAAAAmAAAACAAAAAAAAAAAAAAAMAAAABQAAAAAAAAAAAD//wAAAQAAAP//AAABAA=="/>
+                <pr:smNativeData xmlns:pr="smNativeData" xmlns="smNativeData" val="SMDATA_16_zfxKYxMAAAAlAAAAZAAAAA8BAAAAkAAAAEgAAACQAAAASAAAAAAAAAABAAAAAAAAAAEAAABQAAAAAAAAAAAA4D8AAAAAAADgPwAAAAAAAOA/AAAAAAAA4D8AAAAAAADgPwAAAAAAAOA/AAAAAAAA4D8AAAAAAADgPwAAAAAAAOA/AAAAAAAA4D8CAAAAjAAAAAAAAAAAAAAAu+DjDP///wgAAAAAAAAAAAAAAAAAAAAAAAAAAAAAAAAAAAAAZAAAAAEAAABAAAAAAAAAAAAAAAAAAAAAAAAAAAAAAAAAAAAAAAAAAAAAAAAAAAAAAAAAAAAAAAAAAAAAAAAAAAAAAAAAAAAAAAAAAAAAAAAAAAAAAAAAAAAAAAAAAAAAFAAAADwAAAAAAAAAAAAAAAAAAAkUAAAAAQAAABQAAAAUAAAAFAAAAAEAAAAAAAAAZAAAAGQAAAAAAAAAZAAAAGQAAAAVAAAAYAAAAAAAAAAAAAAADwAAACADAAAAAAAAAAAAAAEAAACgMgAAVgcAAKr4//8BAAAAf39/AAEAAABkAAAAAAAAABQAAABAHwAAAAAAACYAAAAAAAAAwOD//wAAAAAmAAAAZAAAABYAAABMAAAAAAAAAAAAAAAEAAAAAAAAAAEAAACAgIAKAAAAACgAAAAoAAAAZAAAAGQAAAAAAAAAzMzMAAAAAABQAAAAUAAAAGQAAABkAAAAAAAAABcAAAAUAAAAAAAAAAAAAAD/fwAA/38AAAAAAAAJAAAABAAAANw7IAEeAAAAaAAAAAAAAAAAAAAAAAAAAAAAAAAAAAAAECcAABAnAAAAAAAAAAAAAAAAAAAAAAAAAAAAAAAAAAAAAAAAAAAAABQAAAAAAAAAwMD/AAAAAABkAAAAMgAAAAAAAABkAAAAAAAAAH9/fwAKAAAAIgAAABgAAAAAAAAAAAAAAAAAAAAAAAAAAAAAAAAAAAAkAAAAJAAAAAAAAAAHAAAAAAAAAAAAAAAAAAAAAAAAAAAAAAAAAAAAf39/ACUAAABYAAAAAAAAAAAAAAAAAAAAAAAAAAAAAAAAAAAAAAAAAAAAAAAAAAAAAAAAAAAAAAA/AAAAAAAAAKCGAQAAAAAAAAAAAAAAAAAMAAAAAQAAAAAAAAAAAAAAAAAAAB8AAABUAAAAAAAABQAAAAEAAAAAAAAAAAAAAAAAAAAAAAAAAAAAAAAAAAAAAAAAAAAAAAJ/f38AAAAAA8zMzADAwP8Af39/AAAAAAAAAAAAAAAAAAAAAAAAAAAAIQAAABgAAAAUAAAAoRkAABsnAABfMQAAWSkAABAAAAAmAAAACAAAAAAAAAAAAAAAMAAAABQAAAAAAAAAAAD//wAAAQAAAP//AAABAA=="/>
               </a:ext>
             </a:extLst>
           </p:cNvSpPr>
@@ -2045,9 +2029,6 @@
           <a:lstStyle/>
           <a:p>
             <a:pPr/>
-            <a:r>
-              <a:t/>
-            </a:r>
           </a:p>
         </p:txBody>
       </p:sp>
@@ -2058,7 +2039,7 @@
             <a:spLocks noGrp="1" noChangeArrowheads="1"/>
             <a:extLst>
               <a:ext uri="smNativeData">
-                <pr:smNativeData xmlns:pr="smNativeData" xmlns="smNativeData" val="SMDATA_16_FrZCYxMAAAAlAAAAZAAAAA8BAAAAkAAAAEgAAACQAAAASAAAAAAAAAABAAAAAAAAAAEAAABQAAAAAAAAAAAA4D8AAAAAAADgPwAAAAAAAOA/AAAAAAAA4D8AAAAAAADgPwAAAAAAAOA/AAAAAAAA4D8AAAAAAADgPwAAAAAAAOA/AAAAAAAA4D8CAAAAjAAAAAAAAAAAAAAAu+DjDP///wgAAAAAAAAAAAAAAAAAAAAAAAAAAAAAAAAAAAAAZAAAAAEAAABAAAAAAAAAAAAAAAAAAAAAAAAAAAAAAAAAAAAAAAAAAAAAAAAAAAAAAAAAAAAAAAAAAAAAAAAAAAAAAAAAAAAAAAAAAAAAAAAAAAAAAAAAAAAAAAAAAAAAFAAAADwAAAAAAAAAAAAAAAAAAAkUAAAAAQAAABQAAAAUAAAAFAAAAAEAAAAAAAAAZAAAAGQAAAAAAAAAZAAAAGQAAAAVAAAAYAAAAAAAAAAAAAAADwAAACADAAAAAAAAAAAAAAEAAACgMgAAVgcAAKr4//8BAAAAf39/AAEAAABkAAAAAAAAABQAAABAHwAAAAAAACYAAAAAAAAAwOD//wAAAAAmAAAAZAAAABYAAABMAAAAAAAAAAAAAAAEAAAAAAAAAAEAAACAgIAKAAAAACgAAAAoAAAAZAAAAGQAAAAAAAAAzMzMAAAAAABQAAAAUAAAAGQAAABkAAAAAAAAABcAAAAUAAAAAAAAAAAAAAD/fwAA/38AAAAAAAAJAAAABAAAANw7IAEeAAAAaAAAAAAAAAAAAAAAAAAAAAAAAAAAAAAAECcAABAnAAAAAAAAAAAAAAAAAAAAAAAAAAAAAAAAAAAAAAAAAAAAABQAAAAAAAAAwMD/AAAAAABkAAAAMgAAAAAAAABkAAAAAAAAAH9/fwAKAAAAIgAAABgAAAAAAAAAAAAAAAAAAAAAAAAAAAAAAAAAAAAkAAAAJAAAAAAAAAAHAAAAAAAAAAAAAAAAAAAAAAAAAAAAAAAAAAAAf39/ACUAAABYAAAAAAAAAAAAAAAAAAAAAAAAAAAAAAAAAAAAAAAAAAAAAAAAAAAAAAAAAAAAAAA/AAAAAAAAAKCGAQAAAAAAAAAAAAAAAAAMAAAAAQAAAAAAAAAAAAAAAAAAAB8AAABUAAAAAAAABQAAAAEAAAAAAAAAAAAAAAAAAAAAAAAAAAAAAAAAAAAAAAAAAAAAAAJ/f38AAAAAA8zMzADAwP8Af39/AAAAAAAAAAAAAAAAAAAAAAAAAAAAIQAAABgAAAAUAAAAwTUAABsnAABARwAAWSkAABAAAAAmAAAACAAAAAAAAAAAAAAAMAAAABQAAAAAAAAAAAD//wAAAQAAAP//AAABAA=="/>
+                <pr:smNativeData xmlns:pr="smNativeData" xmlns="smNativeData" val="SMDATA_16_zfxKYxMAAAAlAAAAZAAAAA8BAAAAkAAAAEgAAACQAAAASAAAAAAAAAABAAAAAAAAAAEAAABQAAAAAAAAAAAA4D8AAAAAAADgPwAAAAAAAOA/AAAAAAAA4D8AAAAAAADgPwAAAAAAAOA/AAAAAAAA4D8AAAAAAADgPwAAAAAAAOA/AAAAAAAA4D8CAAAAjAAAAAAAAAAAAAAAu+DjDP///wgAAAAAAAAAAAAAAAAAAAAAAAAAAAAAAAAAAAAAZAAAAAEAAABAAAAAAAAAAAAAAAAAAAAAAAAAAAAAAAAAAAAAAAAAAAAAAAAAAAAAAAAAAAAAAAAAAAAAAAAAAAAAAAAAAAAAAAAAAAAAAAAAAAAAAAAAAAAAAAAAAAAAFAAAADwAAAAAAAAAAAAAAAAAAAkUAAAAAQAAABQAAAAUAAAAFAAAAAEAAAAAAAAAZAAAAGQAAAAAAAAAZAAAAGQAAAAVAAAAYAAAAAAAAAAAAAAADwAAACADAAAAAAAAAAAAAAEAAACgMgAAVgcAAKr4//8BAAAAf39/AAEAAABkAAAAAAAAABQAAABAHwAAAAAAACYAAAAAAAAAwOD//wAAAAAmAAAAZAAAABYAAABMAAAAAAAAAAAAAAAEAAAAAAAAAAEAAACAgIAKAAAAACgAAAAoAAAAZAAAAGQAAAAAAAAAzMzMAAAAAABQAAAAUAAAAGQAAABkAAAAAAAAABcAAAAUAAAAAAAAAAAAAAD/fwAA/38AAAAAAAAJAAAABAAAANw7IAEeAAAAaAAAAAAAAAAAAAAAAAAAAAAAAAAAAAAAECcAABAnAAAAAAAAAAAAAAAAAAAAAAAAAAAAAAAAAAAAAAAAAAAAABQAAAAAAAAAwMD/AAAAAABkAAAAMgAAAAAAAABkAAAAAAAAAH9/fwAKAAAAIgAAABgAAAAAAAAAAAAAAAAAAAAAAAAAAAAAAAAAAAAkAAAAJAAAAAAAAAAHAAAAAAAAAAAAAAAAAAAAAAAAAAAAAAAAAAAAf39/ACUAAABYAAAAAAAAAAAAAAAAAAAAAAAAAAAAAAAAAAAAAAAAAAAAAAAAAAAAAAAAAAAAAAA/AAAAAAAAAKCGAQAAAAAAAAAAAAAAAAAMAAAAAQAAAAAAAAAAAAAAAAAAAB8AAABUAAAAAAAABQAAAAEAAAAAAAAAAAAAAAAAAAAAAAAAAAAAAAAAAAAAAAAAAAAAAAJ/f38AAAAAA8zMzADAwP8Af39/AAAAAAAAAAAAAAAAAAAAAAAAAAAAIQAAABgAAAAUAAAAwTUAABsnAABARwAAWSkAABAAAAAmAAAACAAAAAAAAAAAAAAAMAAAABQAAAAAAAAAAAD//wAAAQAAAP//AAABAA=="/>
               </a:ext>
             </a:extLst>
           </p:cNvSpPr>
@@ -2072,7 +2053,7 @@
           <a:lstStyle/>
           <a:p>
             <a:pPr/>
-            <a:fld id="{5085D8CD-83BD-D02E-F33D-757B96730520}" type="slidenum">
+            <a:fld id="{1E40996D-23F3-156F-BDF8-D53AD7B64B80}" type="slidenum">
               <a:t/>
             </a:fld>
           </a:p>
@@ -2083,6 +2064,7 @@
   <p:clrMapOvr>
     <a:masterClrMapping/>
   </p:clrMapOvr>
+  <p:hf hdr="0" ftr="0"/>
 </p:sldLayout>
 </file>
 
@@ -2110,7 +2092,7 @@
             <a:spLocks noGrp="1" noChangeArrowheads="1"/>
             <a:extLst>
               <a:ext uri="smNativeData">
-                <pr:smNativeData xmlns:pr="smNativeData" xmlns="smNativeData" val="SMDATA_16_FrZCYxMAAAAlAAAAZAAAAA8BAAAAkAAAAEgAAACQAAAASAAAAAAAAAABAAAAAAAAAAEAAABQAAAAAAAAAAAA4D8AAAAAAADgPwAAAAAAAOA/AAAAAAAA4D8AAAAAAADgPwAAAAAAAOA/AAAAAAAA4D8AAAAAAADgPwAAAAAAAOA/AAAAAAAA4D8CAAAAjAAAAAAAAAAAAAAAu+DjDP///wgAAAAAAAAAAAAAAAAAAAAAAAAAAAAAAAAAAAAAZAAAAAEAAABAAAAAAAAAAAAAAAAAAAAAAAAAAAAAAAAAAAAAAAAAAAAAAAAAAAAAAAAAAAAAAAAAAAAAAAAAAAAAAAAAAAAAAAAAAAAAAAAAAAAAAAAAAAAAAAAAAAAAFAAAADwAAAAAAAAAAAAAAAAAAAkUAAAAAQAAABQAAAAUAAAAFAAAAAEAAAAAAAAAZAAAAGQAAAAAAAAAZAAAAGQAAAAVAAAAYAAAAAAAAAAAAAAADwAAACADAAAAAAAAAAAAAAEAAACgMgAAVgcAAKr4//8BAAAAf39/AAEAAABkAAAAAAAAABQAAABAHwAAAAAAACYAAAAAAAAAwOD//wAAAAAmAAAAZAAAABYAAABMAAAAAAAAAAAAAAAEAAAAAAAAAAEAAACAgIAKAAAAACgAAAAoAAAAZAAAAGQAAAAAAAAAzMzMAAAAAABQAAAAUAAAAGQAAABkAAAAAAAAABcAAAAUAAAAAAAAAAAAAAD/fwAA/38AAAAAAAAJAAAABAAAANw7IAEeAAAAaAAAAAAAAAAAAAAAAAAAAAAAAAAAAAAAECcAABAnAAAAAAAAAAAAAAAAAAAAAAAAAAAAAAAAAAAAAAAAAAAAABQAAAAAAAAAwMD/AAAAAABkAAAAMgAAAAAAAABkAAAAAAAAAH9/fwAKAAAAIgAAABgAAAAAAAAAAAAAAAAAAAAAAAAAAAAAAAAAAAAkAAAAJAAAAAAAAAAHAAAAAAAAAAAAAAAAAAAAAAAAAAAAAAAAAAAAf39/ACUAAABYAAAAAAAAAAAAAAAAAAAAAAAAAAAAAAAAAAAAAAAAAAAAAAAAAAAAAAAAAAAAAAA/AAAAAAAAAKCGAQAAAAAAAAAAAAAAAAAMAAAAAQAAAAAAAAAAAAAAAAAAAB8AAABUAAAAAAAABQAAAAEAAAAAAAAAAAAAAAAAAAAAAAAAAAAAAAAAAAAAAAAAAAAAAAJ/f38AAAAAA8zMzADAwP8Af39/AAAAAAAAAAAAAAAAAAAAAAAAAAAAIQAAABgAAAAUAAAAwAMAABsnAAA/FQAAWSkAABAAAAAmAAAACAAAAAAAAAAAAAAAMAAAABQAAAAAAAAAAAD//wAAAQAAAP//AAABAA=="/>
+                <pr:smNativeData xmlns:pr="smNativeData" xmlns="smNativeData" val="SMDATA_16_zfxKYxMAAAAlAAAAZAAAAA8BAAAAkAAAAEgAAACQAAAASAAAAAAAAAABAAAAAAAAAAEAAABQAAAAAAAAAAAA4D8AAAAAAADgPwAAAAAAAOA/AAAAAAAA4D8AAAAAAADgPwAAAAAAAOA/AAAAAAAA4D8AAAAAAADgPwAAAAAAAOA/AAAAAAAA4D8CAAAAjAAAAAAAAAAAAAAAu+DjDP///wgAAAAAAAAAAAAAAAAAAAAAAAAAAAAAAAAAAAAAZAAAAAEAAABAAAAAAAAAAAAAAAAAAAAAAAAAAAAAAAAAAAAAAAAAAAAAAAAAAAAAAAAAAAAAAAAAAAAAAAAAAAAAAAAAAAAAAAAAAAAAAAAAAAAAAAAAAAAAAAAAAAAAFAAAADwAAAAAAAAAAAAAAAAAAAkUAAAAAQAAABQAAAAUAAAAFAAAAAEAAAAAAAAAZAAAAGQAAAAAAAAAZAAAAGQAAAAVAAAAYAAAAAAAAAAAAAAADwAAACADAAAAAAAAAAAAAAEAAACgMgAAVgcAAKr4//8BAAAAf39/AAEAAABkAAAAAAAAABQAAABAHwAAAAAAACYAAAAAAAAAwOD//wAAAAAmAAAAZAAAABYAAABMAAAAAAAAAAAAAAAEAAAAAAAAAAEAAACAgIAKAAAAACgAAAAoAAAAZAAAAGQAAAAAAAAAzMzMAAAAAABQAAAAUAAAAGQAAABkAAAAAAAAABcAAAAUAAAAAAAAAAAAAAD/fwAA/38AAAAAAAAJAAAABAAAANw7IAEeAAAAaAAAAAAAAAAAAAAAAAAAAAAAAAAAAAAAECcAABAnAAAAAAAAAAAAAAAAAAAAAAAAAAAAAAAAAAAAAAAAAAAAABQAAAAAAAAAwMD/AAAAAABkAAAAMgAAAAAAAABkAAAAAAAAAH9/fwAKAAAAIgAAABgAAAAAAAAAAAAAAAAAAAAAAAAAAAAAAAAAAAAkAAAAJAAAAAAAAAAHAAAAAAAAAAAAAAAAAAAAAAAAAAAAAAAAAAAAf39/ACUAAABYAAAAAAAAAAAAAAAAAAAAAAAAAAAAAAAAAAAAAAAAAAAAAAAAAAAAAAAAAAAAAAA/AAAAAAAAAKCGAQAAAAAAAAAAAAAAAAAMAAAAAQAAAAAAAAAAAAAAAAAAAB8AAABUAAAAAAAABQAAAAEAAAAAAAAAAAAAAAAAAAAAAAAAAAAAAAAAAAAAAAAAAAAAAAJ/f38AAAAAA8zMzADAwP8Af39/AAAAAAAAAAAAAAAAAAAAAAAAAAAAIQAAABgAAAAUAAAAwAMAABsnAAA/FQAAWSkAABAAAAAmAAAACAAAAAAAAAAAAAAAMAAAABQAAAAAAAAAAAD//wAAAQAAAP//AAABAA=="/>
               </a:ext>
             </a:extLst>
           </p:cNvSpPr>
@@ -2124,7 +2106,7 @@
           <a:lstStyle/>
           <a:p>
             <a:pPr/>
-            <a:fld id="{0AB7BFB6-F8E7-E249-A90F-0E1CF1415F5B}" type="datetime1">
+            <a:fld id="{657DBD26-6888-284B-C6C5-9E1EF38B30CB}" type="datetime1">
               <a:t/>
             </a:fld>
           </a:p>
@@ -2137,7 +2119,7 @@
             <a:spLocks noGrp="1" noChangeArrowheads="1"/>
             <a:extLst>
               <a:ext uri="smNativeData">
-                <pr:smNativeData xmlns:pr="smNativeData" xmlns="smNativeData" val="SMDATA_16_FrZCYxMAAAAlAAAAZAAAAA8BAAAAkAAAAEgAAACQAAAASAAAAAAAAAABAAAAAAAAAAEAAABQAAAAAAAAAAAA4D8AAAAAAADgPwAAAAAAAOA/AAAAAAAA4D8AAAAAAADgPwAAAAAAAOA/AAAAAAAA4D8AAAAAAADgPwAAAAAAAOA/AAAAAAAA4D8CAAAAjAAAAAAAAAAAAAAAu+DjDP///wgAAAAAAAAAAAAAAAAAAAAAAAAAAAAAAAAAAAAAZAAAAAEAAABAAAAAAAAAAAAAAAAAAAAAAAAAAAAAAAAAAAAAAAAAAAAAAAAAAAAAAAAAAAAAAAAAAAAAAAAAAAAAAAAAAAAAAAAAAAAAAAAAAAAAAAAAAAAAAAAAAAAAFAAAADwAAAAAAAAAAAAAAAAAAAkUAAAAAQAAABQAAAAUAAAAFAAAAAEAAAAAAAAAZAAAAGQAAAAAAAAAZAAAAGQAAAAVAAAAYAAAAAAAAAAAAAAADwAAACADAAAAAAAAAAAAAAEAAACgMgAAVgcAAKr4//8BAAAAf39/AAEAAABkAAAAAAAAABQAAABAHwAAAAAAACYAAAAAAAAAwOD//wAAAAAmAAAAZAAAABYAAABMAAAAAAAAAAAAAAAEAAAAAAAAAAEAAACAgIAKAAAAACgAAAAoAAAAZAAAAGQAAAAAAAAAzMzMAAAAAABQAAAAUAAAAGQAAABkAAAAAAAAABcAAAAUAAAAAAAAAAAAAAD/fwAA/38AAAAAAAAJAAAABAAAAAAAAAAeAAAAaAAAAAAAAAAAAAAAAAAAAAAAAAAAAAAAECcAABAnAAAAAAAAAAAAAAAAAAAAAAAAAAAAAAAAAAAAAAAAAAAAABQAAAAAAAAAwMD/AAAAAABkAAAAMgAAAAAAAABkAAAAAAAAAH9/fwAKAAAAIgAAABgAAAAAAAAAAAAAAAAAAAAAAAAAAAAAAAAAAAAkAAAAJAAAAAAAAAAHAAAAAAAAAAAAAAAAAAAAAAAAAAAAAAAAAAAAf39/ACUAAABYAAAAAAAAAAAAAAAAAAAAAAAAAAAAAAAAAAAAAAAAAAAAAAAAAAAAAAAAAAAAAAA/AAAAAAAAAKCGAQAAAAAAAAAAAAAAAAAMAAAAAQAAAAAAAAAAAAAAAAAAAB8AAABUAAAAAAAABQAAAAEAAAAAAAAAAAAAAAAAAAAAAAAAAAAAAAAAAAAAAAAAAAAAAAJ/f38AAAAAA8zMzADAwP8Af39/AAAAAAAAAAAAAAAAAAAAAAAAAAAAIQAAABgAAAAUAAAAoRkAABsnAABfMQAAWSkAABAAAAAmAAAACAAAAAAAAAAAAAAAMAAAABQAAAAAAAAAAAD//wAAAQAAAP//AAABAA=="/>
+                <pr:smNativeData xmlns:pr="smNativeData" xmlns="smNativeData" val="SMDATA_16_zfxKYxMAAAAlAAAAZAAAAA8BAAAAkAAAAEgAAACQAAAASAAAAAAAAAABAAAAAAAAAAEAAABQAAAAAAAAAAAA4D8AAAAAAADgPwAAAAAAAOA/AAAAAAAA4D8AAAAAAADgPwAAAAAAAOA/AAAAAAAA4D8AAAAAAADgPwAAAAAAAOA/AAAAAAAA4D8CAAAAjAAAAAAAAAAAAAAAu+DjDP///wgAAAAAAAAAAAAAAAAAAAAAAAAAAAAAAAAAAAAAZAAAAAEAAABAAAAAAAAAAAAAAAAAAAAAAAAAAAAAAAAAAAAAAAAAAAAAAAAAAAAAAAAAAAAAAAAAAAAAAAAAAAAAAAAAAAAAAAAAAAAAAAAAAAAAAAAAAAAAAAAAAAAAFAAAADwAAAAAAAAAAAAAAAAAAAkUAAAAAQAAABQAAAAUAAAAFAAAAAEAAAAAAAAAZAAAAGQAAAAAAAAAZAAAAGQAAAAVAAAAYAAAAAAAAAAAAAAADwAAACADAAAAAAAAAAAAAAEAAACgMgAAVgcAAKr4//8BAAAAf39/AAEAAABkAAAAAAAAABQAAABAHwAAAAAAACYAAAAAAAAAwOD//wAAAAAmAAAAZAAAABYAAABMAAAAAAAAAAAAAAAEAAAAAAAAAAEAAACAgIAKAAAAACgAAAAoAAAAZAAAAGQAAAAAAAAAzMzMAAAAAABQAAAAUAAAAGQAAABkAAAAAAAAABcAAAAUAAAAAAAAAAAAAAD/fwAA/38AAAAAAAAJAAAABAAAAAAAAAAeAAAAaAAAAAAAAAAAAAAAAAAAAAAAAAAAAAAAECcAABAnAAAAAAAAAAAAAAAAAAAAAAAAAAAAAAAAAAAAAAAAAAAAABQAAAAAAAAAwMD/AAAAAABkAAAAMgAAAAAAAABkAAAAAAAAAH9/fwAKAAAAIgAAABgAAAAAAAAAAAAAAAAAAAAAAAAAAAAAAAAAAAAkAAAAJAAAAAAAAAAHAAAAAAAAAAAAAAAAAAAAAAAAAAAAAAAAAAAAf39/ACUAAABYAAAAAAAAAAAAAAAAAAAAAAAAAAAAAAAAAAAAAAAAAAAAAAAAAAAAAAAAAAAAAAA/AAAAAAAAAKCGAQAAAAAAAAAAAAAAAAAMAAAAAQAAAAAAAAAAAAAAAAAAAB8AAABUAAAAAAAABQAAAAEAAAAAAAAAAAAAAAAAAAAAAAAAAAAAAAAAAAAAAAAAAAAAAAJ/f38AAAAAA8zMzADAwP8Af39/AAAAAAAAAAAAAAAAAAAAAAAAAAAAIQAAABgAAAAUAAAAoRkAABsnAABfMQAAWSkAABAAAAAmAAAACAAAAAAAAAAAAAAAMAAAABQAAAAAAAAAAAD//wAAAQAAAP//AAABAA=="/>
               </a:ext>
             </a:extLst>
           </p:cNvSpPr>
@@ -2151,9 +2133,6 @@
           <a:lstStyle/>
           <a:p>
             <a:pPr/>
-            <a:r>
-              <a:t/>
-            </a:r>
           </a:p>
         </p:txBody>
       </p:sp>
@@ -2164,7 +2143,7 @@
             <a:spLocks noGrp="1" noChangeArrowheads="1"/>
             <a:extLst>
               <a:ext uri="smNativeData">
-                <pr:smNativeData xmlns:pr="smNativeData" xmlns="smNativeData" val="SMDATA_16_FrZCYxMAAAAlAAAAZAAAAA8BAAAAkAAAAEgAAACQAAAASAAAAAAAAAABAAAAAAAAAAEAAABQAAAAAAAAAAAA4D8AAAAAAADgPwAAAAAAAOA/AAAAAAAA4D8AAAAAAADgPwAAAAAAAOA/AAAAAAAA4D8AAAAAAADgPwAAAAAAAOA/AAAAAAAA4D8CAAAAjAAAAAAAAAAAAAAAu+DjDP///wgAAAAAAAAAAAAAAAAAAAAAAAAAAAAAAAAAAAAAZAAAAAEAAABAAAAAAAAAAAAAAAAAAAAAAAAAAAAAAAAAAAAAAAAAAAAAAAAAAAAAAAAAAAAAAAAAAAAAAAAAAAAAAAAAAAAAAAAAAAAAAAAAAAAAAAAAAAAAAAAAAAAAFAAAADwAAAAAAAAAAAAAAAAAAAkUAAAAAQAAABQAAAAUAAAAFAAAAAEAAAAAAAAAZAAAAGQAAAAAAAAAZAAAAGQAAAAVAAAAYAAAAAAAAAAAAAAADwAAACADAAAAAAAAAAAAAAEAAACgMgAAVgcAAKr4//8BAAAAf39/AAEAAABkAAAAAAAAABQAAABAHwAAAAAAACYAAAAAAAAAwOD//wAAAAAmAAAAZAAAABYAAABMAAAAAAAAAAAAAAAEAAAAAAAAAAEAAACAgIAKAAAAACgAAAAoAAAAZAAAAGQAAAAAAAAAzMzMAAAAAABQAAAAUAAAAGQAAABkAAAAAAAAABcAAAAUAAAAAAAAAAAAAAD/fwAA/38AAAAAAAAJAAAABAAAAAAAAAAeAAAAaAAAAAAAAAAAAAAAAAAAAAAAAAAAAAAAECcAABAnAAAAAAAAAAAAAAAAAAAAAAAAAAAAAAAAAAAAAAAAAAAAABQAAAAAAAAAwMD/AAAAAABkAAAAMgAAAAAAAABkAAAAAAAAAH9/fwAKAAAAIgAAABgAAAAAAAAAAAAAAAAAAAAAAAAAAAAAAAAAAAAkAAAAJAAAAAAAAAAHAAAAAAAAAAAAAAAAAAAAAAAAAAAAAAAAAAAAf39/ACUAAABYAAAAAAAAAAAAAAAAAAAAAAAAAAAAAAAAAAAAAAAAAAAAAAAAAAAAAAAAAAAAAAA/AAAAAAAAAKCGAQAAAAAAAAAAAAAAAAAMAAAAAQAAAAAAAAAAAAAAAAAAAB8AAABUAAAAAAAABQAAAAEAAAAAAAAAAAAAAAAAAAAAAAAAAAAAAAAAAAAAAAAAAAAAAAJ/f38AAAAAA8zMzADAwP8Af39/AAAAAAAAAAAAAAAAAAAAAAAAAAAAIQAAABgAAAAUAAAAwTUAABsnAABARwAAWSkAABAAAAAmAAAACAAAAAAAAAAAAAAAMAAAABQAAAAAAAAAAAD//wAAAQAAAP//AAABAA=="/>
+                <pr:smNativeData xmlns:pr="smNativeData" xmlns="smNativeData" val="SMDATA_16_zfxKYxMAAAAlAAAAZAAAAA8BAAAAkAAAAEgAAACQAAAASAAAAAAAAAABAAAAAAAAAAEAAABQAAAAAAAAAAAA4D8AAAAAAADgPwAAAAAAAOA/AAAAAAAA4D8AAAAAAADgPwAAAAAAAOA/AAAAAAAA4D8AAAAAAADgPwAAAAAAAOA/AAAAAAAA4D8CAAAAjAAAAAAAAAAAAAAAu+DjDP///wgAAAAAAAAAAAAAAAAAAAAAAAAAAAAAAAAAAAAAZAAAAAEAAABAAAAAAAAAAAAAAAAAAAAAAAAAAAAAAAAAAAAAAAAAAAAAAAAAAAAAAAAAAAAAAAAAAAAAAAAAAAAAAAAAAAAAAAAAAAAAAAAAAAAAAAAAAAAAAAAAAAAAFAAAADwAAAAAAAAAAAAAAAAAAAkUAAAAAQAAABQAAAAUAAAAFAAAAAEAAAAAAAAAZAAAAGQAAAAAAAAAZAAAAGQAAAAVAAAAYAAAAAAAAAAAAAAADwAAACADAAAAAAAAAAAAAAEAAACgMgAAVgcAAKr4//8BAAAAf39/AAEAAABkAAAAAAAAABQAAABAHwAAAAAAACYAAAAAAAAAwOD//wAAAAAmAAAAZAAAABYAAABMAAAAAAAAAAAAAAAEAAAAAAAAAAEAAACAgIAKAAAAACgAAAAoAAAAZAAAAGQAAAAAAAAAzMzMAAAAAABQAAAAUAAAAGQAAABkAAAAAAAAABcAAAAUAAAAAAAAAAAAAAD/fwAA/38AAAAAAAAJAAAABAAAAAAAAAAeAAAAaAAAAAAAAAAAAAAAAAAAAAAAAAAAAAAAECcAABAnAAAAAAAAAAAAAAAAAAAAAAAAAAAAAAAAAAAAAAAAAAAAABQAAAAAAAAAwMD/AAAAAABkAAAAMgAAAAAAAABkAAAAAAAAAH9/fwAKAAAAIgAAABgAAAAAAAAAAAAAAAAAAAAAAAAAAAAAAAAAAAAkAAAAJAAAAAAAAAAHAAAAAAAAAAAAAAAAAAAAAAAAAAAAAAAAAAAAf39/ACUAAABYAAAAAAAAAAAAAAAAAAAAAAAAAAAAAAAAAAAAAAAAAAAAAAAAAAAAAAAAAAAAAAA/AAAAAAAAAKCGAQAAAAAAAAAAAAAAAAAMAAAAAQAAAAAAAAAAAAAAAAAAAB8AAABUAAAAAAAABQAAAAEAAAAAAAAAAAAAAAAAAAAAAAAAAAAAAAAAAAAAAAAAAAAAAAJ/f38AAAAAA8zMzADAwP8Af39/AAAAAAAAAAAAAAAAAAAAAAAAAAAAIQAAABgAAAAUAAAAwTUAABsnAABARwAAWSkAABAAAAAmAAAACAAAAAAAAAAAAAAAMAAAABQAAAAAAAAAAAD//wAAAQAAAP//AAABAA=="/>
               </a:ext>
             </a:extLst>
           </p:cNvSpPr>
@@ -2178,7 +2157,7 @@
           <a:lstStyle/>
           <a:p>
             <a:pPr/>
-            <a:fld id="{7229502D-639F-7CA6-D191-95F31EDF27C0}" type="slidenum">
+            <a:fld id="{4E5CECBA-F4A3-091A-EDE4-024FA2AA1B57}" type="slidenum">
               <a:t/>
             </a:fld>
           </a:p>
@@ -2189,6 +2168,7 @@
   <p:clrMapOvr>
     <a:masterClrMapping/>
   </p:clrMapOvr>
+  <p:hf hdr="0" ftr="0"/>
 </p:sldLayout>
 </file>
 
@@ -2216,7 +2196,7 @@
             <a:spLocks noGrp="1" noChangeArrowheads="1"/>
             <a:extLst>
               <a:ext uri="smNativeData">
-                <pr:smNativeData xmlns:pr="smNativeData" xmlns="smNativeData" val="SMDATA_16_FrZCYxMAAAAlAAAAZAAAAA8BAAAAkAAAAEgAAACQAAAASAAAAAAAAAACAAAAAAAAAAEAAABQAAAAAAAAAAAA4D8AAAAAAADgPwAAAAAAAOA/AAAAAAAA4D8AAAAAAADgPwAAAAAAAOA/AAAAAAAA4D8AAAAAAADgPwAAAAAAAOA/AAAAAAAA4D8CAAAAjAAAAAAAAAAAAAAAu+DjDP///wgAAAAAAAAAAAAAAAAAAAAAAAAAAAAAAAAAAAAAZAAAAAEAAABAAAAAAAAAAAAAAAAAAAAAAAAAAAAAAAAAAAAAAAAAAAAAAAAAAAAAAAAAAAAAAAAAAAAAAAAAAAAAAAAAAAAAAAAAAAAAAAAAAAAAAAAAAAAAAAAAAAAAFAAAADwAAAAAAAAAAAAAAAAAAAkUAAAAAQAAABQAAAAUAAAAFAAAAAEAAAAAAAAAZAAAAGQAAAAAAAAAZAAAAGQAAAAVAAAAYAAAAAAAAAAAAAAADwAAACADAAAAAAAAAAAAAAEAAACgMgAAVgcAAKr4//8BAAAAf39/AAEAAABkAAAAAAAAABQAAABAHwAAAAAAACYAAAAAAAAAwOD//wAAAAAmAAAAZAAAABYAAABMAAAAAAAAAAAAAAAEAAAAAAAAAAEAAACAgIAKAAAAACgAAAAoAAAAZAAAAGQAAAAAAAAAzMzMAAAAAABQAAAAUAAAAGQAAABkAAAAAAAAABcAAAAUAAAAAAAAAAAAAAD/fwAA/38AAAAAAAAJAAAABAAAAAAAAAAeAAAAaAAAAAAAAAAAAAAAAAAAAAAAAAAAAAAAECcAABAnAAAAAAAAAAAAAAAAAAAAAAAAAAAAAAAAAAAAAAAAAAAAABQAAAAAAAAAwMD/AAAAAABkAAAAMgAAAAAAAABkAAAAAAAAAH9/fwAKAAAAIgAAABgAAAAAAAAAAAAAAAAAAAAAAAAAAAAAAAAAAAAkAAAAJAAAAAAAAAAHAAAAAAAAAAAAAAAAAAAAAAAAAAAAAAAAAAAAf39/ACUAAABYAAAAAAAAAAAAAAAAAAAAAAAAAAAAAAAAAAAAAAAAAAAAAAAAAAAAAAAAAAAAAAA/AAAAAAAAAKCGAQAAAAAAAAAAAAAAAAAMAAAAAQAAAAAAAAAAAAAAAAAAAB8AAABUAAAAAAAABQAAAAEAAAAAAAAAAAAAAAAAAAAAAAAAAAAAAAAAAAAAAAAAAAAAAAJ/f38AAAAAA8zMzADAwP8Af39/AAAAAAAAAAAAAAAAAAAAAAAAAAAAIQAAABgAAAAUAAAAwAMAAK4BAABtHAAA1AgAABAAAAAmAAAACAAAAIGAAAAAAAAAMAAAABQAAAAAAAAAAAD//wAAAQAAAP//AAABAA=="/>
+                <pr:smNativeData xmlns:pr="smNativeData" xmlns="smNativeData" val="SMDATA_16_zfxKYxMAAAAlAAAAZAAAAA8BAAAAkAAAAEgAAACQAAAASAAAAAAAAAACAAAAAAAAAAEAAABQAAAAAAAAAAAA4D8AAAAAAADgPwAAAAAAAOA/AAAAAAAA4D8AAAAAAADgPwAAAAAAAOA/AAAAAAAA4D8AAAAAAADgPwAAAAAAAOA/AAAAAAAA4D8CAAAAjAAAAAAAAAAAAAAAu+DjDP///wgAAAAAAAAAAAAAAAAAAAAAAAAAAAAAAAAAAAAAZAAAAAEAAABAAAAAAAAAAAAAAAAAAAAAAAAAAAAAAAAAAAAAAAAAAAAAAAAAAAAAAAAAAAAAAAAAAAAAAAAAAAAAAAAAAAAAAAAAAAAAAAAAAAAAAAAAAAAAAAAAAAAAFAAAADwAAAAAAAAAAAAAAAAAAAkUAAAAAQAAABQAAAAUAAAAFAAAAAEAAAAAAAAAZAAAAGQAAAAAAAAAZAAAAGQAAAAVAAAAYAAAAAAAAAAAAAAADwAAACADAAAAAAAAAAAAAAEAAACgMgAAVgcAAKr4//8BAAAAf39/AAEAAABkAAAAAAAAABQAAABAHwAAAAAAACYAAAAAAAAAwOD//wAAAAAmAAAAZAAAABYAAABMAAAAAAAAAAAAAAAEAAAAAAAAAAEAAACAgIAKAAAAACgAAAAoAAAAZAAAAGQAAAAAAAAAzMzMAAAAAABQAAAAUAAAAGQAAABkAAAAAAAAABcAAAAUAAAAAAAAAAAAAAD/fwAA/38AAAAAAAAJAAAABAAAAAAAAAAeAAAAaAAAAAAAAAAAAAAAAAAAAAAAAAAAAAAAECcAABAnAAAAAAAAAAAAAAAAAAAAAAAAAAAAAAAAAAAAAAAAAAAAABQAAAAAAAAAwMD/AAAAAABkAAAAMgAAAAAAAABkAAAAAAAAAH9/fwAKAAAAIgAAABgAAAAAAAAAAAAAAAAAAAAAAAAAAAAAAAAAAAAkAAAAJAAAAAAAAAAHAAAAAAAAAAAAAAAAAAAAAAAAAAAAAAAAAAAAf39/ACUAAABYAAAAAAAAAAAAAAAAAAAAAAAAAAAAAAAAAAAAAAAAAAAAAAAAAAAAAAAAAAAAAAA/AAAAAAAAAKCGAQAAAAAAAAAAAAAAAAAMAAAAAQAAAAAAAAAAAAAAAAAAAB8AAABUAAAAAAAABQAAAAEAAAAAAAAAAAAAAAAAAAAAAAAAAAAAAAAAAAAAAAAAAAAAAAJ/f38AAAAAA8zMzADAwP8Af39/AAAAAAAAAAAAAAAAAAAAAAAAAAAAIQAAABgAAAAUAAAAwAMAAK4BAABtHAAA1AgAABAAAAAmAAAACAAAAIGAAAAAAAAAMAAAABQAAAAAAAAAAAD//wAAAQAAAP//AAABAA=="/>
               </a:ext>
             </a:extLst>
           </p:cNvSpPr>
@@ -2256,7 +2236,7 @@
             <a:spLocks noGrp="1" noChangeArrowheads="1"/>
             <a:extLst>
               <a:ext uri="smNativeData">
-                <pr:smNativeData xmlns:pr="smNativeData" xmlns="smNativeData" val="SMDATA_16_FrZCYxMAAAAlAAAAZAAAAA8BAAAAkAAAAEgAAACQAAAASAAAAAAAAAAAAAAAAAAAAAEAAABQAAAAAAAAAAAA4D8AAAAAAADgPwAAAAAAAOA/AAAAAAAA4D8AAAAAAADgPwAAAAAAAOA/AAAAAAAA4D8AAAAAAADgPwAAAAAAAOA/AAAAAAAA4D8CAAAAjAAAAAAAAAAAAAAAu+DjDP///wgAAAAAAAAAAAAAAAAAAAAAAAAAAAAAAAAAAAAAZAAAAAEAAABAAAAAAAAAAAAAAAAAAAAAAAAAAAAAAAAAAAAAAAAAAAAAAAAAAAAAAAAAAAAAAAAAAAAAAAAAAAAAAAAAAAAAAAAAAAAAAAAAAAAAAAAAAAAAAAAAAAAAFAAAADwAAAAAAAAAAAAAAAAAAAkUAAAAAQAAABQAAAAUAAAAFAAAAAEAAAAAAAAAZAAAAGQAAAAAAAAAZAAAAGQAAAAVAAAAYAAAAAAAAAAAAAAADwAAACADAAAAAAAAAAAAAAEAAACgMgAAVgcAAKr4//8BAAAAf39/AAEAAABkAAAAAAAAABQAAABAHwAAAAAAACYAAAAAAAAAwOD//wAAAAAmAAAAZAAAABYAAABMAAAAAAAAAAAAAAAEAAAAAAAAAAEAAACAgIAKAAAAACgAAAAoAAAAZAAAAGQAAAAAAAAAzMzMAAAAAABQAAAAUAAAAGQAAABkAAAAAAAAABcAAAAUAAAAAAAAAAAAAAD/fwAA/38AAAAAAAAJAAAABAAAAAAAAAAeAAAAaAAAAAAAAAAAAAAAAAAAAAAAAAAAAAAAECcAABAnAAAAAAAAAAAAAAAAAAAAAAAAAAAAAAAAAAAAAAAAAAAAABQAAAAAAAAAwMD/AAAAAABkAAAAMgAAAAAAAABkAAAAAAAAAH9/fwAKAAAAIgAAABgAAAAAAAAAAAAAAAAAAAAAAAAAAAAAAAAAAAAkAAAAJAAAAAAAAAAHAAAAAAAAAAAAAAAAAAAAAAAAAAAAAAAAAAAAf39/ACUAAABYAAAAAAAAAAAAAAAAAAAAAAAAAAAAAAAAAAAAAAAAAAAAAAAAAAAAAAAAAAAAAAA/AAAAAAAAAKCGAQAAAAAAAAAAAAAAAAAMAAAAAQAAAAAAAAAAAAAAAAAAAB8AAABUAAAAAAAABQAAAAEAAAAAAAAAAAAAAAAAAAAAAAAAAAAAAAAAAAAAAAAAAAAAAAJ/f38AAAAAA8zMzADAwP8Af39/AAAAAAAAAAAAAAAAAAAAAAAAAAAAIQAAABgAAAAUAAAAUx0AAK4BAABARwAAsCUAABAAAAAmAAAACAAAAAGAAAAAAAAAMAAAABQAAAAAAAAAAAD//wAAAQAAAP//AAABAA=="/>
+                <pr:smNativeData xmlns:pr="smNativeData" xmlns="smNativeData" val="SMDATA_16_zfxKYxMAAAAlAAAAZAAAAA8BAAAAkAAAAEgAAACQAAAASAAAAAAAAAAAAAAAAAAAAAEAAABQAAAAAAAAAAAA4D8AAAAAAADgPwAAAAAAAOA/AAAAAAAA4D8AAAAAAADgPwAAAAAAAOA/AAAAAAAA4D8AAAAAAADgPwAAAAAAAOA/AAAAAAAA4D8CAAAAjAAAAAAAAAAAAAAAu+DjDP///wgAAAAAAAAAAAAAAAAAAAAAAAAAAAAAAAAAAAAAZAAAAAEAAABAAAAAAAAAAAAAAAAAAAAAAAAAAAAAAAAAAAAAAAAAAAAAAAAAAAAAAAAAAAAAAAAAAAAAAAAAAAAAAAAAAAAAAAAAAAAAAAAAAAAAAAAAAAAAAAAAAAAAFAAAADwAAAAAAAAAAAAAAAAAAAkUAAAAAQAAABQAAAAUAAAAFAAAAAEAAAAAAAAAZAAAAGQAAAAAAAAAZAAAAGQAAAAVAAAAYAAAAAAAAAAAAAAADwAAACADAAAAAAAAAAAAAAEAAACgMgAAVgcAAKr4//8BAAAAf39/AAEAAABkAAAAAAAAABQAAABAHwAAAAAAACYAAAAAAAAAwOD//wAAAAAmAAAAZAAAABYAAABMAAAAAAAAAAAAAAAEAAAAAAAAAAEAAACAgIAKAAAAACgAAAAoAAAAZAAAAGQAAAAAAAAAzMzMAAAAAABQAAAAUAAAAGQAAABkAAAAAAAAABcAAAAUAAAAAAAAAAAAAAD/fwAA/38AAAAAAAAJAAAABAAAAAAAAAAeAAAAaAAAAAAAAAAAAAAAAAAAAAAAAAAAAAAAECcAABAnAAAAAAAAAAAAAAAAAAAAAAAAAAAAAAAAAAAAAAAAAAAAABQAAAAAAAAAwMD/AAAAAABkAAAAMgAAAAAAAABkAAAAAAAAAH9/fwAKAAAAIgAAABgAAAAAAAAAAAAAAAAAAAAAAAAAAAAAAAAAAAAkAAAAJAAAAAAAAAAHAAAAAAAAAAAAAAAAAAAAAAAAAAAAAAAAAAAAf39/ACUAAABYAAAAAAAAAAAAAAAAAAAAAAAAAAAAAAAAAAAAAAAAAAAAAAAAAAAAAAAAAAAAAAA/AAAAAAAAAKCGAQAAAAAAAAAAAAAAAAAMAAAAAQAAAAAAAAAAAAAAAAAAAB8AAABUAAAAAAAABQAAAAEAAAAAAAAAAAAAAAAAAAAAAAAAAAAAAAAAAAAAAAAAAAAAAAJ/f38AAAAAA8zMzADAwP8Af39/AAAAAAAAAAAAAAAAAAAAAAAAAAAAIQAAABgAAAAUAAAAUx0AAK4BAABARwAAsCUAABAAAAAmAAAACAAAAAGAAAAAAAAAMAAAABQAAAAAAAAAAAD//wAAAQAAAP//AAABAA=="/>
               </a:ext>
             </a:extLst>
           </p:cNvSpPr>
@@ -2340,7 +2320,7 @@
             <a:spLocks noGrp="1" noChangeArrowheads="1"/>
             <a:extLst>
               <a:ext uri="smNativeData">
-                <pr:smNativeData xmlns:pr="smNativeData" xmlns="smNativeData" val="SMDATA_16_FrZCYxMAAAAlAAAAZAAAAA8BAAAAkAAAAEgAAACQAAAASAAAAAAAAAAAAAAAAAAAAAEAAABQAAAAAAAAAAAA4D8AAAAAAADgPwAAAAAAAOA/AAAAAAAA4D8AAAAAAADgPwAAAAAAAOA/AAAAAAAA4D8AAAAAAADgPwAAAAAAAOA/AAAAAAAA4D8CAAAAjAAAAAAAAAAAAAAAu+DjDP///wgAAAAAAAAAAAAAAAAAAAAAAAAAAAAAAAAAAAAAZAAAAAEAAABAAAAAAAAAAAAAAAAAAAAAAAAAAAAAAAAAAAAAAAAAAAAAAAAAAAAAAAAAAAAAAAAAAAAAAAAAAAAAAAAAAAAAAAAAAAAAAAAAAAAAAAAAAAAAAAAAAAAAFAAAADwAAAAAAAAAAAAAAAAAAAkUAAAAAQAAABQAAAAUAAAAFAAAAAEAAAAAAAAAZAAAAGQAAAAAAAAAZAAAAGQAAAAVAAAAYAAAAAAAAAAAAAAADwAAACADAAAAAAAAAAAAAAEAAACgMgAAVgcAAKr4//8BAAAAf39/AAEAAABkAAAAAAAAABQAAABAHwAAAAAAACYAAAAAAAAAwOD//wAAAAAmAAAAZAAAABYAAABMAAAAAAAAAAAAAAAEAAAAAAAAAAEAAACAgIAKAAAAACgAAAAoAAAAZAAAAGQAAAAAAAAAzMzMAAAAAABQAAAAUAAAAGQAAABkAAAAAAAAABcAAAAUAAAAAAAAAAAAAAD/fwAA/38AAAAAAAAJAAAABAAAAAAAAAAeAAAAaAAAAAAAAAAAAAAAAAAAAAAAAAAAAAAAECcAABAnAAAAAAAAAAAAAAAAAAAAAAAAAAAAAAAAAAAAAAAAAAAAABQAAAAAAAAAwMD/AAAAAABkAAAAMgAAAAAAAABkAAAAAAAAAH9/fwAKAAAAIgAAABgAAAAAAAAAAAAAAAAAAAAAAAAAAAAAAAAAAAAkAAAAJAAAAAAAAAAHAAAAAAAAAAAAAAAAAAAAAAAAAAAAAAAAAAAAf39/ACUAAABYAAAAAAAAAAAAAAAAAAAAAAAAAAAAAAAAAAAAAAAAAAAAAAAAAAAAAAAAAAAAAAA/AAAAAAAAAKCGAQAAAAAAAAAAAAAAAAAMAAAAAQAAAAAAAAAAAAAAAAAAAB8AAABUAAAAAAAABQAAAAEAAAAAAAAAAAAAAAAAAAAAAAAAAAAAAAAAAAAAAAAAAAAAAAJ/f38AAAAAA8zMzADAwP8Af39/AAAAAAAAAAAAAAAAAAAAAAAAAAAAIQAAABgAAAAUAAAAwAMAANQIAABtHAAAsCUAABAAAAAmAAAACAAAAAGAAAAAAAAAMAAAABQAAAAAAAAAAAD//wAAAQAAAP//AAABAA=="/>
+                <pr:smNativeData xmlns:pr="smNativeData" xmlns="smNativeData" val="SMDATA_16_zfxKYxMAAAAlAAAAZAAAAA8BAAAAkAAAAEgAAACQAAAASAAAAAAAAAAAAAAAAAAAAAEAAABQAAAAAAAAAAAA4D8AAAAAAADgPwAAAAAAAOA/AAAAAAAA4D8AAAAAAADgPwAAAAAAAOA/AAAAAAAA4D8AAAAAAADgPwAAAAAAAOA/AAAAAAAA4D8CAAAAjAAAAAAAAAAAAAAAu+DjDP///wgAAAAAAAAAAAAAAAAAAAAAAAAAAAAAAAAAAAAAZAAAAAEAAABAAAAAAAAAAAAAAAAAAAAAAAAAAAAAAAAAAAAAAAAAAAAAAAAAAAAAAAAAAAAAAAAAAAAAAAAAAAAAAAAAAAAAAAAAAAAAAAAAAAAAAAAAAAAAAAAAAAAAFAAAADwAAAAAAAAAAAAAAAAAAAkUAAAAAQAAABQAAAAUAAAAFAAAAAEAAAAAAAAAZAAAAGQAAAAAAAAAZAAAAGQAAAAVAAAAYAAAAAAAAAAAAAAADwAAACADAAAAAAAAAAAAAAEAAACgMgAAVgcAAKr4//8BAAAAf39/AAEAAABkAAAAAAAAABQAAABAHwAAAAAAACYAAAAAAAAAwOD//wAAAAAmAAAAZAAAABYAAABMAAAAAAAAAAAAAAAEAAAAAAAAAAEAAACAgIAKAAAAACgAAAAoAAAAZAAAAGQAAAAAAAAAzMzMAAAAAABQAAAAUAAAAGQAAABkAAAAAAAAABcAAAAUAAAAAAAAAAAAAAD/fwAA/38AAAAAAAAJAAAABAAAAAAAAAAeAAAAaAAAAAAAAAAAAAAAAAAAAAAAAAAAAAAAECcAABAnAAAAAAAAAAAAAAAAAAAAAAAAAAAAAAAAAAAAAAAAAAAAABQAAAAAAAAAwMD/AAAAAABkAAAAMgAAAAAAAABkAAAAAAAAAH9/fwAKAAAAIgAAABgAAAAAAAAAAAAAAAAAAAAAAAAAAAAAAAAAAAAkAAAAJAAAAAAAAAAHAAAAAAAAAAAAAAAAAAAAAAAAAAAAAAAAAAAAf39/ACUAAABYAAAAAAAAAAAAAAAAAAAAAAAAAAAAAAAAAAAAAAAAAAAAAAAAAAAAAAAAAAAAAAA/AAAAAAAAAKCGAQAAAAAAAAAAAAAAAAAMAAAAAQAAAAAAAAAAAAAAAAAAAB8AAABUAAAAAAAABQAAAAEAAAAAAAAAAAAAAAAAAAAAAAAAAAAAAAAAAAAAAAAAAAAAAAJ/f38AAAAAA8zMzADAwP8Af39/AAAAAAAAAAAAAAAAAAAAAAAAAAAAIQAAABgAAAAUAAAAwAMAANQIAABtHAAAsCUAABAAAAAmAAAACAAAAAGAAAAAAAAAMAAAABQAAAAAAAAAAAD//wAAAQAAAP//AAABAA=="/>
               </a:ext>
             </a:extLst>
           </p:cNvSpPr>
@@ -2409,7 +2389,7 @@
             <a:spLocks noGrp="1" noChangeArrowheads="1"/>
             <a:extLst>
               <a:ext uri="smNativeData">
-                <pr:smNativeData xmlns:pr="smNativeData" xmlns="smNativeData" val="SMDATA_16_FrZCYxMAAAAlAAAAZAAAAA8BAAAAkAAAAEgAAACQAAAASAAAAAAAAAABAAAAAAAAAAEAAABQAAAAAAAAAAAA4D8AAAAAAADgPwAAAAAAAOA/AAAAAAAA4D8AAAAAAADgPwAAAAAAAOA/AAAAAAAA4D8AAAAAAADgPwAAAAAAAOA/AAAAAAAA4D8CAAAAjAAAAAAAAAAAAAAAu+DjDP///wgAAAAAAAAAAAAAAAAAAAAAAAAAAAAAAAAAAAAAZAAAAAEAAABAAAAAAAAAAAAAAAAAAAAAAAAAAAAAAAAAAAAAAAAAAAAAAAAAAAAAAAAAAAAAAAAAAAAAAAAAAAAAAAAAAAAAAAAAAAAAAAAAAAAAAAAAAAAAAAAAAAAAFAAAADwAAAAAAAAAAAAAAAAAAAkUAAAAAQAAABQAAAAUAAAAFAAAAAEAAAAAAAAAZAAAAGQAAAAAAAAAZAAAAGQAAAAVAAAAYAAAAAAAAAAAAAAADwAAACADAAAAAAAAAAAAAAEAAACgMgAAVgcAAKr4//8BAAAAf39/AAEAAABkAAAAAAAAABQAAABAHwAAAAAAACYAAAAAAAAAwOD//wAAAAAmAAAAZAAAABYAAABMAAAAAAAAAAAAAAAEAAAAAAAAAAEAAACAgIAKAAAAACgAAAAoAAAAZAAAAGQAAAAAAAAAzMzMAAAAAABQAAAAUAAAAGQAAABkAAAAAAAAABcAAAAUAAAAAAAAAAAAAAD/fwAA/38AAAAAAAAJAAAABAAAAAAAAAAeAAAAaAAAAAAAAAAAAAAAAAAAAAAAAAAAAAAAECcAABAnAAAAAAAAAAAAAAAAAAAAAAAAAAAAAAAAAAAAAAAAAAAAABQAAAAAAAAAwMD/AAAAAABkAAAAMgAAAAAAAABkAAAAAAAAAH9/fwAKAAAAIgAAABgAAAAAAAAAAAAAAAAAAAAAAAAAAAAAAAAAAAAkAAAAJAAAAAAAAAAHAAAAAAAAAAAAAAAAAAAAAAAAAAAAAAAAAAAAf39/ACUAAABYAAAAAAAAAAAAAAAAAAAAAAAAAAAAAAAAAAAAAAAAAAAAAAAAAAAAAAAAAAAAAAA/AAAAAAAAAKCGAQAAAAAAAAAAAAAAAAAMAAAAAQAAAAAAAAAAAAAAAAAAAB8AAABUAAAAAAAABQAAAAEAAAAAAAAAAAAAAAAAAAAAAAAAAAAAAAAAAAAAAAAAAAAAAAJ/f38AAAAAA8zMzADAwP8Af39/AAAAAAAAAAAAAAAAAAAAAAAAAAAAIQAAABgAAAAUAAAAwAMAABsnAAA/FQAAWSkAABAAAAAmAAAACAAAAAAAAAAAAAAAMAAAABQAAAAAAAAAAAD//wAAAQAAAP//AAABAA=="/>
+                <pr:smNativeData xmlns:pr="smNativeData" xmlns="smNativeData" val="SMDATA_16_zfxKYxMAAAAlAAAAZAAAAA8BAAAAkAAAAEgAAACQAAAASAAAAAAAAAABAAAAAAAAAAEAAABQAAAAAAAAAAAA4D8AAAAAAADgPwAAAAAAAOA/AAAAAAAA4D8AAAAAAADgPwAAAAAAAOA/AAAAAAAA4D8AAAAAAADgPwAAAAAAAOA/AAAAAAAA4D8CAAAAjAAAAAAAAAAAAAAAu+DjDP///wgAAAAAAAAAAAAAAAAAAAAAAAAAAAAAAAAAAAAAZAAAAAEAAABAAAAAAAAAAAAAAAAAAAAAAAAAAAAAAAAAAAAAAAAAAAAAAAAAAAAAAAAAAAAAAAAAAAAAAAAAAAAAAAAAAAAAAAAAAAAAAAAAAAAAAAAAAAAAAAAAAAAAFAAAADwAAAAAAAAAAAAAAAAAAAkUAAAAAQAAABQAAAAUAAAAFAAAAAEAAAAAAAAAZAAAAGQAAAAAAAAAZAAAAGQAAAAVAAAAYAAAAAAAAAAAAAAADwAAACADAAAAAAAAAAAAAAEAAACgMgAAVgcAAKr4//8BAAAAf39/AAEAAABkAAAAAAAAABQAAABAHwAAAAAAACYAAAAAAAAAwOD//wAAAAAmAAAAZAAAABYAAABMAAAAAAAAAAAAAAAEAAAAAAAAAAEAAACAgIAKAAAAACgAAAAoAAAAZAAAAGQAAAAAAAAAzMzMAAAAAABQAAAAUAAAAGQAAABkAAAAAAAAABcAAAAUAAAAAAAAAAAAAAD/fwAA/38AAAAAAAAJAAAABAAAAAAAAAAeAAAAaAAAAAAAAAAAAAAAAAAAAAAAAAAAAAAAECcAABAnAAAAAAAAAAAAAAAAAAAAAAAAAAAAAAAAAAAAAAAAAAAAABQAAAAAAAAAwMD/AAAAAABkAAAAMgAAAAAAAABkAAAAAAAAAH9/fwAKAAAAIgAAABgAAAAAAAAAAAAAAAAAAAAAAAAAAAAAAAAAAAAkAAAAJAAAAAAAAAAHAAAAAAAAAAAAAAAAAAAAAAAAAAAAAAAAAAAAf39/ACUAAABYAAAAAAAAAAAAAAAAAAAAAAAAAAAAAAAAAAAAAAAAAAAAAAAAAAAAAAAAAAAAAAA/AAAAAAAAAKCGAQAAAAAAAAAAAAAAAAAMAAAAAQAAAAAAAAAAAAAAAAAAAB8AAABUAAAAAAAABQAAAAEAAAAAAAAAAAAAAAAAAAAAAAAAAAAAAAAAAAAAAAAAAAAAAAJ/f38AAAAAA8zMzADAwP8Af39/AAAAAAAAAAAAAAAAAAAAAAAAAAAAIQAAABgAAAAUAAAAwAMAABsnAAA/FQAAWSkAABAAAAAmAAAACAAAAAAAAAAAAAAAMAAAABQAAAAAAAAAAAD//wAAAQAAAP//AAABAA=="/>
               </a:ext>
             </a:extLst>
           </p:cNvSpPr>
@@ -2423,7 +2403,7 @@
           <a:lstStyle/>
           <a:p>
             <a:pPr/>
-            <a:fld id="{4726A0F9-B7AA-7356-E49E-4103EED01214}" type="datetime1">
+            <a:fld id="{0D6C718F-C1E0-3987-AED4-37D23F9A5862}" type="datetime1">
               <a:t/>
             </a:fld>
           </a:p>
@@ -2436,7 +2416,7 @@
             <a:spLocks noGrp="1" noChangeArrowheads="1"/>
             <a:extLst>
               <a:ext uri="smNativeData">
-                <pr:smNativeData xmlns:pr="smNativeData" xmlns="smNativeData" val="SMDATA_16_FrZCYxMAAAAlAAAAZAAAAA8BAAAAkAAAAEgAAACQAAAASAAAAAAAAAABAAAAAAAAAAEAAABQAAAAAAAAAAAA4D8AAAAAAADgPwAAAAAAAOA/AAAAAAAA4D8AAAAAAADgPwAAAAAAAOA/AAAAAAAA4D8AAAAAAADgPwAAAAAAAOA/AAAAAAAA4D8CAAAAjAAAAAAAAAAAAAAAu+DjDP///wgAAAAAAAAAAAAAAAAAAAAAAAAAAAAAAAAAAAAAZAAAAAEAAABAAAAAAAAAAAAAAAAAAAAAAAAAAAAAAAAAAAAAAAAAAAAAAAAAAAAAAAAAAAAAAAAAAAAAAAAAAAAAAAAAAAAAAAAAAAAAAAAAAAAAAAAAAAAAAAAAAAAAFAAAADwAAAAAAAAAAAAAAAAAAAkUAAAAAQAAABQAAAAUAAAAFAAAAAEAAAAAAAAAZAAAAGQAAAAAAAAAZAAAAGQAAAAVAAAAYAAAAAAAAAAAAAAADwAAACADAAAAAAAAAAAAAAEAAACgMgAAVgcAAKr4//8BAAAAf39/AAEAAABkAAAAAAAAABQAAABAHwAAAAAAACYAAAAAAAAAwOD//wAAAAAmAAAAZAAAABYAAABMAAAAAAAAAAAAAAAEAAAAAAAAAAEAAACAgIAKAAAAACgAAAAoAAAAZAAAAGQAAAAAAAAAzMzMAAAAAABQAAAAUAAAAGQAAABkAAAAAAAAABcAAAAUAAAAAAAAAAAAAAD/fwAA/38AAAAAAAAJAAAABAAAAHNwY0IeAAAAaAAAAAAAAAAAAAAAAAAAAAAAAAAAAAAAECcAABAnAAAAAAAAAAAAAAAAAAAAAAAAAAAAAAAAAAAAAAAAAAAAABQAAAAAAAAAwMD/AAAAAABkAAAAMgAAAAAAAABkAAAAAAAAAH9/fwAKAAAAIgAAABgAAAAAAAAAAAAAAAAAAAAAAAAAAAAAAAAAAAAkAAAAJAAAAAAAAAAHAAAAAAAAAAAAAAAAAAAAAAAAAAAAAAAAAAAAf39/ACUAAABYAAAAAAAAAAAAAAAAAAAAAAAAAAAAAAAAAAAAAAAAAAAAAAAAAAAAAAAAAAAAAAA/AAAAAAAAAKCGAQAAAAAAAAAAAAAAAAAMAAAAAQAAAAAAAAAAAAAAAAAAAB8AAABUAAAAAAAABQAAAAEAAAAAAAAAAAAAAAAAAAAAAAAAAAAAAAAAAAAAAAAAAAAAAAJ/f38AAAAAA8zMzADAwP8Af39/AAAAAAAAAAAAAAAAAAAAAAAAAAAAIQAAABgAAAAUAAAAoRkAABsnAABfMQAAWSkAABAAAAAmAAAACAAAAAAAAAAAAAAAMAAAABQAAAAAAAAAAAD//wAAAQAAAP//AAABAA=="/>
+                <pr:smNativeData xmlns:pr="smNativeData" xmlns="smNativeData" val="SMDATA_16_zfxKYxMAAAAlAAAAZAAAAA8BAAAAkAAAAEgAAACQAAAASAAAAAAAAAABAAAAAAAAAAEAAABQAAAAAAAAAAAA4D8AAAAAAADgPwAAAAAAAOA/AAAAAAAA4D8AAAAAAADgPwAAAAAAAOA/AAAAAAAA4D8AAAAAAADgPwAAAAAAAOA/AAAAAAAA4D8CAAAAjAAAAAAAAAAAAAAAu+DjDP///wgAAAAAAAAAAAAAAAAAAAAAAAAAAAAAAAAAAAAAZAAAAAEAAABAAAAAAAAAAAAAAAAAAAAAAAAAAAAAAAAAAAAAAAAAAAAAAAAAAAAAAAAAAAAAAAAAAAAAAAAAAAAAAAAAAAAAAAAAAAAAAAAAAAAAAAAAAAAAAAAAAAAAFAAAADwAAAAAAAAAAAAAAAAAAAkUAAAAAQAAABQAAAAUAAAAFAAAAAEAAAAAAAAAZAAAAGQAAAAAAAAAZAAAAGQAAAAVAAAAYAAAAAAAAAAAAAAADwAAACADAAAAAAAAAAAAAAEAAACgMgAAVgcAAKr4//8BAAAAf39/AAEAAABkAAAAAAAAABQAAABAHwAAAAAAACYAAAAAAAAAwOD//wAAAAAmAAAAZAAAABYAAABMAAAAAAAAAAAAAAAEAAAAAAAAAAEAAACAgIAKAAAAACgAAAAoAAAAZAAAAGQAAAAAAAAAzMzMAAAAAABQAAAAUAAAAGQAAABkAAAAAAAAABcAAAAUAAAAAAAAAAAAAAD/fwAA/38AAAAAAAAJAAAABAAAAHNwY0IeAAAAaAAAAAAAAAAAAAAAAAAAAAAAAAAAAAAAECcAABAnAAAAAAAAAAAAAAAAAAAAAAAAAAAAAAAAAAAAAAAAAAAAABQAAAAAAAAAwMD/AAAAAABkAAAAMgAAAAAAAABkAAAAAAAAAH9/fwAKAAAAIgAAABgAAAAAAAAAAAAAAAAAAAAAAAAAAAAAAAAAAAAkAAAAJAAAAAAAAAAHAAAAAAAAAAAAAAAAAAAAAAAAAAAAAAAAAAAAf39/ACUAAABYAAAAAAAAAAAAAAAAAAAAAAAAAAAAAAAAAAAAAAAAAAAAAAAAAAAAAAAAAAAAAAA/AAAAAAAAAKCGAQAAAAAAAAAAAAAAAAAMAAAAAQAAAAAAAAAAAAAAAAAAAB8AAABUAAAAAAAABQAAAAEAAAAAAAAAAAAAAAAAAAAAAAAAAAAAAAAAAAAAAAAAAAAAAAJ/f38AAAAAA8zMzADAwP8Af39/AAAAAAAAAAAAAAAAAAAAAAAAAAAAIQAAABgAAAAUAAAAoRkAABsnAABfMQAAWSkAABAAAAAmAAAACAAAAAAAAAAAAAAAMAAAABQAAAAAAAAAAAD//wAAAQAAAP//AAABAA=="/>
               </a:ext>
             </a:extLst>
           </p:cNvSpPr>
@@ -2450,9 +2430,6 @@
           <a:lstStyle/>
           <a:p>
             <a:pPr/>
-            <a:r>
-              <a:t/>
-            </a:r>
           </a:p>
         </p:txBody>
       </p:sp>
@@ -2463,7 +2440,7 @@
             <a:spLocks noGrp="1" noChangeArrowheads="1"/>
             <a:extLst>
               <a:ext uri="smNativeData">
-                <pr:smNativeData xmlns:pr="smNativeData" xmlns="smNativeData" val="SMDATA_16_FrZCYxMAAAAlAAAAZAAAAA8BAAAAkAAAAEgAAACQAAAASAAAAAAAAAABAAAAAAAAAAEAAABQAAAAAAAAAAAA4D8AAAAAAADgPwAAAAAAAOA/AAAAAAAA4D8AAAAAAADgPwAAAAAAAOA/AAAAAAAA4D8AAAAAAADgPwAAAAAAAOA/AAAAAAAA4D8CAAAAjAAAAAAAAAAAAAAAu+DjDP///wgAAAAAAAAAAAAAAAAAAAAAAAAAAAAAAAAAAAAAZAAAAAEAAABAAAAAAAAAAAAAAAAAAAAAAAAAAAAAAAAAAAAAAAAAAAAAAAAAAAAAAAAAAAAAAAAAAAAAAAAAAAAAAAAAAAAAAAAAAAAAAAAAAAAAAAAAAAAAAAAAAAAAFAAAADwAAAAAAAAAAAAAAAAAAAkUAAAAAQAAABQAAAAUAAAAFAAAAAEAAAAAAAAAZAAAAGQAAAAAAAAAZAAAAGQAAAAVAAAAYAAAAAAAAAAAAAAADwAAACADAAAAAAAAAAAAAAEAAACgMgAAVgcAAKr4//8BAAAAf39/AAEAAABkAAAAAAAAABQAAABAHwAAAAAAACYAAAAAAAAAwOD//wAAAAAmAAAAZAAAABYAAABMAAAAAAAAAAAAAAAEAAAAAAAAAAEAAACAgIAKAAAAACgAAAAoAAAAZAAAAGQAAAAAAAAAzMzMAAAAAABQAAAAUAAAAGQAAABkAAAAAAAAABcAAAAUAAAAAAAAAAAAAAD/fwAA/38AAAAAAAAJAAAABAAAAAAAAAAeAAAAaAAAAAAAAAAAAAAAAAAAAAAAAAAAAAAAECcAABAnAAAAAAAAAAAAAAAAAAAAAAAAAAAAAAAAAAAAAAAAAAAAABQAAAAAAAAAwMD/AAAAAABkAAAAMgAAAAAAAABkAAAAAAAAAH9/fwAKAAAAIgAAABgAAAAAAAAAAAAAAAAAAAAAAAAAAAAAAAAAAAAkAAAAJAAAAAAAAAAHAAAAAAAAAAAAAAAAAAAAAAAAAAAAAAAAAAAAf39/ACUAAABYAAAAAAAAAAAAAAAAAAAAAAAAAAAAAAAAAAAAAAAAAAAAAAAAAAAAAAAAAAAAAAA/AAAAAAAAAKCGAQAAAAAAAAAAAAAAAAAMAAAAAQAAAAAAAAAAAAAAAAAAAB8AAABUAAAAAAAABQAAAAEAAAAAAAAAAAAAAAAAAAAAAAAAAAAAAAAAAAAAAAAAAAAAAAJ/f38AAAAAA8zMzADAwP8Af39/AAAAAAAAAAAAAAAAAAAAAAAAAAAAIQAAABgAAAAUAAAAwTUAABsnAABARwAAWSkAABAAAAAmAAAACAAAAAAAAAAAAAAAMAAAABQAAAAAAAAAAAD//wAAAQAAAP//AAABAA=="/>
+                <pr:smNativeData xmlns:pr="smNativeData" xmlns="smNativeData" val="SMDATA_16_zfxKYxMAAAAlAAAAZAAAAA8BAAAAkAAAAEgAAACQAAAASAAAAAAAAAABAAAAAAAAAAEAAABQAAAAAAAAAAAA4D8AAAAAAADgPwAAAAAAAOA/AAAAAAAA4D8AAAAAAADgPwAAAAAAAOA/AAAAAAAA4D8AAAAAAADgPwAAAAAAAOA/AAAAAAAA4D8CAAAAjAAAAAAAAAAAAAAAu+DjDP///wgAAAAAAAAAAAAAAAAAAAAAAAAAAAAAAAAAAAAAZAAAAAEAAABAAAAAAAAAAAAAAAAAAAAAAAAAAAAAAAAAAAAAAAAAAAAAAAAAAAAAAAAAAAAAAAAAAAAAAAAAAAAAAAAAAAAAAAAAAAAAAAAAAAAAAAAAAAAAAAAAAAAAFAAAADwAAAAAAAAAAAAAAAAAAAkUAAAAAQAAABQAAAAUAAAAFAAAAAEAAAAAAAAAZAAAAGQAAAAAAAAAZAAAAGQAAAAVAAAAYAAAAAAAAAAAAAAADwAAACADAAAAAAAAAAAAAAEAAACgMgAAVgcAAKr4//8BAAAAf39/AAEAAABkAAAAAAAAABQAAABAHwAAAAAAACYAAAAAAAAAwOD//wAAAAAmAAAAZAAAABYAAABMAAAAAAAAAAAAAAAEAAAAAAAAAAEAAACAgIAKAAAAACgAAAAoAAAAZAAAAGQAAAAAAAAAzMzMAAAAAABQAAAAUAAAAGQAAABkAAAAAAAAABcAAAAUAAAAAAAAAAAAAAD/fwAA/38AAAAAAAAJAAAABAAAAAAAAAAeAAAAaAAAAAAAAAAAAAAAAAAAAAAAAAAAAAAAECcAABAnAAAAAAAAAAAAAAAAAAAAAAAAAAAAAAAAAAAAAAAAAAAAABQAAAAAAAAAwMD/AAAAAABkAAAAMgAAAAAAAABkAAAAAAAAAH9/fwAKAAAAIgAAABgAAAAAAAAAAAAAAAAAAAAAAAAAAAAAAAAAAAAkAAAAJAAAAAAAAAAHAAAAAAAAAAAAAAAAAAAAAAAAAAAAAAAAAAAAf39/ACUAAABYAAAAAAAAAAAAAAAAAAAAAAAAAAAAAAAAAAAAAAAAAAAAAAAAAAAAAAAAAAAAAAA/AAAAAAAAAKCGAQAAAAAAAAAAAAAAAAAMAAAAAQAAAAAAAAAAAAAAAAAAAB8AAABUAAAAAAAABQAAAAEAAAAAAAAAAAAAAAAAAAAAAAAAAAAAAAAAAAAAAAAAAAAAAAJ/f38AAAAAA8zMzADAwP8Af39/AAAAAAAAAAAAAAAAAAAAAAAAAAAAIQAAABgAAAAUAAAAwTUAABsnAABARwAAWSkAABAAAAAmAAAACAAAAAAAAAAAAAAAMAAAABQAAAAAAAAAAAD//wAAAQAAAP//AAABAA=="/>
               </a:ext>
             </a:extLst>
           </p:cNvSpPr>
@@ -2477,7 +2454,7 @@
           <a:lstStyle/>
           <a:p>
             <a:pPr/>
-            <a:fld id="{07F80A82-CCEA-ADFC-A440-3AA9440E526F}" type="slidenum">
+            <a:fld id="{1A95BAA8-E6F7-C04C-B92D-1019F4634F45}" type="slidenum">
               <a:t/>
             </a:fld>
           </a:p>
@@ -2488,6 +2465,7 @@
   <p:clrMapOvr>
     <a:masterClrMapping/>
   </p:clrMapOvr>
+  <p:hf hdr="0" ftr="0"/>
 </p:sldLayout>
 </file>
 
@@ -2515,7 +2493,7 @@
             <a:spLocks noGrp="1" noChangeArrowheads="1"/>
             <a:extLst>
               <a:ext uri="smNativeData">
-                <pr:smNativeData xmlns:pr="smNativeData" xmlns="smNativeData" val="SMDATA_16_FrZCYxMAAAAlAAAAZAAAAA8BAAAAkAAAAEgAAACQAAAASAAAAAAAAAACAAAAAAAAAAEAAABQAAAAAAAAAAAA4D8AAAAAAADgPwAAAAAAAOA/AAAAAAAA4D8AAAAAAADgPwAAAAAAAOA/AAAAAAAA4D8AAAAAAADgPwAAAAAAAOA/AAAAAAAA4D8CAAAAjAAAAAAAAAAAAAAAu+DjDP///wgAAAAAAAAAAAAAAAAAAAAAAAAAAAAAAAAAAAAAZAAAAAEAAABAAAAAAAAAAAAAAAAAAAAAAAAAAAAAAAAAAAAAAAAAAAAAAAAAAAAAAAAAAAAAAAAAAAAAAAAAAAAAAAAAAAAAAAAAAAAAAAAAAAAAAAAAAAAAAAAAAAAAFAAAADwAAAAAAAAAAAAAAAAAAAkUAAAAAQAAABQAAAAUAAAAFAAAAAEAAAAAAAAAZAAAAGQAAAAAAAAAZAAAAGQAAAAVAAAAYAAAAAAAAAAAAAAADwAAACADAAAAAAAAAAAAAAEAAACgMgAAVgcAAKr4//8BAAAAf39/AAEAAABkAAAAAAAAABQAAABAHwAAAAAAACYAAAAAAAAAwOD//wAAAAAmAAAAZAAAABYAAABMAAAAAAAAAAAAAAAEAAAAAAAAAAEAAACAgIAKAAAAACgAAAAoAAAAZAAAAGQAAAAAAAAAzMzMAAAAAABQAAAAUAAAAGQAAABkAAAAAAAAABcAAAAUAAAAAAAAAAAAAAD/fwAA/38AAAAAAAAJAAAABAAAAAAAAAAeAAAAaAAAAAAAAAAAAAAAAAAAAAAAAAAAAAAAECcAABAnAAAAAAAAAAAAAAAAAAAAAAAAAAAAAAAAAAAAAAAAAAAAABQAAAAAAAAAwMD/AAAAAABkAAAAMgAAAAAAAABkAAAAAAAAAH9/fwAKAAAAIgAAABgAAAAAAAAAAAAAAAAAAAAAAAAAAAAAAAAAAAAkAAAAJAAAAAAAAAAHAAAAAAAAAAAAAAAAAAAAAAAAAAAAAAAAAAAAf39/ACUAAABYAAAAAAAAAAAAAAAAAAAAAAAAAAAAAAAAAAAAAAAAAAAAAAAAAAAAAAAAAAAAAAA/AAAAAAAAAKCGAQAAAAAAAAAAAAAAAAAMAAAAAQAAAAAAAAAAAAAAAAAAAB8AAABUAAAAAAAABQAAAAEAAAAAAAAAAAAAAAAAAAAAAAAAAAAAAAAAAAAAAAAAAAAAAAJ/f38AAAAAA8zMzADAwP8Af39/AAAAAAAAAAAAAAAAAAAAAAAAAAAAIQAAABgAAAAUAAAAsw4AAIgdAACzOwAABCEAABAAAAAmAAAACAAAAIGAAAAAAAAAMAAAABQAAAAAAAAAAAD//wAAAQAAAP//AAABAA=="/>
+                <pr:smNativeData xmlns:pr="smNativeData" xmlns="smNativeData" val="SMDATA_16_zfxKYxMAAAAlAAAAZAAAAA8BAAAAkAAAAEgAAACQAAAASAAAAAAAAAACAAAAAAAAAAEAAABQAAAAAAAAAAAA4D8AAAAAAADgPwAAAAAAAOA/AAAAAAAA4D8AAAAAAADgPwAAAAAAAOA/AAAAAAAA4D8AAAAAAADgPwAAAAAAAOA/AAAAAAAA4D8CAAAAjAAAAAAAAAAAAAAAu+DjDP///wgAAAAAAAAAAAAAAAAAAAAAAAAAAAAAAAAAAAAAZAAAAAEAAABAAAAAAAAAAAAAAAAAAAAAAAAAAAAAAAAAAAAAAAAAAAAAAAAAAAAAAAAAAAAAAAAAAAAAAAAAAAAAAAAAAAAAAAAAAAAAAAAAAAAAAAAAAAAAAAAAAAAAFAAAADwAAAAAAAAAAAAAAAAAAAkUAAAAAQAAABQAAAAUAAAAFAAAAAEAAAAAAAAAZAAAAGQAAAAAAAAAZAAAAGQAAAAVAAAAYAAAAAAAAAAAAAAADwAAACADAAAAAAAAAAAAAAEAAACgMgAAVgcAAKr4//8BAAAAf39/AAEAAABkAAAAAAAAABQAAABAHwAAAAAAACYAAAAAAAAAwOD//wAAAAAmAAAAZAAAABYAAABMAAAAAAAAAAAAAAAEAAAAAAAAAAEAAACAgIAKAAAAACgAAAAoAAAAZAAAAGQAAAAAAAAAzMzMAAAAAABQAAAAUAAAAGQAAABkAAAAAAAAABcAAAAUAAAAAAAAAAAAAAD/fwAA/38AAAAAAAAJAAAABAAAAAAAAAAeAAAAaAAAAAAAAAAAAAAAAAAAAAAAAAAAAAAAECcAABAnAAAAAAAAAAAAAAAAAAAAAAAAAAAAAAAAAAAAAAAAAAAAABQAAAAAAAAAwMD/AAAAAABkAAAAMgAAAAAAAABkAAAAAAAAAH9/fwAKAAAAIgAAABgAAAAAAAAAAAAAAAAAAAAAAAAAAAAAAAAAAAAkAAAAJAAAAAAAAAAHAAAAAAAAAAAAAAAAAAAAAAAAAAAAAAAAAAAAf39/ACUAAABYAAAAAAAAAAAAAAAAAAAAAAAAAAAAAAAAAAAAAAAAAAAAAAAAAAAAAAAAAAAAAAA/AAAAAAAAAKCGAQAAAAAAAAAAAAAAAAAMAAAAAQAAAAAAAAAAAAAAAAAAAB8AAABUAAAAAAAABQAAAAEAAAAAAAAAAAAAAAAAAAAAAAAAAAAAAAAAAAAAAAAAAAAAAAJ/f38AAAAAA8zMzADAwP8Af39/AAAAAAAAAAAAAAAAAAAAAAAAAAAAIQAAABgAAAAUAAAAsw4AAIgdAACzOwAABCEAABAAAAAmAAAACAAAAIGAAAAAAAAAMAAAABQAAAAAAAAAAAD//wAAAQAAAP//AAABAA=="/>
               </a:ext>
             </a:extLst>
           </p:cNvSpPr>
@@ -2555,7 +2533,7 @@
             <a:spLocks noGrp="1" noChangeArrowheads="1"/>
             <a:extLst>
               <a:ext uri="smNativeData">
-                <pr:smNativeData xmlns:pr="smNativeData" xmlns="smNativeData" val="SMDATA_16_FrZCYxMAAAAlAAAAZAAAAA8BAAAAkAAAAEgAAACQAAAASAAAAAAAAAAAAAAAAAAAAAEAAABQAAAAAAAAAAAA4D8AAAAAAADgPwAAAAAAAOA/AAAAAAAA4D8AAAAAAADgPwAAAAAAAOA/AAAAAAAA4D8AAAAAAADgPwAAAAAAAOA/AAAAAAAA4D8CAAAAjAAAAAAAAAAAAAAAu+DjDP///wgAAAAAAAAAAAAAAAAAAAAAAAAAAAAAAAAAAAAAZAAAAAEAAABAAAAAAAAAAAAAAAAAAAAAAAAAAAAAAAAAAAAAAAAAAAAAAAAAAAAAAAAAAAAAAAAAAAAAAAAAAAAAAAAAAAAAAAAAAAAAAAAAAAAAAAAAAAAAAAAAAAAAFAAAADwAAAAAAAAAAAAAAAAAAAkUAAAAAQAAABQAAAAUAAAAFAAAAAEAAAAAAAAAZAAAAGQAAAAAAAAAZAAAAGQAAAAVAAAAYAAAAAAAAAAAAAAADwAAACADAAAAAAAAAAAAAAEAAACgMgAAVgcAAKr4//8BAAAAf39/AAEAAABkAAAAAAAAABQAAABAHwAAAAAAACYAAAAAAAAAwOD//wAAAAAmAAAAZAAAABYAAABMAAAAAAAAAAAAAAAEAAAAAAAAAAEAAACAgIAKAAAAACgAAAAoAAAAZAAAAGQAAAAAAAAAzMzMAAAAAABQAAAAUAAAAGQAAABkAAAAAAAAABcAAAAUAAAAAAAAAAAAAAD/fwAA/38AAAAAAAAJAAAABAAAAAAAAAAeAAAAaAAAAAAAAAAAAAAAAAAAAAAAAAAAAAAAECcAABAnAAAAAAAAAAAAAAAAAAAAAAAAAAAAAAAAAAAAAAAAAAAAABQAAAAAAAAAwMD/AAAAAABkAAAAMgAAAAAAAABkAAAAAAAAAH9/fwAKAAAAIgAAABgAAAAAAAAAAAAAAAAAAAAAAAAAAAAAAAAAAAAkAAAAJAAAAAAAAAAHAAAAAAAAAAAAAAAAAAAAAAAAAAAAAAAAAAAAf39/ACUAAABYAAAAAAAAAAAAAAAAAAAAAAAAAAAAAAAAAAAAAAAAAAAAAAAAAAAAAAAAAAAAAAA/AAAAAAAAAKCGAQAAAAAAAAAAAAAAAAAMAAAAAQAAAAAAAAAAAAAAAAAAAB8AAABUAAAAAAAABQAAAAEAAAAAAAAAAAAAAAAAAAAAAAAAAAAAAAAAAAAAAAAAAAAAAAJ/f38AAAAAA8zMzADAwP8Af39/AAAAAAAAAAAAAAAAAAAAAAAAAAAAIQAAABgAAAAUAAAAsw4AAMYDAACzOwAAFh0AABAAAAAmAAAACAAAAAGAAAAAAAAAMAAAABQAAAAAAAAAAAD//wAAAQAAAP//AAABAA=="/>
+                <pr:smNativeData xmlns:pr="smNativeData" xmlns="smNativeData" val="SMDATA_16_zfxKYxMAAAAlAAAAZAAAAA8BAAAAkAAAAEgAAACQAAAASAAAAAAAAAAAAAAAAAAAAAEAAABQAAAAAAAAAAAA4D8AAAAAAADgPwAAAAAAAOA/AAAAAAAA4D8AAAAAAADgPwAAAAAAAOA/AAAAAAAA4D8AAAAAAADgPwAAAAAAAOA/AAAAAAAA4D8CAAAAjAAAAAAAAAAAAAAAu+DjDP///wgAAAAAAAAAAAAAAAAAAAAAAAAAAAAAAAAAAAAAZAAAAAEAAABAAAAAAAAAAAAAAAAAAAAAAAAAAAAAAAAAAAAAAAAAAAAAAAAAAAAAAAAAAAAAAAAAAAAAAAAAAAAAAAAAAAAAAAAAAAAAAAAAAAAAAAAAAAAAAAAAAAAAFAAAADwAAAAAAAAAAAAAAAAAAAkUAAAAAQAAABQAAAAUAAAAFAAAAAEAAAAAAAAAZAAAAGQAAAAAAAAAZAAAAGQAAAAVAAAAYAAAAAAAAAAAAAAADwAAACADAAAAAAAAAAAAAAEAAACgMgAAVgcAAKr4//8BAAAAf39/AAEAAABkAAAAAAAAABQAAABAHwAAAAAAACYAAAAAAAAAwOD//wAAAAAmAAAAZAAAABYAAABMAAAAAAAAAAAAAAAEAAAAAAAAAAEAAACAgIAKAAAAACgAAAAoAAAAZAAAAGQAAAAAAAAAzMzMAAAAAABQAAAAUAAAAGQAAABkAAAAAAAAABcAAAAUAAAAAAAAAAAAAAD/fwAA/38AAAAAAAAJAAAABAAAAAAAAAAeAAAAaAAAAAAAAAAAAAAAAAAAAAAAAAAAAAAAECcAABAnAAAAAAAAAAAAAAAAAAAAAAAAAAAAAAAAAAAAAAAAAAAAABQAAAAAAAAAwMD/AAAAAABkAAAAMgAAAAAAAABkAAAAAAAAAH9/fwAKAAAAIgAAABgAAAAAAAAAAAAAAAAAAAAAAAAAAAAAAAAAAAAkAAAAJAAAAAAAAAAHAAAAAAAAAAAAAAAAAAAAAAAAAAAAAAAAAAAAf39/ACUAAABYAAAAAAAAAAAAAAAAAAAAAAAAAAAAAAAAAAAAAAAAAAAAAAAAAAAAAAAAAAAAAAA/AAAAAAAAAKCGAQAAAAAAAAAAAAAAAAAMAAAAAQAAAAAAAAAAAAAAAAAAAB8AAABUAAAAAAAABQAAAAEAAAAAAAAAAAAAAAAAAAAAAAAAAAAAAAAAAAAAAAAAAAAAAAJ/f38AAAAAA8zMzADAwP8Af39/AAAAAAAAAAAAAAAAAAAAAAAAAAAAIQAAABgAAAAUAAAAsw4AAMYDAACzOwAAFh0AABAAAAAmAAAACAAAAAGAAAAAAAAAMAAAABQAAAAAAAAAAAD//wAAAQAAAP//AAABAA=="/>
               </a:ext>
             </a:extLst>
           </p:cNvSpPr>
@@ -2624,7 +2602,7 @@
             <a:spLocks noGrp="1" noChangeArrowheads="1"/>
             <a:extLst>
               <a:ext uri="smNativeData">
-                <pr:smNativeData xmlns:pr="smNativeData" xmlns="smNativeData" val="SMDATA_16_FrZCYxMAAAAlAAAAZAAAAA8BAAAAkAAAAEgAAACQAAAASAAAAAAAAAAAAAAAAAAAAAEAAABQAAAAAAAAAAAA4D8AAAAAAADgPwAAAAAAAOA/AAAAAAAA4D8AAAAAAADgPwAAAAAAAOA/AAAAAAAA4D8AAAAAAADgPwAAAAAAAOA/AAAAAAAA4D8CAAAAjAAAAAAAAAAAAAAAu+DjDP///wgAAAAAAAAAAAAAAAAAAAAAAAAAAAAAAAAAAAAAZAAAAAEAAABAAAAAAAAAAAAAAAAAAAAAAAAAAAAAAAAAAAAAAAAAAAAAAAAAAAAAAAAAAAAAAAAAAAAAAAAAAAAAAAAAAAAAAAAAAAAAAAAAAAAAAAAAAAAAAAAAAAAAFAAAADwAAAAAAAAAAAAAAAAAAAkUAAAAAQAAABQAAAAUAAAAFAAAAAEAAAAAAAAAZAAAAGQAAAAAAAAAZAAAAGQAAAAVAAAAYAAAAAAAAAAAAAAADwAAACADAAAAAAAAAAAAAAEAAACgMgAAVgcAAKr4//8BAAAAf39/AAEAAABkAAAAAAAAABQAAABAHwAAAAAAACYAAAAAAAAAwOD//wAAAAAmAAAAZAAAABYAAABMAAAAAAAAAAAAAAAEAAAAAAAAAAEAAACAgIAKAAAAACgAAAAoAAAAZAAAAGQAAAAAAAAAzMzMAAAAAABQAAAAUAAAAGQAAABkAAAAAAAAABcAAAAUAAAAAAAAAAAAAAD/fwAA/38AAAAAAAAJAAAABAAAAAAAAAAeAAAAaAAAAAAAAAAAAAAAAAAAAAAAAAAAAAAAECcAABAnAAAAAAAAAAAAAAAAAAAAAAAAAAAAAAAAAAAAAAAAAAAAABQAAAAAAAAAwMD/AAAAAABkAAAAMgAAAAAAAABkAAAAAAAAAH9/fwAKAAAAIgAAABgAAAAAAAAAAAAAAAAAAAAAAAAAAAAAAAAAAAAkAAAAJAAAAAAAAAAHAAAAAAAAAAAAAAAAAAAAAAAAAAAAAAAAAAAAf39/ACUAAABYAAAAAAAAAAAAAAAAAAAAAAAAAAAAAAAAAAAAAAAAAAAAAAAAAAAAAAAAAAAAAAA/AAAAAAAAAKCGAQAAAAAAAAAAAAAAAAAMAAAAAQAAAAAAAAAAAAAAAAAAAB8AAABUAAAAAAAABQAAAAEAAAAAAAAAAAAAAAAAAAAAAAAAAAAAAAAAAAAAAAAAAAAAAAJ/f38AAAAAA8zMzADAwP8Af39/AAAAAAAAAAAAAAAAAAAAAAAAAAAAIQAAABgAAAAUAAAAsw4AAAQhAACzOwAA+CUAABAAAAAmAAAACAAAAAGAAAAAAAAAMAAAABQAAAAAAAAAAAD//wAAAQAAAP//AAABAA=="/>
+                <pr:smNativeData xmlns:pr="smNativeData" xmlns="smNativeData" val="SMDATA_16_zfxKYxMAAAAlAAAAZAAAAA8BAAAAkAAAAEgAAACQAAAASAAAAAAAAAAAAAAAAAAAAAEAAABQAAAAAAAAAAAA4D8AAAAAAADgPwAAAAAAAOA/AAAAAAAA4D8AAAAAAADgPwAAAAAAAOA/AAAAAAAA4D8AAAAAAADgPwAAAAAAAOA/AAAAAAAA4D8CAAAAjAAAAAAAAAAAAAAAu+DjDP///wgAAAAAAAAAAAAAAAAAAAAAAAAAAAAAAAAAAAAAZAAAAAEAAABAAAAAAAAAAAAAAAAAAAAAAAAAAAAAAAAAAAAAAAAAAAAAAAAAAAAAAAAAAAAAAAAAAAAAAAAAAAAAAAAAAAAAAAAAAAAAAAAAAAAAAAAAAAAAAAAAAAAAFAAAADwAAAAAAAAAAAAAAAAAAAkUAAAAAQAAABQAAAAUAAAAFAAAAAEAAAAAAAAAZAAAAGQAAAAAAAAAZAAAAGQAAAAVAAAAYAAAAAAAAAAAAAAADwAAACADAAAAAAAAAAAAAAEAAACgMgAAVgcAAKr4//8BAAAAf39/AAEAAABkAAAAAAAAABQAAABAHwAAAAAAACYAAAAAAAAAwOD//wAAAAAmAAAAZAAAABYAAABMAAAAAAAAAAAAAAAEAAAAAAAAAAEAAACAgIAKAAAAACgAAAAoAAAAZAAAAGQAAAAAAAAAzMzMAAAAAABQAAAAUAAAAGQAAABkAAAAAAAAABcAAAAUAAAAAAAAAAAAAAD/fwAA/38AAAAAAAAJAAAABAAAAAAAAAAeAAAAaAAAAAAAAAAAAAAAAAAAAAAAAAAAAAAAECcAABAnAAAAAAAAAAAAAAAAAAAAAAAAAAAAAAAAAAAAAAAAAAAAABQAAAAAAAAAwMD/AAAAAABkAAAAMgAAAAAAAABkAAAAAAAAAH9/fwAKAAAAIgAAABgAAAAAAAAAAAAAAAAAAAAAAAAAAAAAAAAAAAAkAAAAJAAAAAAAAAAHAAAAAAAAAAAAAAAAAAAAAAAAAAAAAAAAAAAAf39/ACUAAABYAAAAAAAAAAAAAAAAAAAAAAAAAAAAAAAAAAAAAAAAAAAAAAAAAAAAAAAAAAAAAAA/AAAAAAAAAKCGAQAAAAAAAAAAAAAAAAAMAAAAAQAAAAAAAAAAAAAAAAAAAB8AAABUAAAAAAAABQAAAAEAAAAAAAAAAAAAAAAAAAAAAAAAAAAAAAAAAAAAAAAAAAAAAAJ/f38AAAAAA8zMzADAwP8Af39/AAAAAAAAAAAAAAAAAAAAAAAAAAAAIQAAABgAAAAUAAAAsw4AAAQhAACzOwAA+CUAABAAAAAmAAAACAAAAAGAAAAAAAAAMAAAABQAAAAAAAAAAAD//wAAAQAAAP//AAABAA=="/>
               </a:ext>
             </a:extLst>
           </p:cNvSpPr>
@@ -2693,7 +2671,7 @@
             <a:spLocks noGrp="1" noChangeArrowheads="1"/>
             <a:extLst>
               <a:ext uri="smNativeData">
-                <pr:smNativeData xmlns:pr="smNativeData" xmlns="smNativeData" val="SMDATA_16_FrZCYxMAAAAlAAAAZAAAAA8BAAAAkAAAAEgAAACQAAAASAAAAAAAAAABAAAAAAAAAAEAAABQAAAAAAAAAAAA4D8AAAAAAADgPwAAAAAAAOA/AAAAAAAA4D8AAAAAAADgPwAAAAAAAOA/AAAAAAAA4D8AAAAAAADgPwAAAAAAAOA/AAAAAAAA4D8CAAAAjAAAAAAAAAAAAAAAu+DjDP///wgAAAAAAAAAAAAAAAAAAAAAAAAAAAAAAAAAAAAAZAAAAAEAAABAAAAAAAAAAAAAAAAAAAAAAAAAAAAAAAAAAAAAAAAAAAAAAAAAAAAAAAAAAAAAAAAAAAAAAAAAAAAAAAAAAAAAAAAAAAAAAAAAAAAAAAAAAAAAAAAAAAAAFAAAADwAAAAAAAAAAAAAAAAAAAkUAAAAAQAAABQAAAAUAAAAFAAAAAEAAAAAAAAAZAAAAGQAAAAAAAAAZAAAAGQAAAAVAAAAYAAAAAAAAAAAAAAADwAAACADAAAAAAAAAAAAAAEAAACgMgAAVgcAAKr4//8BAAAAf39/AAEAAABkAAAAAAAAABQAAABAHwAAAAAAACYAAAAAAAAAwOD//wAAAAAmAAAAZAAAABYAAABMAAAAAAAAAAAAAAAEAAAAAAAAAAEAAACAgIAKAAAAACgAAAAoAAAAZAAAAGQAAAAAAAAAzMzMAAAAAABQAAAAUAAAAGQAAABkAAAAAAAAABcAAAAUAAAAAAAAAAAAAAD/fwAA/38AAAAAAAAJAAAABAAAAAAAAAAeAAAAaAAAAAAAAAAAAAAAAAAAAAAAAAAAAAAAECcAABAnAAAAAAAAAAAAAAAAAAAAAAAAAAAAAAAAAAAAAAAAAAAAABQAAAAAAAAAwMD/AAAAAABkAAAAMgAAAAAAAABkAAAAAAAAAH9/fwAKAAAAIgAAABgAAAAAAAAAAAAAAAAAAAAAAAAAAAAAAAAAAAAkAAAAJAAAAAAAAAAHAAAAAAAAAAAAAAAAAAAAAAAAAAAAAAAAAAAAf39/ACUAAABYAAAAAAAAAAAAAAAAAAAAAAAAAAAAAAAAAAAAAAAAAAAAAAAAAAAAAAAAAAAAAAA/AAAAAAAAAKCGAQAAAAAAAAAAAAAAAAAMAAAAAQAAAAAAAAAAAAAAAAAAAB8AAABUAAAAAAAABQAAAAEAAAAAAAAAAAAAAAAAAAAAAAAAAAAAAAAAAAAAAAAAAAAAAAJ/f38AAAAAA8zMzADAwP8Af39/AAAAAAAAAAAAAAAAAAAAAAAAAAAAIQAAABgAAAAUAAAAwAMAABsnAAA/FQAAWSkAABAAAAAmAAAACAAAAAAAAAAAAAAAMAAAABQAAAAAAAAAAAD//wAAAQAAAP//AAABAA=="/>
+                <pr:smNativeData xmlns:pr="smNativeData" xmlns="smNativeData" val="SMDATA_16_zfxKYxMAAAAlAAAAZAAAAA8BAAAAkAAAAEgAAACQAAAASAAAAAAAAAABAAAAAAAAAAEAAABQAAAAAAAAAAAA4D8AAAAAAADgPwAAAAAAAOA/AAAAAAAA4D8AAAAAAADgPwAAAAAAAOA/AAAAAAAA4D8AAAAAAADgPwAAAAAAAOA/AAAAAAAA4D8CAAAAjAAAAAAAAAAAAAAAu+DjDP///wgAAAAAAAAAAAAAAAAAAAAAAAAAAAAAAAAAAAAAZAAAAAEAAABAAAAAAAAAAAAAAAAAAAAAAAAAAAAAAAAAAAAAAAAAAAAAAAAAAAAAAAAAAAAAAAAAAAAAAAAAAAAAAAAAAAAAAAAAAAAAAAAAAAAAAAAAAAAAAAAAAAAAFAAAADwAAAAAAAAAAAAAAAAAAAkUAAAAAQAAABQAAAAUAAAAFAAAAAEAAAAAAAAAZAAAAGQAAAAAAAAAZAAAAGQAAAAVAAAAYAAAAAAAAAAAAAAADwAAACADAAAAAAAAAAAAAAEAAACgMgAAVgcAAKr4//8BAAAAf39/AAEAAABkAAAAAAAAABQAAABAHwAAAAAAACYAAAAAAAAAwOD//wAAAAAmAAAAZAAAABYAAABMAAAAAAAAAAAAAAAEAAAAAAAAAAEAAACAgIAKAAAAACgAAAAoAAAAZAAAAGQAAAAAAAAAzMzMAAAAAABQAAAAUAAAAGQAAABkAAAAAAAAABcAAAAUAAAAAAAAAAAAAAD/fwAA/38AAAAAAAAJAAAABAAAAAAAAAAeAAAAaAAAAAAAAAAAAAAAAAAAAAAAAAAAAAAAECcAABAnAAAAAAAAAAAAAAAAAAAAAAAAAAAAAAAAAAAAAAAAAAAAABQAAAAAAAAAwMD/AAAAAABkAAAAMgAAAAAAAABkAAAAAAAAAH9/fwAKAAAAIgAAABgAAAAAAAAAAAAAAAAAAAAAAAAAAAAAAAAAAAAkAAAAJAAAAAAAAAAHAAAAAAAAAAAAAAAAAAAAAAAAAAAAAAAAAAAAf39/ACUAAABYAAAAAAAAAAAAAAAAAAAAAAAAAAAAAAAAAAAAAAAAAAAAAAAAAAAAAAAAAAAAAAA/AAAAAAAAAKCGAQAAAAAAAAAAAAAAAAAMAAAAAQAAAAAAAAAAAAAAAAAAAB8AAABUAAAAAAAABQAAAAEAAAAAAAAAAAAAAAAAAAAAAAAAAAAAAAAAAAAAAAAAAAAAAAJ/f38AAAAAA8zMzADAwP8Af39/AAAAAAAAAAAAAAAAAAAAAAAAAAAAIQAAABgAAAAUAAAAwAMAABsnAAA/FQAAWSkAABAAAAAmAAAACAAAAAAAAAAAAAAAMAAAABQAAAAAAAAAAAD//wAAAQAAAP//AAABAA=="/>
               </a:ext>
             </a:extLst>
           </p:cNvSpPr>
@@ -2707,7 +2685,7 @@
           <a:lstStyle/>
           <a:p>
             <a:pPr/>
-            <a:fld id="{3EB95828-66D3-ECAE-9D01-90FB164F6BC5}" type="datetime1">
+            <a:fld id="{73D3CA2D-639E-863C-D06B-9569842526C0}" type="datetime1">
               <a:t/>
             </a:fld>
           </a:p>
@@ -2720,7 +2698,7 @@
             <a:spLocks noGrp="1" noChangeArrowheads="1"/>
             <a:extLst>
               <a:ext uri="smNativeData">
-                <pr:smNativeData xmlns:pr="smNativeData" xmlns="smNativeData" val="SMDATA_16_FrZCYxMAAAAlAAAAZAAAAA8BAAAAkAAAAEgAAACQAAAASAAAAAAAAAABAAAAAAAAAAEAAABQAAAAAAAAAAAA4D8AAAAAAADgPwAAAAAAAOA/AAAAAAAA4D8AAAAAAADgPwAAAAAAAOA/AAAAAAAA4D8AAAAAAADgPwAAAAAAAOA/AAAAAAAA4D8CAAAAjAAAAAAAAAAAAAAAu+DjDP///wgAAAAAAAAAAAAAAAAAAAAAAAAAAAAAAAAAAAAAZAAAAAEAAABAAAAAAAAAAAAAAAAAAAAAAAAAAAAAAAAAAAAAAAAAAAAAAAAAAAAAAAAAAAAAAAAAAAAAAAAAAAAAAAAAAAAAAAAAAAAAAAAAAAAAAAAAAAAAAAAAAAAAFAAAADwAAAAAAAAAAAAAAAAAAAkUAAAAAQAAABQAAAAUAAAAFAAAAAEAAAAAAAAAZAAAAGQAAAAAAAAAZAAAAGQAAAAVAAAAYAAAAAAAAAAAAAAADwAAACADAAAAAAAAAAAAAAEAAACgMgAAVgcAAKr4//8BAAAAf39/AAEAAABkAAAAAAAAABQAAABAHwAAAAAAACYAAAAAAAAAwOD//wAAAAAmAAAAZAAAABYAAABMAAAAAAAAAAAAAAAEAAAAAAAAAAEAAACAgIAKAAAAACgAAAAoAAAAZAAAAGQAAAAAAAAAzMzMAAAAAABQAAAAUAAAAGQAAABkAAAAAAAAABcAAAAUAAAAAAAAAAAAAAD/fwAA/38AAAAAAAAJAAAABAAAAAAAAAAeAAAAaAAAAAAAAAAAAAAAAAAAAAAAAAAAAAAAECcAABAnAAAAAAAAAAAAAAAAAAAAAAAAAAAAAAAAAAAAAAAAAAAAABQAAAAAAAAAwMD/AAAAAABkAAAAMgAAAAAAAABkAAAAAAAAAH9/fwAKAAAAIgAAABgAAAAAAAAAAAAAAAAAAAAAAAAAAAAAAAAAAAAkAAAAJAAAAAAAAAAHAAAAAAAAAAAAAAAAAAAAAAAAAAAAAAAAAAAAf39/ACUAAABYAAAAAAAAAAAAAAAAAAAAAAAAAAAAAAAAAAAAAAAAAAAAAAAAAAAAAAAAAAAAAAA/AAAAAAAAAKCGAQAAAAAAAAAAAAAAAAAMAAAAAQAAAAAAAAAAAAAAAAAAAB8AAABUAAAAAAAABQAAAAEAAAAAAAAAAAAAAAAAAAAAAAAAAAAAAAAAAAAAAAAAAAAAAAJ/f38AAAAAA8zMzADAwP8Af39/AAAAAAAAAAAAAAAAAAAAAAAAAAAAIQAAABgAAAAUAAAAoRkAABsnAABfMQAAWSkAABAAAAAmAAAACAAAAAAAAAAAAAAAMAAAABQAAAAAAAAAAAD//wAAAQAAAP//AAABAA=="/>
+                <pr:smNativeData xmlns:pr="smNativeData" xmlns="smNativeData" val="SMDATA_16_zfxKYxMAAAAlAAAAZAAAAA8BAAAAkAAAAEgAAACQAAAASAAAAAAAAAABAAAAAAAAAAEAAABQAAAAAAAAAAAA4D8AAAAAAADgPwAAAAAAAOA/AAAAAAAA4D8AAAAAAADgPwAAAAAAAOA/AAAAAAAA4D8AAAAAAADgPwAAAAAAAOA/AAAAAAAA4D8CAAAAjAAAAAAAAAAAAAAAu+DjDP///wgAAAAAAAAAAAAAAAAAAAAAAAAAAAAAAAAAAAAAZAAAAAEAAABAAAAAAAAAAAAAAAAAAAAAAAAAAAAAAAAAAAAAAAAAAAAAAAAAAAAAAAAAAAAAAAAAAAAAAAAAAAAAAAAAAAAAAAAAAAAAAAAAAAAAAAAAAAAAAAAAAAAAFAAAADwAAAAAAAAAAAAAAAAAAAkUAAAAAQAAABQAAAAUAAAAFAAAAAEAAAAAAAAAZAAAAGQAAAAAAAAAZAAAAGQAAAAVAAAAYAAAAAAAAAAAAAAADwAAACADAAAAAAAAAAAAAAEAAACgMgAAVgcAAKr4//8BAAAAf39/AAEAAABkAAAAAAAAABQAAABAHwAAAAAAACYAAAAAAAAAwOD//wAAAAAmAAAAZAAAABYAAABMAAAAAAAAAAAAAAAEAAAAAAAAAAEAAACAgIAKAAAAACgAAAAoAAAAZAAAAGQAAAAAAAAAzMzMAAAAAABQAAAAUAAAAGQAAABkAAAAAAAAABcAAAAUAAAAAAAAAAAAAAD/fwAA/38AAAAAAAAJAAAABAAAAAAAAAAeAAAAaAAAAAAAAAAAAAAAAAAAAAAAAAAAAAAAECcAABAnAAAAAAAAAAAAAAAAAAAAAAAAAAAAAAAAAAAAAAAAAAAAABQAAAAAAAAAwMD/AAAAAABkAAAAMgAAAAAAAABkAAAAAAAAAH9/fwAKAAAAIgAAABgAAAAAAAAAAAAAAAAAAAAAAAAAAAAAAAAAAAAkAAAAJAAAAAAAAAAHAAAAAAAAAAAAAAAAAAAAAAAAAAAAAAAAAAAAf39/ACUAAABYAAAAAAAAAAAAAAAAAAAAAAAAAAAAAAAAAAAAAAAAAAAAAAAAAAAAAAAAAAAAAAA/AAAAAAAAAKCGAQAAAAAAAAAAAAAAAAAMAAAAAQAAAAAAAAAAAAAAAAAAAB8AAABUAAAAAAAABQAAAAEAAAAAAAAAAAAAAAAAAAAAAAAAAAAAAAAAAAAAAAAAAAAAAAJ/f38AAAAAA8zMzADAwP8Af39/AAAAAAAAAAAAAAAAAAAAAAAAAAAAIQAAABgAAAAUAAAAoRkAABsnAABfMQAAWSkAABAAAAAmAAAACAAAAAAAAAAAAAAAMAAAABQAAAAAAAAAAAD//wAAAQAAAP//AAABAA=="/>
               </a:ext>
             </a:extLst>
           </p:cNvSpPr>
@@ -2734,9 +2712,6 @@
           <a:lstStyle/>
           <a:p>
             <a:pPr/>
-            <a:r>
-              <a:t/>
-            </a:r>
           </a:p>
         </p:txBody>
       </p:sp>
@@ -2747,7 +2722,7 @@
             <a:spLocks noGrp="1" noChangeArrowheads="1"/>
             <a:extLst>
               <a:ext uri="smNativeData">
-                <pr:smNativeData xmlns:pr="smNativeData" xmlns="smNativeData" val="SMDATA_16_FrZCYxMAAAAlAAAAZAAAAA8BAAAAkAAAAEgAAACQAAAASAAAAAAAAAABAAAAAAAAAAEAAABQAAAAAAAAAAAA4D8AAAAAAADgPwAAAAAAAOA/AAAAAAAA4D8AAAAAAADgPwAAAAAAAOA/AAAAAAAA4D8AAAAAAADgPwAAAAAAAOA/AAAAAAAA4D8CAAAAjAAAAAAAAAAAAAAAu+DjDP///wgAAAAAAAAAAAAAAAAAAAAAAAAAAAAAAAAAAAAAZAAAAAEAAABAAAAAAAAAAAAAAAAAAAAAAAAAAAAAAAAAAAAAAAAAAAAAAAAAAAAAAAAAAAAAAAAAAAAAAAAAAAAAAAAAAAAAAAAAAAAAAAAAAAAAAAAAAAAAAAAAAAAAFAAAADwAAAAAAAAAAAAAAAAAAAkUAAAAAQAAABQAAAAUAAAAFAAAAAEAAAAAAAAAZAAAAGQAAAAAAAAAZAAAAGQAAAAVAAAAYAAAAAAAAAAAAAAADwAAACADAAAAAAAAAAAAAAEAAACgMgAAVgcAAKr4//8BAAAAf39/AAEAAABkAAAAAAAAABQAAABAHwAAAAAAACYAAAAAAAAAwOD//wAAAAAmAAAAZAAAABYAAABMAAAAAAAAAAAAAAAEAAAAAAAAAAEAAACAgIAKAAAAACgAAAAoAAAAZAAAAGQAAAAAAAAAzMzMAAAAAABQAAAAUAAAAGQAAABkAAAAAAAAABcAAAAUAAAAAAAAAAAAAAD/fwAA/38AAAAAAAAJAAAABAAAAAAAAAAeAAAAaAAAAAAAAAAAAAAAAAAAAAAAAAAAAAAAECcAABAnAAAAAAAAAAAAAAAAAAAAAAAAAAAAAAAAAAAAAAAAAAAAABQAAAAAAAAAwMD/AAAAAABkAAAAMgAAAAAAAABkAAAAAAAAAH9/fwAKAAAAIgAAABgAAAAAAAAAAAAAAAAAAAAAAAAAAAAAAAAAAAAkAAAAJAAAAAAAAAAHAAAAAAAAAAAAAAAAAAAAAAAAAAAAAAAAAAAAf39/ACUAAABYAAAAAAAAAAAAAAAAAAAAAAAAAAAAAAAAAAAAAAAAAAAAAAAAAAAAAAAAAAAAAAA/AAAAAAAAAKCGAQAAAAAAAAAAAAAAAAAMAAAAAQAAAAAAAAAAAAAAAAAAAB8AAABUAAAAAAAABQAAAAEAAAAAAAAAAAAAAAAAAAAAAAAAAAAAAAAAAAAAAAAAAAAAAAJ/f38AAAAAA8zMzADAwP8Af39/AAAAAAAAAAAAAAAAAAAAAAAAAAAAIQAAABgAAAAUAAAAwTUAABsnAABARwAAWSkAABAAAAAmAAAACAAAAAAAAAAAAAAAMAAAABQAAAAAAAAAAAD//wAAAQAAAP//AAABAA=="/>
+                <pr:smNativeData xmlns:pr="smNativeData" xmlns="smNativeData" val="SMDATA_16_zfxKYxMAAAAlAAAAZAAAAA8BAAAAkAAAAEgAAACQAAAASAAAAAAAAAABAAAAAAAAAAEAAABQAAAAAAAAAAAA4D8AAAAAAADgPwAAAAAAAOA/AAAAAAAA4D8AAAAAAADgPwAAAAAAAOA/AAAAAAAA4D8AAAAAAADgPwAAAAAAAOA/AAAAAAAA4D8CAAAAjAAAAAAAAAAAAAAAu+DjDP///wgAAAAAAAAAAAAAAAAAAAAAAAAAAAAAAAAAAAAAZAAAAAEAAABAAAAAAAAAAAAAAAAAAAAAAAAAAAAAAAAAAAAAAAAAAAAAAAAAAAAAAAAAAAAAAAAAAAAAAAAAAAAAAAAAAAAAAAAAAAAAAAAAAAAAAAAAAAAAAAAAAAAAFAAAADwAAAAAAAAAAAAAAAAAAAkUAAAAAQAAABQAAAAUAAAAFAAAAAEAAAAAAAAAZAAAAGQAAAAAAAAAZAAAAGQAAAAVAAAAYAAAAAAAAAAAAAAADwAAACADAAAAAAAAAAAAAAEAAACgMgAAVgcAAKr4//8BAAAAf39/AAEAAABkAAAAAAAAABQAAABAHwAAAAAAACYAAAAAAAAAwOD//wAAAAAmAAAAZAAAABYAAABMAAAAAAAAAAAAAAAEAAAAAAAAAAEAAACAgIAKAAAAACgAAAAoAAAAZAAAAGQAAAAAAAAAzMzMAAAAAABQAAAAUAAAAGQAAABkAAAAAAAAABcAAAAUAAAAAAAAAAAAAAD/fwAA/38AAAAAAAAJAAAABAAAAAAAAAAeAAAAaAAAAAAAAAAAAAAAAAAAAAAAAAAAAAAAECcAABAnAAAAAAAAAAAAAAAAAAAAAAAAAAAAAAAAAAAAAAAAAAAAABQAAAAAAAAAwMD/AAAAAABkAAAAMgAAAAAAAABkAAAAAAAAAH9/fwAKAAAAIgAAABgAAAAAAAAAAAAAAAAAAAAAAAAAAAAAAAAAAAAkAAAAJAAAAAAAAAAHAAAAAAAAAAAAAAAAAAAAAAAAAAAAAAAAAAAAf39/ACUAAABYAAAAAAAAAAAAAAAAAAAAAAAAAAAAAAAAAAAAAAAAAAAAAAAAAAAAAAAAAAAAAAA/AAAAAAAAAKCGAQAAAAAAAAAAAAAAAAAMAAAAAQAAAAAAAAAAAAAAAAAAAB8AAABUAAAAAAAABQAAAAEAAAAAAAAAAAAAAAAAAAAAAAAAAAAAAAAAAAAAAAAAAAAAAAJ/f38AAAAAA8zMzADAwP8Af39/AAAAAAAAAAAAAAAAAAAAAAAAAAAAIQAAABgAAAAUAAAAwTUAABsnAABARwAAWSkAABAAAAAmAAAACAAAAAAAAAAAAAAAMAAAABQAAAAAAAAAAAD//wAAAQAAAP//AAABAA=="/>
               </a:ext>
             </a:extLst>
           </p:cNvSpPr>
@@ -2761,7 +2736,7 @@
           <a:lstStyle/>
           <a:p>
             <a:pPr/>
-            <a:fld id="{707A8A48-069D-2F7C-D3C2-F029C48C25A5}" type="slidenum">
+            <a:fld id="{7ED50F4E-0093-80F9-DD6D-F6AC41232BA3}" type="slidenum">
               <a:t/>
             </a:fld>
           </a:p>
@@ -2772,6 +2747,7 @@
   <p:clrMapOvr>
     <a:masterClrMapping/>
   </p:clrMapOvr>
+  <p:hf hdr="0" ftr="0"/>
 </p:sldLayout>
 </file>
 
@@ -2807,7 +2783,7 @@
             <a:spLocks noGrp="1" noChangeArrowheads="1"/>
             <a:extLst>
               <a:ext uri="smNativeData">
-                <pr:smNativeData xmlns:pr="smNativeData" xmlns="smNativeData" val="SMDATA_16_FrZCYxMAAAAlAAAAZAAAAA8BAAAAkAAAAEgAAACQAAAASAAAAAAAAAABAAAAAAAAAAEAAABQAAAAAAAAAAAA4D8AAAAAAADgPwAAAAAAAOA/AAAAAAAA4D8AAAAAAADgPwAAAAAAAOA/AAAAAAAA4D8AAAAAAADgPwAAAAAAAOA/AAAAAAAA4D8CAAAAjAAAAAAAAAAAAAAAu+DjDP///wgAAAAAAAAAAAAAAAAAAAAAAAAAAAAAAAAAAAAAZAAAAAEAAABAAAAAAAAAAAAAAAAAAAAAAAAAAAAAAAAAAAAAAAAAAAAAAAAAAAAAAAAAAAAAAAAAAAAAAAAAAAAAAAAAAAAAAAAAAAAAAAAAAAAAAAAAAAAAAAAAAAAAFAAAADwAAAAAAAAAAAAAAAAAAAkUAAAAAQAAABQAAAAUAAAAFAAAAAEAAAAAAAAAZAAAAGQAAAAAAAAAZAAAAGQAAAAVAAAAYAAAAAAAAAAAAAAADwAAACADAAAAAAAAAAAAAAEAAACgMgAAVgcAAKr4//8BAAAAf39/AAEAAABkAAAAAAAAABQAAABAHwAAAAAAACYAAAAAAAAAwOD//wAAAAAmAAAAZAAAABYAAABMAAAAAAAAAAAAAAAEAAAAAAAAAAEAAACAgIAKAAAAACgAAAAoAAAAZAAAAGQAAAAAAAAAzMzMAAAAAABQAAAAUAAAAGQAAABkAAAAAAAAABcAAAAUAAAAAAAAAAAAAAD/fwAA/38AAAAAAAAJAAAABAAAAHsAfAAeAAAAaAAAAAAAAAAAAAAAAAAAAAAAAAAAAAAAECcAABAnAAAAAAAAAAAAAAAAAAAAAAAAAAAAAAAAAAAAAAAAAAAAABQAAAAAAAAAwMD/AAAAAABkAAAAMgAAAAAAAABkAAAAAAAAAH9/fwAKAAAAIgAAABgAAAAAAAAAAAAAAAAAAAAAAAAAAAAAAAAAAAAkAAAAJAAAAAAAAAAHAAAAAAAAAAAAAAAAAAAAAAAAAAAAAAAAAAAAf39/ACUAAABYAAAAAAAAAAAAAAAAAAAAAAAAAAAAAAAAAAAAAAAAAAAAAAAAAAAAAAAAAAAAAAA/AAAAAAAAAKCGAQAAAAAAAAAAAAAAAAAMAAAAAQAAAAAAAAAAAAAAAAAAAB8AAABUAAAAAAAABQAAAAEAAAAAAAAAAAAAAAAAAAAAAAAAAAAAAAAAAAAAAAAAAAAAAAJ/f38AAAAAA8zMzADAwP8Af39/AAAAAAAAAAAAAAAAAAAAAAAAAAAAIQAAABgAAAAUAAAAwAMAALABAABARwAAuAgAABAAAAAmAAAACAAAAP//////////MAAAABQAAAAAAAAAAAD//wAAAQAAAP//AAABAA=="/>
+                <pr:smNativeData xmlns:pr="smNativeData" xmlns="smNativeData" val="SMDATA_16_zfxKYxMAAAAlAAAAZAAAAA8BAAAAkAAAAEgAAACQAAAASAAAAAAAAAABAAAAAAAAAAEAAABQAAAAAAAAAAAA4D8AAAAAAADgPwAAAAAAAOA/AAAAAAAA4D8AAAAAAADgPwAAAAAAAOA/AAAAAAAA4D8AAAAAAADgPwAAAAAAAOA/AAAAAAAA4D8CAAAAjAAAAAAAAAAAAAAAu+DjDP///wgAAAAAAAAAAAAAAAAAAAAAAAAAAAAAAAAAAAAAZAAAAAEAAABAAAAAAAAAAAAAAAAAAAAAAAAAAAAAAAAAAAAAAAAAAAAAAAAAAAAAAAAAAAAAAAAAAAAAAAAAAAAAAAAAAAAAAAAAAAAAAAAAAAAAAAAAAAAAAAAAAAAAFAAAADwAAAAAAAAAAAAAAAAAAAkUAAAAAQAAABQAAAAUAAAAFAAAAAEAAAAAAAAAZAAAAGQAAAAAAAAAZAAAAGQAAAAVAAAAYAAAAAAAAAAAAAAADwAAACADAAAAAAAAAAAAAAEAAACgMgAAVgcAAKr4//8BAAAAf39/AAEAAABkAAAAAAAAABQAAABAHwAAAAAAACYAAAAAAAAAwOD//wAAAAAmAAAAZAAAABYAAABMAAAAAAAAAAAAAAAEAAAAAAAAAAEAAACAgIAKAAAAACgAAAAoAAAAZAAAAGQAAAAAAAAAzMzMAAAAAABQAAAAUAAAAGQAAABkAAAAAAAAABcAAAAUAAAAAAAAAAAAAAD/fwAA/38AAAAAAAAJAAAABAAAAHsAfAAeAAAAaAAAAAAAAAAAAAAAAAAAAAAAAAAAAAAAECcAABAnAAAAAAAAAAAAAAAAAAAAAAAAAAAAAAAAAAAAAAAAAAAAABQAAAAAAAAAwMD/AAAAAABkAAAAMgAAAAAAAABkAAAAAAAAAH9/fwAKAAAAIgAAABgAAAAAAAAAAAAAAAAAAAAAAAAAAAAAAAAAAAAkAAAAJAAAAAAAAAAHAAAAAAAAAAAAAAAAAAAAAAAAAAAAAAAAAAAAf39/ACUAAABYAAAAAAAAAAAAAAAAAAAAAAAAAAAAAAAAAAAAAAAAAAAAAAAAAAAAAAAAAAAAAAA/AAAAAAAAAKCGAQAAAAAAAAAAAAAAAAAMAAAAAQAAAAAAAAAAAAAAAAAAAB8AAABUAAAAAAAABQAAAAEAAAAAAAAAAAAAAAAAAAAAAAAAAAAAAAAAAAAAAAAAAAAAAAJ/f38AAAAAA8zMzADAwP8Af39/AAAAAAAAAAAAAAAAAAAAAAAAAAAAIQAAABgAAAAUAAAAwAMAALABAABARwAAuAgAABAAAAAmAAAACAAAAP//////////MAAAABQAAAAAAAAAAAD//wAAAQAAAP//AAABAA=="/>
               </a:ext>
             </a:extLst>
           </p:cNvSpPr>
@@ -2851,7 +2827,7 @@
             <a:spLocks noGrp="1" noChangeArrowheads="1"/>
             <a:extLst>
               <a:ext uri="smNativeData">
-                <pr:smNativeData xmlns:pr="smNativeData" xmlns="smNativeData" val="SMDATA_16_FrZCYxMAAAAlAAAAZAAAAA8BAAAAkAAAAEgAAACQAAAASAAAAAAAAAAAAAAAAAAAAAEAAABQAAAAAAAAAAAA4D8AAAAAAADgPwAAAAAAAOA/AAAAAAAA4D8AAAAAAADgPwAAAAAAAOA/AAAAAAAA4D8AAAAAAADgPwAAAAAAAOA/AAAAAAAA4D8CAAAAjAAAAAAAAAAAAAAAu+DjDP///wgAAAAAAAAAAAAAAAAAAAAAAAAAAAAAAAAAAAAAZAAAAAEAAABAAAAAAAAAAAAAAAAAAAAAAAAAAAAAAAAAAAAAAAAAAAAAAAAAAAAAAAAAAAAAAAAAAAAAAAAAAAAAAAAAAAAAAAAAAAAAAAAAAAAAAAAAAAAAAAAAAAAAFAAAADwAAAAAAAAAAAAAAAAAAAkUAAAAAQAAABQAAAAUAAAAFAAAAAEAAAAAAAAAZAAAAGQAAAAAAAAAZAAAAGQAAAAVAAAAYAAAAAAAAAAAAAAADwAAACADAAAAAAAAAAAAAAEAAACgMgAAVgcAAKr4//8BAAAAf39/AAEAAABkAAAAAAAAABQAAABAHwAAAAAAACYAAAAAAAAAwOD//wAAAAAmAAAAZAAAABYAAABMAAAAAAAAAAAAAAAEAAAAAAAAAAEAAACAgIAKAAAAACgAAAAoAAAAZAAAAGQAAAAAAAAAzMzMAAAAAABQAAAAUAAAAGQAAABkAAAAAAAAABcAAAAUAAAAAAAAAAAAAAD/fwAA/38AAAAAAAAJAAAABAAAAHsAfAAeAAAAaAAAAAAAAAAAAAAAAAAAAAAAAAAAAAAAECcAABAnAAAAAAAAAAAAAAAAAAAAAAAAAAAAAAAAAAAAAAAAAAAAABQAAAAAAAAAwMD/AAAAAABkAAAAMgAAAAAAAABkAAAAAAAAAH9/fwAKAAAAIgAAABgAAAAAAAAAAAAAAAAAAAAAAAAAAAAAAAAAAAAkAAAAJAAAAAAAAAAHAAAAAAAAAAAAAAAAAAAAAAAAAAAAAAAAAAAAf39/ACUAAABYAAAAAAAAAAAAAAAAAAAAAAAAAAAAAAAAAAAAAAAAAAAAAAAAAAAAAAAAAAAAAAA/AAAAAAAAAKCGAQAAAAAAAAAAAAAAAAAMAAAAAQAAAAAAAAAAAAAAAAAAAB8AAABUAAAAAAAABQAAAAEAAAAAAAAAAAAAAAAAAAAAAAAAAAAAAAAAAAAAAAAAAAAAAAJ/f38AAAAAA8zMzADAwP8Af39/AAAAAAAAAAAAAAAAAAAAAAAAAAAAIQAAABgAAAAUAAAAwAMAANgJAABARwAAsCUAABAAAAAmAAAACAAAAP//////////MAAAABQAAAAAAAAAAAD//wAAAQAAAP//AAABAA=="/>
+                <pr:smNativeData xmlns:pr="smNativeData" xmlns="smNativeData" val="SMDATA_16_zfxKYxMAAAAlAAAAZAAAAA8BAAAAkAAAAEgAAACQAAAASAAAAAAAAAAAAAAAAAAAAAEAAABQAAAAAAAAAAAA4D8AAAAAAADgPwAAAAAAAOA/AAAAAAAA4D8AAAAAAADgPwAAAAAAAOA/AAAAAAAA4D8AAAAAAADgPwAAAAAAAOA/AAAAAAAA4D8CAAAAjAAAAAAAAAAAAAAAu+DjDP///wgAAAAAAAAAAAAAAAAAAAAAAAAAAAAAAAAAAAAAZAAAAAEAAABAAAAAAAAAAAAAAAAAAAAAAAAAAAAAAAAAAAAAAAAAAAAAAAAAAAAAAAAAAAAAAAAAAAAAAAAAAAAAAAAAAAAAAAAAAAAAAAAAAAAAAAAAAAAAAAAAAAAAFAAAADwAAAAAAAAAAAAAAAAAAAkUAAAAAQAAABQAAAAUAAAAFAAAAAEAAAAAAAAAZAAAAGQAAAAAAAAAZAAAAGQAAAAVAAAAYAAAAAAAAAAAAAAADwAAACADAAAAAAAAAAAAAAEAAACgMgAAVgcAAKr4//8BAAAAf39/AAEAAABkAAAAAAAAABQAAABAHwAAAAAAACYAAAAAAAAAwOD//wAAAAAmAAAAZAAAABYAAABMAAAAAAAAAAAAAAAEAAAAAAAAAAEAAACAgIAKAAAAACgAAAAoAAAAZAAAAGQAAAAAAAAAzMzMAAAAAABQAAAAUAAAAGQAAABkAAAAAAAAABcAAAAUAAAAAAAAAAAAAAD/fwAA/38AAAAAAAAJAAAABAAAAHsAfAAeAAAAaAAAAAAAAAAAAAAAAAAAAAAAAAAAAAAAECcAABAnAAAAAAAAAAAAAAAAAAAAAAAAAAAAAAAAAAAAAAAAAAAAABQAAAAAAAAAwMD/AAAAAABkAAAAMgAAAAAAAABkAAAAAAAAAH9/fwAKAAAAIgAAABgAAAAAAAAAAAAAAAAAAAAAAAAAAAAAAAAAAAAkAAAAJAAAAAAAAAAHAAAAAAAAAAAAAAAAAAAAAAAAAAAAAAAAAAAAf39/ACUAAABYAAAAAAAAAAAAAAAAAAAAAAAAAAAAAAAAAAAAAAAAAAAAAAAAAAAAAAAAAAAAAAA/AAAAAAAAAKCGAQAAAAAAAAAAAAAAAAAMAAAAAQAAAAAAAAAAAAAAAAAAAB8AAABUAAAAAAAABQAAAAEAAAAAAAAAAAAAAAAAAAAAAAAAAAAAAAAAAAAAAAAAAAAAAAJ/f38AAAAAA8zMzADAwP8Af39/AAAAAAAAAAAAAAAAAAAAAAAAAAAAIQAAABgAAAAUAAAAwAMAANgJAABARwAAsCUAABAAAAAmAAAACAAAAP//////////MAAAABQAAAAAAAAAAAD//wAAAQAAAP//AAABAA=="/>
               </a:ext>
             </a:extLst>
           </p:cNvSpPr>
@@ -2919,7 +2895,7 @@
             <a:spLocks noGrp="1" noChangeArrowheads="1"/>
             <a:extLst>
               <a:ext uri="smNativeData">
-                <pr:smNativeData xmlns:pr="smNativeData" xmlns="smNativeData" val="SMDATA_16_FrZCYxMAAAAlAAAAZAAAAA8BAAAAkAAAAEgAAACQAAAASAAAAAAAAAABAAAAAAAAAAEAAABQAAAAAAAAAAAA4D8AAAAAAADgPwAAAAAAAOA/AAAAAAAA4D8AAAAAAADgPwAAAAAAAOA/AAAAAAAA4D8AAAAAAADgPwAAAAAAAOA/AAAAAAAA4D8CAAAAjAAAAAAAAAAAAAAAu+DjDP///wgAAAAAAAAAAAAAAAAAAAAAAAAAAAAAAAAAAAAAZAAAAAEAAABAAAAAAAAAAAAAAAAAAAAAAAAAAAAAAAAAAAAAAAAAAAAAAAAAAAAAAAAAAAAAAAAAAAAAAAAAAAAAAAAAAAAAAAAAAAAAAAAAAAAAAAAAAAAAAAAAAAAAFAAAADwAAAAAAAAAAAAAAAAAAAkUAAAAAQAAABQAAAAUAAAAFAAAAAEAAAAAAAAAZAAAAGQAAAAAAAAAZAAAAGQAAAAVAAAAYAAAAAAAAAAAAAAADwAAACADAAAAAAAAAAAAAAEAAACgMgAAVgcAAKr4//8BAAAAf39/AAEAAABkAAAAAAAAABQAAABAHwAAAAAAACYAAAAAAAAAwOD//wAAAAAmAAAAZAAAABYAAABMAAAAAAAAAAAAAAAEAAAAAAAAAAEAAACAgIAKAAAAACgAAAAoAAAAZAAAAGQAAAAAAAAAzMzMAAAAAABQAAAAUAAAAGQAAABkAAAAAAAAABcAAAAUAAAAAAAAAAAAAAD/fwAA/38AAAAAAAAJAAAABAAAAHsAfAAeAAAAaAAAAAAAAAAAAAAAAAAAAAAAAAAAAAAAECcAABAnAAAAAAAAAAAAAAAAAAAAAAAAAAAAAAAAAAAAAAAAAAAAABQAAAAAAAAAwMD/AAAAAABkAAAAMgAAAAAAAABkAAAAAAAAAH9/fwAKAAAAIgAAABgAAAAAAAAAAAAAAAAAAAAAAAAAAAAAAAAAAAAkAAAAJAAAAAAAAAAHAAAAAAAAAAAAAAAAAAAAAAAAAAAAAAAAAAAAf39/ACUAAABYAAAAAAAAAAAAAAAAAAAAAAAAAAAAAAAAAAAAAAAAAAAAAAAAAAAAAAAAAAAAAAA/AAAAAAAAAKCGAQAAAAAAAAAAAAAAAAAMAAAAAQAAAAAAAAAAAAAAAAAAAB8AAABUAAAAAAAABQAAAAEAAAAAAAAAAAAAAAAAAAAAAAAAAAAAAAAAAAAAAAAAAAAAAAJ/f38AAAAAA8zMzADAwP8Af39/AAAAAAAAAAAAAAAAAAAAAAAAAAAAIQAAABgAAAAUAAAAwAMAABsnAAA/FQAAWSkAABAAAAAmAAAACAAAAP//////////MAAAABQAAAAAAAAAAAD//wAAAQAAAP//AAABAA=="/>
+                <pr:smNativeData xmlns:pr="smNativeData" xmlns="smNativeData" val="SMDATA_16_zfxKYxMAAAAlAAAAZAAAAA8BAAAAkAAAAEgAAACQAAAASAAAAAAAAAABAAAAAAAAAAEAAABQAAAAAAAAAAAA4D8AAAAAAADgPwAAAAAAAOA/AAAAAAAA4D8AAAAAAADgPwAAAAAAAOA/AAAAAAAA4D8AAAAAAADgPwAAAAAAAOA/AAAAAAAA4D8CAAAAjAAAAAAAAAAAAAAAu+DjDP///wgAAAAAAAAAAAAAAAAAAAAAAAAAAAAAAAAAAAAAZAAAAAEAAABAAAAAAAAAAAAAAAAAAAAAAAAAAAAAAAAAAAAAAAAAAAAAAAAAAAAAAAAAAAAAAAAAAAAAAAAAAAAAAAAAAAAAAAAAAAAAAAAAAAAAAAAAAAAAAAAAAAAAFAAAADwAAAAAAAAAAAAAAAAAAAkUAAAAAQAAABQAAAAUAAAAFAAAAAEAAAAAAAAAZAAAAGQAAAAAAAAAZAAAAGQAAAAVAAAAYAAAAAAAAAAAAAAADwAAACADAAAAAAAAAAAAAAEAAACgMgAAVgcAAKr4//8BAAAAf39/AAEAAABkAAAAAAAAABQAAABAHwAAAAAAACYAAAAAAAAAwOD//wAAAAAmAAAAZAAAABYAAABMAAAAAAAAAAAAAAAEAAAAAAAAAAEAAACAgIAKAAAAACgAAAAoAAAAZAAAAGQAAAAAAAAAzMzMAAAAAABQAAAAUAAAAGQAAABkAAAAAAAAABcAAAAUAAAAAAAAAAAAAAD/fwAA/38AAAAAAAAJAAAABAAAAHsAfAAeAAAAaAAAAAAAAAAAAAAAAAAAAAAAAAAAAAAAECcAABAnAAAAAAAAAAAAAAAAAAAAAAAAAAAAAAAAAAAAAAAAAAAAABQAAAAAAAAAwMD/AAAAAABkAAAAMgAAAAAAAABkAAAAAAAAAH9/fwAKAAAAIgAAABgAAAAAAAAAAAAAAAAAAAAAAAAAAAAAAAAAAAAkAAAAJAAAAAAAAAAHAAAAAAAAAAAAAAAAAAAAAAAAAAAAAAAAAAAAf39/ACUAAABYAAAAAAAAAAAAAAAAAAAAAAAAAAAAAAAAAAAAAAAAAAAAAAAAAAAAAAAAAAAAAAA/AAAAAAAAAKCGAQAAAAAAAAAAAAAAAAAMAAAAAQAAAAAAAAAAAAAAAAAAAB8AAABUAAAAAAAABQAAAAEAAAAAAAAAAAAAAAAAAAAAAAAAAAAAAAAAAAAAAAAAAAAAAAJ/f38AAAAAA8zMzADAwP8Af39/AAAAAAAAAAAAAAAAAAAAAAAAAAAAIQAAABgAAAAUAAAAwAMAABsnAAA/FQAAWSkAABAAAAAmAAAACAAAAP//////////MAAAABQAAAAAAAAAAAD//wAAAQAAAP//AAABAA=="/>
               </a:ext>
             </a:extLst>
           </p:cNvSpPr>
@@ -2954,7 +2930,7 @@
           </a:lstStyle>
           <a:p>
             <a:pPr/>
-            <a:fld id="{5BE64CC0-8EB6-B3BA-F85E-78EF02100E2D}" type="datetime1">
+            <a:fld id="{165FFF46-08FB-0A09-B5E7-FE5CB1A943AB}" type="datetime1">
               <a:t/>
             </a:fld>
           </a:p>
@@ -2967,7 +2943,7 @@
             <a:spLocks noGrp="1" noChangeArrowheads="1"/>
             <a:extLst>
               <a:ext uri="smNativeData">
-                <pr:smNativeData xmlns:pr="smNativeData" xmlns="smNativeData" val="SMDATA_16_FrZCYxMAAAAlAAAAZAAAAA8BAAAAkAAAAEgAAACQAAAASAAAAAAAAAABAAAAAAAAAAEAAABQAAAAAAAAAAAA4D8AAAAAAADgPwAAAAAAAOA/AAAAAAAA4D8AAAAAAADgPwAAAAAAAOA/AAAAAAAA4D8AAAAAAADgPwAAAAAAAOA/AAAAAAAA4D8CAAAAjAAAAAAAAAAAAAAAu+DjDP///wgAAAAAAAAAAAAAAAAAAAAAAAAAAAAAAAAAAAAAZAAAAAEAAABAAAAAAAAAAAAAAAAAAAAAAAAAAAAAAAAAAAAAAAAAAAAAAAAAAAAAAAAAAAAAAAAAAAAAAAAAAAAAAAAAAAAAAAAAAAAAAAAAAAAAAAAAAAAAAAAAAAAAFAAAADwAAAAAAAAAAAAAAAAAAAkUAAAAAQAAABQAAAAUAAAAFAAAAAEAAAAAAAAAZAAAAGQAAAAAAAAAZAAAAGQAAAAVAAAAYAAAAAAAAAAAAAAADwAAACADAAAAAAAAAAAAAAEAAACgMgAAVgcAAKr4//8BAAAAf39/AAEAAABkAAAAAAAAABQAAABAHwAAAAAAACYAAAAAAAAAwOD//wAAAAAmAAAAZAAAABYAAABMAAAAAAAAAAAAAAAEAAAAAAAAAAEAAACAgIAKAAAAACgAAAAoAAAAZAAAAGQAAAAAAAAAzMzMAAAAAABQAAAAUAAAAGQAAABkAAAAAAAAABcAAAAUAAAAAAAAAAAAAAD/fwAA/38AAAAAAAAJAAAABAAAAAAAAAAeAAAAaAAAAAAAAAAAAAAAAAAAAAAAAAAAAAAAECcAABAnAAAAAAAAAAAAAAAAAAAAAAAAAAAAAAAAAAAAAAAAAAAAABQAAAAAAAAAwMD/AAAAAABkAAAAMgAAAAAAAABkAAAAAAAAAH9/fwAKAAAAIgAAABgAAAAAAAAAAAAAAAAAAAAAAAAAAAAAAAAAAAAkAAAAJAAAAAAAAAAHAAAAAAAAAAAAAAAAAAAAAAAAAAAAAAAAAAAAf39/ACUAAABYAAAAAAAAAAAAAAAAAAAAAAAAAAAAAAAAAAAAAAAAAAAAAAAAAAAAAAAAAAAAAAA/AAAAAAAAAKCGAQAAAAAAAAAAAAAAAAAMAAAAAQAAAAAAAAAAAAAAAAAAAB8AAABUAAAAAAAABQAAAAEAAAAAAAAAAAAAAAAAAAAAAAAAAAAAAAAAAAAAAAAAAAAAAAJ/f38AAAAAA8zMzADAwP8Af39/AAAAAAAAAAAAAAAAAAAAAAAAAAAAIQAAABgAAAAUAAAAoRkAABsnAABfMQAAWSkAABAAAAAmAAAACAAAAP//////////MAAAABQAAAAAAAAAAAD//wAAAQAAAP//AAABAA=="/>
+                <pr:smNativeData xmlns:pr="smNativeData" xmlns="smNativeData" val="SMDATA_16_zfxKYxMAAAAlAAAAZAAAAA8BAAAAkAAAAEgAAACQAAAASAAAAAAAAAABAAAAAAAAAAEAAABQAAAAAAAAAAAA4D8AAAAAAADgPwAAAAAAAOA/AAAAAAAA4D8AAAAAAADgPwAAAAAAAOA/AAAAAAAA4D8AAAAAAADgPwAAAAAAAOA/AAAAAAAA4D8CAAAAjAAAAAAAAAAAAAAAu+DjDP///wgAAAAAAAAAAAAAAAAAAAAAAAAAAAAAAAAAAAAAZAAAAAEAAABAAAAAAAAAAAAAAAAAAAAAAAAAAAAAAAAAAAAAAAAAAAAAAAAAAAAAAAAAAAAAAAAAAAAAAAAAAAAAAAAAAAAAAAAAAAAAAAAAAAAAAAAAAAAAAAAAAAAAFAAAADwAAAAAAAAAAAAAAAAAAAkUAAAAAQAAABQAAAAUAAAAFAAAAAEAAAAAAAAAZAAAAGQAAAAAAAAAZAAAAGQAAAAVAAAAYAAAAAAAAAAAAAAADwAAACADAAAAAAAAAAAAAAEAAACgMgAAVgcAAKr4//8BAAAAf39/AAEAAABkAAAAAAAAABQAAABAHwAAAAAAACYAAAAAAAAAwOD//wAAAAAmAAAAZAAAABYAAABMAAAAAAAAAAAAAAAEAAAAAAAAAAEAAACAgIAKAAAAACgAAAAoAAAAZAAAAGQAAAAAAAAAzMzMAAAAAABQAAAAUAAAAGQAAABkAAAAAAAAABcAAAAUAAAAAAAAAAAAAAD/fwAA/38AAAAAAAAJAAAABAAAAAAAAAAeAAAAaAAAAAAAAAAAAAAAAAAAAAAAAAAAAAAAECcAABAnAAAAAAAAAAAAAAAAAAAAAAAAAAAAAAAAAAAAAAAAAAAAABQAAAAAAAAAwMD/AAAAAABkAAAAMgAAAAAAAABkAAAAAAAAAH9/fwAKAAAAIgAAABgAAAAAAAAAAAAAAAAAAAAAAAAAAAAAAAAAAAAkAAAAJAAAAAAAAAAHAAAAAAAAAAAAAAAAAAAAAAAAAAAAAAAAAAAAf39/ACUAAABYAAAAAAAAAAAAAAAAAAAAAAAAAAAAAAAAAAAAAAAAAAAAAAAAAAAAAAAAAAAAAAA/AAAAAAAAAKCGAQAAAAAAAAAAAAAAAAAMAAAAAQAAAAAAAAAAAAAAAAAAAB8AAABUAAAAAAAABQAAAAEAAAAAAAAAAAAAAAAAAAAAAAAAAAAAAAAAAAAAAAAAAAAAAAJ/f38AAAAAA8zMzADAwP8Af39/AAAAAAAAAAAAAAAAAAAAAAAAAAAAIQAAABgAAAAUAAAAoRkAABsnAABfMQAAWSkAABAAAAAmAAAACAAAAP//////////MAAAABQAAAAAAAAAAAD//wAAAQAAAP//AAABAA=="/>
               </a:ext>
             </a:extLst>
           </p:cNvSpPr>
@@ -3002,9 +2978,6 @@
           </a:lstStyle>
           <a:p>
             <a:pPr/>
-            <a:r>
-              <a:t/>
-            </a:r>
           </a:p>
         </p:txBody>
       </p:sp>
@@ -3015,7 +2988,7 @@
             <a:spLocks noGrp="1" noChangeArrowheads="1"/>
             <a:extLst>
               <a:ext uri="smNativeData">
-                <pr:smNativeData xmlns:pr="smNativeData" xmlns="smNativeData" val="SMDATA_16_FrZCYxMAAAAlAAAAZAAAAA8BAAAAkAAAAEgAAACQAAAASAAAAAAAAAABAAAAAAAAAAEAAABQAAAAAAAAAAAA4D8AAAAAAADgPwAAAAAAAOA/AAAAAAAA4D8AAAAAAADgPwAAAAAAAOA/AAAAAAAA4D8AAAAAAADgPwAAAAAAAOA/AAAAAAAA4D8CAAAAjAAAAAAAAAAAAAAAu+DjDP///wgAAAAAAAAAAAAAAAAAAAAAAAAAAAAAAAAAAAAAZAAAAAEAAABAAAAAAAAAAAAAAAAAAAAAAAAAAAAAAAAAAAAAAAAAAAAAAAAAAAAAAAAAAAAAAAAAAAAAAAAAAAAAAAAAAAAAAAAAAAAAAAAAAAAAAAAAAAAAAAAAAAAAFAAAADwAAAAAAAAAAAAAAAAAAAkUAAAAAQAAABQAAAAUAAAAFAAAAAEAAAAAAAAAZAAAAGQAAAAAAAAAZAAAAGQAAAAVAAAAYAAAAAAAAAAAAAAADwAAACADAAAAAAAAAAAAAAEAAACgMgAAVgcAAKr4//8BAAAAf39/AAEAAABkAAAAAAAAABQAAABAHwAAAAAAACYAAAAAAAAAwOD//wAAAAAmAAAAZAAAABYAAABMAAAAAAAAAAAAAAAEAAAAAAAAAAEAAACAgIAKAAAAACgAAAAoAAAAZAAAAGQAAAAAAAAAzMzMAAAAAABQAAAAUAAAAGQAAABkAAAAAAAAABcAAAAUAAAAAAAAAAAAAAD/fwAA/38AAAAAAAAJAAAABAAAAP////8eAAAAaAAAAAAAAAAAAAAAAAAAAAAAAAAAAAAAECcAABAnAAAAAAAAAAAAAAAAAAAAAAAAAAAAAAAAAAAAAAAAAAAAABQAAAAAAAAAwMD/AAAAAABkAAAAMgAAAAAAAABkAAAAAAAAAH9/fwAKAAAAIgAAABgAAAAAAAAAAAAAAAAAAAAAAAAAAAAAAAAAAAAkAAAAJAAAAAAAAAAHAAAAAAAAAAAAAAAAAAAAAAAAAAAAAAAAAAAAf39/ACUAAABYAAAAAAAAAAAAAAAAAAAAAAAAAAAAAAAAAAAAAAAAAAAAAAAAAAAAAAAAAAAAAAA/AAAAAAAAAKCGAQAAAAAAAAAAAAAAAAAMAAAAAQAAAAAAAAAAAAAAAAAAAB8AAABUAAAAAAAABQAAAAEAAAAAAAAAAAAAAAAAAAAAAAAAAAAAAAAAAAAAAAAAAAAAAAJ/f38AAAAAA8zMzADAwP8Af39/AAAAAAAAAAAAAAAAAAAAAAAAAAAAIQAAABgAAAAUAAAAwTUAABsnAABARwAAWSkAABAAAAAmAAAACAAAAP//////////MAAAABQAAAAAAAAAAAD//wAAAQAAAP//AAABAA=="/>
+                <pr:smNativeData xmlns:pr="smNativeData" xmlns="smNativeData" val="SMDATA_16_zfxKYxMAAAAlAAAAZAAAAA8BAAAAkAAAAEgAAACQAAAASAAAAAAAAAABAAAAAAAAAAEAAABQAAAAAAAAAAAA4D8AAAAAAADgPwAAAAAAAOA/AAAAAAAA4D8AAAAAAADgPwAAAAAAAOA/AAAAAAAA4D8AAAAAAADgPwAAAAAAAOA/AAAAAAAA4D8CAAAAjAAAAAAAAAAAAAAAu+DjDP///wgAAAAAAAAAAAAAAAAAAAAAAAAAAAAAAAAAAAAAZAAAAAEAAABAAAAAAAAAAAAAAAAAAAAAAAAAAAAAAAAAAAAAAAAAAAAAAAAAAAAAAAAAAAAAAAAAAAAAAAAAAAAAAAAAAAAAAAAAAAAAAAAAAAAAAAAAAAAAAAAAAAAAFAAAADwAAAAAAAAAAAAAAAAAAAkUAAAAAQAAABQAAAAUAAAAFAAAAAEAAAAAAAAAZAAAAGQAAAAAAAAAZAAAAGQAAAAVAAAAYAAAAAAAAAAAAAAADwAAACADAAAAAAAAAAAAAAEAAACgMgAAVgcAAKr4//8BAAAAf39/AAEAAABkAAAAAAAAABQAAABAHwAAAAAAACYAAAAAAAAAwOD//wAAAAAmAAAAZAAAABYAAABMAAAAAAAAAAAAAAAEAAAAAAAAAAEAAACAgIAKAAAAACgAAAAoAAAAZAAAAGQAAAAAAAAAzMzMAAAAAABQAAAAUAAAAGQAAABkAAAAAAAAABcAAAAUAAAAAAAAAAAAAAD/fwAA/38AAAAAAAAJAAAABAAAAP////8eAAAAaAAAAAAAAAAAAAAAAAAAAAAAAAAAAAAAECcAABAnAAAAAAAAAAAAAAAAAAAAAAAAAAAAAAAAAAAAAAAAAAAAABQAAAAAAAAAwMD/AAAAAABkAAAAMgAAAAAAAABkAAAAAAAAAH9/fwAKAAAAIgAAABgAAAAAAAAAAAAAAAAAAAAAAAAAAAAAAAAAAAAkAAAAJAAAAAAAAAAHAAAAAAAAAAAAAAAAAAAAAAAAAAAAAAAAAAAAf39/ACUAAABYAAAAAAAAAAAAAAAAAAAAAAAAAAAAAAAAAAAAAAAAAAAAAAAAAAAAAAAAAAAAAAA/AAAAAAAAAKCGAQAAAAAAAAAAAAAAAAAMAAAAAQAAAAAAAAAAAAAAAAAAAB8AAABUAAAAAAAABQAAAAEAAAAAAAAAAAAAAAAAAAAAAAAAAAAAAAAAAAAAAAAAAAAAAAJ/f38AAAAAA8zMzADAwP8Af39/AAAAAAAAAAAAAAAAAAAAAAAAAAAAIQAAABgAAAAUAAAAwTUAABsnAABARwAAWSkAABAAAAAmAAAACAAAAP//////////MAAAABQAAAAAAAAAAAD//wAAAQAAAP//AAABAA=="/>
               </a:ext>
             </a:extLst>
           </p:cNvSpPr>
@@ -3050,7 +3023,7 @@
           </a:lstStyle>
           <a:p>
             <a:pPr/>
-            <a:fld id="{7EA4BC44-0A93-F14A-DD1C-FC1FF2522BA9}" type="slidenum">
+            <a:fld id="{23E73430-7ECE-B2C2-805F-88977A1176DD}" type="slidenum">
               <a:t/>
             </a:fld>
           </a:p>
@@ -3724,99 +3697,11 @@
       </p:grpSpPr>
       <p:sp>
         <p:nvSpPr>
-          <p:cNvPr id="2" name="SlideTitle1"/>
-          <p:cNvSpPr>
-            <a:spLocks noGrp="1" noChangeArrowheads="1"/>
-            <a:extLst>
-              <a:ext uri="smNativeData">
-                <pr:smNativeData xmlns:pr="smNativeData" xmlns="smNativeData" val="SMDATA_16_FrZCYxMAAAAlAAAAZAAAAA8BAAAAkAAAAEgAAACQAAAASAAAAAAAAAABAAAAAAAAAAEAAABQAAAAAAAAAAAA4D8AAAAAAADgPwAAAAAAAOA/AAAAAAAA4D8AAAAAAADgPwAAAAAAAOA/AAAAAAAA4D8AAAAAAADgPwAAAAAAAOA/AAAAAAAA4D8CAAAAjAAAAAAAAAAAAAAAu+DjDP///wgAAAAAAAAAAAAAAAAAAAAAAAAAAAAAAAAAAAAAZAAAAAEAAABAAAAAAAAAAAAAAAAAAAAAAAAAAAAAAAAAAAAAAAAAAAAAAAAAAAAAAAAAAAAAAAAAAAAAAAAAAAAAAAAAAAAAAAAAAAAAAAAAAAAAAAAAAAAAAAAAAAAAFAAAADwAAAAAAAAAAAAAAAAAAAkUAAAAAQAAABQAAAAUAAAAFAAAAAEAAAAAAAAAZAAAAGQAAAAAAAAAZAAAAGQAAAAVAAAAYAAAAAAAAAAAAAAADwAAACADAAAAAAAAAAAAAAEAAACgMgAAVgcAAKr4//8BAAAAf39/AAEAAABkAAAAAAAAABQAAABAHwAAAAAAACYAAAAAAAAAwOD//wAAAAAmAAAAZAAAABYAAABMAAAAAAAAAAAAAAAEAAAAAAAAAAEAAACAgIAKAAAAACgAAAAoAAAAZAAAAGQAAAAAAAAAzMzMAAAAAABQAAAAUAAAAGQAAABkAAAAAAAAABcAAAAUAAAAAAAAAAAAAAD/fwAA/38AAAAAAAAJAAAABAAAAAAAAAAeAAAAaAAAAAAAAAAAAAAAAAAAAAAAAAAAAAAAECcAABAnAAAAAAAAAAAAAAAAAAAAAAAAAAAAAAAAAAAAAAAAAAAAABQAAAAAAAAAwMD/AAAAAABkAAAAMgAAAAAAAABkAAAAAAAAAH9/fwAKAAAAIgAAABgAAAAAAAAAAAAAAAAAAAAAAAAAAAAAAAAAAAAkAAAAJAAAAAAAAAAHAAAAAAAAAAAAAAAAAAAAAAAAAAAAAAAAAAAAf39/ACUAAABYAAAAAAAAAAAAAAAAAAAAAAAAAAAAAAAAAAAAAAAAAAAAAAAAAAAAAAAAAAAAAAA/AAAAAAAAAKCGAQAAAAAAAAAAAAAAAAAMAAAAAQAAAAAAAAAAAAAAAAAAAB8AAABUAAAAAAAABQAAAAEAAAAAAAAAAAAAAAAAAAAAAAAAAAAAAAAAAAAAAAAAAAAAAAJ/f38AAAAAA8zMzADAwP8Af39/AAAAAAAAAAAAAAAAAAAAAAAAAAAAIQAAABgAAAAUAAAAoAUAABoNAABgRQAAJhYAAAAAAAAmAAAACAAAAAEAAAAAAAAAMAAAABQAAAAAAAAAAAD//wAAAQAAAP//AAABAA=="/>
-              </a:ext>
-            </a:extLst>
-          </p:cNvSpPr>
-          <p:nvPr>
-            <p:ph type="ctrTitle"/>
-          </p:nvPr>
-        </p:nvSpPr>
-        <p:spPr>
-          <a:xfrm>
-            <a:off x="914400" y="2129790"/>
-            <a:ext cx="10363200" cy="1470660"/>
-          </a:xfrm>
-        </p:spPr>
-        <p:txBody>
-          <a:bodyPr/>
-          <a:lstStyle/>
-          <a:p>
-            <a:pPr/>
-            <a:r>
-              <a:t>PomoTufty</a:t>
-            </a:r>
-          </a:p>
-        </p:txBody>
-      </p:sp>
-      <p:sp>
-        <p:nvSpPr>
-          <p:cNvPr id="3" name="SlideSubtitle1"/>
-          <p:cNvSpPr>
-            <a:spLocks noGrp="1" noChangeArrowheads="1"/>
-            <a:extLst>
-              <a:ext uri="smNativeData">
-                <pr:smNativeData xmlns:pr="smNativeData" xmlns="smNativeData" val="SMDATA_16_FrZCYxMAAAAlAAAAZAAAAA8BAAAAkAAAAEgAAACQAAAASAAAAAAAAAAAAAAAAAAAAAEAAABQAAAAAAAAAAAA4D8AAAAAAADgPwAAAAAAAOA/AAAAAAAA4D8AAAAAAADgPwAAAAAAAOA/AAAAAAAA4D8AAAAAAADgPwAAAAAAAOA/AAAAAAAA4D8CAAAAjAAAAAAAAAAAAAAAu+DjDP///wgAAAAAAAAAAAAAAAAAAAAAAAAAAAAAAAAAAAAAZAAAAAEAAABAAAAAAAAAAAAAAAAAAAAAAAAAAAAAAAAAAAAAAAAAAAAAAAAAAAAAAAAAAAAAAAAAAAAAAAAAAAAAAAAAAAAAAAAAAAAAAAAAAAAAAAAAAAAAAAAAAAAAFAAAADwAAAAAAAAAAAAAAAAAAAkUAAAAAQAAABQAAAAUAAAAFAAAAAEAAAAAAAAAZAAAAGQAAAAAAAAAZAAAAGQAAAAVAAAAYAAAAAAAAAAAAAAADwAAACADAAAAAAAAAAAAAAEAAACgMgAAVgcAAKr4//8BAAAAf39/AAEAAABkAAAAAAAAABQAAABAHwAAAAAAACYAAAAAAAAAwOD//wAAAAAmAAAAZAAAABYAAABMAAAAAAAAAAAAAAAEAAAAAAAAAAEAAACAgIAKAAAAACgAAAAoAAAAZAAAAGQAAAAAAAAAzMzMAAAAAABQAAAAUAAAAGQAAABkAAAAAAAAABcAAAAUAAAAAAAAAAAAAAD/fwAA/38AAAAAAAAJAAAABAAAAAAAAAAeAAAAaAAAAAAAAAAAAAAAAAAAAAAAAAAAAAAAECcAABAnAAAAAAAAAAAAAAAAAAAAAAAAAAAAAAAAAAAAAAAAAAAAABQAAAAAAAAAwMD/AAAAAABkAAAAMgAAAAAAAABkAAAAAAAAAH9/fwAKAAAAIgAAABgAAAAAAAAAAAAAAAAAAAAAAAAAAAAAAAAAAAAkAAAAJAAAAAAAAAAHAAAAAAAAAAAAAAAAAAAAAAAAAAAAAAAAAAAAf39/ACUAAABYAAAAAAAAAAAAAAAAAAAAAAAAAAAAAAAAAAAAAAAAAAAAAAAAAAAAAAAAAAAAAAA/AAAAAAAAAKCGAQAAAAAAAAAAAAAAAAAMAAAAAQAAAAAAAAAAAAAAAAAAAB8AAABUAAAAAAAABQAAAAEAAAAAAAAAAAAAAAAAAAAAAAAAAAAAAAAAAAAAAAAAAAAAAAJ/f38AAAAAA8zMzADAwP8Af39/AAAAAAAAAAAAAAAAAAAAAAAAAAAAIQAAABgAAAAUAAAAQAsAAOgXAADAPwAAsCIAABAAAAAmAAAACAAAAAAAAAAAAAAAMAAAABQAAAAAAAAAAAD//wAAAQAAAP//AAABAA=="/>
-              </a:ext>
-            </a:extLst>
-          </p:cNvSpPr>
-          <p:nvPr>
-            <p:ph type="subTitle" idx="1"/>
-          </p:nvPr>
-        </p:nvSpPr>
-        <p:spPr/>
-        <p:txBody>
-          <a:bodyPr/>
-          <a:lstStyle/>
-          <a:p>
-            <a:pPr/>
-          </a:p>
-        </p:txBody>
-      </p:sp>
-    </p:spTree>
-  </p:cSld>
-  <p:clrMapOvr>
-    <a:masterClrMapping/>
-  </p:clrMapOvr>
-  <p:timing>
-    <p:tnLst>
-      <p:par>
-        <p:cTn id="1" dur="indefinite" restart="never" nodeType="tmRoot"/>
-      </p:par>
-    </p:tnLst>
-  </p:timing>
-</p:sld>
-</file>
-
-<file path=ppt/slides/slide2.xml><?xml version="1.0" encoding="utf-8"?>
-<p:sld xmlns:p="http://schemas.openxmlformats.org/presentationml/2006/main" xmlns:mc="http://schemas.openxmlformats.org/markup-compatibility/2006" xmlns:p14="http://schemas.microsoft.com/office/powerpoint/2010/main" xmlns:p15="http://schemas.microsoft.com/office/powerpoint/2012/main" xmlns:r="http://schemas.openxmlformats.org/officeDocument/2006/relationships" xmlns:a="http://schemas.openxmlformats.org/drawingml/2006/main" mc:Ignorable="p14">
-  <p:cSld>
-    <p:spTree>
-      <p:nvGrpSpPr>
-        <p:cNvPr id="1" name=""/>
-        <p:cNvGrpSpPr/>
-        <p:nvPr/>
-      </p:nvGrpSpPr>
-      <p:grpSpPr>
-        <a:xfrm>
-          <a:off x="0" y="0"/>
-          <a:ext cx="0" cy="0"/>
-          <a:chOff x="0" y="0"/>
-          <a:chExt cx="0" cy="0"/>
-        </a:xfrm>
-      </p:grpSpPr>
-      <p:sp>
-        <p:nvSpPr>
           <p:cNvPr id="2" name="Textbox1"/>
           <p:cNvSpPr txBox="1">
             <a:extLst>
               <a:ext uri="smNativeData">
-                <pr:smNativeData xmlns:pr="smNativeData" xmlns="smNativeData" val="SMDATA_16_FrZCYxMAAAAlAAAAEgAAAA8BAAAAkAAAAEgAAACQAAAASAAAAAAAAAAAAAAAAAAAAAEAAABQAAAAAAAAAAAA4D8AAAAAAADgPwAAAAAAAOA/AAAAAAAA4D8AAAAAAADgPwAAAAAAAOA/AAAAAAAA4D8AAAAAAADgPwAAAAAAAOA/AAAAAAAA4D8CAAAAjAAAAAAAAAAAAAAAu+DjDP///wgAAAAAAAAAAAAAAAAAAAAAAAAAAAAAAAAAAAAAZAAAAAEAAABAAAAAAAAAAAAAAAAAAAAAAAAAAAAAAAAAAAAAAAAAAAAAAAAAAAAAAAAAAAAAAAAAAAAAAAAAAAAAAAAAAAAAAAAAAAAAAAAAAAAAAAAAAAAAAAAAAAAAFAAAADwAAAABAAAAAAAAAAAAAAkKAAAAAQAAAAEAAAAAAAAAAAAAAAAAAAAAAAAAZAAAAGQAAAAAAAAAZAAAAGQAAAAVAAAAYAAAAAAAAAAAAAAADwAAACADAAAAAAAAAAAAAAEAAACgMgAAVgcAAKr4//8BAAAAf39/AAEAAABkAAAAAAAAABQAAABAHwAAAAAAACYAAAAAAAAAwOD//wAAAAAmAAAAZAAAABYAAABMAAAAAAAAAAAAAAAEAAAAAAAAAAEAAACAgIAKAAAAACgAAAAoAAAAZAAAAGQAAAAAAAAAzMzMAAAAAABQAAAAUAAAAGQAAABkAAAAAAAAABcAAAAUAAAAAAAAANwIAAD/fwAA/38AAAAAAAAJAAAABAAAAAAAAAAeAAAAaAAAAAAAAAAAAAAAAAAAAAAAAAAAAAAAECcAABAnAAAAAAAAAAAAAAAAAAAAAAAAAAAAAAAAAAAAAAAAAAAAABQAAAAAAAAAwMD/AAAAAABkAAAAMgAAAAAAAABkAAAAAAAAAH9/fwAKAAAAIgAAABgAAAAAAAAAAAAAAAAAAAAAAAAAAAAAAAAAAAAkAAAAJAAAAAAAAAAHAAAAAAAAAAAAAAAAAAAAAAAAAAAAAAAAAAAAf39/ACUAAABYAAAAAAAAAAAAAAAAAAAAAAAAAAAAAAAAAAAAAAAAAAAAAAAAAAAAAAAAAAAAAAA/AAAAAAAAAKCGAQAAAAAAAAAAAAAAAAAMAAAAAQAAAAAAAAAAAAAAAAAAAB8AAABUAAAAu+DjBf///wEAAAAAAAAAAAAAAAAAAAAAAAAAAAAAAAAAAAAAAAAAAAAAAAJ/f38AgICAA8zMzADAwP8Af39/AAAAAAAAAAAAAAAAAAAAAAAAAAAAIQAAABgAAAAUAAAAYBkAAFQBAAB5KwAACQsAAAAAAAAmAAAACAAAAP//////////MAAAABQAAAAAAAAAAAD//wAAAQAAAP//AAABAA=="/>
+                <pr:smNativeData xmlns:pr="smNativeData" xmlns="smNativeData" val="SMDATA_16_zfxKYxMAAAAlAAAAEgAAAA8BAAAAkAAAAEgAAACQAAAASAAAAAAAAAAAAAAAAAAAAAEAAABQAAAAAAAAAAAA4D8AAAAAAADgPwAAAAAAAOA/AAAAAAAA4D8AAAAAAADgPwAAAAAAAOA/AAAAAAAA4D8AAAAAAADgPwAAAAAAAOA/AAAAAAAA4D8CAAAAjAAAAAAAAAAAAAAAu+DjDP///wgAAAAAAAAAAAAAAAAAAAAAAAAAAAAAAAAAAAAAZAAAAAEAAABAAAAAAAAAAAAAAAAAAAAAAAAAAAAAAAAAAAAAAAAAAAAAAAAAAAAAAAAAAAAAAAAAAAAAAAAAAAAAAAAAAAAAAAAAAAAAAAAAAAAAAAAAAAAAAAAAAAAAFAAAADwAAAABAAAAAAAAAAAAAAkKAAAAAQAAAAEAAAAAAAAAAAAAAAAAAAAAAAAAZAAAAGQAAAAAAAAAZAAAAGQAAAAVAAAAYAAAAAAAAAAAAAAADwAAACADAAAAAAAAAAAAAAEAAACgMgAAVgcAAKr4//8BAAAAf39/AAEAAABkAAAAAAAAABQAAABAHwAAAAAAACYAAAAAAAAAwOD//wAAAAAmAAAAZAAAABYAAABMAAAAAAAAAAAAAAAEAAAAAAAAAAEAAACAgIAKAAAAACgAAAAoAAAAZAAAAGQAAAAAAAAAzMzMAAAAAABQAAAAUAAAAGQAAABkAAAAAAAAABcAAAAUAAAAAAAAANwIAAD/fwAA/38AAAAAAAAJAAAABAAAAAAAAAAeAAAAaAAAAAAAAAAAAAAAAAAAAAAAAAAAAAAAECcAABAnAAAAAAAAAAAAAAAAAAAAAAAAAAAAAAAAAAAAAAAAAAAAABQAAAAAAAAAwMD/AAAAAABkAAAAMgAAAAAAAABkAAAAAAAAAH9/fwAKAAAAIgAAABgAAAAAAAAAAAAAAAAAAAAAAAAAAAAAAAAAAAAkAAAAJAAAAAAAAAAHAAAAAAAAAAAAAAAAAAAAAAAAAAAAAAAAAAAAf39/ACUAAABYAAAAAAAAAAAAAAAAAAAAAAAAAAAAAAAAAAAAAAAAAAAAAAAAAAAAAAAAAAAAAAA/AAAAAAAAAKCGAQAAAAAAAAAAAAAAAAAMAAAAAQAAAAAAAAAAAAAAAAAAAB8AAABUAAAAu+DjBf///wEAAAAAAAAAAAAAAAAAAAAAAAAAAAAAAAAAAAAAAAAAAAAAAAJ/f38AgICAA8zMzADAwP8Af39/AAAAAAAAAAAAAAAAAAAAAAAAAAAAIQAAABgAAAAUAAAAYBkAAFQBAAB5KwAACQsAABAAAAAmAAAACAAAAP//////////MAAAABQAAAAAAAAAAAD//wAAAQAAAP//AAABAA=="/>
               </a:ext>
             </a:extLst>
           </p:cNvSpPr>
@@ -3879,7 +3764,7 @@
           <p:cNvSpPr txBox="1">
             <a:extLst>
               <a:ext uri="smNativeData">
-                <pr:smNativeData xmlns:pr="smNativeData" xmlns="smNativeData" val="SMDATA_16_FrZCYxMAAAAlAAAAEgAAAA8BAAAAkAAAAEgAAACQAAAASAAAAAAAAAAAAAAAAAAAAAEAAABQAAAAAAAAAAAA4D8AAAAAAADgPwAAAAAAAOA/AAAAAAAA4D8AAAAAAADgPwAAAAAAAOA/AAAAAAAA4D8AAAAAAADgPwAAAAAAAOA/AAAAAAAA4D8CAAAAjAAAAAAAAAAAAAAAu+DjDP///wgAAAAAAAAAAAAAAAAAAAAAAAAAAAAAAAAAAAAAZAAAAAEAAABAAAAAAAAAAAAAAAAAAAAAAAAAAAAAAAAAAAAAAAAAAAAAAAAAAAAAAAAAAAAAAAAAAAAAAAAAAAAAAAAAAAAAAAAAAAAAAAAAAAAAAAAAAAAAAAAAAAAAFAAAADwAAAABAAAAAAAAAAAAAAkKAAAAAQAAAAEAAAAAAAAAAAAAAAAAAAAAAAAAZAAAAGQAAAAAAAAAZAAAAGQAAAAVAAAAYAAAAAAAAAAAAAAADwAAACADAAAAAAAAAAAAAAEAAACgMgAAVgcAAKr4//8BAAAAf39/AAEAAABkAAAAAAAAABQAAABAHwAAAAAAACYAAAAAAAAAwOD//wAAAAAmAAAAZAAAABYAAABMAAAAAAAAAAAAAAAEAAAAAAAAAAEAAACAgIAKAAAAACgAAAAoAAAAZAAAAGQAAAAAAAAAzMzMAAAAAABQAAAAUAAAAGQAAABkAAAAAAAAABcAAAAUAAAAAAAAANwIAAD/fwAA/38AAAAAAAAJAAAABAAAANAi3VYeAAAAaAAAAAAAAAAAAAAAAAAAAAAAAAAAAAAAECcAABAnAAAAAAAAAAAAAAAAAAAAAAAAAAAAAAAAAAAAAAAAAAAAABQAAAAAAAAAwMD/AAAAAABkAAAAMgAAAAAAAABkAAAAAAAAAH9/fwAKAAAAIgAAABgAAAAAAAAAAAAAAAAAAAAAAAAAAAAAAAAAAAAkAAAAJAAAAAAAAAAHAAAAAAAAAAAAAAAAAAAAAAAAAAAAAAAAAAAAf39/ACUAAABYAAAAAAAAAAAAAAAAAAAAAAAAAAAAAAAAAAAAAAAAAAAAAAAAAAAAAAAAAAAAAAA/AAAAAAAAAKCGAQAAAAAAAAAAAAAAAAAMAAAAAQAAAAAAAAAAAAAAAAAAAB8AAABUAAAAu+DjBf///wEAAAAAAAAAAAAAAAAAAAAAAAAAAAAAAAAAAAAAAAAAAAAAAAJ/f38AgICAA8zMzADAwP8Af39/AAAAAAAAAAAAAAAAAAAAAAAAAAAAIQAAABgAAAAUAAAAxAEAANsEAADWFwAAihIAAAAAAAAmAAAACAAAAP//////////MAAAABQAAAAAAAAAAAD//wAAAQAAAP//AAABAA=="/>
+                <pr:smNativeData xmlns:pr="smNativeData" xmlns="smNativeData" val="SMDATA_16_zfxKYxMAAAAlAAAAEgAAAA8BAAAAkAAAAEgAAACQAAAASAAAAAAAAAAAAAAAAAAAAAEAAABQAAAAAAAAAAAA4D8AAAAAAADgPwAAAAAAAOA/AAAAAAAA4D8AAAAAAADgPwAAAAAAAOA/AAAAAAAA4D8AAAAAAADgPwAAAAAAAOA/AAAAAAAA4D8CAAAAjAAAAAAAAAAAAAAAu+DjDP///wgAAAAAAAAAAAAAAAAAAAAAAAAAAAAAAAAAAAAAZAAAAAEAAABAAAAAAAAAAAAAAAAAAAAAAAAAAAAAAAAAAAAAAAAAAAAAAAAAAAAAAAAAAAAAAAAAAAAAAAAAAAAAAAAAAAAAAAAAAAAAAAAAAAAAAAAAAAAAAAAAAAAAFAAAADwAAAABAAAAAAAAAAAAAAkKAAAAAQAAAAEAAAAAAAAAAAAAAAAAAAAAAAAAZAAAAGQAAAAAAAAAZAAAAGQAAAAVAAAAYAAAAAAAAAAAAAAADwAAACADAAAAAAAAAAAAAAEAAACgMgAAVgcAAKr4//8BAAAAf39/AAEAAABkAAAAAAAAABQAAABAHwAAAAAAACYAAAAAAAAAwOD//wAAAAAmAAAAZAAAABYAAABMAAAAAAAAAAAAAAAEAAAAAAAAAAEAAACAgIAKAAAAACgAAAAoAAAAZAAAAGQAAAAAAAAAzMzMAAAAAABQAAAAUAAAAGQAAABkAAAAAAAAABcAAAAUAAAAAAAAANwIAAD/fwAA/38AAAAAAAAJAAAABAAAANAi3VYeAAAAaAAAAAAAAAAAAAAAAAAAAAAAAAAAAAAAECcAABAnAAAAAAAAAAAAAAAAAAAAAAAAAAAAAAAAAAAAAAAAAAAAABQAAAAAAAAAwMD/AAAAAABkAAAAMgAAAAAAAABkAAAAAAAAAH9/fwAKAAAAIgAAABgAAAAAAAAAAAAAAAAAAAAAAAAAAAAAAAAAAAAkAAAAJAAAAAAAAAAHAAAAAAAAAAAAAAAAAAAAAAAAAAAAAAAAAAAAf39/ACUAAABYAAAAAAAAAAAAAAAAAAAAAAAAAAAAAAAAAAAAAAAAAAAAAAAAAAAAAAAAAAAAAAA/AAAAAAAAAKCGAQAAAAAAAAAAAAAAAAAMAAAAAQAAAAAAAAAAAAAAAAAAAB8AAABUAAAAu+DjBf///wEAAAAAAAAAAAAAAAAAAAAAAAAAAAAAAAAAAAAAAAAAAAAAAAJ/f38AgICAA8zMzADAwP8Af39/AAAAAAAAAAAAAAAAAAAAAAAAAAAAIQAAABgAAAAUAAAAxAEAANsEAADWFwAAihIAABAAAAAmAAAACAAAAP//////////MAAAABQAAAAAAAAAAAD//wAAAQAAAP//AAABAA=="/>
               </a:ext>
             </a:extLst>
           </p:cNvSpPr>
@@ -3954,7 +3839,7 @@
           <p:cNvSpPr txBox="1">
             <a:extLst>
               <a:ext uri="smNativeData">
-                <pr:smNativeData xmlns:pr="smNativeData" xmlns="smNativeData" val="SMDATA_16_FrZCYxMAAAAlAAAAEgAAAA8BAAAAkAAAAEgAAACQAAAASAAAAAAAAAAAAAAAAAAAAAEAAABQAAAAAAAAAAAA4D8AAAAAAADgPwAAAAAAAOA/AAAAAAAA4D8AAAAAAADgPwAAAAAAAOA/AAAAAAAA4D8AAAAAAADgPwAAAAAAAOA/AAAAAAAA4D8CAAAAjAAAAAAAAAAAAAAAu+DjDP///wgAAAAAAAAAAAAAAAAAAAAAAAAAAAAAAAAAAAAAZAAAAAEAAABAAAAAAAAAAAAAAAAAAAAAAAAAAAAAAAAAAAAAAAAAAAAAAAAAAAAAAAAAAAAAAAAAAAAAAAAAAAAAAAAAAAAAAAAAAAAAAAAAAAAAAAAAAAAAAAAAAAAAFAAAADwAAAABAAAAAAAAAAAAAAkKAAAAAQAAAAEAAAAAAAAAAAAAAAAAAAAAAAAAZAAAAGQAAAAAAAAAZAAAAGQAAAAVAAAAYAAAAAAAAAAAAAAADwAAACADAAAAAAAAAAAAAAEAAACgMgAAVgcAAKr4//8BAAAAf39/AAEAAABkAAAAAAAAABQAAABAHwAAAAAAACYAAAAAAAAAwOD//wAAAAAmAAAAZAAAABYAAABMAAAAAAAAAAAAAAAEAAAAAAAAAAEAAACAgIAKAAAAACgAAAAoAAAAZAAAAGQAAAAAAAAAzMzMAAAAAABQAAAAUAAAAGQAAABkAAAAAAAAABcAAAAUAAAAAAAAANwIAAD/fwAA/38AAAAAAAAJAAAABAAAAOAc3VYeAAAAaAAAAAAAAAAAAAAAAAAAAAAAAAAAAAAAECcAABAnAAAAAAAAAAAAAAAAAAAAAAAAAAAAAAAAAAAAAAAAAAAAABQAAAAAAAAAwMD/AAAAAABkAAAAMgAAAAAAAABkAAAAAAAAAH9/fwAKAAAAIgAAABgAAAAAAAAAAAAAAAAAAAAAAAAAAAAAAAAAAAAkAAAAJAAAAAAAAAAHAAAAAAAAAAAAAAAAAAAAAAAAAAAAAAAAAAAAf39/ACUAAABYAAAAAAAAAAAAAAAAAAAAAAAAAAAAAAAAAAAAAAAAAAAAAAAAAAAAAAAAAAAAAAA/AAAAAAAAAKCGAQAAAAAAAAAAAAAAAAAMAAAAAQAAAAAAAAAAAAAAAAAAAB8AAABUAAAAu+DjBf///wEAAAAAAAAAAAAAAAAAAAAAAAAAAAAAAAAAAAAAAAAAAAAAAAJ/f38AgICAA8zMzADAwP8Af39/AAAAAAAAAAAAAAAAAAAAAAAAAAAAIQAAABgAAAAUAAAAxAEAAMUTAADWFwAAQBwAAAAAAAAmAAAACAAAAP//////////MAAAABQAAAAAAAAAAAD//wAAAQAAAP//AAABAA=="/>
+                <pr:smNativeData xmlns:pr="smNativeData" xmlns="smNativeData" val="SMDATA_16_zfxKYxMAAAAlAAAAEgAAAA8BAAAAkAAAAEgAAACQAAAASAAAAAAAAAAAAAAAAAAAAAEAAABQAAAAAAAAAAAA4D8AAAAAAADgPwAAAAAAAOA/AAAAAAAA4D8AAAAAAADgPwAAAAAAAOA/AAAAAAAA4D8AAAAAAADgPwAAAAAAAOA/AAAAAAAA4D8CAAAAjAAAAAAAAAAAAAAAu+DjDP///wgAAAAAAAAAAAAAAAAAAAAAAAAAAAAAAAAAAAAAZAAAAAEAAABAAAAAAAAAAAAAAAAAAAAAAAAAAAAAAAAAAAAAAAAAAAAAAAAAAAAAAAAAAAAAAAAAAAAAAAAAAAAAAAAAAAAAAAAAAAAAAAAAAAAAAAAAAAAAAAAAAAAAFAAAADwAAAABAAAAAAAAAAAAAAkKAAAAAQAAAAEAAAAAAAAAAAAAAAAAAAAAAAAAZAAAAGQAAAAAAAAAZAAAAGQAAAAVAAAAYAAAAAAAAAAAAAAADwAAACADAAAAAAAAAAAAAAEAAACgMgAAVgcAAKr4//8BAAAAf39/AAEAAABkAAAAAAAAABQAAABAHwAAAAAAACYAAAAAAAAAwOD//wAAAAAmAAAAZAAAABYAAABMAAAAAAAAAAAAAAAEAAAAAAAAAAEAAACAgIAKAAAAACgAAAAoAAAAZAAAAGQAAAAAAAAAzMzMAAAAAABQAAAAUAAAAGQAAABkAAAAAAAAABcAAAAUAAAAAAAAANwIAAD/fwAA/38AAAAAAAAJAAAABAAAAOAc3VYeAAAAaAAAAAAAAAAAAAAAAAAAAAAAAAAAAAAAECcAABAnAAAAAAAAAAAAAAAAAAAAAAAAAAAAAAAAAAAAAAAAAAAAABQAAAAAAAAAwMD/AAAAAABkAAAAMgAAAAAAAABkAAAAAAAAAH9/fwAKAAAAIgAAABgAAAAAAAAAAAAAAAAAAAAAAAAAAAAAAAAAAAAkAAAAJAAAAAAAAAAHAAAAAAAAAAAAAAAAAAAAAAAAAAAAAAAAAAAAf39/ACUAAABYAAAAAAAAAAAAAAAAAAAAAAAAAAAAAAAAAAAAAAAAAAAAAAAAAAAAAAAAAAAAAAA/AAAAAAAAAKCGAQAAAAAAAAAAAAAAAAAMAAAAAQAAAAAAAAAAAAAAAAAAAB8AAABUAAAAu+DjBf///wEAAAAAAAAAAAAAAAAAAAAAAAAAAAAAAAAAAAAAAAAAAAAAAAJ/f38AgICAA8zMzADAwP8Af39/AAAAAAAAAAAAAAAAAAAAAAAAAAAAIQAAABgAAAAUAAAAxAEAAMUTAADWFwAAQBwAABAAAAAmAAAACAAAAP//////////MAAAABQAAAAAAAAAAAD//wAAAQAAAP//AAABAA=="/>
               </a:ext>
             </a:extLst>
           </p:cNvSpPr>
@@ -4005,7 +3890,7 @@
           <p:cNvSpPr txBox="1">
             <a:extLst>
               <a:ext uri="smNativeData">
-                <pr:smNativeData xmlns:pr="smNativeData" xmlns="smNativeData" val="SMDATA_16_FrZCYxMAAAAlAAAAEgAAAA8BAAAAkAAAAEgAAACQAAAASAAAAAAAAAAAAAAAAAAAAAEAAABQAAAAAAAAAAAA4D8AAAAAAADgPwAAAAAAAOA/AAAAAAAA4D8AAAAAAADgPwAAAAAAAOA/AAAAAAAA4D8AAAAAAADgPwAAAAAAAOA/AAAAAAAA4D8CAAAAjAAAAAAAAAAAAAAAu+DjDP///wgAAAAAAAAAAAAAAAAAAAAAAAAAAAAAAAAAAAAAZAAAAAEAAABAAAAAAAAAAAAAAAAAAAAAAAAAAAAAAAAAAAAAAAAAAAAAAAAAAAAAAAAAAAAAAAAAAAAAAAAAAAAAAAAAAAAAAAAAAAAAAAAAAAAAAAAAAAAAAAAAAAAAFAAAADwAAAABAAAAAAAAAAAAAAkKAAAAAQAAAAEAAAAAAAAAAAAAAAAAAAAAAAAAZAAAAGQAAAAAAAAAZAAAAGQAAAAVAAAAYAAAAAAAAAAAAAAADwAAACADAAAAAAAAAAAAAAEAAACgMgAAVgcAAKr4//8BAAAAf39/AAEAAABkAAAAAAAAABQAAABAHwAAAAAAACYAAAAAAAAAwOD//wAAAAAmAAAAZAAAABYAAABMAAAAAAAAAAAAAAAEAAAAAAAAAAEAAACAgIAKAAAAACgAAAAoAAAAZAAAAGQAAAAAAAAAzMzMAAAAAABQAAAAUAAAAGQAAABkAAAAAAAAABcAAAAUAAAAAAAAANwIAAD/fwAA/38AAAAAAAAJAAAABAAAAACKpQMeAAAAaAAAAAAAAAAAAAAAAAAAAAAAAAAAAAAAECcAABAnAAAAAAAAAAAAAAAAAAAAAAAAAAAAAAAAAAAAAAAAAAAAABQAAAAAAAAAwMD/AAAAAABkAAAAMgAAAAAAAABkAAAAAAAAAH9/fwAKAAAAIgAAABgAAAAAAAAAAAAAAAAAAAAAAAAAAAAAAAAAAAAkAAAAJAAAAAAAAAAHAAAAAAAAAAAAAAAAAAAAAAAAAAAAAAAAAAAAf39/ACUAAABYAAAAAAAAAAAAAAAAAAAAAAAAAAAAAAAAAAAAAAAAAAAAAAAAAAAAAAAAAAAAAAA/AAAAAAAAAKCGAQAAAAAAAAAAAAAAAAAMAAAAAQAAAAAAAAAAAAAAAAAAAB8AAABUAAAAu+DjBf///wEAAAAAAAAAAAAAAAAAAAAAAAAAAAAAAAAAAAAAAAAAAAAAAAJ/f38AgICAA8zMzADAwP8Af39/AAAAAAAAAAAAAAAAAAAAAAAAAAAAIQAAABgAAAAUAAAAwQEAAFQdAADTFwAAMCoAAAAAAAAmAAAACAAAAP//////////MAAAABQAAAAAAAAAAAD//wAAAQAAAP//AAABAA=="/>
+                <pr:smNativeData xmlns:pr="smNativeData" xmlns="smNativeData" val="SMDATA_16_zfxKYxMAAAAlAAAAEgAAAA8BAAAAkAAAAEgAAACQAAAASAAAAAAAAAAAAAAAAAAAAAEAAABQAAAAAAAAAAAA4D8AAAAAAADgPwAAAAAAAOA/AAAAAAAA4D8AAAAAAADgPwAAAAAAAOA/AAAAAAAA4D8AAAAAAADgPwAAAAAAAOA/AAAAAAAA4D8CAAAAjAAAAAAAAAAAAAAAu+DjDP///wgAAAAAAAAAAAAAAAAAAAAAAAAAAAAAAAAAAAAAZAAAAAEAAABAAAAAAAAAAAAAAAAAAAAAAAAAAAAAAAAAAAAAAAAAAAAAAAAAAAAAAAAAAAAAAAAAAAAAAAAAAAAAAAAAAAAAAAAAAAAAAAAAAAAAAAAAAAAAAAAAAAAAFAAAADwAAAABAAAAAAAAAAAAAAkKAAAAAQAAAAEAAAAAAAAAAAAAAAAAAAAAAAAAZAAAAGQAAAAAAAAAZAAAAGQAAAAVAAAAYAAAAAAAAAAAAAAADwAAACADAAAAAAAAAAAAAAEAAACgMgAAVgcAAKr4//8BAAAAf39/AAEAAABkAAAAAAAAABQAAABAHwAAAAAAACYAAAAAAAAAwOD//wAAAAAmAAAAZAAAABYAAABMAAAAAAAAAAAAAAAEAAAAAAAAAAEAAACAgIAKAAAAACgAAAAoAAAAZAAAAGQAAAAAAAAAzMzMAAAAAABQAAAAUAAAAGQAAABkAAAAAAAAABcAAAAUAAAAAAAAANwIAAD/fwAA/38AAAAAAAAJAAAABAAAAACKpQMeAAAAaAAAAAAAAAAAAAAAAAAAAAAAAAAAAAAAECcAABAnAAAAAAAAAAAAAAAAAAAAAAAAAAAAAAAAAAAAAAAAAAAAABQAAAAAAAAAwMD/AAAAAABkAAAAMgAAAAAAAABkAAAAAAAAAH9/fwAKAAAAIgAAABgAAAAAAAAAAAAAAAAAAAAAAAAAAAAAAAAAAAAkAAAAJAAAAAAAAAAHAAAAAAAAAAAAAAAAAAAAAAAAAAAAAAAAAAAAf39/ACUAAABYAAAAAAAAAAAAAAAAAAAAAAAAAAAAAAAAAAAAAAAAAAAAAAAAAAAAAAAAAAAAAAA/AAAAAAAAAKCGAQAAAAAAAAAAAAAAAAAMAAAAAQAAAAAAAAAAAAAAAAAAAB8AAABUAAAAu+DjBf///wEAAAAAAAAAAAAAAAAAAAAAAAAAAAAAAAAAAAAAAAAAAAAAAAJ/f38AgICAA8zMzADAwP8Af39/AAAAAAAAAAAAAAAAAAAAAAAAAAAAIQAAABgAAAAUAAAAwQEAAFQdAADTFwAAMCoAABAAAAAmAAAACAAAAP//////////MAAAABQAAAAAAAAAAAD//wAAAQAAAP//AAABAA=="/>
               </a:ext>
             </a:extLst>
           </p:cNvSpPr>
@@ -4077,7 +3962,7 @@
           <p:cNvSpPr txBox="1">
             <a:extLst>
               <a:ext uri="smNativeData">
-                <pr:smNativeData xmlns:pr="smNativeData" xmlns="smNativeData" val="SMDATA_16_FrZCYxMAAAAlAAAAEgAAAA8BAAAAkAAAAEgAAACQAAAASAAAAAAAAAAAAAAAAAAAAAEAAABQAAAAAAAAAAAA4D8AAAAAAADgPwAAAAAAAOA/AAAAAAAA4D8AAAAAAADgPwAAAAAAAOA/AAAAAAAA4D8AAAAAAADgPwAAAAAAAOA/AAAAAAAA4D8CAAAAjAAAAAAAAAAAAAAAu+DjDP///wgAAAAAAAAAAAAAAAAAAAAAAAAAAAAAAAAAAAAAZAAAAAEAAABAAAAAAAAAAAAAAAAAAAAAAAAAAAAAAAAAAAAAAAAAAAAAAAAAAAAAAAAAAAAAAAAAAAAAAAAAAAAAAAAAAAAAAAAAAAAAAAAAAAAAAAAAAAAAAAAAAAAAFAAAADwAAAABAAAAAAAAAAAAAAkKAAAAAQAAAAEAAAAAAAAAAAAAAAAAAAAAAAAAZAAAAGQAAAAAAAAAZAAAAGQAAAAVAAAAYAAAAAAAAAAAAAAADwAAACADAAAAAAAAAAAAAAEAAACgMgAAVgcAAKr4//8BAAAAf39/AAEAAABkAAAAAAAAABQAAABAHwAAAAAAACYAAAAAAAAAwOD//wAAAAAmAAAAZAAAABYAAABMAAAAAAAAAAAAAAAEAAAAAAAAAAEAAACAgIAKAAAAACgAAAAoAAAAZAAAAGQAAAAAAAAAzMzMAAAAAABQAAAAUAAAAGQAAABkAAAAAAAAABcAAAAUAAAAAAAAANwIAAD/fwAA/38AAAAAAAAJAAAABAAAAKC2dQQeAAAAaAAAAAAAAAAAAAAAAAAAAAAAAAAAAAAAECcAABAnAAAAAAAAAAAAAAAAAAAAAAAAAAAAAAAAAAAAAAAAAAAAABQAAAAAAAAAwMD/AAAAAABkAAAAMgAAAAAAAABkAAAAAAAAAH9/fwAKAAAAIgAAABgAAAAAAAAAAAAAAAAAAAAAAAAAAAAAAAAAAAAkAAAAJAAAAAAAAAAHAAAAAAAAAAAAAAAAAAAAAAAAAAAAAAAAAAAAf39/ACUAAABYAAAAAAAAAAAAAAAAAAAAAAAAAAAAAAAAAAAAAAAAAAAAAAAAAAAAAAAAAAAAAAA/AAAAAAAAAKCGAQAAAAAAAAAAAAAAAAAMAAAAAQAAAAAAAAAAAAAAAAAAAB8AAABUAAAAu+DjBf///wEAAAAAAAAAAAAAAAAAAAAAAAAAAAAAAAAAAAAAAAAAAAAAAAJ/f38AgICAA8zMzADAwP8Af39/AAAAAAAAAAAAAAAAAAAAAAAAAAAAIQAAABgAAAAUAAAAuSwAANsEAADLQgAAihIAAAAAAAAmAAAACAAAAP//////////MAAAABQAAAAAAAAAAAD//wAAAQAAAP//AAABAA=="/>
+                <pr:smNativeData xmlns:pr="smNativeData" xmlns="smNativeData" val="SMDATA_16_zfxKYxMAAAAlAAAAEgAAAA8BAAAAkAAAAEgAAACQAAAASAAAAAAAAAAAAAAAAAAAAAEAAABQAAAAAAAAAAAA4D8AAAAAAADgPwAAAAAAAOA/AAAAAAAA4D8AAAAAAADgPwAAAAAAAOA/AAAAAAAA4D8AAAAAAADgPwAAAAAAAOA/AAAAAAAA4D8CAAAAjAAAAAAAAAAAAAAAu+DjDP///wgAAAAAAAAAAAAAAAAAAAAAAAAAAAAAAAAAAAAAZAAAAAEAAABAAAAAAAAAAAAAAAAAAAAAAAAAAAAAAAAAAAAAAAAAAAAAAAAAAAAAAAAAAAAAAAAAAAAAAAAAAAAAAAAAAAAAAAAAAAAAAAAAAAAAAAAAAAAAAAAAAAAAFAAAADwAAAABAAAAAAAAAAAAAAkKAAAAAQAAAAEAAAAAAAAAAAAAAAAAAAAAAAAAZAAAAGQAAAAAAAAAZAAAAGQAAAAVAAAAYAAAAAAAAAAAAAAADwAAACADAAAAAAAAAAAAAAEAAACgMgAAVgcAAKr4//8BAAAAf39/AAEAAABkAAAAAAAAABQAAABAHwAAAAAAACYAAAAAAAAAwOD//wAAAAAmAAAAZAAAABYAAABMAAAAAAAAAAAAAAAEAAAAAAAAAAEAAACAgIAKAAAAACgAAAAoAAAAZAAAAGQAAAAAAAAAzMzMAAAAAABQAAAAUAAAAGQAAABkAAAAAAAAABcAAAAUAAAAAAAAANwIAAD/fwAA/38AAAAAAAAJAAAABAAAAKC2dQQeAAAAaAAAAAAAAAAAAAAAAAAAAAAAAAAAAAAAECcAABAnAAAAAAAAAAAAAAAAAAAAAAAAAAAAAAAAAAAAAAAAAAAAABQAAAAAAAAAwMD/AAAAAABkAAAAMgAAAAAAAABkAAAAAAAAAH9/fwAKAAAAIgAAABgAAAAAAAAAAAAAAAAAAAAAAAAAAAAAAAAAAAAkAAAAJAAAAAAAAAAHAAAAAAAAAAAAAAAAAAAAAAAAAAAAAAAAAAAAf39/ACUAAABYAAAAAAAAAAAAAAAAAAAAAAAAAAAAAAAAAAAAAAAAAAAAAAAAAAAAAAAAAAAAAAA/AAAAAAAAAKCGAQAAAAAAAAAAAAAAAAAMAAAAAQAAAAAAAAAAAAAAAAAAAB8AAABUAAAAu+DjBf///wEAAAAAAAAAAAAAAAAAAAAAAAAAAAAAAAAAAAAAAAAAAAAAAAJ/f38AgICAA8zMzADAwP8Af39/AAAAAAAAAAAAAAAAAAAAAAAAAAAAIQAAABgAAAAUAAAAuSwAANsEAADLQgAAihIAABAAAAAmAAAACAAAAP//////////MAAAABQAAAAAAAAAAAD//wAAAQAAAP//AAABAA=="/>
               </a:ext>
             </a:extLst>
           </p:cNvSpPr>
@@ -4152,7 +4037,7 @@
           <p:cNvSpPr txBox="1">
             <a:extLst>
               <a:ext uri="smNativeData">
-                <pr:smNativeData xmlns:pr="smNativeData" xmlns="smNativeData" val="SMDATA_16_FrZCYxMAAAAlAAAAEgAAAA8BAAAAkAAAAEgAAACQAAAASAAAAAAAAAAAAAAAAAAAAAEAAABQAAAAAAAAAAAA4D8AAAAAAADgPwAAAAAAAOA/AAAAAAAA4D8AAAAAAADgPwAAAAAAAOA/AAAAAAAA4D8AAAAAAADgPwAAAAAAAOA/AAAAAAAA4D8CAAAAjAAAAAAAAAAAAAAAu+DjDP///wgAAAAAAAAAAAAAAAAAAAAAAAAAAAAAAAAAAAAAZAAAAAEAAABAAAAAAAAAAAAAAAAAAAAAAAAAAAAAAAAAAAAAAAAAAAAAAAAAAAAAAAAAAAAAAAAAAAAAAAAAAAAAAAAAAAAAAAAAAAAAAAAAAAAAAAAAAAAAAAAAAAAAFAAAADwAAAABAAAAAAAAAAAAAAkKAAAAAQAAAAEAAAAAAAAAAAAAAAAAAAAAAAAAZAAAAGQAAAAAAAAAZAAAAGQAAAAVAAAAYAAAAAAAAAAAAAAADwAAACADAAAAAAAAAAAAAAEAAACgMgAAVgcAAKr4//8BAAAAf39/AAEAAABkAAAAAAAAABQAAABAHwAAAAAAACYAAAAAAAAAwOD//wAAAAAmAAAAZAAAABYAAABMAAAAAAAAAAAAAAAEAAAAAAAAAAEAAACAgIAKAAAAACgAAAAoAAAAZAAAAGQAAAAAAAAAzMzMAAAAAABQAAAAUAAAAGQAAABkAAAAAAAAABcAAAAUAAAAAAAAANwIAAD/fwAA/38AAAAAAAAJAAAABAAAAKC2dQQeAAAAaAAAAAAAAAAAAAAAAAAAAAAAAAAAAAAAECcAABAnAAAAAAAAAAAAAAAAAAAAAAAAAAAAAAAAAAAAAAAAAAAAABQAAAAAAAAAwMD/AAAAAABkAAAAMgAAAAAAAABkAAAAAAAAAH9/fwAKAAAAIgAAABgAAAAAAAAAAAAAAAAAAAAAAAAAAAAAAAAAAAAkAAAAJAAAAAAAAAAHAAAAAAAAAAAAAAAAAAAAAAAAAAAAAAAAAAAAf39/ACUAAABYAAAAAAAAAAAAAAAAAAAAAAAAAAAAAAAAAAAAAAAAAAAAAAAAAAAAAAAAAAAAAAA/AAAAAAAAAKCGAQAAAAAAAAAAAAAAAAAMAAAAAQAAAAAAAAAAAAAAAAAAAB8AAABUAAAAu+DjBf///wEAAAAAAAAAAAAAAAAAAAAAAAAAAAAAAAAAAAAAAAAAAAAAAAJ/f38AgICAA8zMzADAwP8Af39/AAAAAAAAAAAAAAAAAAAAAAAAAAAAIQAAABgAAAAUAAAAuSwAAMITAADLQgAAPRwAAAAAAAAmAAAACAAAAP//////////MAAAABQAAAAAAAAAAAD//wAAAQAAAP//AAABAA=="/>
+                <pr:smNativeData xmlns:pr="smNativeData" xmlns="smNativeData" val="SMDATA_16_zfxKYxMAAAAlAAAAEgAAAA8BAAAAkAAAAEgAAACQAAAASAAAAAAAAAAAAAAAAAAAAAEAAABQAAAAAAAAAAAA4D8AAAAAAADgPwAAAAAAAOA/AAAAAAAA4D8AAAAAAADgPwAAAAAAAOA/AAAAAAAA4D8AAAAAAADgPwAAAAAAAOA/AAAAAAAA4D8CAAAAjAAAAAAAAAAAAAAAu+DjDP///wgAAAAAAAAAAAAAAAAAAAAAAAAAAAAAAAAAAAAAZAAAAAEAAABAAAAAAAAAAAAAAAAAAAAAAAAAAAAAAAAAAAAAAAAAAAAAAAAAAAAAAAAAAAAAAAAAAAAAAAAAAAAAAAAAAAAAAAAAAAAAAAAAAAAAAAAAAAAAAAAAAAAAFAAAADwAAAABAAAAAAAAAAAAAAkKAAAAAQAAAAEAAAAAAAAAAAAAAAAAAAAAAAAAZAAAAGQAAAAAAAAAZAAAAGQAAAAVAAAAYAAAAAAAAAAAAAAADwAAACADAAAAAAAAAAAAAAEAAACgMgAAVgcAAKr4//8BAAAAf39/AAEAAABkAAAAAAAAABQAAABAHwAAAAAAACYAAAAAAAAAwOD//wAAAAAmAAAAZAAAABYAAABMAAAAAAAAAAAAAAAEAAAAAAAAAAEAAACAgIAKAAAAACgAAAAoAAAAZAAAAGQAAAAAAAAAzMzMAAAAAABQAAAAUAAAAGQAAABkAAAAAAAAABcAAAAUAAAAAAAAANwIAAD/fwAA/38AAAAAAAAJAAAABAAAAKC2dQQeAAAAaAAAAAAAAAAAAAAAAAAAAAAAAAAAAAAAECcAABAnAAAAAAAAAAAAAAAAAAAAAAAAAAAAAAAAAAAAAAAAAAAAABQAAAAAAAAAwMD/AAAAAABkAAAAMgAAAAAAAABkAAAAAAAAAH9/fwAKAAAAIgAAABgAAAAAAAAAAAAAAAAAAAAAAAAAAAAAAAAAAAAkAAAAJAAAAAAAAAAHAAAAAAAAAAAAAAAAAAAAAAAAAAAAAAAAAAAAf39/ACUAAABYAAAAAAAAAAAAAAAAAAAAAAAAAAAAAAAAAAAAAAAAAAAAAAAAAAAAAAAAAAAAAAA/AAAAAAAAAKCGAQAAAAAAAAAAAAAAAAAMAAAAAQAAAAAAAAAAAAAAAAAAAB8AAABUAAAAu+DjBf///wEAAAAAAAAAAAAAAAAAAAAAAAAAAAAAAAAAAAAAAAAAAAAAAAJ/f38AgICAA8zMzADAwP8Af39/AAAAAAAAAAAAAAAAAAAAAAAAAAAAIQAAABgAAAAUAAAAuSwAAMITAADLQgAAPRwAABAAAAAmAAAACAAAAP//////////MAAAABQAAAAAAAAAAAD//wAAAQAAAP//AAABAA=="/>
               </a:ext>
             </a:extLst>
           </p:cNvSpPr>
@@ -4203,7 +4088,7 @@
           <p:cNvSpPr txBox="1">
             <a:extLst>
               <a:ext uri="smNativeData">
-                <pr:smNativeData xmlns:pr="smNativeData" xmlns="smNativeData" val="SMDATA_16_FrZCYxMAAAAlAAAAEgAAAA8BAAAAkAAAAEgAAACQAAAASAAAAAAAAAAAAAAAAAAAAAEAAABQAAAAAAAAAAAA4D8AAAAAAADgPwAAAAAAAOA/AAAAAAAA4D8AAAAAAADgPwAAAAAAAOA/AAAAAAAA4D8AAAAAAADgPwAAAAAAAOA/AAAAAAAA4D8CAAAAjAAAAAAAAAAAAAAAu+DjDP///wgAAAAAAAAAAAAAAAAAAAAAAAAAAAAAAAAAAAAAZAAAAAEAAABAAAAAAAAAAAAAAAAAAAAAAAAAAAAAAAAAAAAAAAAAAAAAAAAAAAAAAAAAAAAAAAAAAAAAAAAAAAAAAAAAAAAAAAAAAAAAAAAAAAAAAAAAAAAAAAAAAAAAFAAAADwAAAABAAAAAAAAAAAAAAkKAAAAAQAAAAEAAAAAAAAAAAAAAAAAAAAAAAAAZAAAAGQAAAAAAAAAZAAAAGQAAAAVAAAAYAAAAAAAAAAAAAAADwAAACADAAAAAAAAAAAAAAEAAACgMgAAVgcAAKr4//8BAAAAf39/AAEAAABkAAAAAAAAABQAAABAHwAAAAAAACYAAAAAAAAAwOD//wAAAAAmAAAAZAAAABYAAABMAAAAAAAAAAAAAAAEAAAAAAAAAAEAAACAgIAKAAAAACgAAAAoAAAAZAAAAGQAAAAAAAAAzMzMAAAAAABQAAAAUAAAAGQAAABkAAAAAAAAABcAAAAUAAAAAAAAANwIAAD/fwAA/38AAAAAAAAJAAAABAAAACBIpAMeAAAAaAAAAAAAAAAAAAAAAAAAAAAAAAAAAAAAECcAABAnAAAAAAAAAAAAAAAAAAAAAAAAAAAAAAAAAAAAAAAAAAAAABQAAAAAAAAAwMD/AAAAAABkAAAAMgAAAAAAAABkAAAAAAAAAH9/fwAKAAAAIgAAABgAAAAAAAAAAAAAAAAAAAAAAAAAAAAAAAAAAAAkAAAAJAAAAAAAAAAHAAAAAAAAAAAAAAAAAAAAAAAAAAAAAAAAAAAAf39/ACUAAABYAAAAAAAAAAAAAAAAAAAAAAAAAAAAAAAAAAAAAAAAAAAAAAAAAAAAAAAAAAAAAAA/AAAAAAAAAKCGAQAAAAAAAAAAAAAAAAAMAAAAAQAAAAAAAAAAAAAAAAAAAB8AAABUAAAAu+DjBf///wEAAAAAAAAAAAAAAAAAAAAAAAAAAAAAAAAAAAAAAAAAAAAAAAJ/f38AgICAA8zMzADAwP8Af39/AAAAAAAAAAAAAAAAAAAAAAAAAAAAIQAAABgAAAAUAAAAtiwAAFEdAADIQgAAMCoAAAAAAAAmAAAACAAAAP//////////MAAAABQAAAAAAAAAAAD//wAAAQAAAP//AAABAA=="/>
+                <pr:smNativeData xmlns:pr="smNativeData" xmlns="smNativeData" val="SMDATA_16_zfxKYxMAAAAlAAAAEgAAAA8BAAAAkAAAAEgAAACQAAAASAAAAAAAAAAAAAAAAAAAAAEAAABQAAAAAAAAAAAA4D8AAAAAAADgPwAAAAAAAOA/AAAAAAAA4D8AAAAAAADgPwAAAAAAAOA/AAAAAAAA4D8AAAAAAADgPwAAAAAAAOA/AAAAAAAA4D8CAAAAjAAAAAAAAAAAAAAAu+DjDP///wgAAAAAAAAAAAAAAAAAAAAAAAAAAAAAAAAAAAAAZAAAAAEAAABAAAAAAAAAAAAAAAAAAAAAAAAAAAAAAAAAAAAAAAAAAAAAAAAAAAAAAAAAAAAAAAAAAAAAAAAAAAAAAAAAAAAAAAAAAAAAAAAAAAAAAAAAAAAAAAAAAAAAFAAAADwAAAABAAAAAAAAAAAAAAkKAAAAAQAAAAEAAAAAAAAAAAAAAAAAAAAAAAAAZAAAAGQAAAAAAAAAZAAAAGQAAAAVAAAAYAAAAAAAAAAAAAAADwAAACADAAAAAAAAAAAAAAEAAACgMgAAVgcAAKr4//8BAAAAf39/AAEAAABkAAAAAAAAABQAAABAHwAAAAAAACYAAAAAAAAAwOD//wAAAAAmAAAAZAAAABYAAABMAAAAAAAAAAAAAAAEAAAAAAAAAAEAAACAgIAKAAAAACgAAAAoAAAAZAAAAGQAAAAAAAAAzMzMAAAAAABQAAAAUAAAAGQAAABkAAAAAAAAABcAAAAUAAAAAAAAANwIAAD/fwAA/38AAAAAAAAJAAAABAAAACBIpAMeAAAAaAAAAAAAAAAAAAAAAAAAAAAAAAAAAAAAECcAABAnAAAAAAAAAAAAAAAAAAAAAAAAAAAAAAAAAAAAAAAAAAAAABQAAAAAAAAAwMD/AAAAAABkAAAAMgAAAAAAAABkAAAAAAAAAH9/fwAKAAAAIgAAABgAAAAAAAAAAAAAAAAAAAAAAAAAAAAAAAAAAAAkAAAAJAAAAAAAAAAHAAAAAAAAAAAAAAAAAAAAAAAAAAAAAAAAAAAAf39/ACUAAABYAAAAAAAAAAAAAAAAAAAAAAAAAAAAAAAAAAAAAAAAAAAAAAAAAAAAAAAAAAAAAAA/AAAAAAAAAKCGAQAAAAAAAAAAAAAAAAAMAAAAAQAAAAAAAAAAAAAAAAAAAB8AAABUAAAAu+DjBf///wEAAAAAAAAAAAAAAAAAAAAAAAAAAAAAAAAAAAAAAAAAAAAAAAJ/f38AgICAA8zMzADAwP8Af39/AAAAAAAAAAAAAAAAAAAAAAAAAAAAIQAAABgAAAAUAAAAtiwAAFEdAADIQgAAMCoAABAAAAAmAAAACAAAAP//////////MAAAABQAAAAAAAAAAAD//wAAAQAAAP//AAABAA=="/>
               </a:ext>
             </a:extLst>
           </p:cNvSpPr>
@@ -4271,11 +4156,11 @@
       </p:sp>
       <p:sp>
         <p:nvSpPr>
-          <p:cNvPr id="9" name="Textbox8"/>
-          <p:cNvSpPr txBox="1">
-            <a:extLst>
-              <a:ext uri="smNativeData">
-                <pr:smNativeData xmlns:pr="smNativeData" xmlns="smNativeData" val="SMDATA_16_FrZCYxMAAAAlAAAAEgAAAE8BAAAAkAAAAEgAAACQAAAASAAAAAAAAAAAAAAAAAAAAAEAAABQAAAAAAAAAAAA4D8AAAAAAADgPwAAAAAAAOA/AAAAAAAA4D8AAAAAAADgPwAAAAAAAOA/AAAAAAAA4D8AAAAAAADgPwAAAAAAAOA/AAAAAAAA4D8CAAAAjAAAAAAAAAAAAAAAu+DjDP///wgAAAAAAAAAAAAAAAAAAAAAAAAAAAAAAAAAAAAAZAAAAAEAAABAAAAAAAAAAAAAAAAAAAAAAAAAAAAAAAAAAAAAAAAAAAAAAAAAAAAAAAAAAAAAAAAAAAAAAAAAAAAAAAAAAAAAAAAAAAAAAAAAAAAAAAAAAAAAAAAAAAAAFAAAADwAAAAAAAAAAAAAAAAAAAkUAAAAAQAAABQAAAAUAAAAFAAAAAEAAAAAAAAAZAAAAGQAAAAAAAAAZAAAAGQAAAAVAAAAYAAAAAAAAAAAAAAADwAAACADAAAAAAAAAAAAAAEAAACgMgAAVgcAAKr4//8BAAAAf39/AAEAAABkAAAAAAAAABQAAABAHwAAAAAAACYAAAAAAAAAwOD//wAAAAAmAAAAZAAAABYAAABMAAAAAAAAAAAAAAAEAAAAAAAAAAEAAACAgIAKAAAAACgAAAAoAAAAZAAAAGQAAAAAAAAAzMzMAAAAAABQAAAAUAAAAGQAAABkAAAAAAAAABcAAAAUAAAAAAAAANwIAAD/fwAA/38AAAAAAAAJAAAABAAAAAAAAAAeAAAAaAAAAAAAAAAAAAAAAAAAAAAAAAAAAAAAECcAABAnAAAAAAAAAAAAAAAAAAAAAAAAAAAAAAAAAAAAAAAAAAAAABQAAAAAAAAAwMD/AAAAAABkAAAAMgAAAAAAAABkAAAAAAAAAH9/fwAKAAAAIgAAABgAAAAAAAAAAAAAAAAAAAAAAAAAAAAAAAAAAAAkAAAAJAAAAAAAAAAHAAAAAAAAAAAAAAAAAAAAAAAAAAAAAAAAAAAAf39/ACUAAABYAAAAAAAAAAAAAAAAAAAAAAAAAAAAAAAAAAAAAAAAAAAAAAAAAAAAAAAAAAAAAAA/AAAAAAAAAKCGAQAAAAAAAAAAAAAAAAAMAAAAAQAAAAAAAAAAAAAAAAAAAB8AAABUAAAAu+DjBf///wEAAAAAAAAAAAAAAAAAAAAAAAAAAAAAAAAAAAAAAAAAAAAAAAJ/f38AgICAA8zMzADAwP8Af39/AAAAAAAAAAAAAAAAAAAAAAAAAAAAIQAAABgAAAAUAAAACxoAALgTAADnIgAAGCAAAAAgAAAmAAAACAAAAP//////////MAAAABQAAAAAAAAAAAD//wAAAQAAAP//AAABAA=="/>
+          <p:cNvPr id="9" name="Legend1"/>
+          <p:cNvSpPr>
+            <a:extLst>
+              <a:ext uri="smNativeData">
+                <pr:smNativeData xmlns:pr="smNativeData" xmlns="smNativeData" val="SMDATA_16_zfxKYxMAAAAlAAAA9gEAAA8BAAAAkAAAAEgAAACQAAAASAAAAAAAAAAAAAAAAAAAAAEAAABQAAAAzWidBBu68r/XMYpzHaPoPwAAAAAAAOA/AAAAAAAA4D8AAAAAAADgPwAAAAAAAOA/AAAAAAAA4D8AAAAAAADgPwAAAAAAAOA/AAAAAAAA4D8CAAAAjAAAAAEAAAAAAAAAu+DjDP///wgAAAAAAAAAAAAAAAAAAAAAAAAAAAAAAAAAAAAAZAAAAAEAAABAAAAAAAAAAAAAAAAAAAAAAAAAAAAAAAAAAAAAAAAAAAAAAAAAAAAAAAAAAAAAAAAAAAAAAAAAAAAAAAAAAAAAAAAAAAAAAAAAAAAAAAAAAAAAAAAAAAAAFAAAADwAAAABAAAAAAAAAAAAAAkUAAAAAQAAABQAAAAUAAAAFAAAAAEAAAAAAAAAZAAAAGQAAAAAAAAAZAAAAGQAAAAVAAAAYAAAAAAAAAAAAAAADwAAACADAAAAAAAAAAAAAAEAAACgMgAAVgcAAKr4//8BAAAAf39/AAEAAABkAAAAAAAAABQAAABAHwAAAAAAACYAAAAAAAAAwOD//wAAAAAmAAAAZAAAABYAAABMAAAAAAAAAAAAAAAEAAAAAAAAAAEAAACAgIAKAAAAACgAAAAoAAAAZAAAAGQAAAAAAAAAzMzMAAAAAABQAAAAUAAAAGQAAABkAAAAAAAAABcAAAAUAAAAAAAAAAAAAAD/fwAA/38AAAAAAAAJAAAABAAAAAAAAAAeAAAAaAAAAAAAAAAAAAAAAAAAAAAAAAAAAAAAECcAABAnAAAAAAAAAAAAAAAAAAAAAAAAAAAAAAAAAAAAAAAAAAAAABQAAAAAAAAAwMD/AAAAAABkAAAAMgAAAAAAAABkAAAAAAAAAH9/fwAKAAAAIgAAABgAAAAAAAAAAAAAAAAAAAAAAAAAAAAAAAAAAAAkAAAAJAAAAAAAAAAHAAAAAAAAAAAAAAAAAAAAAAAAAAAAAAAAAAAAf39/ACUAAABYAAAAAAAAAAAAAAAAAAAAAAAAAAAAAAAAAAAAAAAAAAAAAAAAAAAAAAAAAAAAAAA/AAAAAAAAAKCGAQAAAAAAAAAAAAAAAAAMAAAAAQAAAAAAAAAAAAAAAAAAAB8AAABUAAAAu+DjBf///wEAAAAAAAAAAAAAAAAAAAAAAAAAAAAAAAAAAAAAAAAAAAAAAAJ/f38AgICAA8zMzADAwP8Af39/AAAAAAAAAAAAAAAAAAAAAAAAAAAAIQAAABgAAAAUAAAAJCwAAOIAAAAPOAAA+QMAAAAAAAAmAAAACAAAAP//////////MAAAABQAAAAAAAAA/Er//wS1AAD8Sv//BLUAAA=="/>
               </a:ext>
             </a:extLst>
           </p:cNvSpPr>
@@ -4283,15 +4168,25 @@
         </p:nvSpPr>
         <p:spPr>
           <a:xfrm>
-            <a:off x="4233545" y="3205480"/>
-            <a:ext cx="1440180" cy="2011680"/>
+            <a:off x="7175500" y="143510"/>
+            <a:ext cx="1937385" cy="502285"/>
           </a:xfrm>
-          <a:prstGeom prst="rect">
-            <a:avLst/>
+          <a:prstGeom prst="wedgeEllipseCallout">
+            <a:avLst>
+              <a:gd name="adj1" fmla="val -58522"/>
+              <a:gd name="adj2" fmla="val 38496"/>
+            </a:avLst>
           </a:prstGeom>
-          <a:noFill/>
-          <a:ln>
-            <a:noFill/>
+          <a:solidFill>
+            <a:schemeClr val="accent1"/>
+          </a:solidFill>
+          <a:ln w="12700" cap="flat" cmpd="sng" algn="ctr">
+            <a:solidFill>
+              <a:schemeClr val="tx1"/>
+            </a:solidFill>
+            <a:prstDash val="solid"/>
+            <a:headEnd type="none"/>
+            <a:tailEnd type="none"/>
           </a:ln>
           <a:effectLst/>
         </p:spPr>
@@ -4299,58 +4194,20 @@
           <a:bodyPr vert="horz" wrap="square" numCol="1" spcCol="215900" anchor="t"/>
           <a:lstStyle/>
           <a:p>
-            <a:pPr/>
-            <a:r>
-              <a:t>a = pauze/restart</a:t>
-            </a:r>
-          </a:p>
-          <a:p>
-            <a:pPr/>
-            <a:r>
-              <a:t>B, up/down en C zelfde functie als vorig scherm</a:t>
-            </a:r>
-          </a:p>
-        </p:txBody>
-      </p:sp>
-    </p:spTree>
-  </p:cSld>
-  <p:clrMapOvr>
-    <a:masterClrMapping/>
-  </p:clrMapOvr>
-  <p:timing>
-    <p:tnLst>
-      <p:par>
-        <p:cTn id="1" dur="indefinite" restart="never" nodeType="tmRoot"/>
-      </p:par>
-    </p:tnLst>
-  </p:timing>
-</p:sld>
-</file>
-
-<file path=ppt/slides/slide3.xml><?xml version="1.0" encoding="utf-8"?>
-<p:sld xmlns:p="http://schemas.openxmlformats.org/presentationml/2006/main" xmlns:mc="http://schemas.openxmlformats.org/markup-compatibility/2006" xmlns:p14="http://schemas.microsoft.com/office/powerpoint/2010/main" xmlns:p15="http://schemas.microsoft.com/office/powerpoint/2012/main" xmlns:r="http://schemas.openxmlformats.org/officeDocument/2006/relationships" xmlns:a="http://schemas.openxmlformats.org/drawingml/2006/main" mc:Ignorable="p14">
-  <p:cSld>
-    <p:spTree>
-      <p:nvGrpSpPr>
-        <p:cNvPr id="1" name=""/>
-        <p:cNvGrpSpPr/>
-        <p:nvPr/>
-      </p:nvGrpSpPr>
-      <p:grpSpPr>
-        <a:xfrm>
-          <a:off x="0" y="0"/>
-          <a:ext cx="0" cy="0"/>
-          <a:chOff x="0" y="0"/>
-          <a:chExt cx="0" cy="0"/>
-        </a:xfrm>
-      </p:grpSpPr>
-      <p:sp>
-        <p:nvSpPr>
-          <p:cNvPr id="2" name="Textbox1"/>
-          <p:cNvSpPr txBox="1">
-            <a:extLst>
-              <a:ext uri="smNativeData">
-                <pr:smNativeData xmlns:pr="smNativeData" xmlns="smNativeData" val="SMDATA_16_FrZCYxMAAAAlAAAAEgAAAA8BAAAAkAAAAEgAAACQAAAASAAAAAAAAAAAAAAAAAAAAAEAAABQAAAAAAAAAAAA4D8AAAAAAADgPwAAAAAAAOA/AAAAAAAA4D8AAAAAAADgPwAAAAAAAOA/AAAAAAAA4D8AAAAAAADgPwAAAAAAAOA/AAAAAAAA4D8CAAAAjAAAAAAAAAAAAAAAu+DjDP///wgAAAAAAAAAAAAAAAAAAAAAAAAAAAAAAAAAAAAAZAAAAAEAAABAAAAAAAAAAAAAAAAAAAAAAAAAAAAAAAAAAAAAAAAAAAAAAAAAAAAAAAAAAAAAAAAAAAAAAAAAAAAAAAAAAAAAAAAAAAAAAAAAAAAAAAAAAAAAAAAAAAAAFAAAADwAAAAAAAAAAAAAAAAAAAkUAAAAAQAAABQAAAAUAAAAFAAAAAEAAAAAAAAAZAAAAGQAAAAAAAAAZAAAAGQAAAAVAAAAYAAAAAAAAAAAAAAADwAAACADAAAAAAAAAAAAAAEAAACgMgAAVgcAAKr4//8BAAAAf39/AAEAAABkAAAAAAAAABQAAABAHwAAAAAAACYAAAAAAAAAwOD//wAAAAAmAAAAZAAAABYAAABMAAAAAAAAAAAAAAAEAAAAAAAAAAEAAACAgIAKAAAAACgAAAAoAAAAZAAAAGQAAAAAAAAAzMzMAAAAAABQAAAAUAAAAGQAAABkAAAAAAAAABcAAAAUAAAAAAAAANwIAAD/fwAA/38AAAAAAAAJAAAABAAAAIDIpAMeAAAAaAAAAAAAAAAAAAAAAAAAAAAAAAAAAAAAECcAABAnAAAAAAAAAAAAAAAAAAAAAAAAAAAAAAAAAAAAAAAAAAAAABQAAAAAAAAAwMD/AAAAAABkAAAAMgAAAAAAAABkAAAAAAAAAH9/fwAKAAAAIgAAABgAAAAAAAAAAAAAAAAAAAAAAAAAAAAAAAAAAAAkAAAAJAAAAAAAAAAHAAAAAAAAAAAAAAAAAAAAAAAAAAAAAAAAAAAAf39/ACUAAABYAAAAAAAAAAAAAAAAAAAAAAAAAAAAAAAAAAAAAAAAAAAAAAAAAAAAAAAAAAAAAAA/AAAAAAAAAKCGAQAAAAAAAAAAAAAAAAAMAAAAAQAAAAAAAAAAAAAAAAAAAB8AAABUAAAAu+DjBf///wEAAAAAAAAAAAAAAAAAAAAAAAAAAAAAAAAAAAAAAAAAAAAAAAJ/f38AgICAA8zMzADAwP8Af39/AAAAAAAAAAAAAAAAAAAAAAAAAAAAIQAAABgAAAAUAAAAFwMAAKcCAAAEHgAAgQcAAAAAAAAmAAAACAAAAP//////////MAAAABQAAAAAAAAAAAD//wAAAQAAAP//AAABAA=="/>
+            <a:pPr algn="ctr"/>
+            <a:r>
+              <a:t>home</a:t>
+            </a:r>
+          </a:p>
+        </p:txBody>
+      </p:sp>
+      <p:sp>
+        <p:nvSpPr>
+          <p:cNvPr id="10" name="Legend2"/>
+          <p:cNvSpPr>
+            <a:extLst>
+              <a:ext uri="smNativeData">
+                <pr:smNativeData xmlns:pr="smNativeData" xmlns="smNativeData" val="SMDATA_16_zfxKYxMAAAAlAAAA9gEAAA8BAAAAkAAAAEgAAACQAAAASAAAAAAAAAAAAAAAAAAAAAEAAABQAAAACFqtShLy4b8P/ulbvFb8PwAAAAAAAOA/AAAAAAAA4D8AAAAAAADgPwAAAAAAAOA/AAAAAAAA4D8AAAAAAADgPwAAAAAAAOA/AAAAAAAA4D8CAAAAjAAAAAEAAAAAAAAAu+DjDP///wgAAAAAAAAAAAAAAAAAAAAAAAAAAAAAAAAAAAAAZAAAAAEAAABAAAAAAAAAAAAAAAAAAAAAAAAAAAAAAAAAAAAAAAAAAAAAAAAAAAAAAAAAAAAAAAAAAAAAAAAAAAAAAAAAAAAAAAAAAAAAAAAAAAAAAAAAAAAAAAAAAAAAFAAAADwAAAABAAAAAAAAAAAAAAkUAAAAAQAAABQAAAAUAAAAFAAAAAEAAAAAAAAAZAAAAGQAAAAAAAAAZAAAAGQAAAAVAAAAYAAAAAAAAAAAAAAADwAAACADAAAAAAAAAAAAAAEAAACgMgAAVgcAAKr4//8BAAAAf39/AAEAAABkAAAAAAAAABQAAABAHwAAAAAAACYAAAAAAAAAwOD//wAAAAAmAAAAZAAAABYAAABMAAAAAAAAAAAAAAAEAAAAAAAAAAEAAACAgIAKAAAAACgAAAAoAAAAZAAAAGQAAAAAAAAAzMzMAAAAAABQAAAAUAAAAGQAAABkAAAAAAAAABcAAAAUAAAAAAAAAAAAAAD/fwAA/38AAAAAAAAJAAAABAAAAAAwgQQeAAAAaAAAAAAAAAAAAAAAAAAAAAAAAAAAAAAAECcAABAnAAAAAAAAAAAAAAAAAAAAAAAAAAAAAAAAAAAAAAAAAAAAABQAAAAAAAAAwMD/AAAAAABkAAAAMgAAAAAAAABkAAAAAAAAAH9/fwAKAAAAIgAAABgAAAAAAAAAAAAAAAAAAAAAAAAAAAAAAAAAAAAkAAAAJAAAAAAAAAAHAAAAAAAAAAAAAAAAAAAAAAAAAAAAAAAAAAAAf39/ACUAAABYAAAAAAAAAAAAAAAAAAAAAAAAAAAAAAAAAAAAAAAAAAAAAAAAAAAAAAAAAAAAAAA/AAAAAAAAAKCGAQAAAAAAAAAAAAAAAAAMAAAAAQAAAAAAAAAAAAAAAAAAAB8AAABUAAAAu+DjBf///wEAAAAAAAAAAAAAAAAAAAAAAAAAAAAAAAAAAAAAAAAAAAAAAAJ/f38AgICAA8zMzADAwP8Af39/AAAAAAAAAAAAAAAAAAAAAAAAAAAAIQAAABgAAAAUAAAA8gcAAOIAAADdEwAA+QMAAAAAAAAmAAAACAAAAP//////////MAAAABQAAAAAAAAA/Er//wS1AAD8Sv//BLUAAA=="/>
               </a:ext>
             </a:extLst>
           </p:cNvSpPr>
@@ -4358,15 +4215,25 @@
         </p:nvSpPr>
         <p:spPr>
           <a:xfrm>
-            <a:off x="502285" y="431165"/>
-            <a:ext cx="4377055" cy="788670"/>
+            <a:off x="1291590" y="143510"/>
+            <a:ext cx="1937385" cy="502285"/>
           </a:xfrm>
-          <a:prstGeom prst="rect">
-            <a:avLst/>
+          <a:prstGeom prst="wedgeEllipseCallout">
+            <a:avLst>
+              <a:gd name="adj1" fmla="val -28040"/>
+              <a:gd name="adj2" fmla="val 88559"/>
+            </a:avLst>
           </a:prstGeom>
-          <a:noFill/>
-          <a:ln>
-            <a:noFill/>
+          <a:solidFill>
+            <a:schemeClr val="accent1"/>
+          </a:solidFill>
+          <a:ln w="12700" cap="flat" cmpd="sng" algn="ctr">
+            <a:solidFill>
+              <a:schemeClr val="tx1"/>
+            </a:solidFill>
+            <a:prstDash val="solid"/>
+            <a:headEnd type="none"/>
+            <a:tailEnd type="none"/>
           </a:ln>
           <a:effectLst/>
         </p:spPr>
@@ -4374,28 +4241,20 @@
           <a:bodyPr vert="horz" wrap="square" numCol="1" spcCol="215900" anchor="t"/>
           <a:lstStyle/>
           <a:p>
-            <a:pPr>
-              <a:defRPr b="1" cap="none"/>
-            </a:pPr>
-            <a:r>
-              <a:t>Messages</a:t>
-            </a:r>
-          </a:p>
-          <a:p>
-            <a:pPr/>
-            <a:r>
-              <a:t>Array of text strings in het begin met alle (vertaalbare) strings</a:t>
-            </a:r>
-          </a:p>
-        </p:txBody>
-      </p:sp>
-      <p:sp>
-        <p:nvSpPr>
-          <p:cNvPr id="3" name="Textbox2"/>
-          <p:cNvSpPr txBox="1">
-            <a:extLst>
-              <a:ext uri="smNativeData">
-                <pr:smNativeData xmlns:pr="smNativeData" xmlns="smNativeData" val="SMDATA_16_FrZCYxMAAAAlAAAAEgAAAA8BAAAAkAAAAEgAAACQAAAASAAAAAAAAAAAAAAAAAAAAAEAAABQAAAAAAAAAAAA4D8AAAAAAADgPwAAAAAAAOA/AAAAAAAA4D8AAAAAAADgPwAAAAAAAOA/AAAAAAAA4D8AAAAAAADgPwAAAAAAAOA/AAAAAAAA4D8CAAAAjAAAAAAAAAAAAAAAu+DjDP///wgAAAAAAAAAAAAAAAAAAAAAAAAAAAAAAAAAAAAAZAAAAAEAAABAAAAAAAAAAAAAAAAAAAAAAAAAAAAAAAAAAAAAAAAAAAAAAAAAAAAAAAAAAAAAAAAAAAAAAAAAAAAAAAAAAAAAAAAAAAAAAAAAAAAAAAAAAAAAAAAAAAAAFAAAADwAAAAAAAAAAAAAAAAAAAkUAAAAAQAAABQAAAAUAAAAFAAAAAEAAAAAAAAAZAAAAGQAAAAAAAAAZAAAAGQAAAAVAAAAYAAAAAAAAAAAAAAADwAAACADAAAAAAAAAAAAAAEAAACgMgAAVgcAAKr4//8BAAAAf39/AAEAAABkAAAAAAAAABQAAABAHwAAAAAAACYAAAAAAAAAwOD//wAAAAAmAAAAZAAAABYAAABMAAAAAAAAAAAAAAAEAAAAAAAAAAEAAACAgIAKAAAAACgAAAAoAAAAZAAAAGQAAAAAAAAAzMzMAAAAAABQAAAAUAAAAGQAAABkAAAAAAAAABcAAAAUAAAAAAAAANwIAAD/fwAA/38AAAAAAAAJAAAABAAAAHMAZQAeAAAAaAAAAAAAAAAAAAAAAAAAAAAAAAAAAAAAECcAABAnAAAAAAAAAAAAAAAAAAAAAAAAAAAAAAAAAAAAAAAAAAAAABQAAAAAAAAAwMD/AAAAAABkAAAAMgAAAAAAAABkAAAAAAAAAH9/fwAKAAAAIgAAABgAAAAAAAAAAAAAAAAAAAAAAAAAAAAAAAAAAAAkAAAAJAAAAAAAAAAHAAAAAAAAAAAAAAAAAAAAAAAAAAAAAAAAAAAAf39/ACUAAABYAAAAAAAAAAAAAAAAAAAAAAAAAAAAAAAAAAAAAAAAAAAAAAAAAAAAAAAAAAAAAAA/AAAAAAAAAKCGAQAAAAAAAAAAAAAAAAAMAAAAAQAAAAAAAAAAAAAAAAAAAB8AAABUAAAAu+DjBf///wEAAAAAAAAAAAAAAAAAAAAAAAAAAAAAAAAAAAAAAAAAAAAAAAJ/f38AgICAA8zMzADAwP8Af39/AAAAAAAAAAAAAAAAAAAAAAAAAAAAIQAAABgAAAAUAAAAwSMAAOYBAACuPgAA/iEAAAAAAAAmAAAACAAAAP//////////MAAAABQAAAAAAAAAAAD//wAAAQAAAP//AAABAA=="/>
+            <a:pPr algn="ctr"/>
+            <a:r>
+              <a:t>pre-work</a:t>
+            </a:r>
+          </a:p>
+        </p:txBody>
+      </p:sp>
+      <p:sp>
+        <p:nvSpPr>
+          <p:cNvPr id="11" name="Legend3"/>
+          <p:cNvSpPr>
+            <a:extLst>
+              <a:ext uri="smNativeData">
+                <pr:smNativeData xmlns:pr="smNativeData" xmlns="smNativeData" val="SMDATA_16_zfxKYxMAAAAlAAAA9gEAAA8BAAAAkAAAAEgAAACQAAAASAAAAAAAAAAAAAAAAAAAAAEAAABQAAAAjvtevPF9+b8WS6jIjDsAQAAAAAAAAOA/AAAAAAAA4D8AAAAAAADgPwAAAAAAAOA/AAAAAAAA4D8AAAAAAADgPwAAAAAAAOA/AAAAAAAA4D8CAAAAjAAAAAEAAAAAAAAAu+DjDP///wgAAAAAAAAAAAAAAAAAAAAAAAAAAAAAAAAAAAAAZAAAAAEAAABAAAAAAAAAAAAAAAAAAAAAAAAAAAAAAAAAAAAAAAAAAAAAAAAAAAAAAAAAAAAAAAAAAAAAAAAAAAAAAAAAAAAAAAAAAAAAAAAAAAAAAAAAAAAAAAAAAAAAFAAAADwAAAABAAAAAAAAAAAAAAkUAAAAAQAAABQAAAAUAAAAFAAAAAEAAAAAAAAAZAAAAGQAAAAAAAAAZAAAAGQAAAAVAAAAYAAAAAAAAAAAAAAADwAAACADAAAAAAAAAAAAAAEAAACgMgAAVgcAAKr4//8BAAAAf39/AAEAAABkAAAAAAAAABQAAABAHwAAAAAAACYAAAAAAAAAwOD//wAAAAAmAAAAZAAAABYAAABMAAAAAAAAAAAAAAAEAAAAAAAAAAEAAACAgIAKAAAAACgAAAAoAAAAZAAAAGQAAAAAAAAAzMzMAAAAAABQAAAAUAAAAGQAAABkAAAAAAAAABcAAAAUAAAAAAAAAAAAAAD/fwAA/38AAAAAAAAJAAAABAAAAAgAAAAeAAAAaAAAAAAAAAAAAAAAAAAAAAAAAAAAAAAAECcAABAnAAAAAAAAAAAAAAAAAAAAAAAAAAAAAAAAAAAAAAAAAAAAABQAAAAAAAAAwMD/AAAAAABkAAAAMgAAAAAAAABkAAAAAAAAAH9/fwAKAAAAIgAAABgAAAAAAAAAAAAAAAAAAAAAAAAAAAAAAAAAAAAkAAAAJAAAAAAAAAAHAAAAAAAAAAAAAAAAAAAAAAAAAAAAAAAAAAAAf39/ACUAAABYAAAAAAAAAAAAAAAAAAAAAAAAAAAAAAAAAAAAAAAAAAAAAAAAAAAAAAAAAAAAAAA/AAAAAAAAAKCGAQAAAAAAAAAAAAAAAAAMAAAAAQAAAAAAAAAAAAAAAAAAAB8AAABUAAAAu+DjBf///wEAAAAAAAAAAAAAAAAAAAAAAAAAAAAAAAAAAAAAAAAAAAAAAAJ/f38AgICAA8zMzADAwP8Af39/AAAAAAAAAAAAAAAAAAAAAAAAAAAAIQAAABgAAAAUAAAAuBgAAKMSAACjJAAAuhUAAAAAAAAmAAAACAAAAP//////////MAAAABQAAAAAAAAA/Er//wS1AAD8Sv//BLUAAA=="/>
               </a:ext>
             </a:extLst>
           </p:cNvSpPr>
@@ -4403,15 +4262,25 @@
         </p:nvSpPr>
         <p:spPr>
           <a:xfrm>
-            <a:off x="5812155" y="308610"/>
-            <a:ext cx="4377055" cy="5217160"/>
+            <a:off x="4018280" y="3029585"/>
+            <a:ext cx="1937385" cy="502285"/>
           </a:xfrm>
-          <a:prstGeom prst="rect">
-            <a:avLst/>
+          <a:prstGeom prst="wedgeEllipseCallout">
+            <a:avLst>
+              <a:gd name="adj1" fmla="val -79662"/>
+              <a:gd name="adj2" fmla="val 101454"/>
+            </a:avLst>
           </a:prstGeom>
-          <a:noFill/>
-          <a:ln>
-            <a:noFill/>
+          <a:solidFill>
+            <a:schemeClr val="accent1"/>
+          </a:solidFill>
+          <a:ln w="12700" cap="flat" cmpd="sng" algn="ctr">
+            <a:solidFill>
+              <a:schemeClr val="tx1"/>
+            </a:solidFill>
+            <a:prstDash val="solid"/>
+            <a:headEnd type="none"/>
+            <a:tailEnd type="none"/>
           </a:ln>
           <a:effectLst/>
         </p:spPr>
@@ -4419,147 +4288,20 @@
           <a:bodyPr vert="horz" wrap="square" numCol="1" spcCol="215900" anchor="t"/>
           <a:lstStyle/>
           <a:p>
-            <a:pPr>
-              <a:defRPr b="1" cap="none"/>
-            </a:pPr>
-            <a:r>
-              <a:t>Model</a:t>
-            </a:r>
-          </a:p>
-          <a:p>
-            <a:pPr/>
-          </a:p>
-          <a:p>
-            <a:pPr/>
-            <a:r>
-              <a:t>workDurationGoal=30</a:t>
-            </a:r>
-          </a:p>
-          <a:p>
-            <a:pPr/>
-            <a:r>
-              <a:t>workDurationRemaining=30 (of 27...)</a:t>
-            </a:r>
-          </a:p>
-          <a:p>
-            <a:pPr/>
-            <a:r>
-              <a:t>workDurationUpDown=5 (of 15 of 30)</a:t>
-            </a:r>
-          </a:p>
-          <a:p>
-            <a:pPr/>
-          </a:p>
-          <a:p>
-            <a:pPr/>
-            <a:r>
-              <a:t>breakDurationGoal</a:t>
-            </a:r>
-          </a:p>
-          <a:p>
-            <a:pPr/>
-            <a:r>
-              <a:t>breakDurationRemaining</a:t>
-            </a:r>
-          </a:p>
-          <a:p>
-            <a:pPr/>
-            <a:r>
-              <a:t>breakDurationUpDown=5 (of 15 of 30)</a:t>
-            </a:r>
-          </a:p>
-          <a:p>
-            <a:pPr/>
-          </a:p>
-          <a:p>
-            <a:pPr/>
-            <a:r>
-              <a:t>currentState:</a:t>
-            </a:r>
-          </a:p>
-          <a:p>
-            <a:pPr>
-              <a:buFont typeface="Wingdings" pitchFamily="2" charset="2"/>
-              <a:buChar char=""/>
-            </a:pPr>
-            <a:r>
-              <a:t>waiting for input</a:t>
-            </a:r>
-          </a:p>
-          <a:p>
-            <a:pPr>
-              <a:buFont typeface="Wingdings" pitchFamily="2" charset="2"/>
-              <a:buChar char=""/>
-            </a:pPr>
-            <a:r>
-              <a:t>running</a:t>
-            </a:r>
-          </a:p>
-          <a:p>
-            <a:pPr>
-              <a:buFont typeface="Wingdings" pitchFamily="2" charset="2"/>
-              <a:buChar char=""/>
-            </a:pPr>
-            <a:r>
-              <a:t>paused</a:t>
-            </a:r>
-          </a:p>
-          <a:p>
-            <a:pPr>
-              <a:buNone/>
-            </a:pPr>
-            <a:r>
-              <a:t>currentScreen:</a:t>
-            </a:r>
-          </a:p>
-          <a:p>
-            <a:pPr>
-              <a:buFont typeface="Wingdings" pitchFamily="2" charset="2"/>
-              <a:buChar char=""/>
-            </a:pPr>
-            <a:r>
-              <a:t>home</a:t>
-            </a:r>
-          </a:p>
-          <a:p>
-            <a:pPr>
-              <a:buFont typeface="Wingdings" pitchFamily="2" charset="2"/>
-              <a:buChar char=""/>
-            </a:pPr>
-            <a:r>
-              <a:t>preWork, work, postWork</a:t>
-            </a:r>
-          </a:p>
-          <a:p>
-            <a:pPr>
-              <a:buFont typeface="Wingdings" pitchFamily="2" charset="2"/>
-              <a:buChar char=""/>
-            </a:pPr>
-            <a:r>
-              <a:t>preBreak, break, postBreak</a:t>
-            </a:r>
-          </a:p>
-          <a:p>
-            <a:pPr/>
-          </a:p>
-          <a:p>
-            <a:pPr/>
-          </a:p>
-          <a:p>
-            <a:pPr/>
-          </a:p>
-          <a:p>
-            <a:pPr/>
-          </a:p>
-        </p:txBody>
-      </p:sp>
-      <p:sp>
-        <p:nvSpPr>
-          <p:cNvPr id="4" name="Textbox3"/>
-          <p:cNvSpPr txBox="1">
-            <a:extLst>
-              <a:ext uri="smNativeData">
-                <pr:smNativeData xmlns:pr="smNativeData" xmlns="smNativeData" val="SMDATA_16_FrZCYxMAAAAlAAAAEgAAAA8BAAAAkAAAAEgAAACQAAAASAAAAAAAAAAAAAAAAAAAAAEAAABQAAAAAAAAAAAA4D8AAAAAAADgPwAAAAAAAOA/AAAAAAAA4D8AAAAAAADgPwAAAAAAAOA/AAAAAAAA4D8AAAAAAADgPwAAAAAAAOA/AAAAAAAA4D8CAAAAjAAAAAAAAAAAAAAAu+DjDP///wgAAAAAAAAAAAAAAAAAAAAAAAAAAAAAAAAAAAAAZAAAAAEAAABAAAAAAAAAAAAAAAAAAAAAAAAAAAAAAAAAAAAAAAAAAAAAAAAAAAAAAAAAAAAAAAAAAAAAAAAAAAAAAAAAAAAAAAAAAAAAAAAAAAAAAAAAAAAAAAAAAAAAFAAAADwAAAAAAAAAAAAAAAAAAAkUAAAAAQAAABQAAAAUAAAAFAAAAAEAAAAAAAAAZAAAAGQAAAAAAAAAZAAAAGQAAAAVAAAAYAAAAAAAAAAAAAAADwAAACADAAAAAAAAAAAAAAEAAACgMgAAVgcAAKr4//8BAAAAf39/AAEAAABkAAAAAAAAABQAAABAHwAAAAAAACYAAAAAAAAAwOD//wAAAAAmAAAAZAAAABYAAABMAAAAAAAAAAAAAAAEAAAAAAAAAAEAAACAgIAKAAAAACgAAAAoAAAAZAAAAGQAAAAAAAAAzMzMAAAAAABQAAAAUAAAAGQAAABkAAAAAAAAABcAAAAUAAAAAAAAANwIAAD/fwAA/38AAAAAAAAJAAAABAAAAAAAAAAeAAAAaAAAAAAAAAAAAAAAAAAAAAAAAAAAAAAAECcAABAnAAAAAAAAAAAAAAAAAAAAAAAAAAAAAAAAAAAAAAAAAAAAABQAAAAAAAAAwMD/AAAAAABkAAAAMgAAAAAAAABkAAAAAAAAAH9/fwAKAAAAIgAAABgAAAAAAAAAAAAAAAAAAAAAAAAAAAAAAAAAAAAkAAAAJAAAAAAAAAAHAAAAAAAAAAAAAAAAAAAAAAAAAAAAAAAAAAAAf39/ACUAAABYAAAAAAAAAAAAAAAAAAAAAAAAAAAAAAAAAAAAAAAAAAAAAAAAAAAAAAAAAAAAAAA/AAAAAAAAAKCGAQAAAAAAAAAAAAAAAAAMAAAAAQAAAAAAAAAAAAAAAAAAAB8AAABUAAAAu+DjBf///wEAAAAAAAAAAAAAAAAAAAAAAAAAAAAAAAAAAAAAAAAAAAAAAAJ/f38AgICAA8zMzADAwP8Af39/AAAAAAAAAAAAAAAAAAAAAAAAAAAAIQAAABgAAAAUAAAARgMAAAMJAAAzHgAAihIAAAAAAAAmAAAACAAAAP//////////MAAAABQAAAAAAAAAAAD//wAAAQAAAP//AAABAA=="/>
+            <a:pPr algn="ctr"/>
+            <a:r>
+              <a:t>work</a:t>
+            </a:r>
+          </a:p>
+        </p:txBody>
+      </p:sp>
+      <p:sp>
+        <p:nvSpPr>
+          <p:cNvPr id="12" name="Legend4"/>
+          <p:cNvSpPr>
+            <a:extLst>
+              <a:ext uri="smNativeData">
+                <pr:smNativeData xmlns:pr="smNativeData" xmlns="smNativeData" val="SMDATA_16_zfxKYxMAAAAlAAAA9gEAAA8BAAAAkAAAAEgAAACQAAAASAAAAAAAAAAAAAAAAAAAAAEAAABQAAAAPKjB9BH+9D+On2Uqi37/vwAAAAAAAOA/AAAAAAAA4D8AAAAAAADgPwAAAAAAAOA/AAAAAAAA4D8AAAAAAADgPwAAAAAAAOA/AAAAAAAA4D8CAAAAjAAAAAEAAAAAAAAAu+DjDP///wgAAAAAAAAAAAAAAAAAAAAAAAAAAAAAAAAAAAAAZAAAAAEAAABAAAAAAAAAAAAAAAAAAAAAAAAAAAAAAAAAAAAAAAAAAAAAAAAAAAAAAAAAAAAAAAAAAAAAAAAAAAAAAAAAAAAAAAAAAAAAAAAAAAAAAAAAAAAAAAAAAAAAFAAAADwAAAABAAAAAAAAAAAAAAkUAAAAAQAAABQAAAAUAAAAFAAAAAEAAAAAAAAAZAAAAGQAAAAAAAAAZAAAAGQAAAAVAAAAYAAAAAAAAAAAAAAADwAAACADAAAAAAAAAAAAAAEAAACgMgAAVgcAAKr4//8BAAAAf39/AAEAAABkAAAAAAAAABQAAABAHwAAAAAAACYAAAAAAAAAwOD//wAAAAAmAAAAZAAAABYAAABMAAAAAAAAAAAAAAAEAAAAAAAAAAEAAACAgIAKAAAAACgAAAAoAAAAZAAAAGQAAAAAAAAAzMzMAAAAAABQAAAAUAAAAGQAAABkAAAAAAAAABcAAAAUAAAAAAAAAAAAAAD/fwAA/38AAAAAAAAJAAAABAAAAAAAAAAeAAAAaAAAAAAAAAAAAAAAAAAAAAAAAAAAAAAAECcAABAnAAAAAAAAAAAAAAAAAAAAAAAAAAAAAAAAAAAAAAAAAAAAABQAAAAAAAAAwMD/AAAAAABkAAAAMgAAAAAAAABkAAAAAAAAAH9/fwAKAAAAIgAAABgAAAAAAAAAAAAAAAAAAAAAAAAAAAAAAAAAAAAkAAAAJAAAAAAAAAAHAAAAAAAAAAAAAAAAAAAAAAAAAAAAAAAAAAAAf39/ACUAAABYAAAAAAAAAAAAAAAAAAAAAAAAAAAAAAAAAAAAAAAAAAAAAAAAAAAAAAAAAAAAAAA/AAAAAAAAAKCGAQAAAAAAAAAAAAAAAAAMAAAAAQAAAAAAAAAAAAAAAAAAAB8AAABUAAAAu+DjBf///wEAAAAAAAAAAAAAAAAAAAAAAAAAAAAAAAAAAAAAAAAAAAAAAAJ/f38AgICAA8zMzADAwP8Af39/AAAAAAAAAAAAAAAAAAAAAAAAAAAAIQAAABgAAAAUAAAA5h4AAPwXAADRKgAAExsAAAAAAAAmAAAACAAAAP//////////MAAAABQAAAAAAAAA/Er//wS1AAD8Sv//BLUAAA=="/>
               </a:ext>
             </a:extLst>
           </p:cNvSpPr>
@@ -4567,15 +4309,25 @@
         </p:nvSpPr>
         <p:spPr>
           <a:xfrm>
-            <a:off x="532130" y="1464945"/>
-            <a:ext cx="4377055" cy="1548765"/>
+            <a:off x="5022850" y="3898900"/>
+            <a:ext cx="1937385" cy="502285"/>
           </a:xfrm>
-          <a:prstGeom prst="rect">
-            <a:avLst/>
+          <a:prstGeom prst="wedgeEllipseCallout">
+            <a:avLst>
+              <a:gd name="adj1" fmla="val 65601"/>
+              <a:gd name="adj2" fmla="val -98420"/>
+            </a:avLst>
           </a:prstGeom>
-          <a:noFill/>
-          <a:ln>
-            <a:noFill/>
+          <a:solidFill>
+            <a:schemeClr val="accent1"/>
+          </a:solidFill>
+          <a:ln w="12700" cap="flat" cmpd="sng" algn="ctr">
+            <a:solidFill>
+              <a:schemeClr val="tx1"/>
+            </a:solidFill>
+            <a:prstDash val="solid"/>
+            <a:headEnd type="none"/>
+            <a:tailEnd type="none"/>
           </a:ln>
           <a:effectLst/>
         </p:spPr>
@@ -4583,45 +4335,20 @@
           <a:bodyPr vert="horz" wrap="square" numCol="1" spcCol="215900" anchor="t"/>
           <a:lstStyle/>
           <a:p>
-            <a:pPr/>
-            <a:r>
-              <a:rPr b="1" cap="none"/>
-              <a:t>Controller</a:t>
-            </a:r>
-          </a:p>
-          <a:p>
-            <a:pPr/>
-            <a:r>
-              <a:t>vangt interrups</a:t>
-            </a:r>
-          </a:p>
-          <a:p>
-            <a:pPr/>
-            <a:r>
-              <a:t>en verandert settings in model (de logica zit hier, niet in de view)</a:t>
-            </a:r>
-          </a:p>
-          <a:p>
-            <a:pPr/>
-            <a:r>
-              <a:t>roep tUI change op in view</a:t>
-            </a:r>
-          </a:p>
-          <a:p>
-            <a:pPr/>
-            <a:r>
-              <a:t>decouples the view from the model</a:t>
-            </a:r>
-          </a:p>
-        </p:txBody>
-      </p:sp>
-      <p:sp>
-        <p:nvSpPr>
-          <p:cNvPr id="5" name="Textbox4"/>
-          <p:cNvSpPr txBox="1">
-            <a:extLst>
-              <a:ext uri="smNativeData">
-                <pr:smNativeData xmlns:pr="smNativeData" xmlns="smNativeData" val="SMDATA_16_FrZCYxMAAAAlAAAAEgAAAA8BAAAAkAAAAEgAAACQAAAASAAAAAAAAAAAAAAAAAAAAAEAAABQAAAAAAAAAAAA4D8AAAAAAADgPwAAAAAAAOA/AAAAAAAA4D8AAAAAAADgPwAAAAAAAOA/AAAAAAAA4D8AAAAAAADgPwAAAAAAAOA/AAAAAAAA4D8CAAAAjAAAAAAAAAAAAAAAu+DjDP///wgAAAAAAAAAAAAAAAAAAAAAAAAAAAAAAAAAAAAAZAAAAAEAAABAAAAAAAAAAAAAAAAAAAAAAAAAAAAAAAAAAAAAAAAAAAAAAAAAAAAAAAAAAAAAAAAAAAAAAAAAAAAAAAAAAAAAAAAAAAAAAAAAAAAAAAAAAAAAAAAAAAAAFAAAADwAAAAAAAAAAAAAAAAAAAkUAAAAAQAAABQAAAAUAAAAFAAAAAEAAAAAAAAAZAAAAGQAAAAAAAAAZAAAAGQAAAAVAAAAYAAAAAAAAAAAAAAADwAAACADAAAAAAAAAAAAAAEAAACgMgAAVgcAAKr4//8BAAAAf39/AAEAAABkAAAAAAAAABQAAABAHwAAAAAAACYAAAAAAAAAwOD//wAAAAAmAAAAZAAAABYAAABMAAAAAAAAAAAAAAAEAAAAAAAAAAEAAACAgIAKAAAAACgAAAAoAAAAZAAAAGQAAAAAAAAAzMzMAAAAAABQAAAAUAAAAGQAAABkAAAAAAAAABcAAAAUAAAAAAAAANwIAAD/fwAA/38AAAAAAAAJAAAABAAAAAAAAAAeAAAAaAAAAAAAAAAAAAAAAAAAAAAAAAAAAAAAECcAABAnAAAAAAAAAAAAAAAAAAAAAAAAAAAAAAAAAAAAAAAAAAAAABQAAAAAAAAAwMD/AAAAAABkAAAAMgAAAAAAAABkAAAAAAAAAH9/fwAKAAAAIgAAABgAAAAAAAAAAAAAAAAAAAAAAAAAAAAAAAAAAAAkAAAAJAAAAAAAAAAHAAAAAAAAAAAAAAAAAAAAAAAAAAAAAAAAAAAAf39/ACUAAABYAAAAAAAAAAAAAAAAAAAAAAAAAAAAAAAAAAAAAAAAAAAAAAAAAAAAAAAAAAAAAAA/AAAAAAAAAKCGAQAAAAAAAAAAAAAAAAAMAAAAAQAAAAAAAAAAAAAAAAAAAB8AAABUAAAAu+DjBf///wEAAAAAAAAAAAAAAAAAAAAAAAAAAAAAAAAAAAAAAAAAAAAAAAJ/f38AgICAA8zMzADAwP8Af39/AAAAAAAAAAAAAAAAAAAAAAAAAAAAIQAAABgAAAAUAAAARgMAACQUAAAzHgAADSkAAAAAAAAmAAAACAAAAP//////////MAAAABQAAAAAAAAAAAD//wAAAQAAAP//AAABAA=="/>
+            <a:pPr algn="ctr"/>
+            <a:r>
+              <a:t>break</a:t>
+            </a:r>
+          </a:p>
+        </p:txBody>
+      </p:sp>
+      <p:sp>
+        <p:nvSpPr>
+          <p:cNvPr id="13" name="Legend5"/>
+          <p:cNvSpPr>
+            <a:extLst>
+              <a:ext uri="smNativeData">
+                <pr:smNativeData xmlns:pr="smNativeData" xmlns="smNativeData" val="SMDATA_16_zfxKYxMAAAAlAAAA9gEAAA8BAAAAkAAAAEgAAACQAAAASAAAAAAAAAAAAAAAAAAAAAEAAABQAAAAWG8zEdlv8T+MMCYGm4cDwAAAAAAAAOA/AAAAAAAA4D8AAAAAAADgPwAAAAAAAOA/AAAAAAAA4D8AAAAAAADgPwAAAAAAAOA/AAAAAAAA4D8CAAAAjAAAAAEAAAAAAAAAu+DjDP///wgAAAAAAAAAAAAAAAAAAAAAAAAAAAAAAAAAAAAAZAAAAAEAAABAAAAAAAAAAAAAAAAAAAAAAAAAAAAAAAAAAAAAAAAAAAAAAAAAAAAAAAAAAAAAAAAAAAAAAAAAAAAAAAAAAAAAAAAAAAAAAAAAAAAAAAAAAAAAAAAAAAAAFAAAADwAAAABAAAAAAAAAAAAAAkUAAAAAQAAABQAAAAUAAAAFAAAAAEAAAAAAAAAZAAAAGQAAAAAAAAAZAAAAGQAAAAVAAAAYAAAAAAAAAAAAAAADwAAACADAAAAAAAAAAAAAAEAAACgMgAAVgcAAKr4//8BAAAAf39/AAEAAABkAAAAAAAAABQAAABAHwAAAAAAACYAAAAAAAAAwOD//wAAAAAmAAAAZAAAABYAAABMAAAAAAAAAAAAAAAEAAAAAAAAAAEAAACAgIAKAAAAACgAAAAoAAAAZAAAAGQAAAAAAAAAzMzMAAAAAABQAAAAUAAAAGQAAABkAAAAAAAAABcAAAAUAAAAAAAAAAAAAAD/fwAA/38AAAAAAAAJAAAABAAAAAAAAAAeAAAAaAAAAAAAAAAAAAAAAAAAAAAAAAAAAAAAECcAABAnAAAAAAAAAAAAAAAAAAAAAAAAAAAAAAAAAAAAAAAAAAAAABQAAAAAAAAAwMD/AAAAAABkAAAAMgAAAAAAAABkAAAAAAAAAH9/fwAKAAAAIgAAABgAAAAAAAAAAAAAAAAAAAAAAAAAAAAAAAAAAAAkAAAAJAAAAAAAAAAHAAAAAAAAAAAAAAAAAAAAAAAAAAAAAAAAAAAAf39/ACUAAABYAAAAAAAAAAAAAAAAAAAAAAAAAAAAAAAAAAAAAAAAAAAAAAAAAAAAAAAAAAAAAAA/AAAAAAAAAKCGAQAAAAAAAAAAAAAAAAAMAAAAAQAAAAAAAAAAAAAAAAAAAB8AAABUAAAAu+DjBf///wEAAAAAAAAAAAAAAAAAAAAAAAAAAAAAAAAAAAAAAAAAAAAAAAJ/f38AgICAA8zMzADAwP8Af39/AAAAAAAAAAAAAAAAAAAAAAAAAAAAIQAAABgAAAAUAAAAOSAAAKMkAAAkLAAAuicAAAAAAAAmAAAACAAAAP//////////MAAAABQAAAAAAAAA/Er//wS1AAD8Sv//BLUAAA=="/>
               </a:ext>
             </a:extLst>
           </p:cNvSpPr>
@@ -4629,15 +4356,25 @@
         </p:nvSpPr>
         <p:spPr>
           <a:xfrm>
-            <a:off x="532130" y="3274060"/>
-            <a:ext cx="4377055" cy="3399155"/>
+            <a:off x="5238115" y="5955665"/>
+            <a:ext cx="1937385" cy="502285"/>
           </a:xfrm>
-          <a:prstGeom prst="rect">
-            <a:avLst/>
+          <a:prstGeom prst="wedgeEllipseCallout">
+            <a:avLst>
+              <a:gd name="adj1" fmla="val 54490"/>
+              <a:gd name="adj2" fmla="val -122061"/>
+            </a:avLst>
           </a:prstGeom>
-          <a:noFill/>
-          <a:ln>
-            <a:noFill/>
+          <a:solidFill>
+            <a:schemeClr val="accent1"/>
+          </a:solidFill>
+          <a:ln w="12700" cap="flat" cmpd="sng" algn="ctr">
+            <a:solidFill>
+              <a:schemeClr val="tx1"/>
+            </a:solidFill>
+            <a:prstDash val="solid"/>
+            <a:headEnd type="none"/>
+            <a:tailEnd type="none"/>
           </a:ln>
           <a:effectLst/>
         </p:spPr>
@@ -4645,79 +4382,104 @@
           <a:bodyPr vert="horz" wrap="square" numCol="1" spcCol="215900" anchor="t"/>
           <a:lstStyle/>
           <a:p>
-            <a:pPr>
-              <a:buNone/>
-              <a:defRPr b="1" cap="none"/>
-            </a:pPr>
-            <a:r>
-              <a:t>View</a:t>
-            </a:r>
-          </a:p>
-          <a:p>
-            <a:pPr/>
-            <a:r>
-              <a:t>drawScreenHome()</a:t>
-            </a:r>
-          </a:p>
-          <a:p>
-            <a:pPr/>
-            <a:r>
-              <a:t>drawScreenPreWork()</a:t>
-            </a:r>
-          </a:p>
-          <a:p>
-            <a:pPr/>
-            <a:r>
-              <a:t>drawScreenWork()</a:t>
-            </a:r>
-          </a:p>
-          <a:p>
-            <a:pPr/>
-            <a:r>
-              <a:t>drawScreenPostWork()</a:t>
-            </a:r>
-          </a:p>
-          <a:p>
-            <a:pPr/>
-            <a:r>
-              <a:t>drawScreenPreBreak()</a:t>
-            </a:r>
-          </a:p>
-          <a:p>
-            <a:pPr/>
-            <a:r>
-              <a:t>drawScreenBreak()</a:t>
-            </a:r>
-          </a:p>
-          <a:p>
-            <a:pPr/>
-            <a:r>
-              <a:t>drawScreenPostBreak()</a:t>
-            </a:r>
-          </a:p>
-          <a:p>
-            <a:pPr/>
-          </a:p>
-          <a:p>
-            <a:pPr/>
-            <a:r>
-              <a:t>is alleen bezig met het visuele</a:t>
-            </a:r>
-          </a:p>
-          <a:p>
-            <a:pPr/>
-            <a:r>
-              <a:t>vraagt dingen aan het model</a:t>
-            </a:r>
-          </a:p>
-          <a:p>
-            <a:pPr/>
-            <a:r>
-              <a:t>roept controller event handlers op</a:t>
-            </a:r>
-          </a:p>
-          <a:p>
-            <a:pPr/>
+            <a:pPr algn="ctr"/>
+            <a:r>
+              <a:t>post-break</a:t>
+            </a:r>
+          </a:p>
+        </p:txBody>
+      </p:sp>
+      <p:sp>
+        <p:nvSpPr>
+          <p:cNvPr id="14" name="Legend6"/>
+          <p:cNvSpPr>
+            <a:extLst>
+              <a:ext uri="smNativeData">
+                <pr:smNativeData xmlns:pr="smNativeData" xmlns="smNativeData" val="SMDATA_16_zfxKYxMAAAAlAAAA9gEAAA8BAAAAkAAAAEgAAACQAAAASAAAAAAAAAAAAAAAAAAAAAEAAABQAAAAhEt0QrhE978MhNiV9/XoPwAAAAAAAOA/AAAAAAAA4D8AAAAAAADgPwAAAAAAAOA/AAAAAAAA4D8AAAAAAADgPwAAAAAAAOA/AAAAAAAA4D8CAAAAjAAAAAEAAAAAAAAAu+DjDP///wgAAAAAAAAAAAAAAAAAAAAAAAAAAAAAAAAAAAAAZAAAAAEAAABAAAAAAAAAAAAAAAAAAAAAAAAAAAAAAAAAAAAAAAAAAAAAAAAAAAAAAAAAAAAAAAAAAAAAAAAAAAAAAAAAAAAAAAAAAAAAAAAAAAAAAAAAAAAAAAAAAAAAFAAAADwAAAABAAAAAAAAAAAAAAkUAAAAAQAAABQAAAAUAAAAFAAAAAEAAAAAAAAAZAAAAGQAAAAAAAAAZAAAAGQAAAAVAAAAYAAAAAAAAAAAAAAADwAAACADAAAAAAAAAAAAAAEAAACgMgAAVgcAAKr4//8BAAAAf39/AAEAAABkAAAAAAAAABQAAABAHwAAAAAAACYAAAAAAAAAwOD//wAAAAAmAAAAZAAAABYAAABMAAAAAAAAAAAAAAAEAAAAAAAAAAEAAACAgIAKAAAAACgAAAAoAAAAZAAAAGQAAAAAAAAAzMzMAAAAAABQAAAAUAAAAGQAAABkAAAAAAAAABcAAAAUAAAAAAAAAAAAAAD/fwAA/38AAAAAAAAJAAAABAAAAAAAAAQeAAAAaAAAAAAAAAAAAAAAAAAAAAAAAAAAAAAAECcAABAnAAAAAAAAAAAAAAAAAAAAAAAAAAAAAAAAAAAAAAAAAAAAABQAAAAAAAAAwMD/AAAAAABkAAAAMgAAAAAAAABkAAAAAAAAAH9/fwAKAAAAIgAAABgAAAAAAAAAAAAAAAAAAAAAAAAAAAAAAAAAAAAkAAAAJAAAAAAAAAAHAAAAAAAAAAAAAAAAAAAAAAAAAAAAAAAAAAAAf39/ACUAAABYAAAAAAAAAAAAAAAAAAAAAAAAAAAAAAAAAAAAAAAAAAAAAAAAAAAAAAAAAAAAAAA/AAAAAAAAAKCGAQAAAAAAAAAAAAAAAAAMAAAAAQAAAAAAAAAAAAAAAAAAAB8AAABUAAAAu+DjBf///wEAAAAAAAAAAAAAAAAAAAAAAAAAAAAAAAAAAAAAAAAAAAAAAAJ/f38AgICAA8zMzADAwP8Af39/AAAAAAAAAAAAAAAAAAAAAAAAAAAAIQAAABgAAAAUAAAAuBgAAMgfAACjJAAA3yIAAAAAAAAmAAAACAAAAP//////////MAAAABQAAAAAAAAA/Er//wS1AAD8Sv//BLUAAA=="/>
+              </a:ext>
+            </a:extLst>
+          </p:cNvSpPr>
+          <p:nvPr/>
+        </p:nvSpPr>
+        <p:spPr>
+          <a:xfrm>
+            <a:off x="4018280" y="5166360"/>
+            <a:ext cx="1937385" cy="502285"/>
+          </a:xfrm>
+          <a:prstGeom prst="wedgeEllipseCallout">
+            <a:avLst>
+              <a:gd name="adj1" fmla="val -72714"/>
+              <a:gd name="adj2" fmla="val 39001"/>
+            </a:avLst>
+          </a:prstGeom>
+          <a:solidFill>
+            <a:schemeClr val="accent1"/>
+          </a:solidFill>
+          <a:ln w="12700" cap="flat" cmpd="sng" algn="ctr">
+            <a:solidFill>
+              <a:schemeClr val="tx1"/>
+            </a:solidFill>
+            <a:prstDash val="solid"/>
+            <a:headEnd type="none"/>
+            <a:tailEnd type="none"/>
+          </a:ln>
+          <a:effectLst/>
+        </p:spPr>
+        <p:txBody>
+          <a:bodyPr vert="horz" wrap="square" numCol="1" spcCol="215900" anchor="t"/>
+          <a:lstStyle/>
+          <a:p>
+            <a:pPr algn="ctr"/>
+            <a:r>
+              <a:t>post-work</a:t>
+            </a:r>
+          </a:p>
+        </p:txBody>
+      </p:sp>
+      <p:sp>
+        <p:nvSpPr>
+          <p:cNvPr id="15" name="Legend7"/>
+          <p:cNvSpPr>
+            <a:extLst>
+              <a:ext uri="smNativeData">
+                <pr:smNativeData xmlns:pr="smNativeData" xmlns="smNativeData" val="SMDATA_16_zfxKYxMAAAAlAAAA9gEAAA8BAAAAkAAAAEgAAACQAAAASAAAAAAAAAAAAAAAAAAAAAEAAABQAAAAwvQR/oSt9D8y4w7+6VvsvwAAAAAAAOA/AAAAAAAA4D8AAAAAAADgPwAAAAAAAOA/AAAAAAAA4D8AAAAAAADgPwAAAAAAAOA/AAAAAAAA4D8CAAAAjAAAAAEAAAAAAAAAu+DjDP///wgAAAAAAAAAAAAAAAAAAAAAAAAAAAAAAAAAAAAAZAAAAAEAAABAAAAAAAAAAAAAAAAAAAAAAAAAAAAAAAAAAAAAAAAAAAAAAAAAAAAAAAAAAAAAAAAAAAAAAAAAAAAAAAAAAAAAAAAAAAAAAAAAAAAAAAAAAAAAAAAAAAAAFAAAADwAAAABAAAAAAAAAAAAAAkUAAAAAQAAABQAAAAUAAAAFAAAAAEAAAAAAAAAZAAAAGQAAAAAAAAAZAAAAGQAAAAVAAAAYAAAAAAAAAAAAAAADwAAACADAAAAAAAAAAAAAAEAAACgMgAAVgcAAKr4//8BAAAAf39/AAEAAABkAAAAAAAAABQAAABAHwAAAAAAACYAAAAAAAAAwOD//wAAAAAmAAAAZAAAABYAAABMAAAAAAAAAAAAAAAEAAAAAAAAAAEAAACAgIAKAAAAACgAAAAoAAAAZAAAAGQAAAAAAAAAzMzMAAAAAABQAAAAUAAAAGQAAABkAAAAAAAAABcAAAAUAAAAAAAAAAAAAAD/fwAA/38AAAAAAAAJAAAABAAAAAAAAP8eAAAAaAAAAAAAAAAAAAAAAAAAAAAAAAAAAAAAECcAABAnAAAAAAAAAAAAAAAAAAAAAAAAAAAAAAAAAAAAAAAAAAAAABQAAAAAAAAAwMD/AAAAAABkAAAAMgAAAAAAAABkAAAAAAAAAH9/fwAKAAAAIgAAABgAAAAAAAAAAAAAAAAAAAAAAAAAAAAAAAAAAAAkAAAAJAAAAAAAAAAHAAAAAAAAAAAAAAAAAAAAAAAAAAAAAAAAAAAAf39/ACUAAABYAAAAAAAAAAAAAAAAAAAAAAAAAAAAAAAAAAAAAAAAAAAAAAAAAAAAAAAAAAAAAAA/AAAAAAAAAKCGAQAAAAAAAAAAAAAAAAAMAAAAAQAAAAAAAAAAAAAAAAAAAB8AAABUAAAAu+DjBf///wEAAAAAAAAAAAAAAAAAAAAAAAAAAAAAAAAAAAAAAAAAAAAAAAJ/f38AgICAA8zMzADAwP8Af39/AAAAAAAAAAAAAAAAAAAAAAAAAAAAIQAAABgAAAAUAAAA5h4AAEsNAADRKgAAYhAAAAAAAAAmAAAACAAAAP//////////MAAAABQAAAAAAAAA/Er//wS1AAD8Sv//BLUAAA=="/>
+              </a:ext>
+            </a:extLst>
+          </p:cNvSpPr>
+          <p:nvPr/>
+        </p:nvSpPr>
+        <p:spPr>
+          <a:xfrm>
+            <a:off x="5022850" y="2160905"/>
+            <a:ext cx="1937385" cy="502285"/>
+          </a:xfrm>
+          <a:prstGeom prst="wedgeEllipseCallout">
+            <a:avLst>
+              <a:gd name="adj1" fmla="val 64618"/>
+              <a:gd name="adj2" fmla="val -44311"/>
+            </a:avLst>
+          </a:prstGeom>
+          <a:solidFill>
+            <a:schemeClr val="accent1"/>
+          </a:solidFill>
+          <a:ln w="12700" cap="flat" cmpd="sng" algn="ctr">
+            <a:solidFill>
+              <a:schemeClr val="tx1"/>
+            </a:solidFill>
+            <a:prstDash val="solid"/>
+            <a:headEnd type="none"/>
+            <a:tailEnd type="none"/>
+          </a:ln>
+          <a:effectLst/>
+        </p:spPr>
+        <p:txBody>
+          <a:bodyPr vert="horz" wrap="square" numCol="1" spcCol="215900" anchor="t"/>
+          <a:lstStyle/>
+          <a:p>
+            <a:pPr algn="ctr"/>
+            <a:r>
+              <a:t>pre-break</a:t>
+            </a:r>
           </a:p>
         </p:txBody>
       </p:sp>
@@ -5520,6 +5282,47 @@
       </a:clrScheme>
       <a:clrMap bg1="lt1" tx1="dk1" bg2="lt2" tx2="dk2" accent1="accent1" accent2="accent2" accent3="accent3" accent4="accent4" accent5="accent5" accent6="accent6" hlink="hlink" folHlink="folHlink"/>
     </a:extraClrScheme>
+    <a:extraClrScheme>
+      <a:clrScheme name="Presentation 14">
+        <a:dk1>
+          <a:srgbClr val="000000"/>
+        </a:dk1>
+        <a:lt1>
+          <a:srgbClr val="FFFFFF"/>
+        </a:lt1>
+        <a:dk2>
+          <a:srgbClr val="000000"/>
+        </a:dk2>
+        <a:lt2>
+          <a:srgbClr val="808080"/>
+        </a:lt2>
+        <a:accent1>
+          <a:srgbClr val="BBE0E3"/>
+        </a:accent1>
+        <a:accent2>
+          <a:srgbClr val="333399"/>
+        </a:accent2>
+        <a:accent3>
+          <a:srgbClr val="535379"/>
+        </a:accent3>
+        <a:accent4>
+          <a:srgbClr val="737359"/>
+        </a:accent4>
+        <a:accent5>
+          <a:srgbClr val="939339"/>
+        </a:accent5>
+        <a:accent6>
+          <a:srgbClr val="B3B319"/>
+        </a:accent6>
+        <a:hlink>
+          <a:srgbClr val="009999"/>
+        </a:hlink>
+        <a:folHlink>
+          <a:srgbClr val="99CC00"/>
+        </a:folHlink>
+      </a:clrScheme>
+      <a:clrMap bg1="lt1" tx1="dk1" bg2="lt2" tx2="dk2" accent1="accent1" accent2="accent2" accent3="accent3" accent4="accent4" accent5="accent5" accent6="accent6" hlink="hlink" folHlink="folHlink"/>
+    </a:extraClrScheme>
   </a:extraClrSchemeLst>
 </a:theme>
 </file>